--- a/00-iamroot11c/users/blomdhal/temp/temp.pptx
+++ b/00-iamroot11c/users/blomdhal/temp/temp.pptx
@@ -7,6 +7,7 @@
   <p:sldIdLst>
     <p:sldId id="256" r:id="rId2"/>
     <p:sldId id="257" r:id="rId3"/>
+    <p:sldId id="258" r:id="rId4"/>
   </p:sldIdLst>
   <p:sldSz cx="9144000" cy="6858000" type="screen4x3"/>
   <p:notesSz cx="6858000" cy="9144000"/>
@@ -289,7 +290,7 @@
           <a:p>
             <a:fld id="{45806C50-3C04-4827-BE75-29D46D82EADB}" type="datetimeFigureOut">
               <a:rPr lang="ko-KR" altLang="en-US" smtClean="0"/>
-              <a:t>2014-12-15</a:t>
+              <a:t>2014-12-18</a:t>
             </a:fld>
             <a:endParaRPr lang="ko-KR" altLang="en-US"/>
           </a:p>
@@ -459,7 +460,7 @@
           <a:p>
             <a:fld id="{45806C50-3C04-4827-BE75-29D46D82EADB}" type="datetimeFigureOut">
               <a:rPr lang="ko-KR" altLang="en-US" smtClean="0"/>
-              <a:t>2014-12-15</a:t>
+              <a:t>2014-12-18</a:t>
             </a:fld>
             <a:endParaRPr lang="ko-KR" altLang="en-US"/>
           </a:p>
@@ -639,7 +640,7 @@
           <a:p>
             <a:fld id="{45806C50-3C04-4827-BE75-29D46D82EADB}" type="datetimeFigureOut">
               <a:rPr lang="ko-KR" altLang="en-US" smtClean="0"/>
-              <a:t>2014-12-15</a:t>
+              <a:t>2014-12-18</a:t>
             </a:fld>
             <a:endParaRPr lang="ko-KR" altLang="en-US"/>
           </a:p>
@@ -809,7 +810,7 @@
           <a:p>
             <a:fld id="{45806C50-3C04-4827-BE75-29D46D82EADB}" type="datetimeFigureOut">
               <a:rPr lang="ko-KR" altLang="en-US" smtClean="0"/>
-              <a:t>2014-12-15</a:t>
+              <a:t>2014-12-18</a:t>
             </a:fld>
             <a:endParaRPr lang="ko-KR" altLang="en-US"/>
           </a:p>
@@ -1055,7 +1056,7 @@
           <a:p>
             <a:fld id="{45806C50-3C04-4827-BE75-29D46D82EADB}" type="datetimeFigureOut">
               <a:rPr lang="ko-KR" altLang="en-US" smtClean="0"/>
-              <a:t>2014-12-15</a:t>
+              <a:t>2014-12-18</a:t>
             </a:fld>
             <a:endParaRPr lang="ko-KR" altLang="en-US"/>
           </a:p>
@@ -1343,7 +1344,7 @@
           <a:p>
             <a:fld id="{45806C50-3C04-4827-BE75-29D46D82EADB}" type="datetimeFigureOut">
               <a:rPr lang="ko-KR" altLang="en-US" smtClean="0"/>
-              <a:t>2014-12-15</a:t>
+              <a:t>2014-12-18</a:t>
             </a:fld>
             <a:endParaRPr lang="ko-KR" altLang="en-US"/>
           </a:p>
@@ -1765,7 +1766,7 @@
           <a:p>
             <a:fld id="{45806C50-3C04-4827-BE75-29D46D82EADB}" type="datetimeFigureOut">
               <a:rPr lang="ko-KR" altLang="en-US" smtClean="0"/>
-              <a:t>2014-12-15</a:t>
+              <a:t>2014-12-18</a:t>
             </a:fld>
             <a:endParaRPr lang="ko-KR" altLang="en-US"/>
           </a:p>
@@ -1883,7 +1884,7 @@
           <a:p>
             <a:fld id="{45806C50-3C04-4827-BE75-29D46D82EADB}" type="datetimeFigureOut">
               <a:rPr lang="ko-KR" altLang="en-US" smtClean="0"/>
-              <a:t>2014-12-15</a:t>
+              <a:t>2014-12-18</a:t>
             </a:fld>
             <a:endParaRPr lang="ko-KR" altLang="en-US"/>
           </a:p>
@@ -1978,7 +1979,7 @@
           <a:p>
             <a:fld id="{45806C50-3C04-4827-BE75-29D46D82EADB}" type="datetimeFigureOut">
               <a:rPr lang="ko-KR" altLang="en-US" smtClean="0"/>
-              <a:t>2014-12-15</a:t>
+              <a:t>2014-12-18</a:t>
             </a:fld>
             <a:endParaRPr lang="ko-KR" altLang="en-US"/>
           </a:p>
@@ -2255,7 +2256,7 @@
           <a:p>
             <a:fld id="{45806C50-3C04-4827-BE75-29D46D82EADB}" type="datetimeFigureOut">
               <a:rPr lang="ko-KR" altLang="en-US" smtClean="0"/>
-              <a:t>2014-12-15</a:t>
+              <a:t>2014-12-18</a:t>
             </a:fld>
             <a:endParaRPr lang="ko-KR" altLang="en-US"/>
           </a:p>
@@ -2508,7 +2509,7 @@
           <a:p>
             <a:fld id="{45806C50-3C04-4827-BE75-29D46D82EADB}" type="datetimeFigureOut">
               <a:rPr lang="ko-KR" altLang="en-US" smtClean="0"/>
-              <a:t>2014-12-15</a:t>
+              <a:t>2014-12-18</a:t>
             </a:fld>
             <a:endParaRPr lang="ko-KR" altLang="en-US"/>
           </a:p>
@@ -2721,7 +2722,7 @@
           <a:p>
             <a:fld id="{45806C50-3C04-4827-BE75-29D46D82EADB}" type="datetimeFigureOut">
               <a:rPr lang="ko-KR" altLang="en-US" smtClean="0"/>
-              <a:t>2014-12-15</a:t>
+              <a:t>2014-12-18</a:t>
             </a:fld>
             <a:endParaRPr lang="ko-KR" altLang="en-US"/>
           </a:p>
@@ -7480,6 +7481,2687 @@
 </p:sld>
 </file>
 
+<file path=ppt/slides/slide3.xml><?xml version="1.0" encoding="utf-8"?>
+<p:sld xmlns:a="http://schemas.openxmlformats.org/drawingml/2006/main" xmlns:r="http://schemas.openxmlformats.org/officeDocument/2006/relationships" xmlns:p="http://schemas.openxmlformats.org/presentationml/2006/main">
+  <p:cSld>
+    <p:spTree>
+      <p:nvGrpSpPr>
+        <p:cNvPr id="1" name=""/>
+        <p:cNvGrpSpPr/>
+        <p:nvPr/>
+      </p:nvGrpSpPr>
+      <p:grpSpPr>
+        <a:xfrm>
+          <a:off x="0" y="0"/>
+          <a:ext cx="0" cy="0"/>
+          <a:chOff x="0" y="0"/>
+          <a:chExt cx="0" cy="0"/>
+        </a:xfrm>
+      </p:grpSpPr>
+      <p:sp>
+        <p:nvSpPr>
+          <p:cNvPr id="4" name="TextBox 3"/>
+          <p:cNvSpPr txBox="1"/>
+          <p:nvPr/>
+        </p:nvSpPr>
+        <p:spPr>
+          <a:xfrm>
+            <a:off x="323528" y="188640"/>
+            <a:ext cx="8568952" cy="369332"/>
+          </a:xfrm>
+          <a:prstGeom prst="rect">
+            <a:avLst/>
+          </a:prstGeom>
+          <a:noFill/>
+        </p:spPr>
+        <p:txBody>
+          <a:bodyPr wrap="square" rtlCol="0">
+            <a:spAutoFit/>
+          </a:bodyPr>
+          <a:lstStyle/>
+          <a:p>
+            <a:r>
+              <a:rPr lang="en-US" altLang="ko-KR" b="1" dirty="0" err="1" smtClean="0"/>
+              <a:t>List_add</a:t>
+            </a:r>
+            <a:r>
+              <a:rPr lang="en-US" altLang="ko-KR" b="1" dirty="0" smtClean="0"/>
+              <a:t>()</a:t>
+            </a:r>
+            <a:r>
+              <a:rPr lang="ko-KR" altLang="en-US" b="1" dirty="0" smtClean="0"/>
+              <a:t>와 </a:t>
+            </a:r>
+            <a:r>
+              <a:rPr lang="en-US" altLang="ko-KR" b="1" dirty="0" err="1" smtClean="0"/>
+              <a:t>List_add_tail</a:t>
+            </a:r>
+            <a:r>
+              <a:rPr lang="en-US" altLang="ko-KR" b="1" dirty="0" smtClean="0"/>
+              <a:t>()</a:t>
+            </a:r>
+            <a:r>
+              <a:rPr lang="ko-KR" altLang="en-US" b="1" dirty="0" smtClean="0"/>
+              <a:t>의 차이점</a:t>
+            </a:r>
+            <a:endParaRPr lang="en-US" altLang="ko-KR" b="1" dirty="0" smtClean="0"/>
+          </a:p>
+        </p:txBody>
+      </p:sp>
+      <p:grpSp>
+        <p:nvGrpSpPr>
+          <p:cNvPr id="9" name="그룹 8"/>
+          <p:cNvGrpSpPr/>
+          <p:nvPr/>
+        </p:nvGrpSpPr>
+        <p:grpSpPr>
+          <a:xfrm>
+            <a:off x="407655" y="1412776"/>
+            <a:ext cx="1224136" cy="360040"/>
+            <a:chOff x="971600" y="1268760"/>
+            <a:chExt cx="2088232" cy="576064"/>
+          </a:xfrm>
+        </p:grpSpPr>
+        <p:sp>
+          <p:nvSpPr>
+            <p:cNvPr id="6" name="모서리가 둥근 직사각형 5"/>
+            <p:cNvSpPr/>
+            <p:nvPr/>
+          </p:nvSpPr>
+          <p:spPr>
+            <a:xfrm>
+              <a:off x="971600" y="1268760"/>
+              <a:ext cx="2088232" cy="576064"/>
+            </a:xfrm>
+            <a:prstGeom prst="roundRect">
+              <a:avLst/>
+            </a:prstGeom>
+          </p:spPr>
+          <p:style>
+            <a:lnRef idx="2">
+              <a:schemeClr val="dk1"/>
+            </a:lnRef>
+            <a:fillRef idx="1">
+              <a:schemeClr val="lt1"/>
+            </a:fillRef>
+            <a:effectRef idx="0">
+              <a:schemeClr val="dk1"/>
+            </a:effectRef>
+            <a:fontRef idx="minor">
+              <a:schemeClr val="dk1"/>
+            </a:fontRef>
+          </p:style>
+          <p:txBody>
+            <a:bodyPr rtlCol="0" anchor="ctr"/>
+            <a:lstStyle/>
+            <a:p>
+              <a:pPr algn="ctr"/>
+              <a:r>
+                <a:rPr lang="en-US" altLang="ko-KR" dirty="0" smtClean="0"/>
+                <a:t>head</a:t>
+              </a:r>
+              <a:endParaRPr lang="ko-KR" altLang="en-US" dirty="0"/>
+            </a:p>
+          </p:txBody>
+        </p:sp>
+        <p:sp>
+          <p:nvSpPr>
+            <p:cNvPr id="7" name="모서리가 둥근 직사각형 6"/>
+            <p:cNvSpPr/>
+            <p:nvPr/>
+          </p:nvSpPr>
+          <p:spPr>
+            <a:xfrm>
+              <a:off x="971600" y="1268760"/>
+              <a:ext cx="288032" cy="576064"/>
+            </a:xfrm>
+            <a:prstGeom prst="roundRect">
+              <a:avLst/>
+            </a:prstGeom>
+          </p:spPr>
+          <p:style>
+            <a:lnRef idx="2">
+              <a:schemeClr val="dk1"/>
+            </a:lnRef>
+            <a:fillRef idx="1">
+              <a:schemeClr val="lt1"/>
+            </a:fillRef>
+            <a:effectRef idx="0">
+              <a:schemeClr val="dk1"/>
+            </a:effectRef>
+            <a:fontRef idx="minor">
+              <a:schemeClr val="dk1"/>
+            </a:fontRef>
+          </p:style>
+          <p:txBody>
+            <a:bodyPr rtlCol="0" anchor="ctr"/>
+            <a:lstStyle/>
+            <a:p>
+              <a:pPr algn="ctr"/>
+              <a:endParaRPr lang="ko-KR" altLang="en-US"/>
+            </a:p>
+          </p:txBody>
+        </p:sp>
+        <p:sp>
+          <p:nvSpPr>
+            <p:cNvPr id="8" name="모서리가 둥근 직사각형 7"/>
+            <p:cNvSpPr/>
+            <p:nvPr/>
+          </p:nvSpPr>
+          <p:spPr>
+            <a:xfrm>
+              <a:off x="2771800" y="1268760"/>
+              <a:ext cx="288032" cy="576064"/>
+            </a:xfrm>
+            <a:prstGeom prst="roundRect">
+              <a:avLst/>
+            </a:prstGeom>
+          </p:spPr>
+          <p:style>
+            <a:lnRef idx="2">
+              <a:schemeClr val="dk1"/>
+            </a:lnRef>
+            <a:fillRef idx="1">
+              <a:schemeClr val="lt1"/>
+            </a:fillRef>
+            <a:effectRef idx="0">
+              <a:schemeClr val="dk1"/>
+            </a:effectRef>
+            <a:fontRef idx="minor">
+              <a:schemeClr val="dk1"/>
+            </a:fontRef>
+          </p:style>
+          <p:txBody>
+            <a:bodyPr rtlCol="0" anchor="ctr"/>
+            <a:lstStyle/>
+            <a:p>
+              <a:pPr algn="ctr"/>
+              <a:endParaRPr lang="ko-KR" altLang="en-US"/>
+            </a:p>
+          </p:txBody>
+        </p:sp>
+      </p:grpSp>
+      <p:grpSp>
+        <p:nvGrpSpPr>
+          <p:cNvPr id="10" name="그룹 9"/>
+          <p:cNvGrpSpPr/>
+          <p:nvPr/>
+        </p:nvGrpSpPr>
+        <p:grpSpPr>
+          <a:xfrm>
+            <a:off x="2273327" y="1412776"/>
+            <a:ext cx="1224136" cy="360040"/>
+            <a:chOff x="971600" y="1268760"/>
+            <a:chExt cx="2088232" cy="576064"/>
+          </a:xfrm>
+        </p:grpSpPr>
+        <p:sp>
+          <p:nvSpPr>
+            <p:cNvPr id="11" name="모서리가 둥근 직사각형 10"/>
+            <p:cNvSpPr/>
+            <p:nvPr/>
+          </p:nvSpPr>
+          <p:spPr>
+            <a:xfrm>
+              <a:off x="971600" y="1268760"/>
+              <a:ext cx="2088232" cy="576064"/>
+            </a:xfrm>
+            <a:prstGeom prst="roundRect">
+              <a:avLst/>
+            </a:prstGeom>
+          </p:spPr>
+          <p:style>
+            <a:lnRef idx="2">
+              <a:schemeClr val="dk1"/>
+            </a:lnRef>
+            <a:fillRef idx="1">
+              <a:schemeClr val="lt1"/>
+            </a:fillRef>
+            <a:effectRef idx="0">
+              <a:schemeClr val="dk1"/>
+            </a:effectRef>
+            <a:fontRef idx="minor">
+              <a:schemeClr val="dk1"/>
+            </a:fontRef>
+          </p:style>
+          <p:txBody>
+            <a:bodyPr rtlCol="0" anchor="ctr"/>
+            <a:lstStyle/>
+            <a:p>
+              <a:pPr algn="ctr"/>
+              <a:r>
+                <a:rPr lang="en-US" altLang="ko-KR" dirty="0" smtClean="0"/>
+                <a:t>0</a:t>
+              </a:r>
+              <a:endParaRPr lang="ko-KR" altLang="en-US" dirty="0"/>
+            </a:p>
+          </p:txBody>
+        </p:sp>
+        <p:sp>
+          <p:nvSpPr>
+            <p:cNvPr id="12" name="모서리가 둥근 직사각형 11"/>
+            <p:cNvSpPr/>
+            <p:nvPr/>
+          </p:nvSpPr>
+          <p:spPr>
+            <a:xfrm>
+              <a:off x="971600" y="1268760"/>
+              <a:ext cx="288032" cy="576064"/>
+            </a:xfrm>
+            <a:prstGeom prst="roundRect">
+              <a:avLst/>
+            </a:prstGeom>
+          </p:spPr>
+          <p:style>
+            <a:lnRef idx="2">
+              <a:schemeClr val="dk1"/>
+            </a:lnRef>
+            <a:fillRef idx="1">
+              <a:schemeClr val="lt1"/>
+            </a:fillRef>
+            <a:effectRef idx="0">
+              <a:schemeClr val="dk1"/>
+            </a:effectRef>
+            <a:fontRef idx="minor">
+              <a:schemeClr val="dk1"/>
+            </a:fontRef>
+          </p:style>
+          <p:txBody>
+            <a:bodyPr rtlCol="0" anchor="ctr"/>
+            <a:lstStyle/>
+            <a:p>
+              <a:pPr algn="ctr"/>
+              <a:endParaRPr lang="ko-KR" altLang="en-US"/>
+            </a:p>
+          </p:txBody>
+        </p:sp>
+        <p:sp>
+          <p:nvSpPr>
+            <p:cNvPr id="13" name="모서리가 둥근 직사각형 12"/>
+            <p:cNvSpPr/>
+            <p:nvPr/>
+          </p:nvSpPr>
+          <p:spPr>
+            <a:xfrm>
+              <a:off x="2771800" y="1268760"/>
+              <a:ext cx="288032" cy="576064"/>
+            </a:xfrm>
+            <a:prstGeom prst="roundRect">
+              <a:avLst/>
+            </a:prstGeom>
+          </p:spPr>
+          <p:style>
+            <a:lnRef idx="2">
+              <a:schemeClr val="dk1"/>
+            </a:lnRef>
+            <a:fillRef idx="1">
+              <a:schemeClr val="lt1"/>
+            </a:fillRef>
+            <a:effectRef idx="0">
+              <a:schemeClr val="dk1"/>
+            </a:effectRef>
+            <a:fontRef idx="minor">
+              <a:schemeClr val="dk1"/>
+            </a:fontRef>
+          </p:style>
+          <p:txBody>
+            <a:bodyPr rtlCol="0" anchor="ctr"/>
+            <a:lstStyle/>
+            <a:p>
+              <a:pPr algn="ctr"/>
+              <a:endParaRPr lang="ko-KR" altLang="en-US"/>
+            </a:p>
+          </p:txBody>
+        </p:sp>
+      </p:grpSp>
+      <p:sp>
+        <p:nvSpPr>
+          <p:cNvPr id="18" name="TextBox 17"/>
+          <p:cNvSpPr txBox="1"/>
+          <p:nvPr/>
+        </p:nvSpPr>
+        <p:spPr>
+          <a:xfrm>
+            <a:off x="318232" y="764704"/>
+            <a:ext cx="2381560" cy="369332"/>
+          </a:xfrm>
+          <a:prstGeom prst="rect">
+            <a:avLst/>
+          </a:prstGeom>
+          <a:noFill/>
+        </p:spPr>
+        <p:txBody>
+          <a:bodyPr wrap="square" rtlCol="0">
+            <a:spAutoFit/>
+          </a:bodyPr>
+          <a:lstStyle/>
+          <a:p>
+            <a:r>
+              <a:rPr lang="en-US" altLang="ko-KR" b="1" dirty="0" err="1" smtClean="0"/>
+              <a:t>List_add</a:t>
+            </a:r>
+            <a:r>
+              <a:rPr lang="en-US" altLang="ko-KR" b="1" dirty="0" smtClean="0"/>
+              <a:t>()</a:t>
+            </a:r>
+            <a:endParaRPr lang="ko-KR" altLang="en-US" b="1" dirty="0"/>
+          </a:p>
+        </p:txBody>
+      </p:sp>
+      <p:cxnSp>
+        <p:nvCxnSpPr>
+          <p:cNvPr id="20" name="구부러진 연결선 19"/>
+          <p:cNvCxnSpPr>
+            <a:stCxn id="7" idx="0"/>
+            <a:endCxn id="11" idx="0"/>
+          </p:cNvCxnSpPr>
+          <p:nvPr/>
+        </p:nvCxnSpPr>
+        <p:spPr>
+          <a:xfrm rot="5400000" flipH="1" flipV="1">
+            <a:off x="1688736" y="216118"/>
+            <a:ext cx="12700" cy="2393317"/>
+          </a:xfrm>
+          <a:prstGeom prst="curvedConnector3">
+            <a:avLst>
+              <a:gd name="adj1" fmla="val 1800000"/>
+            </a:avLst>
+          </a:prstGeom>
+          <a:ln>
+            <a:tailEnd type="arrow"/>
+          </a:ln>
+        </p:spPr>
+        <p:style>
+          <a:lnRef idx="1">
+            <a:schemeClr val="accent1"/>
+          </a:lnRef>
+          <a:fillRef idx="0">
+            <a:schemeClr val="accent1"/>
+          </a:fillRef>
+          <a:effectRef idx="0">
+            <a:schemeClr val="accent1"/>
+          </a:effectRef>
+          <a:fontRef idx="minor">
+            <a:schemeClr val="tx1"/>
+          </a:fontRef>
+        </p:style>
+      </p:cxnSp>
+      <p:cxnSp>
+        <p:nvCxnSpPr>
+          <p:cNvPr id="23" name="구부러진 연결선 22"/>
+          <p:cNvCxnSpPr>
+            <a:stCxn id="8" idx="0"/>
+            <a:endCxn id="11" idx="0"/>
+          </p:cNvCxnSpPr>
+          <p:nvPr/>
+        </p:nvCxnSpPr>
+        <p:spPr>
+          <a:xfrm rot="5400000" flipH="1" flipV="1">
+            <a:off x="2216381" y="743763"/>
+            <a:ext cx="12700" cy="1338027"/>
+          </a:xfrm>
+          <a:prstGeom prst="curvedConnector3">
+            <a:avLst>
+              <a:gd name="adj1" fmla="val 1800000"/>
+            </a:avLst>
+          </a:prstGeom>
+          <a:ln>
+            <a:tailEnd type="arrow"/>
+          </a:ln>
+        </p:spPr>
+        <p:style>
+          <a:lnRef idx="1">
+            <a:schemeClr val="accent1"/>
+          </a:lnRef>
+          <a:fillRef idx="0">
+            <a:schemeClr val="accent1"/>
+          </a:fillRef>
+          <a:effectRef idx="0">
+            <a:schemeClr val="accent1"/>
+          </a:effectRef>
+          <a:fontRef idx="minor">
+            <a:schemeClr val="tx1"/>
+          </a:fontRef>
+        </p:style>
+      </p:cxnSp>
+      <p:cxnSp>
+        <p:nvCxnSpPr>
+          <p:cNvPr id="25" name="구부러진 연결선 24"/>
+          <p:cNvCxnSpPr>
+            <a:stCxn id="12" idx="2"/>
+            <a:endCxn id="6" idx="2"/>
+          </p:cNvCxnSpPr>
+          <p:nvPr/>
+        </p:nvCxnSpPr>
+        <p:spPr>
+          <a:xfrm rot="5400000">
+            <a:off x="1688737" y="1103803"/>
+            <a:ext cx="12700" cy="1338027"/>
+          </a:xfrm>
+          <a:prstGeom prst="curvedConnector3">
+            <a:avLst>
+              <a:gd name="adj1" fmla="val 1800000"/>
+            </a:avLst>
+          </a:prstGeom>
+          <a:ln>
+            <a:tailEnd type="arrow"/>
+          </a:ln>
+        </p:spPr>
+        <p:style>
+          <a:lnRef idx="1">
+            <a:schemeClr val="accent1"/>
+          </a:lnRef>
+          <a:fillRef idx="0">
+            <a:schemeClr val="accent1"/>
+          </a:fillRef>
+          <a:effectRef idx="0">
+            <a:schemeClr val="accent1"/>
+          </a:effectRef>
+          <a:fontRef idx="minor">
+            <a:schemeClr val="tx1"/>
+          </a:fontRef>
+        </p:style>
+      </p:cxnSp>
+      <p:cxnSp>
+        <p:nvCxnSpPr>
+          <p:cNvPr id="27" name="구부러진 연결선 26"/>
+          <p:cNvCxnSpPr>
+            <a:stCxn id="13" idx="2"/>
+            <a:endCxn id="6" idx="2"/>
+          </p:cNvCxnSpPr>
+          <p:nvPr/>
+        </p:nvCxnSpPr>
+        <p:spPr>
+          <a:xfrm rot="5400000">
+            <a:off x="2216382" y="576158"/>
+            <a:ext cx="12700" cy="2393317"/>
+          </a:xfrm>
+          <a:prstGeom prst="curvedConnector3">
+            <a:avLst>
+              <a:gd name="adj1" fmla="val 1800000"/>
+            </a:avLst>
+          </a:prstGeom>
+          <a:ln>
+            <a:tailEnd type="arrow"/>
+          </a:ln>
+        </p:spPr>
+        <p:style>
+          <a:lnRef idx="1">
+            <a:schemeClr val="accent1"/>
+          </a:lnRef>
+          <a:fillRef idx="0">
+            <a:schemeClr val="accent1"/>
+          </a:fillRef>
+          <a:effectRef idx="0">
+            <a:schemeClr val="accent1"/>
+          </a:effectRef>
+          <a:fontRef idx="minor">
+            <a:schemeClr val="tx1"/>
+          </a:fontRef>
+        </p:style>
+      </p:cxnSp>
+      <p:grpSp>
+        <p:nvGrpSpPr>
+          <p:cNvPr id="31" name="그룹 30"/>
+          <p:cNvGrpSpPr/>
+          <p:nvPr/>
+        </p:nvGrpSpPr>
+        <p:grpSpPr>
+          <a:xfrm>
+            <a:off x="414005" y="2486544"/>
+            <a:ext cx="1224136" cy="360040"/>
+            <a:chOff x="971600" y="1268760"/>
+            <a:chExt cx="2088232" cy="576064"/>
+          </a:xfrm>
+        </p:grpSpPr>
+        <p:sp>
+          <p:nvSpPr>
+            <p:cNvPr id="32" name="모서리가 둥근 직사각형 31"/>
+            <p:cNvSpPr/>
+            <p:nvPr/>
+          </p:nvSpPr>
+          <p:spPr>
+            <a:xfrm>
+              <a:off x="971600" y="1268760"/>
+              <a:ext cx="2088232" cy="576064"/>
+            </a:xfrm>
+            <a:prstGeom prst="roundRect">
+              <a:avLst/>
+            </a:prstGeom>
+          </p:spPr>
+          <p:style>
+            <a:lnRef idx="2">
+              <a:schemeClr val="dk1"/>
+            </a:lnRef>
+            <a:fillRef idx="1">
+              <a:schemeClr val="lt1"/>
+            </a:fillRef>
+            <a:effectRef idx="0">
+              <a:schemeClr val="dk1"/>
+            </a:effectRef>
+            <a:fontRef idx="minor">
+              <a:schemeClr val="dk1"/>
+            </a:fontRef>
+          </p:style>
+          <p:txBody>
+            <a:bodyPr rtlCol="0" anchor="ctr"/>
+            <a:lstStyle/>
+            <a:p>
+              <a:pPr algn="ctr"/>
+              <a:r>
+                <a:rPr lang="en-US" altLang="ko-KR" dirty="0" smtClean="0"/>
+                <a:t>head</a:t>
+              </a:r>
+              <a:endParaRPr lang="ko-KR" altLang="en-US" dirty="0"/>
+            </a:p>
+          </p:txBody>
+        </p:sp>
+        <p:sp>
+          <p:nvSpPr>
+            <p:cNvPr id="33" name="모서리가 둥근 직사각형 32"/>
+            <p:cNvSpPr/>
+            <p:nvPr/>
+          </p:nvSpPr>
+          <p:spPr>
+            <a:xfrm>
+              <a:off x="971600" y="1268760"/>
+              <a:ext cx="288032" cy="576064"/>
+            </a:xfrm>
+            <a:prstGeom prst="roundRect">
+              <a:avLst/>
+            </a:prstGeom>
+          </p:spPr>
+          <p:style>
+            <a:lnRef idx="2">
+              <a:schemeClr val="dk1"/>
+            </a:lnRef>
+            <a:fillRef idx="1">
+              <a:schemeClr val="lt1"/>
+            </a:fillRef>
+            <a:effectRef idx="0">
+              <a:schemeClr val="dk1"/>
+            </a:effectRef>
+            <a:fontRef idx="minor">
+              <a:schemeClr val="dk1"/>
+            </a:fontRef>
+          </p:style>
+          <p:txBody>
+            <a:bodyPr rtlCol="0" anchor="ctr"/>
+            <a:lstStyle/>
+            <a:p>
+              <a:pPr algn="ctr"/>
+              <a:endParaRPr lang="ko-KR" altLang="en-US"/>
+            </a:p>
+          </p:txBody>
+        </p:sp>
+        <p:sp>
+          <p:nvSpPr>
+            <p:cNvPr id="34" name="모서리가 둥근 직사각형 33"/>
+            <p:cNvSpPr/>
+            <p:nvPr/>
+          </p:nvSpPr>
+          <p:spPr>
+            <a:xfrm>
+              <a:off x="2771800" y="1268760"/>
+              <a:ext cx="288032" cy="576064"/>
+            </a:xfrm>
+            <a:prstGeom prst="roundRect">
+              <a:avLst/>
+            </a:prstGeom>
+          </p:spPr>
+          <p:style>
+            <a:lnRef idx="2">
+              <a:schemeClr val="dk1"/>
+            </a:lnRef>
+            <a:fillRef idx="1">
+              <a:schemeClr val="lt1"/>
+            </a:fillRef>
+            <a:effectRef idx="0">
+              <a:schemeClr val="dk1"/>
+            </a:effectRef>
+            <a:fontRef idx="minor">
+              <a:schemeClr val="dk1"/>
+            </a:fontRef>
+          </p:style>
+          <p:txBody>
+            <a:bodyPr rtlCol="0" anchor="ctr"/>
+            <a:lstStyle/>
+            <a:p>
+              <a:pPr algn="ctr"/>
+              <a:endParaRPr lang="ko-KR" altLang="en-US"/>
+            </a:p>
+          </p:txBody>
+        </p:sp>
+      </p:grpSp>
+      <p:grpSp>
+        <p:nvGrpSpPr>
+          <p:cNvPr id="35" name="그룹 34"/>
+          <p:cNvGrpSpPr/>
+          <p:nvPr/>
+        </p:nvGrpSpPr>
+        <p:grpSpPr>
+          <a:xfrm>
+            <a:off x="2279677" y="2486544"/>
+            <a:ext cx="1224136" cy="360040"/>
+            <a:chOff x="971600" y="1268760"/>
+            <a:chExt cx="2088232" cy="576064"/>
+          </a:xfrm>
+        </p:grpSpPr>
+        <p:sp>
+          <p:nvSpPr>
+            <p:cNvPr id="36" name="모서리가 둥근 직사각형 35"/>
+            <p:cNvSpPr/>
+            <p:nvPr/>
+          </p:nvSpPr>
+          <p:spPr>
+            <a:xfrm>
+              <a:off x="971600" y="1268760"/>
+              <a:ext cx="2088232" cy="576064"/>
+            </a:xfrm>
+            <a:prstGeom prst="roundRect">
+              <a:avLst/>
+            </a:prstGeom>
+          </p:spPr>
+          <p:style>
+            <a:lnRef idx="2">
+              <a:schemeClr val="dk1"/>
+            </a:lnRef>
+            <a:fillRef idx="1">
+              <a:schemeClr val="lt1"/>
+            </a:fillRef>
+            <a:effectRef idx="0">
+              <a:schemeClr val="dk1"/>
+            </a:effectRef>
+            <a:fontRef idx="minor">
+              <a:schemeClr val="dk1"/>
+            </a:fontRef>
+          </p:style>
+          <p:txBody>
+            <a:bodyPr rtlCol="0" anchor="ctr"/>
+            <a:lstStyle/>
+            <a:p>
+              <a:pPr algn="ctr"/>
+              <a:r>
+                <a:rPr lang="en-US" altLang="ko-KR" dirty="0" smtClean="0"/>
+                <a:t>1</a:t>
+              </a:r>
+              <a:endParaRPr lang="ko-KR" altLang="en-US" dirty="0"/>
+            </a:p>
+          </p:txBody>
+        </p:sp>
+        <p:sp>
+          <p:nvSpPr>
+            <p:cNvPr id="37" name="모서리가 둥근 직사각형 36"/>
+            <p:cNvSpPr/>
+            <p:nvPr/>
+          </p:nvSpPr>
+          <p:spPr>
+            <a:xfrm>
+              <a:off x="971600" y="1268760"/>
+              <a:ext cx="288032" cy="576064"/>
+            </a:xfrm>
+            <a:prstGeom prst="roundRect">
+              <a:avLst/>
+            </a:prstGeom>
+          </p:spPr>
+          <p:style>
+            <a:lnRef idx="2">
+              <a:schemeClr val="dk1"/>
+            </a:lnRef>
+            <a:fillRef idx="1">
+              <a:schemeClr val="lt1"/>
+            </a:fillRef>
+            <a:effectRef idx="0">
+              <a:schemeClr val="dk1"/>
+            </a:effectRef>
+            <a:fontRef idx="minor">
+              <a:schemeClr val="dk1"/>
+            </a:fontRef>
+          </p:style>
+          <p:txBody>
+            <a:bodyPr rtlCol="0" anchor="ctr"/>
+            <a:lstStyle/>
+            <a:p>
+              <a:pPr algn="ctr"/>
+              <a:endParaRPr lang="ko-KR" altLang="en-US"/>
+            </a:p>
+          </p:txBody>
+        </p:sp>
+        <p:sp>
+          <p:nvSpPr>
+            <p:cNvPr id="38" name="모서리가 둥근 직사각형 37"/>
+            <p:cNvSpPr/>
+            <p:nvPr/>
+          </p:nvSpPr>
+          <p:spPr>
+            <a:xfrm>
+              <a:off x="2771800" y="1268760"/>
+              <a:ext cx="288032" cy="576064"/>
+            </a:xfrm>
+            <a:prstGeom prst="roundRect">
+              <a:avLst/>
+            </a:prstGeom>
+          </p:spPr>
+          <p:style>
+            <a:lnRef idx="2">
+              <a:schemeClr val="dk1"/>
+            </a:lnRef>
+            <a:fillRef idx="1">
+              <a:schemeClr val="lt1"/>
+            </a:fillRef>
+            <a:effectRef idx="0">
+              <a:schemeClr val="dk1"/>
+            </a:effectRef>
+            <a:fontRef idx="minor">
+              <a:schemeClr val="dk1"/>
+            </a:fontRef>
+          </p:style>
+          <p:txBody>
+            <a:bodyPr rtlCol="0" anchor="ctr"/>
+            <a:lstStyle/>
+            <a:p>
+              <a:pPr algn="ctr"/>
+              <a:endParaRPr lang="ko-KR" altLang="en-US"/>
+            </a:p>
+          </p:txBody>
+        </p:sp>
+      </p:grpSp>
+      <p:cxnSp>
+        <p:nvCxnSpPr>
+          <p:cNvPr id="39" name="구부러진 연결선 38"/>
+          <p:cNvCxnSpPr>
+            <a:stCxn id="33" idx="0"/>
+            <a:endCxn id="44" idx="0"/>
+          </p:cNvCxnSpPr>
+          <p:nvPr/>
+        </p:nvCxnSpPr>
+        <p:spPr>
+          <a:xfrm rot="16200000" flipH="1">
+            <a:off x="2478032" y="506939"/>
+            <a:ext cx="6351" cy="3965560"/>
+          </a:xfrm>
+          <a:prstGeom prst="curvedConnector3">
+            <a:avLst>
+              <a:gd name="adj1" fmla="val -3599433"/>
+            </a:avLst>
+          </a:prstGeom>
+          <a:ln>
+            <a:tailEnd type="arrow"/>
+          </a:ln>
+        </p:spPr>
+        <p:style>
+          <a:lnRef idx="1">
+            <a:schemeClr val="accent1"/>
+          </a:lnRef>
+          <a:fillRef idx="0">
+            <a:schemeClr val="accent1"/>
+          </a:fillRef>
+          <a:effectRef idx="0">
+            <a:schemeClr val="accent1"/>
+          </a:effectRef>
+          <a:fontRef idx="minor">
+            <a:schemeClr val="tx1"/>
+          </a:fontRef>
+        </p:style>
+      </p:cxnSp>
+      <p:cxnSp>
+        <p:nvCxnSpPr>
+          <p:cNvPr id="40" name="구부러진 연결선 39"/>
+          <p:cNvCxnSpPr>
+            <a:stCxn id="34" idx="0"/>
+            <a:endCxn id="36" idx="0"/>
+          </p:cNvCxnSpPr>
+          <p:nvPr/>
+        </p:nvCxnSpPr>
+        <p:spPr>
+          <a:xfrm rot="5400000" flipH="1" flipV="1">
+            <a:off x="2222731" y="1817531"/>
+            <a:ext cx="12700" cy="1338027"/>
+          </a:xfrm>
+          <a:prstGeom prst="curvedConnector3">
+            <a:avLst>
+              <a:gd name="adj1" fmla="val 1800000"/>
+            </a:avLst>
+          </a:prstGeom>
+          <a:ln>
+            <a:tailEnd type="arrow"/>
+          </a:ln>
+        </p:spPr>
+        <p:style>
+          <a:lnRef idx="1">
+            <a:schemeClr val="accent1"/>
+          </a:lnRef>
+          <a:fillRef idx="0">
+            <a:schemeClr val="accent1"/>
+          </a:fillRef>
+          <a:effectRef idx="0">
+            <a:schemeClr val="accent1"/>
+          </a:effectRef>
+          <a:fontRef idx="minor">
+            <a:schemeClr val="tx1"/>
+          </a:fontRef>
+        </p:style>
+      </p:cxnSp>
+      <p:cxnSp>
+        <p:nvCxnSpPr>
+          <p:cNvPr id="41" name="구부러진 연결선 40"/>
+          <p:cNvCxnSpPr>
+            <a:stCxn id="37" idx="2"/>
+            <a:endCxn id="32" idx="2"/>
+          </p:cNvCxnSpPr>
+          <p:nvPr/>
+        </p:nvCxnSpPr>
+        <p:spPr>
+          <a:xfrm rot="5400000">
+            <a:off x="1695087" y="2177571"/>
+            <a:ext cx="12700" cy="1338027"/>
+          </a:xfrm>
+          <a:prstGeom prst="curvedConnector3">
+            <a:avLst>
+              <a:gd name="adj1" fmla="val 1800000"/>
+            </a:avLst>
+          </a:prstGeom>
+          <a:ln>
+            <a:tailEnd type="arrow"/>
+          </a:ln>
+        </p:spPr>
+        <p:style>
+          <a:lnRef idx="1">
+            <a:schemeClr val="accent1"/>
+          </a:lnRef>
+          <a:fillRef idx="0">
+            <a:schemeClr val="accent1"/>
+          </a:fillRef>
+          <a:effectRef idx="0">
+            <a:schemeClr val="accent1"/>
+          </a:effectRef>
+          <a:fontRef idx="minor">
+            <a:schemeClr val="tx1"/>
+          </a:fontRef>
+        </p:style>
+      </p:cxnSp>
+      <p:cxnSp>
+        <p:nvCxnSpPr>
+          <p:cNvPr id="42" name="구부러진 연결선 41"/>
+          <p:cNvCxnSpPr>
+            <a:stCxn id="46" idx="2"/>
+            <a:endCxn id="32" idx="2"/>
+          </p:cNvCxnSpPr>
+          <p:nvPr/>
+        </p:nvCxnSpPr>
+        <p:spPr>
+          <a:xfrm rot="5400000" flipH="1">
+            <a:off x="3005677" y="866980"/>
+            <a:ext cx="6351" cy="3965560"/>
+          </a:xfrm>
+          <a:prstGeom prst="curvedConnector3">
+            <a:avLst>
+              <a:gd name="adj1" fmla="val -3599433"/>
+            </a:avLst>
+          </a:prstGeom>
+          <a:ln>
+            <a:tailEnd type="arrow"/>
+          </a:ln>
+        </p:spPr>
+        <p:style>
+          <a:lnRef idx="1">
+            <a:schemeClr val="accent1"/>
+          </a:lnRef>
+          <a:fillRef idx="0">
+            <a:schemeClr val="accent1"/>
+          </a:fillRef>
+          <a:effectRef idx="0">
+            <a:schemeClr val="accent1"/>
+          </a:effectRef>
+          <a:fontRef idx="minor">
+            <a:schemeClr val="tx1"/>
+          </a:fontRef>
+        </p:style>
+      </p:cxnSp>
+      <p:grpSp>
+        <p:nvGrpSpPr>
+          <p:cNvPr id="43" name="그룹 42"/>
+          <p:cNvGrpSpPr/>
+          <p:nvPr/>
+        </p:nvGrpSpPr>
+        <p:grpSpPr>
+          <a:xfrm>
+            <a:off x="3851920" y="2492895"/>
+            <a:ext cx="1224136" cy="360040"/>
+            <a:chOff x="971600" y="1268760"/>
+            <a:chExt cx="2088232" cy="576064"/>
+          </a:xfrm>
+        </p:grpSpPr>
+        <p:sp>
+          <p:nvSpPr>
+            <p:cNvPr id="44" name="모서리가 둥근 직사각형 43"/>
+            <p:cNvSpPr/>
+            <p:nvPr/>
+          </p:nvSpPr>
+          <p:spPr>
+            <a:xfrm>
+              <a:off x="971600" y="1268760"/>
+              <a:ext cx="2088232" cy="576064"/>
+            </a:xfrm>
+            <a:prstGeom prst="roundRect">
+              <a:avLst/>
+            </a:prstGeom>
+          </p:spPr>
+          <p:style>
+            <a:lnRef idx="2">
+              <a:schemeClr val="dk1"/>
+            </a:lnRef>
+            <a:fillRef idx="1">
+              <a:schemeClr val="lt1"/>
+            </a:fillRef>
+            <a:effectRef idx="0">
+              <a:schemeClr val="dk1"/>
+            </a:effectRef>
+            <a:fontRef idx="minor">
+              <a:schemeClr val="dk1"/>
+            </a:fontRef>
+          </p:style>
+          <p:txBody>
+            <a:bodyPr rtlCol="0" anchor="ctr"/>
+            <a:lstStyle/>
+            <a:p>
+              <a:pPr algn="ctr"/>
+              <a:r>
+                <a:rPr lang="en-US" altLang="ko-KR" dirty="0" smtClean="0"/>
+                <a:t>0</a:t>
+              </a:r>
+              <a:endParaRPr lang="ko-KR" altLang="en-US" dirty="0"/>
+            </a:p>
+          </p:txBody>
+        </p:sp>
+        <p:sp>
+          <p:nvSpPr>
+            <p:cNvPr id="45" name="모서리가 둥근 직사각형 44"/>
+            <p:cNvSpPr/>
+            <p:nvPr/>
+          </p:nvSpPr>
+          <p:spPr>
+            <a:xfrm>
+              <a:off x="971600" y="1268760"/>
+              <a:ext cx="288032" cy="576064"/>
+            </a:xfrm>
+            <a:prstGeom prst="roundRect">
+              <a:avLst/>
+            </a:prstGeom>
+          </p:spPr>
+          <p:style>
+            <a:lnRef idx="2">
+              <a:schemeClr val="dk1"/>
+            </a:lnRef>
+            <a:fillRef idx="1">
+              <a:schemeClr val="lt1"/>
+            </a:fillRef>
+            <a:effectRef idx="0">
+              <a:schemeClr val="dk1"/>
+            </a:effectRef>
+            <a:fontRef idx="minor">
+              <a:schemeClr val="dk1"/>
+            </a:fontRef>
+          </p:style>
+          <p:txBody>
+            <a:bodyPr rtlCol="0" anchor="ctr"/>
+            <a:lstStyle/>
+            <a:p>
+              <a:pPr algn="ctr"/>
+              <a:endParaRPr lang="ko-KR" altLang="en-US"/>
+            </a:p>
+          </p:txBody>
+        </p:sp>
+        <p:sp>
+          <p:nvSpPr>
+            <p:cNvPr id="46" name="모서리가 둥근 직사각형 45"/>
+            <p:cNvSpPr/>
+            <p:nvPr/>
+          </p:nvSpPr>
+          <p:spPr>
+            <a:xfrm>
+              <a:off x="2771800" y="1268760"/>
+              <a:ext cx="288032" cy="576064"/>
+            </a:xfrm>
+            <a:prstGeom prst="roundRect">
+              <a:avLst/>
+            </a:prstGeom>
+          </p:spPr>
+          <p:style>
+            <a:lnRef idx="2">
+              <a:schemeClr val="dk1"/>
+            </a:lnRef>
+            <a:fillRef idx="1">
+              <a:schemeClr val="lt1"/>
+            </a:fillRef>
+            <a:effectRef idx="0">
+              <a:schemeClr val="dk1"/>
+            </a:effectRef>
+            <a:fontRef idx="minor">
+              <a:schemeClr val="dk1"/>
+            </a:fontRef>
+          </p:style>
+          <p:txBody>
+            <a:bodyPr rtlCol="0" anchor="ctr"/>
+            <a:lstStyle/>
+            <a:p>
+              <a:pPr algn="ctr"/>
+              <a:endParaRPr lang="ko-KR" altLang="en-US"/>
+            </a:p>
+          </p:txBody>
+        </p:sp>
+      </p:grpSp>
+      <p:cxnSp>
+        <p:nvCxnSpPr>
+          <p:cNvPr id="50" name="구부러진 연결선 49"/>
+          <p:cNvCxnSpPr>
+            <a:stCxn id="45" idx="2"/>
+            <a:endCxn id="36" idx="2"/>
+          </p:cNvCxnSpPr>
+          <p:nvPr/>
+        </p:nvCxnSpPr>
+        <p:spPr>
+          <a:xfrm rot="5400000" flipH="1">
+            <a:off x="3410868" y="2327461"/>
+            <a:ext cx="6351" cy="1044598"/>
+          </a:xfrm>
+          <a:prstGeom prst="curvedConnector3">
+            <a:avLst>
+              <a:gd name="adj1" fmla="val -3599433"/>
+            </a:avLst>
+          </a:prstGeom>
+          <a:ln>
+            <a:tailEnd type="arrow"/>
+          </a:ln>
+        </p:spPr>
+        <p:style>
+          <a:lnRef idx="1">
+            <a:schemeClr val="accent1"/>
+          </a:lnRef>
+          <a:fillRef idx="0">
+            <a:schemeClr val="accent1"/>
+          </a:fillRef>
+          <a:effectRef idx="0">
+            <a:schemeClr val="accent1"/>
+          </a:effectRef>
+          <a:fontRef idx="minor">
+            <a:schemeClr val="tx1"/>
+          </a:fontRef>
+        </p:style>
+      </p:cxnSp>
+      <p:cxnSp>
+        <p:nvCxnSpPr>
+          <p:cNvPr id="52" name="구부러진 연결선 51"/>
+          <p:cNvCxnSpPr>
+            <a:stCxn id="38" idx="0"/>
+            <a:endCxn id="44" idx="0"/>
+          </p:cNvCxnSpPr>
+          <p:nvPr/>
+        </p:nvCxnSpPr>
+        <p:spPr>
+          <a:xfrm rot="16200000" flipH="1">
+            <a:off x="3938513" y="1967420"/>
+            <a:ext cx="6351" cy="1044598"/>
+          </a:xfrm>
+          <a:prstGeom prst="curvedConnector3">
+            <a:avLst>
+              <a:gd name="adj1" fmla="val -3599433"/>
+            </a:avLst>
+          </a:prstGeom>
+          <a:ln>
+            <a:tailEnd type="arrow"/>
+          </a:ln>
+        </p:spPr>
+        <p:style>
+          <a:lnRef idx="1">
+            <a:schemeClr val="accent1"/>
+          </a:lnRef>
+          <a:fillRef idx="0">
+            <a:schemeClr val="accent1"/>
+          </a:fillRef>
+          <a:effectRef idx="0">
+            <a:schemeClr val="accent1"/>
+          </a:effectRef>
+          <a:fontRef idx="minor">
+            <a:schemeClr val="tx1"/>
+          </a:fontRef>
+        </p:style>
+      </p:cxnSp>
+      <p:sp>
+        <p:nvSpPr>
+          <p:cNvPr id="53" name="TextBox 52"/>
+          <p:cNvSpPr txBox="1"/>
+          <p:nvPr/>
+        </p:nvSpPr>
+        <p:spPr>
+          <a:xfrm>
+            <a:off x="407655" y="3501008"/>
+            <a:ext cx="2381560" cy="369332"/>
+          </a:xfrm>
+          <a:prstGeom prst="rect">
+            <a:avLst/>
+          </a:prstGeom>
+          <a:noFill/>
+        </p:spPr>
+        <p:txBody>
+          <a:bodyPr wrap="square" rtlCol="0">
+            <a:spAutoFit/>
+          </a:bodyPr>
+          <a:lstStyle/>
+          <a:p>
+            <a:r>
+              <a:rPr lang="en-US" altLang="ko-KR" b="1" dirty="0" err="1" smtClean="0"/>
+              <a:t>List_add_tail</a:t>
+            </a:r>
+            <a:r>
+              <a:rPr lang="en-US" altLang="ko-KR" b="1" dirty="0" smtClean="0"/>
+              <a:t>()</a:t>
+            </a:r>
+            <a:endParaRPr lang="ko-KR" altLang="en-US" b="1" dirty="0"/>
+          </a:p>
+        </p:txBody>
+      </p:sp>
+      <p:grpSp>
+        <p:nvGrpSpPr>
+          <p:cNvPr id="54" name="그룹 53"/>
+          <p:cNvGrpSpPr/>
+          <p:nvPr/>
+        </p:nvGrpSpPr>
+        <p:grpSpPr>
+          <a:xfrm>
+            <a:off x="2207208" y="4589663"/>
+            <a:ext cx="1224136" cy="360040"/>
+            <a:chOff x="971600" y="1268760"/>
+            <a:chExt cx="2088232" cy="576064"/>
+          </a:xfrm>
+        </p:grpSpPr>
+        <p:sp>
+          <p:nvSpPr>
+            <p:cNvPr id="55" name="모서리가 둥근 직사각형 54"/>
+            <p:cNvSpPr/>
+            <p:nvPr/>
+          </p:nvSpPr>
+          <p:spPr>
+            <a:xfrm>
+              <a:off x="971600" y="1268760"/>
+              <a:ext cx="2088232" cy="576064"/>
+            </a:xfrm>
+            <a:prstGeom prst="roundRect">
+              <a:avLst/>
+            </a:prstGeom>
+          </p:spPr>
+          <p:style>
+            <a:lnRef idx="2">
+              <a:schemeClr val="dk1"/>
+            </a:lnRef>
+            <a:fillRef idx="1">
+              <a:schemeClr val="lt1"/>
+            </a:fillRef>
+            <a:effectRef idx="0">
+              <a:schemeClr val="dk1"/>
+            </a:effectRef>
+            <a:fontRef idx="minor">
+              <a:schemeClr val="dk1"/>
+            </a:fontRef>
+          </p:style>
+          <p:txBody>
+            <a:bodyPr rtlCol="0" anchor="ctr"/>
+            <a:lstStyle/>
+            <a:p>
+              <a:pPr algn="ctr"/>
+              <a:r>
+                <a:rPr lang="en-US" altLang="ko-KR" dirty="0"/>
+                <a:t>0</a:t>
+              </a:r>
+              <a:endParaRPr lang="ko-KR" altLang="en-US" dirty="0"/>
+            </a:p>
+          </p:txBody>
+        </p:sp>
+        <p:sp>
+          <p:nvSpPr>
+            <p:cNvPr id="56" name="모서리가 둥근 직사각형 55"/>
+            <p:cNvSpPr/>
+            <p:nvPr/>
+          </p:nvSpPr>
+          <p:spPr>
+            <a:xfrm>
+              <a:off x="971600" y="1268760"/>
+              <a:ext cx="288032" cy="576064"/>
+            </a:xfrm>
+            <a:prstGeom prst="roundRect">
+              <a:avLst/>
+            </a:prstGeom>
+          </p:spPr>
+          <p:style>
+            <a:lnRef idx="2">
+              <a:schemeClr val="dk1"/>
+            </a:lnRef>
+            <a:fillRef idx="1">
+              <a:schemeClr val="lt1"/>
+            </a:fillRef>
+            <a:effectRef idx="0">
+              <a:schemeClr val="dk1"/>
+            </a:effectRef>
+            <a:fontRef idx="minor">
+              <a:schemeClr val="dk1"/>
+            </a:fontRef>
+          </p:style>
+          <p:txBody>
+            <a:bodyPr rtlCol="0" anchor="ctr"/>
+            <a:lstStyle/>
+            <a:p>
+              <a:pPr algn="ctr"/>
+              <a:endParaRPr lang="ko-KR" altLang="en-US"/>
+            </a:p>
+          </p:txBody>
+        </p:sp>
+        <p:sp>
+          <p:nvSpPr>
+            <p:cNvPr id="57" name="모서리가 둥근 직사각형 56"/>
+            <p:cNvSpPr/>
+            <p:nvPr/>
+          </p:nvSpPr>
+          <p:spPr>
+            <a:xfrm>
+              <a:off x="2771800" y="1268760"/>
+              <a:ext cx="288032" cy="576064"/>
+            </a:xfrm>
+            <a:prstGeom prst="roundRect">
+              <a:avLst/>
+            </a:prstGeom>
+          </p:spPr>
+          <p:style>
+            <a:lnRef idx="2">
+              <a:schemeClr val="dk1"/>
+            </a:lnRef>
+            <a:fillRef idx="1">
+              <a:schemeClr val="lt1"/>
+            </a:fillRef>
+            <a:effectRef idx="0">
+              <a:schemeClr val="dk1"/>
+            </a:effectRef>
+            <a:fontRef idx="minor">
+              <a:schemeClr val="dk1"/>
+            </a:fontRef>
+          </p:style>
+          <p:txBody>
+            <a:bodyPr rtlCol="0" anchor="ctr"/>
+            <a:lstStyle/>
+            <a:p>
+              <a:pPr algn="ctr"/>
+              <a:endParaRPr lang="ko-KR" altLang="en-US"/>
+            </a:p>
+          </p:txBody>
+        </p:sp>
+      </p:grpSp>
+      <p:grpSp>
+        <p:nvGrpSpPr>
+          <p:cNvPr id="58" name="그룹 57"/>
+          <p:cNvGrpSpPr/>
+          <p:nvPr/>
+        </p:nvGrpSpPr>
+        <p:grpSpPr>
+          <a:xfrm>
+            <a:off x="4072880" y="4589663"/>
+            <a:ext cx="1224136" cy="360040"/>
+            <a:chOff x="971600" y="1268760"/>
+            <a:chExt cx="2088232" cy="576064"/>
+          </a:xfrm>
+        </p:grpSpPr>
+        <p:sp>
+          <p:nvSpPr>
+            <p:cNvPr id="59" name="모서리가 둥근 직사각형 58"/>
+            <p:cNvSpPr/>
+            <p:nvPr/>
+          </p:nvSpPr>
+          <p:spPr>
+            <a:xfrm>
+              <a:off x="971600" y="1268760"/>
+              <a:ext cx="2088232" cy="576064"/>
+            </a:xfrm>
+            <a:prstGeom prst="roundRect">
+              <a:avLst/>
+            </a:prstGeom>
+          </p:spPr>
+          <p:style>
+            <a:lnRef idx="2">
+              <a:schemeClr val="dk1"/>
+            </a:lnRef>
+            <a:fillRef idx="1">
+              <a:schemeClr val="lt1"/>
+            </a:fillRef>
+            <a:effectRef idx="0">
+              <a:schemeClr val="dk1"/>
+            </a:effectRef>
+            <a:fontRef idx="minor">
+              <a:schemeClr val="dk1"/>
+            </a:fontRef>
+          </p:style>
+          <p:txBody>
+            <a:bodyPr rtlCol="0" anchor="ctr"/>
+            <a:lstStyle/>
+            <a:p>
+              <a:pPr algn="ctr"/>
+              <a:r>
+                <a:rPr lang="en-US" altLang="ko-KR" dirty="0" smtClean="0"/>
+                <a:t>head</a:t>
+              </a:r>
+              <a:endParaRPr lang="ko-KR" altLang="en-US" dirty="0"/>
+            </a:p>
+          </p:txBody>
+        </p:sp>
+        <p:sp>
+          <p:nvSpPr>
+            <p:cNvPr id="60" name="모서리가 둥근 직사각형 59"/>
+            <p:cNvSpPr/>
+            <p:nvPr/>
+          </p:nvSpPr>
+          <p:spPr>
+            <a:xfrm>
+              <a:off x="971600" y="1268760"/>
+              <a:ext cx="288032" cy="576064"/>
+            </a:xfrm>
+            <a:prstGeom prst="roundRect">
+              <a:avLst/>
+            </a:prstGeom>
+          </p:spPr>
+          <p:style>
+            <a:lnRef idx="2">
+              <a:schemeClr val="dk1"/>
+            </a:lnRef>
+            <a:fillRef idx="1">
+              <a:schemeClr val="lt1"/>
+            </a:fillRef>
+            <a:effectRef idx="0">
+              <a:schemeClr val="dk1"/>
+            </a:effectRef>
+            <a:fontRef idx="minor">
+              <a:schemeClr val="dk1"/>
+            </a:fontRef>
+          </p:style>
+          <p:txBody>
+            <a:bodyPr rtlCol="0" anchor="ctr"/>
+            <a:lstStyle/>
+            <a:p>
+              <a:pPr algn="ctr"/>
+              <a:endParaRPr lang="ko-KR" altLang="en-US"/>
+            </a:p>
+          </p:txBody>
+        </p:sp>
+        <p:sp>
+          <p:nvSpPr>
+            <p:cNvPr id="61" name="모서리가 둥근 직사각형 60"/>
+            <p:cNvSpPr/>
+            <p:nvPr/>
+          </p:nvSpPr>
+          <p:spPr>
+            <a:xfrm>
+              <a:off x="2771800" y="1268760"/>
+              <a:ext cx="288032" cy="576064"/>
+            </a:xfrm>
+            <a:prstGeom prst="roundRect">
+              <a:avLst/>
+            </a:prstGeom>
+          </p:spPr>
+          <p:style>
+            <a:lnRef idx="2">
+              <a:schemeClr val="dk1"/>
+            </a:lnRef>
+            <a:fillRef idx="1">
+              <a:schemeClr val="lt1"/>
+            </a:fillRef>
+            <a:effectRef idx="0">
+              <a:schemeClr val="dk1"/>
+            </a:effectRef>
+            <a:fontRef idx="minor">
+              <a:schemeClr val="dk1"/>
+            </a:fontRef>
+          </p:style>
+          <p:txBody>
+            <a:bodyPr rtlCol="0" anchor="ctr"/>
+            <a:lstStyle/>
+            <a:p>
+              <a:pPr algn="ctr"/>
+              <a:endParaRPr lang="ko-KR" altLang="en-US"/>
+            </a:p>
+          </p:txBody>
+        </p:sp>
+      </p:grpSp>
+      <p:cxnSp>
+        <p:nvCxnSpPr>
+          <p:cNvPr id="62" name="구부러진 연결선 61"/>
+          <p:cNvCxnSpPr>
+            <a:stCxn id="56" idx="0"/>
+            <a:endCxn id="59" idx="0"/>
+          </p:cNvCxnSpPr>
+          <p:nvPr/>
+        </p:nvCxnSpPr>
+        <p:spPr>
+          <a:xfrm rot="5400000" flipH="1" flipV="1">
+            <a:off x="3488289" y="3393005"/>
+            <a:ext cx="12700" cy="2393317"/>
+          </a:xfrm>
+          <a:prstGeom prst="curvedConnector3">
+            <a:avLst>
+              <a:gd name="adj1" fmla="val 1800000"/>
+            </a:avLst>
+          </a:prstGeom>
+          <a:ln>
+            <a:tailEnd type="arrow"/>
+          </a:ln>
+        </p:spPr>
+        <p:style>
+          <a:lnRef idx="1">
+            <a:schemeClr val="accent1"/>
+          </a:lnRef>
+          <a:fillRef idx="0">
+            <a:schemeClr val="accent1"/>
+          </a:fillRef>
+          <a:effectRef idx="0">
+            <a:schemeClr val="accent1"/>
+          </a:effectRef>
+          <a:fontRef idx="minor">
+            <a:schemeClr val="tx1"/>
+          </a:fontRef>
+        </p:style>
+      </p:cxnSp>
+      <p:cxnSp>
+        <p:nvCxnSpPr>
+          <p:cNvPr id="63" name="구부러진 연결선 62"/>
+          <p:cNvCxnSpPr>
+            <a:stCxn id="57" idx="0"/>
+            <a:endCxn id="59" idx="0"/>
+          </p:cNvCxnSpPr>
+          <p:nvPr/>
+        </p:nvCxnSpPr>
+        <p:spPr>
+          <a:xfrm rot="5400000" flipH="1" flipV="1">
+            <a:off x="4015934" y="3920650"/>
+            <a:ext cx="12700" cy="1338027"/>
+          </a:xfrm>
+          <a:prstGeom prst="curvedConnector3">
+            <a:avLst>
+              <a:gd name="adj1" fmla="val 1800000"/>
+            </a:avLst>
+          </a:prstGeom>
+          <a:ln>
+            <a:tailEnd type="arrow"/>
+          </a:ln>
+        </p:spPr>
+        <p:style>
+          <a:lnRef idx="1">
+            <a:schemeClr val="accent1"/>
+          </a:lnRef>
+          <a:fillRef idx="0">
+            <a:schemeClr val="accent1"/>
+          </a:fillRef>
+          <a:effectRef idx="0">
+            <a:schemeClr val="accent1"/>
+          </a:effectRef>
+          <a:fontRef idx="minor">
+            <a:schemeClr val="tx1"/>
+          </a:fontRef>
+        </p:style>
+      </p:cxnSp>
+      <p:cxnSp>
+        <p:nvCxnSpPr>
+          <p:cNvPr id="64" name="구부러진 연결선 63"/>
+          <p:cNvCxnSpPr>
+            <a:stCxn id="60" idx="2"/>
+            <a:endCxn id="55" idx="2"/>
+          </p:cNvCxnSpPr>
+          <p:nvPr/>
+        </p:nvCxnSpPr>
+        <p:spPr>
+          <a:xfrm rot="5400000">
+            <a:off x="3488290" y="4280690"/>
+            <a:ext cx="12700" cy="1338027"/>
+          </a:xfrm>
+          <a:prstGeom prst="curvedConnector3">
+            <a:avLst>
+              <a:gd name="adj1" fmla="val 1800000"/>
+            </a:avLst>
+          </a:prstGeom>
+          <a:ln>
+            <a:tailEnd type="arrow"/>
+          </a:ln>
+        </p:spPr>
+        <p:style>
+          <a:lnRef idx="1">
+            <a:schemeClr val="accent1"/>
+          </a:lnRef>
+          <a:fillRef idx="0">
+            <a:schemeClr val="accent1"/>
+          </a:fillRef>
+          <a:effectRef idx="0">
+            <a:schemeClr val="accent1"/>
+          </a:effectRef>
+          <a:fontRef idx="minor">
+            <a:schemeClr val="tx1"/>
+          </a:fontRef>
+        </p:style>
+      </p:cxnSp>
+      <p:cxnSp>
+        <p:nvCxnSpPr>
+          <p:cNvPr id="65" name="구부러진 연결선 64"/>
+          <p:cNvCxnSpPr>
+            <a:stCxn id="61" idx="2"/>
+            <a:endCxn id="55" idx="2"/>
+          </p:cNvCxnSpPr>
+          <p:nvPr/>
+        </p:nvCxnSpPr>
+        <p:spPr>
+          <a:xfrm rot="5400000">
+            <a:off x="4015935" y="3753045"/>
+            <a:ext cx="12700" cy="2393317"/>
+          </a:xfrm>
+          <a:prstGeom prst="curvedConnector3">
+            <a:avLst>
+              <a:gd name="adj1" fmla="val 1800000"/>
+            </a:avLst>
+          </a:prstGeom>
+          <a:ln>
+            <a:tailEnd type="arrow"/>
+          </a:ln>
+        </p:spPr>
+        <p:style>
+          <a:lnRef idx="1">
+            <a:schemeClr val="accent1"/>
+          </a:lnRef>
+          <a:fillRef idx="0">
+            <a:schemeClr val="accent1"/>
+          </a:fillRef>
+          <a:effectRef idx="0">
+            <a:schemeClr val="accent1"/>
+          </a:effectRef>
+          <a:fontRef idx="minor">
+            <a:schemeClr val="tx1"/>
+          </a:fontRef>
+        </p:style>
+      </p:cxnSp>
+      <p:grpSp>
+        <p:nvGrpSpPr>
+          <p:cNvPr id="66" name="그룹 65"/>
+          <p:cNvGrpSpPr/>
+          <p:nvPr/>
+        </p:nvGrpSpPr>
+        <p:grpSpPr>
+          <a:xfrm>
+            <a:off x="634965" y="5726904"/>
+            <a:ext cx="1224136" cy="360040"/>
+            <a:chOff x="971600" y="1268760"/>
+            <a:chExt cx="2088232" cy="576064"/>
+          </a:xfrm>
+        </p:grpSpPr>
+        <p:sp>
+          <p:nvSpPr>
+            <p:cNvPr id="67" name="모서리가 둥근 직사각형 66"/>
+            <p:cNvSpPr/>
+            <p:nvPr/>
+          </p:nvSpPr>
+          <p:spPr>
+            <a:xfrm>
+              <a:off x="971600" y="1268760"/>
+              <a:ext cx="2088232" cy="576064"/>
+            </a:xfrm>
+            <a:prstGeom prst="roundRect">
+              <a:avLst/>
+            </a:prstGeom>
+          </p:spPr>
+          <p:style>
+            <a:lnRef idx="2">
+              <a:schemeClr val="dk1"/>
+            </a:lnRef>
+            <a:fillRef idx="1">
+              <a:schemeClr val="lt1"/>
+            </a:fillRef>
+            <a:effectRef idx="0">
+              <a:schemeClr val="dk1"/>
+            </a:effectRef>
+            <a:fontRef idx="minor">
+              <a:schemeClr val="dk1"/>
+            </a:fontRef>
+          </p:style>
+          <p:txBody>
+            <a:bodyPr rtlCol="0" anchor="ctr"/>
+            <a:lstStyle/>
+            <a:p>
+              <a:pPr algn="ctr"/>
+              <a:r>
+                <a:rPr lang="en-US" altLang="ko-KR" dirty="0" smtClean="0"/>
+                <a:t>1</a:t>
+              </a:r>
+              <a:endParaRPr lang="ko-KR" altLang="en-US" dirty="0"/>
+            </a:p>
+          </p:txBody>
+        </p:sp>
+        <p:sp>
+          <p:nvSpPr>
+            <p:cNvPr id="68" name="모서리가 둥근 직사각형 67"/>
+            <p:cNvSpPr/>
+            <p:nvPr/>
+          </p:nvSpPr>
+          <p:spPr>
+            <a:xfrm>
+              <a:off x="971600" y="1268760"/>
+              <a:ext cx="288032" cy="576064"/>
+            </a:xfrm>
+            <a:prstGeom prst="roundRect">
+              <a:avLst/>
+            </a:prstGeom>
+          </p:spPr>
+          <p:style>
+            <a:lnRef idx="2">
+              <a:schemeClr val="dk1"/>
+            </a:lnRef>
+            <a:fillRef idx="1">
+              <a:schemeClr val="lt1"/>
+            </a:fillRef>
+            <a:effectRef idx="0">
+              <a:schemeClr val="dk1"/>
+            </a:effectRef>
+            <a:fontRef idx="minor">
+              <a:schemeClr val="dk1"/>
+            </a:fontRef>
+          </p:style>
+          <p:txBody>
+            <a:bodyPr rtlCol="0" anchor="ctr"/>
+            <a:lstStyle/>
+            <a:p>
+              <a:pPr algn="ctr"/>
+              <a:endParaRPr lang="ko-KR" altLang="en-US"/>
+            </a:p>
+          </p:txBody>
+        </p:sp>
+        <p:sp>
+          <p:nvSpPr>
+            <p:cNvPr id="69" name="모서리가 둥근 직사각형 68"/>
+            <p:cNvSpPr/>
+            <p:nvPr/>
+          </p:nvSpPr>
+          <p:spPr>
+            <a:xfrm>
+              <a:off x="2771800" y="1268760"/>
+              <a:ext cx="288032" cy="576064"/>
+            </a:xfrm>
+            <a:prstGeom prst="roundRect">
+              <a:avLst/>
+            </a:prstGeom>
+          </p:spPr>
+          <p:style>
+            <a:lnRef idx="2">
+              <a:schemeClr val="dk1"/>
+            </a:lnRef>
+            <a:fillRef idx="1">
+              <a:schemeClr val="lt1"/>
+            </a:fillRef>
+            <a:effectRef idx="0">
+              <a:schemeClr val="dk1"/>
+            </a:effectRef>
+            <a:fontRef idx="minor">
+              <a:schemeClr val="dk1"/>
+            </a:fontRef>
+          </p:style>
+          <p:txBody>
+            <a:bodyPr rtlCol="0" anchor="ctr"/>
+            <a:lstStyle/>
+            <a:p>
+              <a:pPr algn="ctr"/>
+              <a:endParaRPr lang="ko-KR" altLang="en-US"/>
+            </a:p>
+          </p:txBody>
+        </p:sp>
+      </p:grpSp>
+      <p:grpSp>
+        <p:nvGrpSpPr>
+          <p:cNvPr id="70" name="그룹 69"/>
+          <p:cNvGrpSpPr/>
+          <p:nvPr/>
+        </p:nvGrpSpPr>
+        <p:grpSpPr>
+          <a:xfrm>
+            <a:off x="2500637" y="5726904"/>
+            <a:ext cx="1224136" cy="360040"/>
+            <a:chOff x="971600" y="1268760"/>
+            <a:chExt cx="2088232" cy="576064"/>
+          </a:xfrm>
+        </p:grpSpPr>
+        <p:sp>
+          <p:nvSpPr>
+            <p:cNvPr id="71" name="모서리가 둥근 직사각형 70"/>
+            <p:cNvSpPr/>
+            <p:nvPr/>
+          </p:nvSpPr>
+          <p:spPr>
+            <a:xfrm>
+              <a:off x="971600" y="1268760"/>
+              <a:ext cx="2088232" cy="576064"/>
+            </a:xfrm>
+            <a:prstGeom prst="roundRect">
+              <a:avLst/>
+            </a:prstGeom>
+          </p:spPr>
+          <p:style>
+            <a:lnRef idx="2">
+              <a:schemeClr val="dk1"/>
+            </a:lnRef>
+            <a:fillRef idx="1">
+              <a:schemeClr val="lt1"/>
+            </a:fillRef>
+            <a:effectRef idx="0">
+              <a:schemeClr val="dk1"/>
+            </a:effectRef>
+            <a:fontRef idx="minor">
+              <a:schemeClr val="dk1"/>
+            </a:fontRef>
+          </p:style>
+          <p:txBody>
+            <a:bodyPr rtlCol="0" anchor="ctr"/>
+            <a:lstStyle/>
+            <a:p>
+              <a:pPr algn="ctr"/>
+              <a:r>
+                <a:rPr lang="en-US" altLang="ko-KR" dirty="0" smtClean="0"/>
+                <a:t>0</a:t>
+              </a:r>
+              <a:endParaRPr lang="ko-KR" altLang="en-US" dirty="0"/>
+            </a:p>
+          </p:txBody>
+        </p:sp>
+        <p:sp>
+          <p:nvSpPr>
+            <p:cNvPr id="72" name="모서리가 둥근 직사각형 71"/>
+            <p:cNvSpPr/>
+            <p:nvPr/>
+          </p:nvSpPr>
+          <p:spPr>
+            <a:xfrm>
+              <a:off x="971600" y="1268760"/>
+              <a:ext cx="288032" cy="576064"/>
+            </a:xfrm>
+            <a:prstGeom prst="roundRect">
+              <a:avLst/>
+            </a:prstGeom>
+          </p:spPr>
+          <p:style>
+            <a:lnRef idx="2">
+              <a:schemeClr val="dk1"/>
+            </a:lnRef>
+            <a:fillRef idx="1">
+              <a:schemeClr val="lt1"/>
+            </a:fillRef>
+            <a:effectRef idx="0">
+              <a:schemeClr val="dk1"/>
+            </a:effectRef>
+            <a:fontRef idx="minor">
+              <a:schemeClr val="dk1"/>
+            </a:fontRef>
+          </p:style>
+          <p:txBody>
+            <a:bodyPr rtlCol="0" anchor="ctr"/>
+            <a:lstStyle/>
+            <a:p>
+              <a:pPr algn="ctr"/>
+              <a:endParaRPr lang="ko-KR" altLang="en-US"/>
+            </a:p>
+          </p:txBody>
+        </p:sp>
+        <p:sp>
+          <p:nvSpPr>
+            <p:cNvPr id="73" name="모서리가 둥근 직사각형 72"/>
+            <p:cNvSpPr/>
+            <p:nvPr/>
+          </p:nvSpPr>
+          <p:spPr>
+            <a:xfrm>
+              <a:off x="2771800" y="1268760"/>
+              <a:ext cx="288032" cy="576064"/>
+            </a:xfrm>
+            <a:prstGeom prst="roundRect">
+              <a:avLst/>
+            </a:prstGeom>
+          </p:spPr>
+          <p:style>
+            <a:lnRef idx="2">
+              <a:schemeClr val="dk1"/>
+            </a:lnRef>
+            <a:fillRef idx="1">
+              <a:schemeClr val="lt1"/>
+            </a:fillRef>
+            <a:effectRef idx="0">
+              <a:schemeClr val="dk1"/>
+            </a:effectRef>
+            <a:fontRef idx="minor">
+              <a:schemeClr val="dk1"/>
+            </a:fontRef>
+          </p:style>
+          <p:txBody>
+            <a:bodyPr rtlCol="0" anchor="ctr"/>
+            <a:lstStyle/>
+            <a:p>
+              <a:pPr algn="ctr"/>
+              <a:endParaRPr lang="ko-KR" altLang="en-US"/>
+            </a:p>
+          </p:txBody>
+        </p:sp>
+      </p:grpSp>
+      <p:cxnSp>
+        <p:nvCxnSpPr>
+          <p:cNvPr id="74" name="구부러진 연결선 73"/>
+          <p:cNvCxnSpPr>
+            <a:stCxn id="68" idx="0"/>
+            <a:endCxn id="79" idx="0"/>
+          </p:cNvCxnSpPr>
+          <p:nvPr/>
+        </p:nvCxnSpPr>
+        <p:spPr>
+          <a:xfrm rot="16200000" flipH="1">
+            <a:off x="2698992" y="3747299"/>
+            <a:ext cx="6351" cy="3965560"/>
+          </a:xfrm>
+          <a:prstGeom prst="curvedConnector3">
+            <a:avLst>
+              <a:gd name="adj1" fmla="val -3599433"/>
+            </a:avLst>
+          </a:prstGeom>
+          <a:ln>
+            <a:tailEnd type="arrow"/>
+          </a:ln>
+        </p:spPr>
+        <p:style>
+          <a:lnRef idx="1">
+            <a:schemeClr val="accent1"/>
+          </a:lnRef>
+          <a:fillRef idx="0">
+            <a:schemeClr val="accent1"/>
+          </a:fillRef>
+          <a:effectRef idx="0">
+            <a:schemeClr val="accent1"/>
+          </a:effectRef>
+          <a:fontRef idx="minor">
+            <a:schemeClr val="tx1"/>
+          </a:fontRef>
+        </p:style>
+      </p:cxnSp>
+      <p:cxnSp>
+        <p:nvCxnSpPr>
+          <p:cNvPr id="75" name="구부러진 연결선 74"/>
+          <p:cNvCxnSpPr>
+            <a:stCxn id="69" idx="0"/>
+            <a:endCxn id="71" idx="0"/>
+          </p:cNvCxnSpPr>
+          <p:nvPr/>
+        </p:nvCxnSpPr>
+        <p:spPr>
+          <a:xfrm rot="5400000" flipH="1" flipV="1">
+            <a:off x="2443691" y="5057891"/>
+            <a:ext cx="12700" cy="1338027"/>
+          </a:xfrm>
+          <a:prstGeom prst="curvedConnector3">
+            <a:avLst>
+              <a:gd name="adj1" fmla="val 1800000"/>
+            </a:avLst>
+          </a:prstGeom>
+          <a:ln>
+            <a:tailEnd type="arrow"/>
+          </a:ln>
+        </p:spPr>
+        <p:style>
+          <a:lnRef idx="1">
+            <a:schemeClr val="accent1"/>
+          </a:lnRef>
+          <a:fillRef idx="0">
+            <a:schemeClr val="accent1"/>
+          </a:fillRef>
+          <a:effectRef idx="0">
+            <a:schemeClr val="accent1"/>
+          </a:effectRef>
+          <a:fontRef idx="minor">
+            <a:schemeClr val="tx1"/>
+          </a:fontRef>
+        </p:style>
+      </p:cxnSp>
+      <p:cxnSp>
+        <p:nvCxnSpPr>
+          <p:cNvPr id="76" name="구부러진 연결선 75"/>
+          <p:cNvCxnSpPr>
+            <a:stCxn id="72" idx="2"/>
+            <a:endCxn id="67" idx="2"/>
+          </p:cNvCxnSpPr>
+          <p:nvPr/>
+        </p:nvCxnSpPr>
+        <p:spPr>
+          <a:xfrm rot="5400000">
+            <a:off x="1916047" y="5417931"/>
+            <a:ext cx="12700" cy="1338027"/>
+          </a:xfrm>
+          <a:prstGeom prst="curvedConnector3">
+            <a:avLst>
+              <a:gd name="adj1" fmla="val 1800000"/>
+            </a:avLst>
+          </a:prstGeom>
+          <a:ln>
+            <a:tailEnd type="arrow"/>
+          </a:ln>
+        </p:spPr>
+        <p:style>
+          <a:lnRef idx="1">
+            <a:schemeClr val="accent1"/>
+          </a:lnRef>
+          <a:fillRef idx="0">
+            <a:schemeClr val="accent1"/>
+          </a:fillRef>
+          <a:effectRef idx="0">
+            <a:schemeClr val="accent1"/>
+          </a:effectRef>
+          <a:fontRef idx="minor">
+            <a:schemeClr val="tx1"/>
+          </a:fontRef>
+        </p:style>
+      </p:cxnSp>
+      <p:cxnSp>
+        <p:nvCxnSpPr>
+          <p:cNvPr id="77" name="구부러진 연결선 76"/>
+          <p:cNvCxnSpPr>
+            <a:stCxn id="81" idx="2"/>
+            <a:endCxn id="67" idx="2"/>
+          </p:cNvCxnSpPr>
+          <p:nvPr/>
+        </p:nvCxnSpPr>
+        <p:spPr>
+          <a:xfrm rot="5400000" flipH="1">
+            <a:off x="3226637" y="4107340"/>
+            <a:ext cx="6351" cy="3965560"/>
+          </a:xfrm>
+          <a:prstGeom prst="curvedConnector3">
+            <a:avLst>
+              <a:gd name="adj1" fmla="val -3599433"/>
+            </a:avLst>
+          </a:prstGeom>
+          <a:ln>
+            <a:tailEnd type="arrow"/>
+          </a:ln>
+        </p:spPr>
+        <p:style>
+          <a:lnRef idx="1">
+            <a:schemeClr val="accent1"/>
+          </a:lnRef>
+          <a:fillRef idx="0">
+            <a:schemeClr val="accent1"/>
+          </a:fillRef>
+          <a:effectRef idx="0">
+            <a:schemeClr val="accent1"/>
+          </a:effectRef>
+          <a:fontRef idx="minor">
+            <a:schemeClr val="tx1"/>
+          </a:fontRef>
+        </p:style>
+      </p:cxnSp>
+      <p:grpSp>
+        <p:nvGrpSpPr>
+          <p:cNvPr id="78" name="그룹 77"/>
+          <p:cNvGrpSpPr/>
+          <p:nvPr/>
+        </p:nvGrpSpPr>
+        <p:grpSpPr>
+          <a:xfrm>
+            <a:off x="4072880" y="5733255"/>
+            <a:ext cx="1224136" cy="360040"/>
+            <a:chOff x="971600" y="1268760"/>
+            <a:chExt cx="2088232" cy="576064"/>
+          </a:xfrm>
+        </p:grpSpPr>
+        <p:sp>
+          <p:nvSpPr>
+            <p:cNvPr id="79" name="모서리가 둥근 직사각형 78"/>
+            <p:cNvSpPr/>
+            <p:nvPr/>
+          </p:nvSpPr>
+          <p:spPr>
+            <a:xfrm>
+              <a:off x="971600" y="1268760"/>
+              <a:ext cx="2088232" cy="576064"/>
+            </a:xfrm>
+            <a:prstGeom prst="roundRect">
+              <a:avLst/>
+            </a:prstGeom>
+          </p:spPr>
+          <p:style>
+            <a:lnRef idx="2">
+              <a:schemeClr val="dk1"/>
+            </a:lnRef>
+            <a:fillRef idx="1">
+              <a:schemeClr val="lt1"/>
+            </a:fillRef>
+            <a:effectRef idx="0">
+              <a:schemeClr val="dk1"/>
+            </a:effectRef>
+            <a:fontRef idx="minor">
+              <a:schemeClr val="dk1"/>
+            </a:fontRef>
+          </p:style>
+          <p:txBody>
+            <a:bodyPr rtlCol="0" anchor="ctr"/>
+            <a:lstStyle/>
+            <a:p>
+              <a:pPr algn="ctr"/>
+              <a:r>
+                <a:rPr lang="en-US" altLang="ko-KR" dirty="0" smtClean="0"/>
+                <a:t>head</a:t>
+              </a:r>
+              <a:endParaRPr lang="ko-KR" altLang="en-US" dirty="0"/>
+            </a:p>
+          </p:txBody>
+        </p:sp>
+        <p:sp>
+          <p:nvSpPr>
+            <p:cNvPr id="80" name="모서리가 둥근 직사각형 79"/>
+            <p:cNvSpPr/>
+            <p:nvPr/>
+          </p:nvSpPr>
+          <p:spPr>
+            <a:xfrm>
+              <a:off x="971600" y="1268760"/>
+              <a:ext cx="288032" cy="576064"/>
+            </a:xfrm>
+            <a:prstGeom prst="roundRect">
+              <a:avLst/>
+            </a:prstGeom>
+          </p:spPr>
+          <p:style>
+            <a:lnRef idx="2">
+              <a:schemeClr val="dk1"/>
+            </a:lnRef>
+            <a:fillRef idx="1">
+              <a:schemeClr val="lt1"/>
+            </a:fillRef>
+            <a:effectRef idx="0">
+              <a:schemeClr val="dk1"/>
+            </a:effectRef>
+            <a:fontRef idx="minor">
+              <a:schemeClr val="dk1"/>
+            </a:fontRef>
+          </p:style>
+          <p:txBody>
+            <a:bodyPr rtlCol="0" anchor="ctr"/>
+            <a:lstStyle/>
+            <a:p>
+              <a:pPr algn="ctr"/>
+              <a:endParaRPr lang="ko-KR" altLang="en-US"/>
+            </a:p>
+          </p:txBody>
+        </p:sp>
+        <p:sp>
+          <p:nvSpPr>
+            <p:cNvPr id="81" name="모서리가 둥근 직사각형 80"/>
+            <p:cNvSpPr/>
+            <p:nvPr/>
+          </p:nvSpPr>
+          <p:spPr>
+            <a:xfrm>
+              <a:off x="2771800" y="1268760"/>
+              <a:ext cx="288032" cy="576064"/>
+            </a:xfrm>
+            <a:prstGeom prst="roundRect">
+              <a:avLst/>
+            </a:prstGeom>
+          </p:spPr>
+          <p:style>
+            <a:lnRef idx="2">
+              <a:schemeClr val="dk1"/>
+            </a:lnRef>
+            <a:fillRef idx="1">
+              <a:schemeClr val="lt1"/>
+            </a:fillRef>
+            <a:effectRef idx="0">
+              <a:schemeClr val="dk1"/>
+            </a:effectRef>
+            <a:fontRef idx="minor">
+              <a:schemeClr val="dk1"/>
+            </a:fontRef>
+          </p:style>
+          <p:txBody>
+            <a:bodyPr rtlCol="0" anchor="ctr"/>
+            <a:lstStyle/>
+            <a:p>
+              <a:pPr algn="ctr"/>
+              <a:endParaRPr lang="ko-KR" altLang="en-US"/>
+            </a:p>
+          </p:txBody>
+        </p:sp>
+      </p:grpSp>
+      <p:cxnSp>
+        <p:nvCxnSpPr>
+          <p:cNvPr id="82" name="구부러진 연결선 81"/>
+          <p:cNvCxnSpPr>
+            <a:stCxn id="80" idx="2"/>
+            <a:endCxn id="71" idx="2"/>
+          </p:cNvCxnSpPr>
+          <p:nvPr/>
+        </p:nvCxnSpPr>
+        <p:spPr>
+          <a:xfrm rot="5400000" flipH="1">
+            <a:off x="3631828" y="5567821"/>
+            <a:ext cx="6351" cy="1044598"/>
+          </a:xfrm>
+          <a:prstGeom prst="curvedConnector3">
+            <a:avLst>
+              <a:gd name="adj1" fmla="val -3599433"/>
+            </a:avLst>
+          </a:prstGeom>
+          <a:ln>
+            <a:tailEnd type="arrow"/>
+          </a:ln>
+        </p:spPr>
+        <p:style>
+          <a:lnRef idx="1">
+            <a:schemeClr val="accent1"/>
+          </a:lnRef>
+          <a:fillRef idx="0">
+            <a:schemeClr val="accent1"/>
+          </a:fillRef>
+          <a:effectRef idx="0">
+            <a:schemeClr val="accent1"/>
+          </a:effectRef>
+          <a:fontRef idx="minor">
+            <a:schemeClr val="tx1"/>
+          </a:fontRef>
+        </p:style>
+      </p:cxnSp>
+      <p:cxnSp>
+        <p:nvCxnSpPr>
+          <p:cNvPr id="83" name="구부러진 연결선 82"/>
+          <p:cNvCxnSpPr>
+            <a:stCxn id="73" idx="0"/>
+            <a:endCxn id="79" idx="0"/>
+          </p:cNvCxnSpPr>
+          <p:nvPr/>
+        </p:nvCxnSpPr>
+        <p:spPr>
+          <a:xfrm rot="16200000" flipH="1">
+            <a:off x="4159473" y="5207780"/>
+            <a:ext cx="6351" cy="1044598"/>
+          </a:xfrm>
+          <a:prstGeom prst="curvedConnector3">
+            <a:avLst>
+              <a:gd name="adj1" fmla="val -3599433"/>
+            </a:avLst>
+          </a:prstGeom>
+          <a:ln>
+            <a:tailEnd type="arrow"/>
+          </a:ln>
+        </p:spPr>
+        <p:style>
+          <a:lnRef idx="1">
+            <a:schemeClr val="accent1"/>
+          </a:lnRef>
+          <a:fillRef idx="0">
+            <a:schemeClr val="accent1"/>
+          </a:fillRef>
+          <a:effectRef idx="0">
+            <a:schemeClr val="accent1"/>
+          </a:effectRef>
+          <a:fontRef idx="minor">
+            <a:schemeClr val="tx1"/>
+          </a:fontRef>
+        </p:style>
+      </p:cxnSp>
+      <p:sp>
+        <p:nvSpPr>
+          <p:cNvPr id="84" name="직사각형 83"/>
+          <p:cNvSpPr/>
+          <p:nvPr/>
+        </p:nvSpPr>
+        <p:spPr>
+          <a:xfrm>
+            <a:off x="4320480" y="1034406"/>
+            <a:ext cx="4572000" cy="769441"/>
+          </a:xfrm>
+          <a:prstGeom prst="rect">
+            <a:avLst/>
+          </a:prstGeom>
+        </p:spPr>
+        <p:txBody>
+          <a:bodyPr>
+            <a:spAutoFit/>
+          </a:bodyPr>
+          <a:lstStyle/>
+          <a:p>
+            <a:r>
+              <a:rPr lang="en-US" altLang="ko-KR" sz="1100" dirty="0" smtClean="0"/>
+              <a:t>static inline void </a:t>
+            </a:r>
+            <a:r>
+              <a:rPr lang="en-US" altLang="ko-KR" sz="1100" dirty="0" err="1" smtClean="0"/>
+              <a:t>list_add</a:t>
+            </a:r>
+            <a:r>
+              <a:rPr lang="en-US" altLang="ko-KR" sz="1100" dirty="0" smtClean="0"/>
+              <a:t>(</a:t>
+            </a:r>
+            <a:r>
+              <a:rPr lang="en-US" altLang="ko-KR" sz="1100" dirty="0" err="1" smtClean="0"/>
+              <a:t>struct</a:t>
+            </a:r>
+            <a:r>
+              <a:rPr lang="en-US" altLang="ko-KR" sz="1100" dirty="0" smtClean="0"/>
+              <a:t> </a:t>
+            </a:r>
+            <a:r>
+              <a:rPr lang="en-US" altLang="ko-KR" sz="1100" dirty="0" err="1" smtClean="0"/>
+              <a:t>list_head</a:t>
+            </a:r>
+            <a:r>
+              <a:rPr lang="en-US" altLang="ko-KR" sz="1100" dirty="0" smtClean="0"/>
+              <a:t> *new, </a:t>
+            </a:r>
+            <a:r>
+              <a:rPr lang="en-US" altLang="ko-KR" sz="1100" dirty="0" err="1" smtClean="0"/>
+              <a:t>struct</a:t>
+            </a:r>
+            <a:r>
+              <a:rPr lang="en-US" altLang="ko-KR" sz="1100" dirty="0" smtClean="0"/>
+              <a:t> </a:t>
+            </a:r>
+            <a:r>
+              <a:rPr lang="en-US" altLang="ko-KR" sz="1100" dirty="0" err="1" smtClean="0"/>
+              <a:t>list_head</a:t>
+            </a:r>
+            <a:r>
+              <a:rPr lang="en-US" altLang="ko-KR" sz="1100" dirty="0" smtClean="0"/>
+              <a:t> *head)</a:t>
+            </a:r>
+          </a:p>
+          <a:p>
+            <a:r>
+              <a:rPr lang="en-US" altLang="ko-KR" sz="1100" dirty="0" smtClean="0"/>
+              <a:t>{</a:t>
+            </a:r>
+          </a:p>
+          <a:p>
+            <a:r>
+              <a:rPr lang="en-US" altLang="ko-KR" sz="1100" dirty="0" smtClean="0"/>
+              <a:t>    __</a:t>
+            </a:r>
+            <a:r>
+              <a:rPr lang="en-US" altLang="ko-KR" sz="1100" dirty="0" err="1" smtClean="0"/>
+              <a:t>list_add</a:t>
+            </a:r>
+            <a:r>
+              <a:rPr lang="en-US" altLang="ko-KR" sz="1100" dirty="0" smtClean="0"/>
+              <a:t>(new</a:t>
+            </a:r>
+            <a:r>
+              <a:rPr lang="en-US" altLang="ko-KR" sz="1100" b="1" dirty="0" smtClean="0">
+                <a:solidFill>
+                  <a:srgbClr val="FF0000"/>
+                </a:solidFill>
+              </a:rPr>
+              <a:t>, head, head-&gt;next</a:t>
+            </a:r>
+            <a:r>
+              <a:rPr lang="en-US" altLang="ko-KR" sz="1100" dirty="0" smtClean="0"/>
+              <a:t>);</a:t>
+            </a:r>
+          </a:p>
+          <a:p>
+            <a:r>
+              <a:rPr lang="en-US" altLang="ko-KR" sz="1100" dirty="0" smtClean="0"/>
+              <a:t>}</a:t>
+            </a:r>
+            <a:endParaRPr lang="ko-KR" altLang="en-US" sz="1100" dirty="0"/>
+          </a:p>
+        </p:txBody>
+      </p:sp>
+      <p:sp>
+        <p:nvSpPr>
+          <p:cNvPr id="85" name="직사각형 84"/>
+          <p:cNvSpPr/>
+          <p:nvPr/>
+        </p:nvSpPr>
+        <p:spPr>
+          <a:xfrm>
+            <a:off x="4224343" y="3451647"/>
+            <a:ext cx="4956169" cy="769441"/>
+          </a:xfrm>
+          <a:prstGeom prst="rect">
+            <a:avLst/>
+          </a:prstGeom>
+        </p:spPr>
+        <p:txBody>
+          <a:bodyPr wrap="square">
+            <a:spAutoFit/>
+          </a:bodyPr>
+          <a:lstStyle/>
+          <a:p>
+            <a:r>
+              <a:rPr lang="en-US" altLang="ko-KR" sz="1100" dirty="0" smtClean="0"/>
+              <a:t>static inline void </a:t>
+            </a:r>
+            <a:r>
+              <a:rPr lang="en-US" altLang="ko-KR" sz="1100" dirty="0" err="1" smtClean="0"/>
+              <a:t>list_add_tail</a:t>
+            </a:r>
+            <a:r>
+              <a:rPr lang="en-US" altLang="ko-KR" sz="1100" dirty="0" smtClean="0"/>
+              <a:t>(</a:t>
+            </a:r>
+            <a:r>
+              <a:rPr lang="en-US" altLang="ko-KR" sz="1100" dirty="0" err="1" smtClean="0"/>
+              <a:t>struct</a:t>
+            </a:r>
+            <a:r>
+              <a:rPr lang="en-US" altLang="ko-KR" sz="1100" dirty="0" smtClean="0"/>
+              <a:t> </a:t>
+            </a:r>
+            <a:r>
+              <a:rPr lang="en-US" altLang="ko-KR" sz="1100" dirty="0" err="1" smtClean="0"/>
+              <a:t>list_head</a:t>
+            </a:r>
+            <a:r>
+              <a:rPr lang="en-US" altLang="ko-KR" sz="1100" dirty="0" smtClean="0"/>
+              <a:t> *new, </a:t>
+            </a:r>
+            <a:r>
+              <a:rPr lang="en-US" altLang="ko-KR" sz="1100" dirty="0" err="1" smtClean="0"/>
+              <a:t>struct</a:t>
+            </a:r>
+            <a:r>
+              <a:rPr lang="en-US" altLang="ko-KR" sz="1100" dirty="0" smtClean="0"/>
+              <a:t> </a:t>
+            </a:r>
+            <a:r>
+              <a:rPr lang="en-US" altLang="ko-KR" sz="1100" dirty="0" err="1" smtClean="0"/>
+              <a:t>list_head</a:t>
+            </a:r>
+            <a:r>
+              <a:rPr lang="en-US" altLang="ko-KR" sz="1100" dirty="0" smtClean="0"/>
+              <a:t> *head)</a:t>
+            </a:r>
+          </a:p>
+          <a:p>
+            <a:r>
+              <a:rPr lang="en-US" altLang="ko-KR" sz="1100" dirty="0" smtClean="0"/>
+              <a:t>{</a:t>
+            </a:r>
+          </a:p>
+          <a:p>
+            <a:r>
+              <a:rPr lang="en-US" altLang="ko-KR" sz="1100" dirty="0" smtClean="0"/>
+              <a:t>    __</a:t>
+            </a:r>
+            <a:r>
+              <a:rPr lang="en-US" altLang="ko-KR" sz="1100" dirty="0" err="1" smtClean="0"/>
+              <a:t>list_add</a:t>
+            </a:r>
+            <a:r>
+              <a:rPr lang="en-US" altLang="ko-KR" sz="1100" dirty="0" smtClean="0"/>
+              <a:t>(new, </a:t>
+            </a:r>
+            <a:r>
+              <a:rPr lang="en-US" altLang="ko-KR" sz="1100" b="1" dirty="0" smtClean="0">
+                <a:solidFill>
+                  <a:srgbClr val="FF0000"/>
+                </a:solidFill>
+              </a:rPr>
+              <a:t>head-&gt;</a:t>
+            </a:r>
+            <a:r>
+              <a:rPr lang="en-US" altLang="ko-KR" sz="1100" b="1" dirty="0" err="1" smtClean="0">
+                <a:solidFill>
+                  <a:srgbClr val="FF0000"/>
+                </a:solidFill>
+              </a:rPr>
+              <a:t>prev</a:t>
+            </a:r>
+            <a:r>
+              <a:rPr lang="en-US" altLang="ko-KR" sz="1100" b="1" dirty="0" smtClean="0">
+                <a:solidFill>
+                  <a:srgbClr val="FF0000"/>
+                </a:solidFill>
+              </a:rPr>
+              <a:t>, head</a:t>
+            </a:r>
+            <a:r>
+              <a:rPr lang="en-US" altLang="ko-KR" sz="1100" dirty="0" smtClean="0"/>
+              <a:t>);</a:t>
+            </a:r>
+          </a:p>
+          <a:p>
+            <a:r>
+              <a:rPr lang="en-US" altLang="ko-KR" sz="1100" dirty="0" smtClean="0"/>
+              <a:t>}</a:t>
+            </a:r>
+            <a:endParaRPr lang="ko-KR" altLang="en-US" sz="1100" dirty="0"/>
+          </a:p>
+        </p:txBody>
+      </p:sp>
+      <p:sp>
+        <p:nvSpPr>
+          <p:cNvPr id="86" name="직사각형 85"/>
+          <p:cNvSpPr/>
+          <p:nvPr/>
+        </p:nvSpPr>
+        <p:spPr>
+          <a:xfrm>
+            <a:off x="5580112" y="4943353"/>
+            <a:ext cx="3456384" cy="1615827"/>
+          </a:xfrm>
+          <a:prstGeom prst="rect">
+            <a:avLst/>
+          </a:prstGeom>
+        </p:spPr>
+        <p:txBody>
+          <a:bodyPr wrap="square">
+            <a:spAutoFit/>
+          </a:bodyPr>
+          <a:lstStyle/>
+          <a:p>
+            <a:r>
+              <a:rPr lang="en-US" altLang="ko-KR" sz="1100" dirty="0" smtClean="0"/>
+              <a:t>static inline void __</a:t>
+            </a:r>
+            <a:r>
+              <a:rPr lang="en-US" altLang="ko-KR" sz="1100" dirty="0" err="1" smtClean="0"/>
+              <a:t>list_add</a:t>
+            </a:r>
+            <a:r>
+              <a:rPr lang="en-US" altLang="ko-KR" sz="1100" dirty="0" smtClean="0"/>
+              <a:t>(</a:t>
+            </a:r>
+            <a:r>
+              <a:rPr lang="en-US" altLang="ko-KR" sz="1100" dirty="0" err="1" smtClean="0"/>
+              <a:t>struct</a:t>
+            </a:r>
+            <a:r>
+              <a:rPr lang="en-US" altLang="ko-KR" sz="1100" dirty="0" smtClean="0"/>
+              <a:t> </a:t>
+            </a:r>
+            <a:r>
+              <a:rPr lang="en-US" altLang="ko-KR" sz="1100" dirty="0" err="1" smtClean="0"/>
+              <a:t>list_head</a:t>
+            </a:r>
+            <a:r>
+              <a:rPr lang="en-US" altLang="ko-KR" sz="1100" dirty="0" smtClean="0"/>
+              <a:t> *new,</a:t>
+            </a:r>
+          </a:p>
+          <a:p>
+            <a:r>
+              <a:rPr lang="en-US" altLang="ko-KR" sz="1100" dirty="0" smtClean="0"/>
+              <a:t>                  </a:t>
+            </a:r>
+            <a:r>
+              <a:rPr lang="en-US" altLang="ko-KR" sz="1100" b="1" dirty="0" err="1" smtClean="0">
+                <a:solidFill>
+                  <a:srgbClr val="FF0000"/>
+                </a:solidFill>
+              </a:rPr>
+              <a:t>struct</a:t>
+            </a:r>
+            <a:r>
+              <a:rPr lang="en-US" altLang="ko-KR" sz="1100" b="1" dirty="0" smtClean="0">
+                <a:solidFill>
+                  <a:srgbClr val="FF0000"/>
+                </a:solidFill>
+              </a:rPr>
+              <a:t> </a:t>
+            </a:r>
+            <a:r>
+              <a:rPr lang="en-US" altLang="ko-KR" sz="1100" b="1" dirty="0" err="1" smtClean="0">
+                <a:solidFill>
+                  <a:srgbClr val="FF0000"/>
+                </a:solidFill>
+              </a:rPr>
+              <a:t>list_head</a:t>
+            </a:r>
+            <a:r>
+              <a:rPr lang="en-US" altLang="ko-KR" sz="1100" b="1" dirty="0" smtClean="0">
+                <a:solidFill>
+                  <a:srgbClr val="FF0000"/>
+                </a:solidFill>
+              </a:rPr>
+              <a:t> *</a:t>
+            </a:r>
+            <a:r>
+              <a:rPr lang="en-US" altLang="ko-KR" sz="1100" b="1" dirty="0" err="1" smtClean="0">
+                <a:solidFill>
+                  <a:srgbClr val="FF0000"/>
+                </a:solidFill>
+              </a:rPr>
+              <a:t>prev</a:t>
+            </a:r>
+            <a:r>
+              <a:rPr lang="en-US" altLang="ko-KR" sz="1100" b="1" dirty="0" smtClean="0"/>
+              <a:t>,</a:t>
+            </a:r>
+          </a:p>
+          <a:p>
+            <a:r>
+              <a:rPr lang="en-US" altLang="ko-KR" sz="1100" dirty="0" smtClean="0"/>
+              <a:t>                  </a:t>
+            </a:r>
+            <a:r>
+              <a:rPr lang="en-US" altLang="ko-KR" sz="1100" b="1" dirty="0" err="1" smtClean="0">
+                <a:solidFill>
+                  <a:srgbClr val="FF0000"/>
+                </a:solidFill>
+              </a:rPr>
+              <a:t>struct</a:t>
+            </a:r>
+            <a:r>
+              <a:rPr lang="en-US" altLang="ko-KR" sz="1100" b="1" dirty="0" smtClean="0">
+                <a:solidFill>
+                  <a:srgbClr val="FF0000"/>
+                </a:solidFill>
+              </a:rPr>
+              <a:t> </a:t>
+            </a:r>
+            <a:r>
+              <a:rPr lang="en-US" altLang="ko-KR" sz="1100" b="1" dirty="0" err="1" smtClean="0">
+                <a:solidFill>
+                  <a:srgbClr val="FF0000"/>
+                </a:solidFill>
+              </a:rPr>
+              <a:t>list_head</a:t>
+            </a:r>
+            <a:r>
+              <a:rPr lang="en-US" altLang="ko-KR" sz="1100" b="1" dirty="0" smtClean="0">
+                <a:solidFill>
+                  <a:srgbClr val="FF0000"/>
+                </a:solidFill>
+              </a:rPr>
+              <a:t> *next</a:t>
+            </a:r>
+            <a:r>
+              <a:rPr lang="en-US" altLang="ko-KR" sz="1100" dirty="0" smtClean="0"/>
+              <a:t>)</a:t>
+            </a:r>
+          </a:p>
+          <a:p>
+            <a:r>
+              <a:rPr lang="en-US" altLang="ko-KR" sz="1100" dirty="0" smtClean="0"/>
+              <a:t>{</a:t>
+            </a:r>
+          </a:p>
+          <a:p>
+            <a:r>
+              <a:rPr lang="en-US" altLang="ko-KR" sz="1100" dirty="0" smtClean="0"/>
+              <a:t>    next-&gt;</a:t>
+            </a:r>
+            <a:r>
+              <a:rPr lang="en-US" altLang="ko-KR" sz="1100" dirty="0" err="1" smtClean="0"/>
+              <a:t>prev</a:t>
+            </a:r>
+            <a:r>
+              <a:rPr lang="en-US" altLang="ko-KR" sz="1100" dirty="0" smtClean="0"/>
+              <a:t> = new;</a:t>
+            </a:r>
+          </a:p>
+          <a:p>
+            <a:r>
+              <a:rPr lang="en-US" altLang="ko-KR" sz="1100" dirty="0" smtClean="0"/>
+              <a:t>    new-&gt;next = next;</a:t>
+            </a:r>
+          </a:p>
+          <a:p>
+            <a:r>
+              <a:rPr lang="en-US" altLang="ko-KR" sz="1100" dirty="0" smtClean="0"/>
+              <a:t>    new-&gt;</a:t>
+            </a:r>
+            <a:r>
+              <a:rPr lang="en-US" altLang="ko-KR" sz="1100" dirty="0" err="1" smtClean="0"/>
+              <a:t>prev</a:t>
+            </a:r>
+            <a:r>
+              <a:rPr lang="en-US" altLang="ko-KR" sz="1100" dirty="0" smtClean="0"/>
+              <a:t> = </a:t>
+            </a:r>
+            <a:r>
+              <a:rPr lang="en-US" altLang="ko-KR" sz="1100" dirty="0" err="1" smtClean="0"/>
+              <a:t>prev</a:t>
+            </a:r>
+            <a:r>
+              <a:rPr lang="en-US" altLang="ko-KR" sz="1100" dirty="0" smtClean="0"/>
+              <a:t>;</a:t>
+            </a:r>
+          </a:p>
+          <a:p>
+            <a:r>
+              <a:rPr lang="en-US" altLang="ko-KR" sz="1100" dirty="0" smtClean="0"/>
+              <a:t>    </a:t>
+            </a:r>
+            <a:r>
+              <a:rPr lang="en-US" altLang="ko-KR" sz="1100" dirty="0" err="1" smtClean="0"/>
+              <a:t>prev</a:t>
+            </a:r>
+            <a:r>
+              <a:rPr lang="en-US" altLang="ko-KR" sz="1100" dirty="0" smtClean="0"/>
+              <a:t>-&gt;next = new;</a:t>
+            </a:r>
+          </a:p>
+          <a:p>
+            <a:r>
+              <a:rPr lang="en-US" altLang="ko-KR" sz="1100" dirty="0" smtClean="0"/>
+              <a:t>}</a:t>
+            </a:r>
+            <a:endParaRPr lang="ko-KR" altLang="en-US" sz="1100" dirty="0"/>
+          </a:p>
+        </p:txBody>
+      </p:sp>
+    </p:spTree>
+    <p:extLst>
+      <p:ext uri="{BB962C8B-B14F-4D97-AF65-F5344CB8AC3E}">
+        <p14:creationId xmlns:p14="http://schemas.microsoft.com/office/powerpoint/2010/main" val="2661885721"/>
+      </p:ext>
+    </p:extLst>
+  </p:cSld>
+  <p:clrMapOvr>
+    <a:masterClrMapping/>
+  </p:clrMapOvr>
+</p:sld>
+</file>
+
 <file path=ppt/theme/theme1.xml><?xml version="1.0" encoding="utf-8"?>
 <a:theme xmlns:a="http://schemas.openxmlformats.org/drawingml/2006/main" name="Office 테마">
   <a:themeElements>

--- a/00-iamroot11c/users/blomdhal/temp/temp.pptx
+++ b/00-iamroot11c/users/blomdhal/temp/temp.pptx
@@ -8,6 +8,7 @@
     <p:sldId id="256" r:id="rId2"/>
     <p:sldId id="257" r:id="rId3"/>
     <p:sldId id="258" r:id="rId4"/>
+    <p:sldId id="259" r:id="rId5"/>
   </p:sldIdLst>
   <p:sldSz cx="9144000" cy="6858000" type="screen4x3"/>
   <p:notesSz cx="6858000" cy="9144000"/>
@@ -290,7 +291,7 @@
           <a:p>
             <a:fld id="{45806C50-3C04-4827-BE75-29D46D82EADB}" type="datetimeFigureOut">
               <a:rPr lang="ko-KR" altLang="en-US" smtClean="0"/>
-              <a:t>2014-12-18</a:t>
+              <a:t>2014-12-24</a:t>
             </a:fld>
             <a:endParaRPr lang="ko-KR" altLang="en-US"/>
           </a:p>
@@ -460,7 +461,7 @@
           <a:p>
             <a:fld id="{45806C50-3C04-4827-BE75-29D46D82EADB}" type="datetimeFigureOut">
               <a:rPr lang="ko-KR" altLang="en-US" smtClean="0"/>
-              <a:t>2014-12-18</a:t>
+              <a:t>2014-12-24</a:t>
             </a:fld>
             <a:endParaRPr lang="ko-KR" altLang="en-US"/>
           </a:p>
@@ -640,7 +641,7 @@
           <a:p>
             <a:fld id="{45806C50-3C04-4827-BE75-29D46D82EADB}" type="datetimeFigureOut">
               <a:rPr lang="ko-KR" altLang="en-US" smtClean="0"/>
-              <a:t>2014-12-18</a:t>
+              <a:t>2014-12-24</a:t>
             </a:fld>
             <a:endParaRPr lang="ko-KR" altLang="en-US"/>
           </a:p>
@@ -810,7 +811,7 @@
           <a:p>
             <a:fld id="{45806C50-3C04-4827-BE75-29D46D82EADB}" type="datetimeFigureOut">
               <a:rPr lang="ko-KR" altLang="en-US" smtClean="0"/>
-              <a:t>2014-12-18</a:t>
+              <a:t>2014-12-24</a:t>
             </a:fld>
             <a:endParaRPr lang="ko-KR" altLang="en-US"/>
           </a:p>
@@ -1056,7 +1057,7 @@
           <a:p>
             <a:fld id="{45806C50-3C04-4827-BE75-29D46D82EADB}" type="datetimeFigureOut">
               <a:rPr lang="ko-KR" altLang="en-US" smtClean="0"/>
-              <a:t>2014-12-18</a:t>
+              <a:t>2014-12-24</a:t>
             </a:fld>
             <a:endParaRPr lang="ko-KR" altLang="en-US"/>
           </a:p>
@@ -1344,7 +1345,7 @@
           <a:p>
             <a:fld id="{45806C50-3C04-4827-BE75-29D46D82EADB}" type="datetimeFigureOut">
               <a:rPr lang="ko-KR" altLang="en-US" smtClean="0"/>
-              <a:t>2014-12-18</a:t>
+              <a:t>2014-12-24</a:t>
             </a:fld>
             <a:endParaRPr lang="ko-KR" altLang="en-US"/>
           </a:p>
@@ -1766,7 +1767,7 @@
           <a:p>
             <a:fld id="{45806C50-3C04-4827-BE75-29D46D82EADB}" type="datetimeFigureOut">
               <a:rPr lang="ko-KR" altLang="en-US" smtClean="0"/>
-              <a:t>2014-12-18</a:t>
+              <a:t>2014-12-24</a:t>
             </a:fld>
             <a:endParaRPr lang="ko-KR" altLang="en-US"/>
           </a:p>
@@ -1884,7 +1885,7 @@
           <a:p>
             <a:fld id="{45806C50-3C04-4827-BE75-29D46D82EADB}" type="datetimeFigureOut">
               <a:rPr lang="ko-KR" altLang="en-US" smtClean="0"/>
-              <a:t>2014-12-18</a:t>
+              <a:t>2014-12-24</a:t>
             </a:fld>
             <a:endParaRPr lang="ko-KR" altLang="en-US"/>
           </a:p>
@@ -1979,7 +1980,7 @@
           <a:p>
             <a:fld id="{45806C50-3C04-4827-BE75-29D46D82EADB}" type="datetimeFigureOut">
               <a:rPr lang="ko-KR" altLang="en-US" smtClean="0"/>
-              <a:t>2014-12-18</a:t>
+              <a:t>2014-12-24</a:t>
             </a:fld>
             <a:endParaRPr lang="ko-KR" altLang="en-US"/>
           </a:p>
@@ -2256,7 +2257,7 @@
           <a:p>
             <a:fld id="{45806C50-3C04-4827-BE75-29D46D82EADB}" type="datetimeFigureOut">
               <a:rPr lang="ko-KR" altLang="en-US" smtClean="0"/>
-              <a:t>2014-12-18</a:t>
+              <a:t>2014-12-24</a:t>
             </a:fld>
             <a:endParaRPr lang="ko-KR" altLang="en-US"/>
           </a:p>
@@ -2509,7 +2510,7 @@
           <a:p>
             <a:fld id="{45806C50-3C04-4827-BE75-29D46D82EADB}" type="datetimeFigureOut">
               <a:rPr lang="ko-KR" altLang="en-US" smtClean="0"/>
-              <a:t>2014-12-18</a:t>
+              <a:t>2014-12-24</a:t>
             </a:fld>
             <a:endParaRPr lang="ko-KR" altLang="en-US"/>
           </a:p>
@@ -2722,7 +2723,7 @@
           <a:p>
             <a:fld id="{45806C50-3C04-4827-BE75-29D46D82EADB}" type="datetimeFigureOut">
               <a:rPr lang="ko-KR" altLang="en-US" smtClean="0"/>
-              <a:t>2014-12-18</a:t>
+              <a:t>2014-12-24</a:t>
             </a:fld>
             <a:endParaRPr lang="ko-KR" altLang="en-US"/>
           </a:p>
@@ -3119,288 +3120,288 @@
           <a:lstStyle/>
           <a:p>
             <a:r>
-              <a:rPr lang="en-US" altLang="ko-KR" sz="1400" dirty="0" smtClean="0"/>
+              <a:rPr lang="en-US" altLang="ko-KR" sz="1400" smtClean="0"/>
               <a:t>30         .macro  </a:t>
             </a:r>
             <a:r>
-              <a:rPr lang="en-US" altLang="ko-KR" sz="1400" dirty="0" err="1" smtClean="0"/>
+              <a:rPr lang="en-US" altLang="ko-KR" sz="1400" err="1" smtClean="0"/>
               <a:t>testop</a:t>
             </a:r>
             <a:r>
-              <a:rPr lang="en-US" altLang="ko-KR" sz="1400" dirty="0" smtClean="0"/>
+              <a:rPr lang="en-US" altLang="ko-KR" sz="1400" smtClean="0"/>
               <a:t>, name, </a:t>
             </a:r>
             <a:r>
-              <a:rPr lang="en-US" altLang="ko-KR" sz="1400" dirty="0" err="1" smtClean="0"/>
+              <a:rPr lang="en-US" altLang="ko-KR" sz="1400" err="1" smtClean="0"/>
               <a:t>instr</a:t>
             </a:r>
             <a:r>
-              <a:rPr lang="en-US" altLang="ko-KR" sz="1400" dirty="0" smtClean="0"/>
+              <a:rPr lang="en-US" altLang="ko-KR" sz="1400" smtClean="0"/>
               <a:t>, store</a:t>
             </a:r>
           </a:p>
           <a:p>
             <a:r>
-              <a:rPr lang="en-US" altLang="ko-KR" sz="1400" dirty="0" smtClean="0"/>
+              <a:rPr lang="en-US" altLang="ko-KR" sz="1400" smtClean="0"/>
               <a:t>31 ENTRY(  \name           )</a:t>
             </a:r>
           </a:p>
           <a:p>
             <a:r>
-              <a:rPr lang="en-US" altLang="ko-KR" sz="1400" dirty="0" smtClean="0"/>
+              <a:rPr lang="en-US" altLang="ko-KR" sz="1400" smtClean="0"/>
               <a:t>32 UNWIND( .</a:t>
             </a:r>
             <a:r>
-              <a:rPr lang="en-US" altLang="ko-KR" sz="1400" dirty="0" err="1" smtClean="0"/>
+              <a:rPr lang="en-US" altLang="ko-KR" sz="1400" err="1" smtClean="0"/>
               <a:t>fnstart</a:t>
             </a:r>
             <a:r>
-              <a:rPr lang="en-US" altLang="ko-KR" sz="1400" dirty="0" smtClean="0"/>
+              <a:rPr lang="en-US" altLang="ko-KR" sz="1400" smtClean="0"/>
               <a:t>        )</a:t>
             </a:r>
           </a:p>
           <a:p>
             <a:r>
-              <a:rPr lang="en-US" altLang="ko-KR" sz="1400" dirty="0" smtClean="0"/>
+              <a:rPr lang="en-US" altLang="ko-KR" sz="1400" smtClean="0"/>
               <a:t>33         ands    </a:t>
             </a:r>
             <a:r>
-              <a:rPr lang="en-US" altLang="ko-KR" sz="1400" dirty="0" err="1" smtClean="0"/>
+              <a:rPr lang="en-US" altLang="ko-KR" sz="1400" err="1" smtClean="0"/>
               <a:t>ip</a:t>
             </a:r>
             <a:r>
-              <a:rPr lang="en-US" altLang="ko-KR" sz="1400" dirty="0" smtClean="0"/>
+              <a:rPr lang="en-US" altLang="ko-KR" sz="1400" smtClean="0"/>
               <a:t>, r1, #3</a:t>
             </a:r>
           </a:p>
           <a:p>
             <a:r>
-              <a:rPr lang="en-US" altLang="ko-KR" sz="1400" dirty="0" smtClean="0"/>
+              <a:rPr lang="en-US" altLang="ko-KR" sz="1400" smtClean="0"/>
               <a:t>34         </a:t>
             </a:r>
             <a:r>
-              <a:rPr lang="en-US" altLang="ko-KR" sz="1400" dirty="0" err="1" smtClean="0"/>
+              <a:rPr lang="en-US" altLang="ko-KR" sz="1400" err="1" smtClean="0"/>
               <a:t>strneb</a:t>
             </a:r>
             <a:r>
-              <a:rPr lang="en-US" altLang="ko-KR" sz="1400" dirty="0" smtClean="0"/>
+              <a:rPr lang="en-US" altLang="ko-KR" sz="1400" smtClean="0"/>
               <a:t>  r1, [</a:t>
             </a:r>
             <a:r>
-              <a:rPr lang="en-US" altLang="ko-KR" sz="1400" dirty="0" err="1" smtClean="0"/>
+              <a:rPr lang="en-US" altLang="ko-KR" sz="1400" err="1" smtClean="0"/>
               <a:t>ip</a:t>
             </a:r>
             <a:r>
-              <a:rPr lang="en-US" altLang="ko-KR" sz="1400" dirty="0" smtClean="0"/>
+              <a:rPr lang="en-US" altLang="ko-KR" sz="1400" smtClean="0"/>
               <a:t>]                @ assert word-aligned</a:t>
             </a:r>
           </a:p>
           <a:p>
             <a:r>
-              <a:rPr lang="en-US" altLang="ko-KR" sz="1400" dirty="0" smtClean="0"/>
+              <a:rPr lang="en-US" altLang="ko-KR" sz="1400" smtClean="0"/>
               <a:t>35         </a:t>
             </a:r>
             <a:r>
-              <a:rPr lang="en-US" altLang="ko-KR" sz="1400" dirty="0" err="1" smtClean="0"/>
+              <a:rPr lang="en-US" altLang="ko-KR" sz="1400" err="1" smtClean="0"/>
               <a:t>mov</a:t>
             </a:r>
             <a:r>
-              <a:rPr lang="en-US" altLang="ko-KR" sz="1400" dirty="0" smtClean="0"/>
+              <a:rPr lang="en-US" altLang="ko-KR" sz="1400" smtClean="0"/>
               <a:t>     r2, #1</a:t>
             </a:r>
           </a:p>
           <a:p>
             <a:r>
-              <a:rPr lang="en-US" altLang="ko-KR" sz="1400" dirty="0" smtClean="0"/>
+              <a:rPr lang="en-US" altLang="ko-KR" sz="1400" smtClean="0"/>
               <a:t>36         and     r3, r0, #31             @ Get bit offset</a:t>
             </a:r>
           </a:p>
           <a:p>
             <a:r>
-              <a:rPr lang="en-US" altLang="ko-KR" sz="1400" dirty="0" smtClean="0"/>
+              <a:rPr lang="en-US" altLang="ko-KR" sz="1400" smtClean="0"/>
               <a:t>37         </a:t>
             </a:r>
             <a:r>
-              <a:rPr lang="en-US" altLang="ko-KR" sz="1400" dirty="0" err="1" smtClean="0"/>
+              <a:rPr lang="en-US" altLang="ko-KR" sz="1400" err="1" smtClean="0"/>
               <a:t>mov</a:t>
             </a:r>
             <a:r>
-              <a:rPr lang="en-US" altLang="ko-KR" sz="1400" dirty="0" smtClean="0"/>
+              <a:rPr lang="en-US" altLang="ko-KR" sz="1400" smtClean="0"/>
               <a:t>     r0, r0, </a:t>
             </a:r>
             <a:r>
-              <a:rPr lang="en-US" altLang="ko-KR" sz="1400" dirty="0" err="1" smtClean="0"/>
+              <a:rPr lang="en-US" altLang="ko-KR" sz="1400" err="1" smtClean="0"/>
               <a:t>lsr</a:t>
             </a:r>
             <a:r>
-              <a:rPr lang="en-US" altLang="ko-KR" sz="1400" dirty="0" smtClean="0"/>
+              <a:rPr lang="en-US" altLang="ko-KR" sz="1400" smtClean="0"/>
               <a:t> #5</a:t>
             </a:r>
           </a:p>
           <a:p>
             <a:r>
-              <a:rPr lang="en-US" altLang="ko-KR" sz="1400" dirty="0" smtClean="0"/>
+              <a:rPr lang="en-US" altLang="ko-KR" sz="1400" smtClean="0"/>
               <a:t>38         add     r1, r1, r0, </a:t>
             </a:r>
             <a:r>
-              <a:rPr lang="en-US" altLang="ko-KR" sz="1400" dirty="0" err="1" smtClean="0"/>
+              <a:rPr lang="en-US" altLang="ko-KR" sz="1400" err="1" smtClean="0"/>
               <a:t>lsl</a:t>
             </a:r>
             <a:r>
-              <a:rPr lang="en-US" altLang="ko-KR" sz="1400" dirty="0" smtClean="0"/>
+              <a:rPr lang="en-US" altLang="ko-KR" sz="1400" smtClean="0"/>
               <a:t> #2      @ Get word offset</a:t>
             </a:r>
           </a:p>
           <a:p>
             <a:r>
-              <a:rPr lang="en-US" altLang="ko-KR" sz="1400" dirty="0" smtClean="0"/>
+              <a:rPr lang="en-US" altLang="ko-KR" sz="1400" smtClean="0"/>
               <a:t>39         </a:t>
             </a:r>
             <a:r>
-              <a:rPr lang="en-US" altLang="ko-KR" sz="1400" dirty="0" err="1" smtClean="0"/>
+              <a:rPr lang="en-US" altLang="ko-KR" sz="1400" err="1" smtClean="0"/>
               <a:t>mov</a:t>
             </a:r>
             <a:r>
-              <a:rPr lang="en-US" altLang="ko-KR" sz="1400" dirty="0" smtClean="0"/>
+              <a:rPr lang="en-US" altLang="ko-KR" sz="1400" smtClean="0"/>
               <a:t>     r3, r2, </a:t>
             </a:r>
             <a:r>
-              <a:rPr lang="en-US" altLang="ko-KR" sz="1400" dirty="0" err="1" smtClean="0"/>
+              <a:rPr lang="en-US" altLang="ko-KR" sz="1400" err="1" smtClean="0"/>
               <a:t>lsl</a:t>
             </a:r>
             <a:r>
-              <a:rPr lang="en-US" altLang="ko-KR" sz="1400" dirty="0" smtClean="0"/>
+              <a:rPr lang="en-US" altLang="ko-KR" sz="1400" smtClean="0"/>
               <a:t> r3          @ create mask</a:t>
             </a:r>
           </a:p>
           <a:p>
             <a:r>
-              <a:rPr lang="en-US" altLang="ko-KR" sz="1400" dirty="0" smtClean="0"/>
+              <a:rPr lang="en-US" altLang="ko-KR" sz="1400" smtClean="0"/>
               <a:t>40         </a:t>
             </a:r>
             <a:r>
-              <a:rPr lang="en-US" altLang="ko-KR" sz="1400" dirty="0" err="1" smtClean="0"/>
+              <a:rPr lang="en-US" altLang="ko-KR" sz="1400" err="1" smtClean="0"/>
               <a:t>smp_dmb</a:t>
             </a:r>
-            <a:endParaRPr lang="en-US" altLang="ko-KR" sz="1400" dirty="0" smtClean="0"/>
-          </a:p>
-          <a:p>
-            <a:r>
-              <a:rPr lang="pt-BR" altLang="ko-KR" sz="1400" dirty="0"/>
+            <a:endParaRPr lang="en-US" altLang="ko-KR" sz="1400" smtClean="0"/>
+          </a:p>
+          <a:p>
+            <a:r>
+              <a:rPr lang="pt-BR" altLang="ko-KR" sz="1400"/>
               <a:t>46 1:      ldrex   r2, [r1]</a:t>
             </a:r>
           </a:p>
           <a:p>
             <a:r>
-              <a:rPr lang="en-US" altLang="ko-KR" sz="1400" dirty="0"/>
+              <a:rPr lang="en-US" altLang="ko-KR" sz="1400"/>
               <a:t>47         ands    r0, r2, r3              @ save old value of bit</a:t>
             </a:r>
           </a:p>
           <a:p>
             <a:r>
-              <a:rPr lang="pt-BR" altLang="ko-KR" sz="1400" dirty="0"/>
+              <a:rPr lang="pt-BR" altLang="ko-KR" sz="1400"/>
               <a:t>48         \instr  r2, r2, r3              @ toggle bit</a:t>
             </a:r>
           </a:p>
           <a:p>
             <a:r>
-              <a:rPr lang="pt-BR" altLang="ko-KR" sz="1400" dirty="0"/>
+              <a:rPr lang="pt-BR" altLang="ko-KR" sz="1400"/>
               <a:t>49         strex   ip, r2, [r1]</a:t>
             </a:r>
           </a:p>
           <a:p>
             <a:r>
-              <a:rPr lang="en-US" altLang="ko-KR" sz="1400" dirty="0"/>
+              <a:rPr lang="en-US" altLang="ko-KR" sz="1400"/>
               <a:t>50         </a:t>
             </a:r>
             <a:r>
-              <a:rPr lang="en-US" altLang="ko-KR" sz="1400" dirty="0" err="1"/>
+              <a:rPr lang="en-US" altLang="ko-KR" sz="1400" err="1"/>
               <a:t>cmp</a:t>
             </a:r>
             <a:r>
-              <a:rPr lang="en-US" altLang="ko-KR" sz="1400" dirty="0"/>
+              <a:rPr lang="en-US" altLang="ko-KR" sz="1400"/>
               <a:t>     </a:t>
             </a:r>
             <a:r>
-              <a:rPr lang="en-US" altLang="ko-KR" sz="1400" dirty="0" err="1"/>
+              <a:rPr lang="en-US" altLang="ko-KR" sz="1400" err="1"/>
               <a:t>ip</a:t>
             </a:r>
             <a:r>
-              <a:rPr lang="en-US" altLang="ko-KR" sz="1400" dirty="0"/>
+              <a:rPr lang="en-US" altLang="ko-KR" sz="1400"/>
               <a:t>, #0</a:t>
             </a:r>
           </a:p>
           <a:p>
             <a:r>
-              <a:rPr lang="en-US" altLang="ko-KR" sz="1400" dirty="0"/>
+              <a:rPr lang="en-US" altLang="ko-KR" sz="1400"/>
               <a:t>51         </a:t>
             </a:r>
             <a:r>
-              <a:rPr lang="en-US" altLang="ko-KR" sz="1400" dirty="0" err="1"/>
+              <a:rPr lang="en-US" altLang="ko-KR" sz="1400" err="1"/>
               <a:t>bne</a:t>
             </a:r>
             <a:r>
-              <a:rPr lang="en-US" altLang="ko-KR" sz="1400" dirty="0"/>
+              <a:rPr lang="en-US" altLang="ko-KR" sz="1400"/>
               <a:t>     1b</a:t>
             </a:r>
           </a:p>
           <a:p>
             <a:r>
-              <a:rPr lang="en-US" altLang="ko-KR" sz="1400" dirty="0"/>
+              <a:rPr lang="en-US" altLang="ko-KR" sz="1400"/>
               <a:t>52         </a:t>
             </a:r>
             <a:r>
-              <a:rPr lang="en-US" altLang="ko-KR" sz="1400" dirty="0" err="1"/>
+              <a:rPr lang="en-US" altLang="ko-KR" sz="1400" err="1"/>
               <a:t>smp_dmb</a:t>
             </a:r>
-            <a:endParaRPr lang="en-US" altLang="ko-KR" sz="1400" dirty="0"/>
-          </a:p>
-          <a:p>
-            <a:r>
-              <a:rPr lang="en-US" altLang="ko-KR" sz="1400" dirty="0"/>
+            <a:endParaRPr lang="en-US" altLang="ko-KR" sz="1400"/>
+          </a:p>
+          <a:p>
+            <a:r>
+              <a:rPr lang="en-US" altLang="ko-KR" sz="1400"/>
               <a:t>53         </a:t>
             </a:r>
             <a:r>
-              <a:rPr lang="en-US" altLang="ko-KR" sz="1400" dirty="0" err="1"/>
+              <a:rPr lang="en-US" altLang="ko-KR" sz="1400" err="1"/>
               <a:t>cmp</a:t>
             </a:r>
             <a:r>
-              <a:rPr lang="en-US" altLang="ko-KR" sz="1400" dirty="0"/>
+              <a:rPr lang="en-US" altLang="ko-KR" sz="1400"/>
               <a:t>     r0, #0</a:t>
             </a:r>
           </a:p>
           <a:p>
             <a:r>
-              <a:rPr lang="en-US" altLang="ko-KR" sz="1400" dirty="0"/>
+              <a:rPr lang="en-US" altLang="ko-KR" sz="1400"/>
               <a:t>54         </a:t>
             </a:r>
             <a:r>
-              <a:rPr lang="en-US" altLang="ko-KR" sz="1400" dirty="0" err="1"/>
+              <a:rPr lang="en-US" altLang="ko-KR" sz="1400" err="1"/>
               <a:t>movne</a:t>
             </a:r>
             <a:r>
-              <a:rPr lang="en-US" altLang="ko-KR" sz="1400" dirty="0"/>
+              <a:rPr lang="en-US" altLang="ko-KR" sz="1400"/>
               <a:t>   r0, #1</a:t>
             </a:r>
           </a:p>
           <a:p>
             <a:r>
-              <a:rPr lang="en-US" altLang="ko-KR" sz="1400" dirty="0"/>
+              <a:rPr lang="en-US" altLang="ko-KR" sz="1400"/>
               <a:t>55 2:      </a:t>
             </a:r>
             <a:r>
-              <a:rPr lang="en-US" altLang="ko-KR" sz="1400" dirty="0" err="1"/>
+              <a:rPr lang="en-US" altLang="ko-KR" sz="1400" err="1"/>
               <a:t>bx</a:t>
             </a:r>
             <a:r>
-              <a:rPr lang="en-US" altLang="ko-KR" sz="1400" dirty="0"/>
+              <a:rPr lang="en-US" altLang="ko-KR" sz="1400"/>
               <a:t>      </a:t>
             </a:r>
             <a:r>
-              <a:rPr lang="en-US" altLang="ko-KR" sz="1400" dirty="0" err="1"/>
+              <a:rPr lang="en-US" altLang="ko-KR" sz="1400" err="1"/>
               <a:t>lr</a:t>
             </a:r>
-            <a:endParaRPr lang="en-US" altLang="ko-KR" sz="1400" dirty="0"/>
+            <a:endParaRPr lang="en-US" altLang="ko-KR" sz="1400"/>
           </a:p>
         </p:txBody>
       </p:sp>
@@ -3440,30 +3441,30 @@
           <a:lstStyle/>
           <a:p>
             <a:r>
-              <a:rPr lang="en-US" altLang="ko-KR" sz="1600" b="1" dirty="0" err="1" smtClean="0"/>
+              <a:rPr lang="en-US" altLang="ko-KR" sz="1600" b="1" err="1" smtClean="0"/>
               <a:t>TestCase</a:t>
             </a:r>
             <a:r>
-              <a:rPr lang="en-US" altLang="ko-KR" sz="1600" b="1" dirty="0" smtClean="0"/>
+              <a:rPr lang="en-US" altLang="ko-KR" sz="1600" b="1" smtClean="0"/>
               <a:t>:</a:t>
             </a:r>
           </a:p>
           <a:p>
-            <a:endParaRPr lang="en-US" altLang="ko-KR" sz="1600" dirty="0" smtClean="0"/>
-          </a:p>
-          <a:p>
-            <a:endParaRPr lang="en-US" altLang="ko-KR" sz="1600" dirty="0" smtClean="0"/>
-          </a:p>
-          <a:p>
-            <a:r>
-              <a:rPr lang="en-US" altLang="ko-KR" sz="1600" dirty="0" err="1" smtClean="0"/>
+            <a:endParaRPr lang="en-US" altLang="ko-KR" sz="1600" smtClean="0"/>
+          </a:p>
+          <a:p>
+            <a:endParaRPr lang="en-US" altLang="ko-KR" sz="1600" smtClean="0"/>
+          </a:p>
+          <a:p>
+            <a:r>
+              <a:rPr lang="en-US" altLang="ko-KR" sz="1600" err="1" smtClean="0"/>
               <a:t>test_and_clear_bit</a:t>
             </a:r>
             <a:r>
-              <a:rPr lang="en-US" altLang="ko-KR" sz="1600" dirty="0" smtClean="0"/>
+              <a:rPr lang="en-US" altLang="ko-KR" sz="1600" smtClean="0"/>
               <a:t>(16, 0x1234_1234)</a:t>
             </a:r>
-            <a:endParaRPr lang="ko-KR" altLang="en-US" sz="1600" dirty="0"/>
+            <a:endParaRPr lang="ko-KR" altLang="en-US" sz="1600"/>
           </a:p>
         </p:txBody>
       </p:sp>
@@ -3503,10 +3504,10 @@
                     <a:p>
                       <a:pPr latinLnBrk="1"/>
                       <a:r>
-                        <a:rPr lang="en-US" altLang="ko-KR" sz="1200" dirty="0" smtClean="0"/>
+                        <a:rPr lang="en-US" altLang="ko-KR" sz="1200" smtClean="0"/>
                         <a:t>Address</a:t>
                       </a:r>
-                      <a:endParaRPr lang="ko-KR" altLang="en-US" sz="1200" dirty="0"/>
+                      <a:endParaRPr lang="ko-KR" altLang="en-US" sz="1200"/>
                     </a:p>
                   </a:txBody>
                   <a:tcPr/>
@@ -3534,10 +3535,10 @@
                         <a:defRPr/>
                       </a:pPr>
                       <a:r>
-                        <a:rPr lang="en-US" altLang="ko-KR" sz="1200" dirty="0" smtClean="0"/>
+                        <a:rPr lang="en-US" altLang="ko-KR" sz="1200" smtClean="0"/>
                         <a:t>0x1234_1234</a:t>
                       </a:r>
-                      <a:endParaRPr lang="ko-KR" altLang="en-US" sz="1200" dirty="0"/>
+                      <a:endParaRPr lang="ko-KR" altLang="en-US" sz="1200"/>
                     </a:p>
                   </a:txBody>
                   <a:tcPr/>
@@ -3551,25 +3552,25 @@
                     <a:p>
                       <a:pPr latinLnBrk="1"/>
                       <a:r>
-                        <a:rPr lang="en-US" altLang="ko-KR" sz="1200" dirty="0" smtClean="0"/>
+                        <a:rPr lang="en-US" altLang="ko-KR" sz="1200" smtClean="0"/>
                         <a:t>Value</a:t>
                       </a:r>
-                      <a:endParaRPr lang="ko-KR" altLang="en-US" sz="1200" dirty="0"/>
-                    </a:p>
-                  </a:txBody>
-                  <a:tcPr/>
-                </a:tc>
-                <a:tc>
-                  <a:txBody>
-                    <a:bodyPr/>
-                    <a:lstStyle/>
-                    <a:p>
-                      <a:pPr latinLnBrk="1"/>
-                      <a:r>
-                        <a:rPr lang="en-US" altLang="ko-KR" sz="1200" dirty="0" smtClean="0"/>
+                      <a:endParaRPr lang="ko-KR" altLang="en-US" sz="1200"/>
+                    </a:p>
+                  </a:txBody>
+                  <a:tcPr/>
+                </a:tc>
+                <a:tc>
+                  <a:txBody>
+                    <a:bodyPr/>
+                    <a:lstStyle/>
+                    <a:p>
+                      <a:pPr latinLnBrk="1"/>
+                      <a:r>
+                        <a:rPr lang="en-US" altLang="ko-KR" sz="1200" smtClean="0"/>
                         <a:t>0xFFFF_FFFF</a:t>
                       </a:r>
-                      <a:endParaRPr lang="ko-KR" altLang="en-US" sz="1200" dirty="0"/>
+                      <a:endParaRPr lang="ko-KR" altLang="en-US" sz="1200"/>
                     </a:p>
                   </a:txBody>
                   <a:tcPr/>
@@ -3615,10 +3616,10 @@
                     <a:p>
                       <a:pPr latinLnBrk="1"/>
                       <a:r>
-                        <a:rPr lang="en-US" altLang="ko-KR" sz="1100" b="1" dirty="0" smtClean="0"/>
+                        <a:rPr lang="en-US" altLang="ko-KR" sz="1100" b="1" smtClean="0"/>
                         <a:t>1. L33</a:t>
                       </a:r>
-                      <a:endParaRPr lang="ko-KR" altLang="en-US" sz="1100" b="1" dirty="0"/>
+                      <a:endParaRPr lang="ko-KR" altLang="en-US" sz="1100" b="1"/>
                     </a:p>
                   </a:txBody>
                   <a:tcPr/>
@@ -3643,25 +3644,25 @@
                     <a:p>
                       <a:pPr latinLnBrk="1"/>
                       <a:r>
-                        <a:rPr lang="en-US" altLang="ko-KR" sz="1100" dirty="0" smtClean="0"/>
+                        <a:rPr lang="en-US" altLang="ko-KR" sz="1100" smtClean="0"/>
                         <a:t>R0</a:t>
                       </a:r>
-                      <a:endParaRPr lang="ko-KR" altLang="en-US" sz="1100" dirty="0"/>
-                    </a:p>
-                  </a:txBody>
-                  <a:tcPr/>
-                </a:tc>
-                <a:tc>
-                  <a:txBody>
-                    <a:bodyPr/>
-                    <a:lstStyle/>
-                    <a:p>
-                      <a:pPr latinLnBrk="1"/>
-                      <a:r>
-                        <a:rPr lang="en-US" altLang="ko-KR" sz="1100" dirty="0" smtClean="0"/>
+                      <a:endParaRPr lang="ko-KR" altLang="en-US" sz="1100"/>
+                    </a:p>
+                  </a:txBody>
+                  <a:tcPr/>
+                </a:tc>
+                <a:tc>
+                  <a:txBody>
+                    <a:bodyPr/>
+                    <a:lstStyle/>
+                    <a:p>
+                      <a:pPr latinLnBrk="1"/>
+                      <a:r>
+                        <a:rPr lang="en-US" altLang="ko-KR" sz="1100" smtClean="0"/>
                         <a:t>16</a:t>
                       </a:r>
-                      <a:endParaRPr lang="ko-KR" altLang="en-US" sz="1100" dirty="0"/>
+                      <a:endParaRPr lang="ko-KR" altLang="en-US" sz="1100"/>
                     </a:p>
                   </a:txBody>
                   <a:tcPr/>
@@ -3675,25 +3676,25 @@
                     <a:p>
                       <a:pPr latinLnBrk="1"/>
                       <a:r>
-                        <a:rPr lang="en-US" altLang="ko-KR" sz="1100" dirty="0" smtClean="0"/>
+                        <a:rPr lang="en-US" altLang="ko-KR" sz="1100" smtClean="0"/>
                         <a:t>R1</a:t>
                       </a:r>
-                      <a:endParaRPr lang="ko-KR" altLang="en-US" sz="1100" dirty="0"/>
-                    </a:p>
-                  </a:txBody>
-                  <a:tcPr/>
-                </a:tc>
-                <a:tc>
-                  <a:txBody>
-                    <a:bodyPr/>
-                    <a:lstStyle/>
-                    <a:p>
-                      <a:pPr latinLnBrk="1"/>
-                      <a:r>
-                        <a:rPr lang="en-US" altLang="ko-KR" sz="1100" dirty="0" smtClean="0"/>
+                      <a:endParaRPr lang="ko-KR" altLang="en-US" sz="1100"/>
+                    </a:p>
+                  </a:txBody>
+                  <a:tcPr/>
+                </a:tc>
+                <a:tc>
+                  <a:txBody>
+                    <a:bodyPr/>
+                    <a:lstStyle/>
+                    <a:p>
+                      <a:pPr latinLnBrk="1"/>
+                      <a:r>
+                        <a:rPr lang="en-US" altLang="ko-KR" sz="1100" smtClean="0"/>
                         <a:t>0x1234_1234</a:t>
                       </a:r>
-                      <a:endParaRPr lang="ko-KR" altLang="en-US" sz="1100" dirty="0"/>
+                      <a:endParaRPr lang="ko-KR" altLang="en-US" sz="1100"/>
                     </a:p>
                   </a:txBody>
                   <a:tcPr/>
@@ -3707,21 +3708,21 @@
                     <a:p>
                       <a:pPr latinLnBrk="1"/>
                       <a:r>
-                        <a:rPr lang="en-US" altLang="ko-KR" sz="1100" dirty="0" smtClean="0"/>
+                        <a:rPr lang="en-US" altLang="ko-KR" sz="1100" smtClean="0"/>
                         <a:t>R2</a:t>
                       </a:r>
-                      <a:endParaRPr lang="ko-KR" altLang="en-US" sz="1100" dirty="0"/>
-                    </a:p>
-                  </a:txBody>
-                  <a:tcPr/>
-                </a:tc>
-                <a:tc>
-                  <a:txBody>
-                    <a:bodyPr/>
-                    <a:lstStyle/>
-                    <a:p>
-                      <a:pPr latinLnBrk="1"/>
-                      <a:endParaRPr lang="ko-KR" altLang="en-US" sz="1100" dirty="0"/>
+                      <a:endParaRPr lang="ko-KR" altLang="en-US" sz="1100"/>
+                    </a:p>
+                  </a:txBody>
+                  <a:tcPr/>
+                </a:tc>
+                <a:tc>
+                  <a:txBody>
+                    <a:bodyPr/>
+                    <a:lstStyle/>
+                    <a:p>
+                      <a:pPr latinLnBrk="1"/>
+                      <a:endParaRPr lang="ko-KR" altLang="en-US" sz="1100"/>
                     </a:p>
                   </a:txBody>
                   <a:tcPr/>
@@ -3735,21 +3736,21 @@
                     <a:p>
                       <a:pPr latinLnBrk="1"/>
                       <a:r>
-                        <a:rPr lang="en-US" altLang="ko-KR" sz="1100" dirty="0" smtClean="0"/>
+                        <a:rPr lang="en-US" altLang="ko-KR" sz="1100" smtClean="0"/>
                         <a:t>R3</a:t>
                       </a:r>
-                      <a:endParaRPr lang="ko-KR" altLang="en-US" sz="1100" dirty="0"/>
-                    </a:p>
-                  </a:txBody>
-                  <a:tcPr/>
-                </a:tc>
-                <a:tc>
-                  <a:txBody>
-                    <a:bodyPr/>
-                    <a:lstStyle/>
-                    <a:p>
-                      <a:pPr latinLnBrk="1"/>
-                      <a:endParaRPr lang="ko-KR" altLang="en-US" sz="1100" dirty="0"/>
+                      <a:endParaRPr lang="ko-KR" altLang="en-US" sz="1100"/>
+                    </a:p>
+                  </a:txBody>
+                  <a:tcPr/>
+                </a:tc>
+                <a:tc>
+                  <a:txBody>
+                    <a:bodyPr/>
+                    <a:lstStyle/>
+                    <a:p>
+                      <a:pPr latinLnBrk="1"/>
+                      <a:endParaRPr lang="ko-KR" altLang="en-US" sz="1100"/>
                     </a:p>
                   </a:txBody>
                   <a:tcPr/>
@@ -3763,21 +3764,21 @@
                     <a:p>
                       <a:pPr latinLnBrk="1"/>
                       <a:r>
-                        <a:rPr lang="en-US" altLang="ko-KR" sz="1100" dirty="0" smtClean="0"/>
+                        <a:rPr lang="en-US" altLang="ko-KR" sz="1100" smtClean="0"/>
                         <a:t>…</a:t>
                       </a:r>
-                      <a:endParaRPr lang="ko-KR" altLang="en-US" sz="1100" dirty="0"/>
-                    </a:p>
-                  </a:txBody>
-                  <a:tcPr/>
-                </a:tc>
-                <a:tc>
-                  <a:txBody>
-                    <a:bodyPr/>
-                    <a:lstStyle/>
-                    <a:p>
-                      <a:pPr latinLnBrk="1"/>
-                      <a:endParaRPr lang="en-US" altLang="ko-KR" sz="1100" dirty="0" smtClean="0"/>
+                      <a:endParaRPr lang="ko-KR" altLang="en-US" sz="1100"/>
+                    </a:p>
+                  </a:txBody>
+                  <a:tcPr/>
+                </a:tc>
+                <a:tc>
+                  <a:txBody>
+                    <a:bodyPr/>
+                    <a:lstStyle/>
+                    <a:p>
+                      <a:pPr latinLnBrk="1"/>
+                      <a:endParaRPr lang="en-US" altLang="ko-KR" sz="1100" smtClean="0"/>
                     </a:p>
                   </a:txBody>
                   <a:tcPr/>
@@ -3791,30 +3792,30 @@
                     <a:p>
                       <a:pPr latinLnBrk="1"/>
                       <a:r>
-                        <a:rPr lang="en-US" altLang="ko-KR" sz="1100" dirty="0" smtClean="0"/>
+                        <a:rPr lang="en-US" altLang="ko-KR" sz="1100" smtClean="0"/>
                         <a:t>R12(</a:t>
                       </a:r>
                       <a:r>
-                        <a:rPr lang="en-US" altLang="ko-KR" sz="1100" dirty="0" err="1" smtClean="0"/>
+                        <a:rPr lang="en-US" altLang="ko-KR" sz="1100" err="1" smtClean="0"/>
                         <a:t>ip</a:t>
                       </a:r>
                       <a:r>
-                        <a:rPr lang="en-US" altLang="ko-KR" sz="1100" dirty="0" smtClean="0"/>
+                        <a:rPr lang="en-US" altLang="ko-KR" sz="1100" smtClean="0"/>
                         <a:t>)</a:t>
                       </a:r>
-                      <a:endParaRPr lang="ko-KR" altLang="en-US" sz="1100" dirty="0"/>
-                    </a:p>
-                  </a:txBody>
-                  <a:tcPr/>
-                </a:tc>
-                <a:tc>
-                  <a:txBody>
-                    <a:bodyPr/>
-                    <a:lstStyle/>
-                    <a:p>
-                      <a:pPr latinLnBrk="1"/>
-                      <a:r>
-                        <a:rPr lang="en-US" altLang="ko-KR" sz="1100" dirty="0" smtClean="0">
+                      <a:endParaRPr lang="ko-KR" altLang="en-US" sz="1100"/>
+                    </a:p>
+                  </a:txBody>
+                  <a:tcPr/>
+                </a:tc>
+                <a:tc>
+                  <a:txBody>
+                    <a:bodyPr/>
+                    <a:lstStyle/>
+                    <a:p>
+                      <a:pPr latinLnBrk="1"/>
+                      <a:r>
+                        <a:rPr lang="en-US" altLang="ko-KR" sz="1100" smtClean="0">
                           <a:solidFill>
                             <a:srgbClr val="FF0000"/>
                           </a:solidFill>
@@ -3866,10 +3867,10 @@
                     <a:p>
                       <a:pPr latinLnBrk="1"/>
                       <a:r>
-                        <a:rPr lang="en-US" altLang="ko-KR" sz="1100" b="1" dirty="0" smtClean="0"/>
+                        <a:rPr lang="en-US" altLang="ko-KR" sz="1100" b="1" smtClean="0"/>
                         <a:t>2. L35 ~ L37</a:t>
                       </a:r>
-                      <a:endParaRPr lang="ko-KR" altLang="en-US" sz="1100" b="1" dirty="0"/>
+                      <a:endParaRPr lang="ko-KR" altLang="en-US" sz="1100" b="1"/>
                     </a:p>
                   </a:txBody>
                   <a:tcPr/>
@@ -3894,29 +3895,29 @@
                     <a:p>
                       <a:pPr latinLnBrk="1"/>
                       <a:r>
-                        <a:rPr lang="en-US" altLang="ko-KR" sz="1100" dirty="0" smtClean="0"/>
+                        <a:rPr lang="en-US" altLang="ko-KR" sz="1100" smtClean="0"/>
                         <a:t>R0</a:t>
                       </a:r>
-                      <a:endParaRPr lang="ko-KR" altLang="en-US" sz="1100" dirty="0"/>
-                    </a:p>
-                  </a:txBody>
-                  <a:tcPr/>
-                </a:tc>
-                <a:tc>
-                  <a:txBody>
-                    <a:bodyPr/>
-                    <a:lstStyle/>
-                    <a:p>
-                      <a:pPr latinLnBrk="1"/>
-                      <a:r>
-                        <a:rPr lang="en-US" altLang="ko-KR" sz="1100" dirty="0" smtClean="0">
+                      <a:endParaRPr lang="ko-KR" altLang="en-US" sz="1100"/>
+                    </a:p>
+                  </a:txBody>
+                  <a:tcPr/>
+                </a:tc>
+                <a:tc>
+                  <a:txBody>
+                    <a:bodyPr/>
+                    <a:lstStyle/>
+                    <a:p>
+                      <a:pPr latinLnBrk="1"/>
+                      <a:r>
+                        <a:rPr lang="en-US" altLang="ko-KR" sz="1100" smtClean="0">
                           <a:solidFill>
                             <a:srgbClr val="FF0000"/>
                           </a:solidFill>
                         </a:rPr>
                         <a:t>0</a:t>
                       </a:r>
-                      <a:endParaRPr lang="ko-KR" altLang="en-US" sz="1100" dirty="0">
+                      <a:endParaRPr lang="ko-KR" altLang="en-US" sz="1100">
                         <a:solidFill>
                           <a:srgbClr val="FF0000"/>
                         </a:solidFill>
@@ -3934,25 +3935,25 @@
                     <a:p>
                       <a:pPr latinLnBrk="1"/>
                       <a:r>
-                        <a:rPr lang="en-US" altLang="ko-KR" sz="1100" dirty="0" smtClean="0"/>
+                        <a:rPr lang="en-US" altLang="ko-KR" sz="1100" smtClean="0"/>
                         <a:t>R1</a:t>
                       </a:r>
-                      <a:endParaRPr lang="ko-KR" altLang="en-US" sz="1100" dirty="0"/>
-                    </a:p>
-                  </a:txBody>
-                  <a:tcPr/>
-                </a:tc>
-                <a:tc>
-                  <a:txBody>
-                    <a:bodyPr/>
-                    <a:lstStyle/>
-                    <a:p>
-                      <a:pPr latinLnBrk="1"/>
-                      <a:r>
-                        <a:rPr lang="en-US" altLang="ko-KR" sz="1100" dirty="0" smtClean="0"/>
+                      <a:endParaRPr lang="ko-KR" altLang="en-US" sz="1100"/>
+                    </a:p>
+                  </a:txBody>
+                  <a:tcPr/>
+                </a:tc>
+                <a:tc>
+                  <a:txBody>
+                    <a:bodyPr/>
+                    <a:lstStyle/>
+                    <a:p>
+                      <a:pPr latinLnBrk="1"/>
+                      <a:r>
+                        <a:rPr lang="en-US" altLang="ko-KR" sz="1100" smtClean="0"/>
                         <a:t>0x1234_1234</a:t>
                       </a:r>
-                      <a:endParaRPr lang="ko-KR" altLang="en-US" sz="1100" dirty="0"/>
+                      <a:endParaRPr lang="ko-KR" altLang="en-US" sz="1100"/>
                     </a:p>
                   </a:txBody>
                   <a:tcPr/>
@@ -3966,29 +3967,29 @@
                     <a:p>
                       <a:pPr latinLnBrk="1"/>
                       <a:r>
-                        <a:rPr lang="en-US" altLang="ko-KR" sz="1100" dirty="0" smtClean="0"/>
+                        <a:rPr lang="en-US" altLang="ko-KR" sz="1100" smtClean="0"/>
                         <a:t>R2</a:t>
                       </a:r>
-                      <a:endParaRPr lang="ko-KR" altLang="en-US" sz="1100" dirty="0"/>
-                    </a:p>
-                  </a:txBody>
-                  <a:tcPr/>
-                </a:tc>
-                <a:tc>
-                  <a:txBody>
-                    <a:bodyPr/>
-                    <a:lstStyle/>
-                    <a:p>
-                      <a:pPr latinLnBrk="1"/>
-                      <a:r>
-                        <a:rPr lang="en-US" altLang="ko-KR" sz="1100" dirty="0" smtClean="0">
+                      <a:endParaRPr lang="ko-KR" altLang="en-US" sz="1100"/>
+                    </a:p>
+                  </a:txBody>
+                  <a:tcPr/>
+                </a:tc>
+                <a:tc>
+                  <a:txBody>
+                    <a:bodyPr/>
+                    <a:lstStyle/>
+                    <a:p>
+                      <a:pPr latinLnBrk="1"/>
+                      <a:r>
+                        <a:rPr lang="en-US" altLang="ko-KR" sz="1100" smtClean="0">
                           <a:solidFill>
                             <a:srgbClr val="FF0000"/>
                           </a:solidFill>
                         </a:rPr>
                         <a:t>1</a:t>
                       </a:r>
-                      <a:endParaRPr lang="ko-KR" altLang="en-US" sz="1100" dirty="0">
+                      <a:endParaRPr lang="ko-KR" altLang="en-US" sz="1100">
                         <a:solidFill>
                           <a:srgbClr val="FF0000"/>
                         </a:solidFill>
@@ -4006,29 +4007,29 @@
                     <a:p>
                       <a:pPr latinLnBrk="1"/>
                       <a:r>
-                        <a:rPr lang="en-US" altLang="ko-KR" sz="1100" dirty="0" smtClean="0"/>
+                        <a:rPr lang="en-US" altLang="ko-KR" sz="1100" smtClean="0"/>
                         <a:t>R3</a:t>
                       </a:r>
-                      <a:endParaRPr lang="ko-KR" altLang="en-US" sz="1100" dirty="0"/>
-                    </a:p>
-                  </a:txBody>
-                  <a:tcPr/>
-                </a:tc>
-                <a:tc>
-                  <a:txBody>
-                    <a:bodyPr/>
-                    <a:lstStyle/>
-                    <a:p>
-                      <a:pPr latinLnBrk="1"/>
-                      <a:r>
-                        <a:rPr lang="en-US" altLang="ko-KR" sz="1100" dirty="0" smtClean="0">
+                      <a:endParaRPr lang="ko-KR" altLang="en-US" sz="1100"/>
+                    </a:p>
+                  </a:txBody>
+                  <a:tcPr/>
+                </a:tc>
+                <a:tc>
+                  <a:txBody>
+                    <a:bodyPr/>
+                    <a:lstStyle/>
+                    <a:p>
+                      <a:pPr latinLnBrk="1"/>
+                      <a:r>
+                        <a:rPr lang="en-US" altLang="ko-KR" sz="1100" smtClean="0">
                           <a:solidFill>
                             <a:srgbClr val="FF0000"/>
                           </a:solidFill>
                         </a:rPr>
                         <a:t>16</a:t>
                       </a:r>
-                      <a:endParaRPr lang="ko-KR" altLang="en-US" sz="1100" dirty="0">
+                      <a:endParaRPr lang="ko-KR" altLang="en-US" sz="1100">
                         <a:solidFill>
                           <a:srgbClr val="FF0000"/>
                         </a:solidFill>
@@ -4046,21 +4047,21 @@
                     <a:p>
                       <a:pPr latinLnBrk="1"/>
                       <a:r>
-                        <a:rPr lang="en-US" altLang="ko-KR" sz="1100" dirty="0" smtClean="0"/>
+                        <a:rPr lang="en-US" altLang="ko-KR" sz="1100" smtClean="0"/>
                         <a:t>…</a:t>
                       </a:r>
-                      <a:endParaRPr lang="ko-KR" altLang="en-US" sz="1100" dirty="0"/>
-                    </a:p>
-                  </a:txBody>
-                  <a:tcPr/>
-                </a:tc>
-                <a:tc>
-                  <a:txBody>
-                    <a:bodyPr/>
-                    <a:lstStyle/>
-                    <a:p>
-                      <a:pPr latinLnBrk="1"/>
-                      <a:endParaRPr lang="en-US" altLang="ko-KR" sz="1100" dirty="0" smtClean="0"/>
+                      <a:endParaRPr lang="ko-KR" altLang="en-US" sz="1100"/>
+                    </a:p>
+                  </a:txBody>
+                  <a:tcPr/>
+                </a:tc>
+                <a:tc>
+                  <a:txBody>
+                    <a:bodyPr/>
+                    <a:lstStyle/>
+                    <a:p>
+                      <a:pPr latinLnBrk="1"/>
+                      <a:endParaRPr lang="en-US" altLang="ko-KR" sz="1100" smtClean="0"/>
                     </a:p>
                   </a:txBody>
                   <a:tcPr/>
@@ -4074,30 +4075,30 @@
                     <a:p>
                       <a:pPr latinLnBrk="1"/>
                       <a:r>
-                        <a:rPr lang="en-US" altLang="ko-KR" sz="1100" dirty="0" smtClean="0"/>
+                        <a:rPr lang="en-US" altLang="ko-KR" sz="1100" smtClean="0"/>
                         <a:t>R12(</a:t>
                       </a:r>
                       <a:r>
-                        <a:rPr lang="en-US" altLang="ko-KR" sz="1100" dirty="0" err="1" smtClean="0"/>
+                        <a:rPr lang="en-US" altLang="ko-KR" sz="1100" err="1" smtClean="0"/>
                         <a:t>ip</a:t>
                       </a:r>
                       <a:r>
-                        <a:rPr lang="en-US" altLang="ko-KR" sz="1100" dirty="0" smtClean="0"/>
+                        <a:rPr lang="en-US" altLang="ko-KR" sz="1100" smtClean="0"/>
                         <a:t>)</a:t>
                       </a:r>
-                      <a:endParaRPr lang="ko-KR" altLang="en-US" sz="1100" dirty="0"/>
-                    </a:p>
-                  </a:txBody>
-                  <a:tcPr/>
-                </a:tc>
-                <a:tc>
-                  <a:txBody>
-                    <a:bodyPr/>
-                    <a:lstStyle/>
-                    <a:p>
-                      <a:pPr latinLnBrk="1"/>
-                      <a:r>
-                        <a:rPr lang="en-US" altLang="ko-KR" sz="1100" dirty="0" smtClean="0"/>
+                      <a:endParaRPr lang="ko-KR" altLang="en-US" sz="1100"/>
+                    </a:p>
+                  </a:txBody>
+                  <a:tcPr/>
+                </a:tc>
+                <a:tc>
+                  <a:txBody>
+                    <a:bodyPr/>
+                    <a:lstStyle/>
+                    <a:p>
+                      <a:pPr latinLnBrk="1"/>
+                      <a:r>
+                        <a:rPr lang="en-US" altLang="ko-KR" sz="1100" smtClean="0"/>
                         <a:t>0x00</a:t>
                       </a:r>
                     </a:p>
@@ -4145,10 +4146,10 @@
                     <a:p>
                       <a:pPr latinLnBrk="1"/>
                       <a:r>
-                        <a:rPr lang="en-US" altLang="ko-KR" sz="1100" b="1" dirty="0" smtClean="0"/>
+                        <a:rPr lang="en-US" altLang="ko-KR" sz="1100" b="1" smtClean="0"/>
                         <a:t>3. L38, 39, 46</a:t>
                       </a:r>
-                      <a:endParaRPr lang="ko-KR" altLang="en-US" sz="1100" b="1" dirty="0"/>
+                      <a:endParaRPr lang="ko-KR" altLang="en-US" sz="1100" b="1"/>
                     </a:p>
                   </a:txBody>
                   <a:tcPr/>
@@ -4173,25 +4174,25 @@
                     <a:p>
                       <a:pPr latinLnBrk="1"/>
                       <a:r>
-                        <a:rPr lang="en-US" altLang="ko-KR" sz="1100" dirty="0" smtClean="0"/>
+                        <a:rPr lang="en-US" altLang="ko-KR" sz="1100" smtClean="0"/>
                         <a:t>R0</a:t>
                       </a:r>
-                      <a:endParaRPr lang="ko-KR" altLang="en-US" sz="1100" dirty="0"/>
-                    </a:p>
-                  </a:txBody>
-                  <a:tcPr/>
-                </a:tc>
-                <a:tc>
-                  <a:txBody>
-                    <a:bodyPr/>
-                    <a:lstStyle/>
-                    <a:p>
-                      <a:pPr latinLnBrk="1"/>
-                      <a:r>
-                        <a:rPr lang="en-US" altLang="ko-KR" sz="1100" dirty="0" smtClean="0"/>
+                      <a:endParaRPr lang="ko-KR" altLang="en-US" sz="1100"/>
+                    </a:p>
+                  </a:txBody>
+                  <a:tcPr/>
+                </a:tc>
+                <a:tc>
+                  <a:txBody>
+                    <a:bodyPr/>
+                    <a:lstStyle/>
+                    <a:p>
+                      <a:pPr latinLnBrk="1"/>
+                      <a:r>
+                        <a:rPr lang="en-US" altLang="ko-KR" sz="1100" smtClean="0"/>
                         <a:t>0</a:t>
                       </a:r>
-                      <a:endParaRPr lang="ko-KR" altLang="en-US" sz="1100" dirty="0"/>
+                      <a:endParaRPr lang="ko-KR" altLang="en-US" sz="1100"/>
                     </a:p>
                   </a:txBody>
                   <a:tcPr/>
@@ -4205,29 +4206,29 @@
                     <a:p>
                       <a:pPr latinLnBrk="1"/>
                       <a:r>
-                        <a:rPr lang="en-US" altLang="ko-KR" sz="1100" dirty="0" smtClean="0"/>
+                        <a:rPr lang="en-US" altLang="ko-KR" sz="1100" smtClean="0"/>
                         <a:t>R1</a:t>
                       </a:r>
-                      <a:endParaRPr lang="ko-KR" altLang="en-US" sz="1100" dirty="0"/>
-                    </a:p>
-                  </a:txBody>
-                  <a:tcPr/>
-                </a:tc>
-                <a:tc>
-                  <a:txBody>
-                    <a:bodyPr/>
-                    <a:lstStyle/>
-                    <a:p>
-                      <a:pPr latinLnBrk="1"/>
-                      <a:r>
-                        <a:rPr lang="en-US" altLang="ko-KR" sz="1100" dirty="0" smtClean="0">
+                      <a:endParaRPr lang="ko-KR" altLang="en-US" sz="1100"/>
+                    </a:p>
+                  </a:txBody>
+                  <a:tcPr/>
+                </a:tc>
+                <a:tc>
+                  <a:txBody>
+                    <a:bodyPr/>
+                    <a:lstStyle/>
+                    <a:p>
+                      <a:pPr latinLnBrk="1"/>
+                      <a:r>
+                        <a:rPr lang="en-US" altLang="ko-KR" sz="1100" smtClean="0">
                           <a:solidFill>
                             <a:srgbClr val="FF0000"/>
                           </a:solidFill>
                         </a:rPr>
                         <a:t>0x1234_1234</a:t>
                       </a:r>
-                      <a:endParaRPr lang="ko-KR" altLang="en-US" sz="1100" dirty="0">
+                      <a:endParaRPr lang="ko-KR" altLang="en-US" sz="1100">
                         <a:solidFill>
                           <a:srgbClr val="FF0000"/>
                         </a:solidFill>
@@ -4245,29 +4246,29 @@
                     <a:p>
                       <a:pPr latinLnBrk="1"/>
                       <a:r>
-                        <a:rPr lang="en-US" altLang="ko-KR" sz="1100" dirty="0" smtClean="0"/>
+                        <a:rPr lang="en-US" altLang="ko-KR" sz="1100" smtClean="0"/>
                         <a:t>R2</a:t>
                       </a:r>
-                      <a:endParaRPr lang="ko-KR" altLang="en-US" sz="1100" dirty="0"/>
-                    </a:p>
-                  </a:txBody>
-                  <a:tcPr/>
-                </a:tc>
-                <a:tc>
-                  <a:txBody>
-                    <a:bodyPr/>
-                    <a:lstStyle/>
-                    <a:p>
-                      <a:pPr latinLnBrk="1"/>
-                      <a:r>
-                        <a:rPr lang="en-US" altLang="ko-KR" sz="1100" dirty="0" smtClean="0">
+                      <a:endParaRPr lang="ko-KR" altLang="en-US" sz="1100"/>
+                    </a:p>
+                  </a:txBody>
+                  <a:tcPr/>
+                </a:tc>
+                <a:tc>
+                  <a:txBody>
+                    <a:bodyPr/>
+                    <a:lstStyle/>
+                    <a:p>
+                      <a:pPr latinLnBrk="1"/>
+                      <a:r>
+                        <a:rPr lang="en-US" altLang="ko-KR" sz="1100" smtClean="0">
                           <a:solidFill>
                             <a:srgbClr val="FF0000"/>
                           </a:solidFill>
                         </a:rPr>
                         <a:t>0xFFFF_FFFF</a:t>
                       </a:r>
-                      <a:endParaRPr lang="ko-KR" altLang="en-US" sz="1100" dirty="0">
+                      <a:endParaRPr lang="ko-KR" altLang="en-US" sz="1100">
                         <a:solidFill>
                           <a:srgbClr val="FF0000"/>
                         </a:solidFill>
@@ -4285,10 +4286,10 @@
                     <a:p>
                       <a:pPr latinLnBrk="1"/>
                       <a:r>
-                        <a:rPr lang="en-US" altLang="ko-KR" sz="1100" dirty="0" smtClean="0"/>
+                        <a:rPr lang="en-US" altLang="ko-KR" sz="1100" smtClean="0"/>
                         <a:t>R3</a:t>
                       </a:r>
-                      <a:endParaRPr lang="ko-KR" altLang="en-US" sz="1100" dirty="0"/>
+                      <a:endParaRPr lang="ko-KR" altLang="en-US" sz="1100"/>
                     </a:p>
                   </a:txBody>
                   <a:tcPr/>
@@ -4316,14 +4317,14 @@
                         <a:defRPr/>
                       </a:pPr>
                       <a:r>
-                        <a:rPr lang="en-US" altLang="ko-KR" sz="1100" dirty="0" smtClean="0">
+                        <a:rPr lang="en-US" altLang="ko-KR" sz="1100" smtClean="0">
                           <a:solidFill>
                             <a:srgbClr val="FF0000"/>
                           </a:solidFill>
                         </a:rPr>
                         <a:t>0x0001_0000</a:t>
                       </a:r>
-                      <a:endParaRPr lang="ko-KR" altLang="en-US" sz="1100" dirty="0" smtClean="0">
+                      <a:endParaRPr lang="ko-KR" altLang="en-US" sz="1100" smtClean="0">
                         <a:solidFill>
                           <a:srgbClr val="FF0000"/>
                         </a:solidFill>
@@ -4341,21 +4342,21 @@
                     <a:p>
                       <a:pPr latinLnBrk="1"/>
                       <a:r>
-                        <a:rPr lang="en-US" altLang="ko-KR" sz="1100" dirty="0" smtClean="0"/>
+                        <a:rPr lang="en-US" altLang="ko-KR" sz="1100" smtClean="0"/>
                         <a:t>…</a:t>
                       </a:r>
-                      <a:endParaRPr lang="ko-KR" altLang="en-US" sz="1100" dirty="0"/>
-                    </a:p>
-                  </a:txBody>
-                  <a:tcPr/>
-                </a:tc>
-                <a:tc>
-                  <a:txBody>
-                    <a:bodyPr/>
-                    <a:lstStyle/>
-                    <a:p>
-                      <a:pPr latinLnBrk="1"/>
-                      <a:endParaRPr lang="en-US" altLang="ko-KR" sz="1100" dirty="0" smtClean="0"/>
+                      <a:endParaRPr lang="ko-KR" altLang="en-US" sz="1100"/>
+                    </a:p>
+                  </a:txBody>
+                  <a:tcPr/>
+                </a:tc>
+                <a:tc>
+                  <a:txBody>
+                    <a:bodyPr/>
+                    <a:lstStyle/>
+                    <a:p>
+                      <a:pPr latinLnBrk="1"/>
+                      <a:endParaRPr lang="en-US" altLang="ko-KR" sz="1100" smtClean="0"/>
                     </a:p>
                   </a:txBody>
                   <a:tcPr/>
@@ -4369,30 +4370,30 @@
                     <a:p>
                       <a:pPr latinLnBrk="1"/>
                       <a:r>
-                        <a:rPr lang="en-US" altLang="ko-KR" sz="1100" dirty="0" smtClean="0"/>
+                        <a:rPr lang="en-US" altLang="ko-KR" sz="1100" smtClean="0"/>
                         <a:t>R12(</a:t>
                       </a:r>
                       <a:r>
-                        <a:rPr lang="en-US" altLang="ko-KR" sz="1100" dirty="0" err="1" smtClean="0"/>
+                        <a:rPr lang="en-US" altLang="ko-KR" sz="1100" err="1" smtClean="0"/>
                         <a:t>ip</a:t>
                       </a:r>
                       <a:r>
-                        <a:rPr lang="en-US" altLang="ko-KR" sz="1100" dirty="0" smtClean="0"/>
+                        <a:rPr lang="en-US" altLang="ko-KR" sz="1100" smtClean="0"/>
                         <a:t>)</a:t>
                       </a:r>
-                      <a:endParaRPr lang="ko-KR" altLang="en-US" sz="1100" dirty="0"/>
-                    </a:p>
-                  </a:txBody>
-                  <a:tcPr/>
-                </a:tc>
-                <a:tc>
-                  <a:txBody>
-                    <a:bodyPr/>
-                    <a:lstStyle/>
-                    <a:p>
-                      <a:pPr latinLnBrk="1"/>
-                      <a:r>
-                        <a:rPr lang="en-US" altLang="ko-KR" sz="1100" dirty="0" smtClean="0"/>
+                      <a:endParaRPr lang="ko-KR" altLang="en-US" sz="1100"/>
+                    </a:p>
+                  </a:txBody>
+                  <a:tcPr/>
+                </a:tc>
+                <a:tc>
+                  <a:txBody>
+                    <a:bodyPr/>
+                    <a:lstStyle/>
+                    <a:p>
+                      <a:pPr latinLnBrk="1"/>
+                      <a:r>
+                        <a:rPr lang="en-US" altLang="ko-KR" sz="1100" smtClean="0"/>
                         <a:t>0x00</a:t>
                       </a:r>
                     </a:p>
@@ -4440,14 +4441,14 @@
                     <a:p>
                       <a:pPr latinLnBrk="1"/>
                       <a:r>
-                        <a:rPr lang="en-US" altLang="ko-KR" sz="1100" b="1" dirty="0" smtClean="0"/>
+                        <a:rPr lang="en-US" altLang="ko-KR" sz="1100" b="1" smtClean="0"/>
                         <a:t>4. L47,</a:t>
                       </a:r>
                       <a:r>
-                        <a:rPr lang="en-US" altLang="ko-KR" sz="1100" b="1" baseline="0" dirty="0" smtClean="0"/>
+                        <a:rPr lang="en-US" altLang="ko-KR" sz="1100" b="1" baseline="0" smtClean="0"/>
                         <a:t> L48</a:t>
                       </a:r>
-                      <a:endParaRPr lang="ko-KR" altLang="en-US" sz="1100" b="1" dirty="0"/>
+                      <a:endParaRPr lang="ko-KR" altLang="en-US" sz="1100" b="1"/>
                     </a:p>
                   </a:txBody>
                   <a:tcPr/>
@@ -4472,10 +4473,10 @@
                     <a:p>
                       <a:pPr latinLnBrk="1"/>
                       <a:r>
-                        <a:rPr lang="en-US" altLang="ko-KR" sz="1100" dirty="0" smtClean="0"/>
+                        <a:rPr lang="en-US" altLang="ko-KR" sz="1100" smtClean="0"/>
                         <a:t>R0</a:t>
                       </a:r>
-                      <a:endParaRPr lang="ko-KR" altLang="en-US" sz="1100" dirty="0"/>
+                      <a:endParaRPr lang="ko-KR" altLang="en-US" sz="1100"/>
                     </a:p>
                   </a:txBody>
                   <a:tcPr/>
@@ -4503,14 +4504,14 @@
                         <a:defRPr/>
                       </a:pPr>
                       <a:r>
-                        <a:rPr lang="en-US" altLang="ko-KR" sz="1100" dirty="0" smtClean="0">
+                        <a:rPr lang="en-US" altLang="ko-KR" sz="1100" smtClean="0">
                           <a:solidFill>
                             <a:srgbClr val="FF0000"/>
                           </a:solidFill>
                         </a:rPr>
                         <a:t>0x0001_0000</a:t>
                       </a:r>
-                      <a:endParaRPr lang="ko-KR" altLang="en-US" sz="1100" dirty="0" smtClean="0">
+                      <a:endParaRPr lang="ko-KR" altLang="en-US" sz="1100" smtClean="0">
                         <a:solidFill>
                           <a:srgbClr val="FF0000"/>
                         </a:solidFill>
@@ -4528,25 +4529,25 @@
                     <a:p>
                       <a:pPr latinLnBrk="1"/>
                       <a:r>
-                        <a:rPr lang="en-US" altLang="ko-KR" sz="1100" dirty="0" smtClean="0"/>
+                        <a:rPr lang="en-US" altLang="ko-KR" sz="1100" smtClean="0"/>
                         <a:t>R1</a:t>
                       </a:r>
-                      <a:endParaRPr lang="ko-KR" altLang="en-US" sz="1100" dirty="0"/>
-                    </a:p>
-                  </a:txBody>
-                  <a:tcPr/>
-                </a:tc>
-                <a:tc>
-                  <a:txBody>
-                    <a:bodyPr/>
-                    <a:lstStyle/>
-                    <a:p>
-                      <a:pPr latinLnBrk="1"/>
-                      <a:r>
-                        <a:rPr lang="en-US" altLang="ko-KR" sz="1100" dirty="0" smtClean="0"/>
+                      <a:endParaRPr lang="ko-KR" altLang="en-US" sz="1100"/>
+                    </a:p>
+                  </a:txBody>
+                  <a:tcPr/>
+                </a:tc>
+                <a:tc>
+                  <a:txBody>
+                    <a:bodyPr/>
+                    <a:lstStyle/>
+                    <a:p>
+                      <a:pPr latinLnBrk="1"/>
+                      <a:r>
+                        <a:rPr lang="en-US" altLang="ko-KR" sz="1100" smtClean="0"/>
                         <a:t>0x1234_1234</a:t>
                       </a:r>
-                      <a:endParaRPr lang="ko-KR" altLang="en-US" sz="1100" dirty="0"/>
+                      <a:endParaRPr lang="ko-KR" altLang="en-US" sz="1100"/>
                     </a:p>
                   </a:txBody>
                   <a:tcPr/>
@@ -4560,29 +4561,29 @@
                     <a:p>
                       <a:pPr latinLnBrk="1"/>
                       <a:r>
-                        <a:rPr lang="en-US" altLang="ko-KR" sz="1100" dirty="0" smtClean="0"/>
+                        <a:rPr lang="en-US" altLang="ko-KR" sz="1100" smtClean="0"/>
                         <a:t>R2</a:t>
                       </a:r>
-                      <a:endParaRPr lang="ko-KR" altLang="en-US" sz="1100" dirty="0"/>
-                    </a:p>
-                  </a:txBody>
-                  <a:tcPr/>
-                </a:tc>
-                <a:tc>
-                  <a:txBody>
-                    <a:bodyPr/>
-                    <a:lstStyle/>
-                    <a:p>
-                      <a:pPr latinLnBrk="1"/>
-                      <a:r>
-                        <a:rPr lang="en-US" altLang="ko-KR" sz="1100" dirty="0" smtClean="0">
+                      <a:endParaRPr lang="ko-KR" altLang="en-US" sz="1100"/>
+                    </a:p>
+                  </a:txBody>
+                  <a:tcPr/>
+                </a:tc>
+                <a:tc>
+                  <a:txBody>
+                    <a:bodyPr/>
+                    <a:lstStyle/>
+                    <a:p>
+                      <a:pPr latinLnBrk="1"/>
+                      <a:r>
+                        <a:rPr lang="en-US" altLang="ko-KR" sz="1100" smtClean="0">
                           <a:solidFill>
                             <a:srgbClr val="FF0000"/>
                           </a:solidFill>
                         </a:rPr>
                         <a:t>0xFFFE_FFFF</a:t>
                       </a:r>
-                      <a:endParaRPr lang="ko-KR" altLang="en-US" sz="1100" dirty="0">
+                      <a:endParaRPr lang="ko-KR" altLang="en-US" sz="1100">
                         <a:solidFill>
                           <a:srgbClr val="FF0000"/>
                         </a:solidFill>
@@ -4600,10 +4601,10 @@
                     <a:p>
                       <a:pPr latinLnBrk="1"/>
                       <a:r>
-                        <a:rPr lang="en-US" altLang="ko-KR" sz="1100" dirty="0" smtClean="0"/>
+                        <a:rPr lang="en-US" altLang="ko-KR" sz="1100" smtClean="0"/>
                         <a:t>R3</a:t>
                       </a:r>
-                      <a:endParaRPr lang="ko-KR" altLang="en-US" sz="1100" dirty="0"/>
+                      <a:endParaRPr lang="ko-KR" altLang="en-US" sz="1100"/>
                     </a:p>
                   </a:txBody>
                   <a:tcPr/>
@@ -4631,10 +4632,10 @@
                         <a:defRPr/>
                       </a:pPr>
                       <a:r>
-                        <a:rPr lang="en-US" altLang="ko-KR" sz="1100" dirty="0" smtClean="0"/>
+                        <a:rPr lang="en-US" altLang="ko-KR" sz="1100" smtClean="0"/>
                         <a:t>0x0001_0000</a:t>
                       </a:r>
-                      <a:endParaRPr lang="ko-KR" altLang="en-US" sz="1100" dirty="0" smtClean="0"/>
+                      <a:endParaRPr lang="ko-KR" altLang="en-US" sz="1100" smtClean="0"/>
                     </a:p>
                   </a:txBody>
                   <a:tcPr/>
@@ -4648,21 +4649,21 @@
                     <a:p>
                       <a:pPr latinLnBrk="1"/>
                       <a:r>
-                        <a:rPr lang="en-US" altLang="ko-KR" sz="1100" dirty="0" smtClean="0"/>
+                        <a:rPr lang="en-US" altLang="ko-KR" sz="1100" smtClean="0"/>
                         <a:t>…</a:t>
                       </a:r>
-                      <a:endParaRPr lang="ko-KR" altLang="en-US" sz="1100" dirty="0"/>
-                    </a:p>
-                  </a:txBody>
-                  <a:tcPr/>
-                </a:tc>
-                <a:tc>
-                  <a:txBody>
-                    <a:bodyPr/>
-                    <a:lstStyle/>
-                    <a:p>
-                      <a:pPr latinLnBrk="1"/>
-                      <a:endParaRPr lang="en-US" altLang="ko-KR" sz="1100" dirty="0" smtClean="0"/>
+                      <a:endParaRPr lang="ko-KR" altLang="en-US" sz="1100"/>
+                    </a:p>
+                  </a:txBody>
+                  <a:tcPr/>
+                </a:tc>
+                <a:tc>
+                  <a:txBody>
+                    <a:bodyPr/>
+                    <a:lstStyle/>
+                    <a:p>
+                      <a:pPr latinLnBrk="1"/>
+                      <a:endParaRPr lang="en-US" altLang="ko-KR" sz="1100" smtClean="0"/>
                     </a:p>
                   </a:txBody>
                   <a:tcPr/>
@@ -4676,30 +4677,30 @@
                     <a:p>
                       <a:pPr latinLnBrk="1"/>
                       <a:r>
-                        <a:rPr lang="en-US" altLang="ko-KR" sz="1100" dirty="0" smtClean="0"/>
+                        <a:rPr lang="en-US" altLang="ko-KR" sz="1100" smtClean="0"/>
                         <a:t>R12(</a:t>
                       </a:r>
                       <a:r>
-                        <a:rPr lang="en-US" altLang="ko-KR" sz="1100" dirty="0" err="1" smtClean="0"/>
+                        <a:rPr lang="en-US" altLang="ko-KR" sz="1100" err="1" smtClean="0"/>
                         <a:t>ip</a:t>
                       </a:r>
                       <a:r>
-                        <a:rPr lang="en-US" altLang="ko-KR" sz="1100" dirty="0" smtClean="0"/>
+                        <a:rPr lang="en-US" altLang="ko-KR" sz="1100" smtClean="0"/>
                         <a:t>)</a:t>
                       </a:r>
-                      <a:endParaRPr lang="ko-KR" altLang="en-US" sz="1100" dirty="0"/>
-                    </a:p>
-                  </a:txBody>
-                  <a:tcPr/>
-                </a:tc>
-                <a:tc>
-                  <a:txBody>
-                    <a:bodyPr/>
-                    <a:lstStyle/>
-                    <a:p>
-                      <a:pPr latinLnBrk="1"/>
-                      <a:r>
-                        <a:rPr lang="en-US" altLang="ko-KR" sz="1100" dirty="0" smtClean="0"/>
+                      <a:endParaRPr lang="ko-KR" altLang="en-US" sz="1100"/>
+                    </a:p>
+                  </a:txBody>
+                  <a:tcPr/>
+                </a:tc>
+                <a:tc>
+                  <a:txBody>
+                    <a:bodyPr/>
+                    <a:lstStyle/>
+                    <a:p>
+                      <a:pPr latinLnBrk="1"/>
+                      <a:r>
+                        <a:rPr lang="en-US" altLang="ko-KR" sz="1100" smtClean="0"/>
                         <a:t>0x00</a:t>
                       </a:r>
                     </a:p>
@@ -4747,10 +4748,10 @@
                     <a:p>
                       <a:pPr latinLnBrk="1"/>
                       <a:r>
-                        <a:rPr lang="en-US" altLang="ko-KR" sz="1200" dirty="0" smtClean="0"/>
+                        <a:rPr lang="en-US" altLang="ko-KR" sz="1200" smtClean="0"/>
                         <a:t>Address</a:t>
                       </a:r>
-                      <a:endParaRPr lang="ko-KR" altLang="en-US" sz="1200" dirty="0"/>
+                      <a:endParaRPr lang="ko-KR" altLang="en-US" sz="1200"/>
                     </a:p>
                   </a:txBody>
                   <a:tcPr/>
@@ -4778,10 +4779,10 @@
                         <a:defRPr/>
                       </a:pPr>
                       <a:r>
-                        <a:rPr lang="en-US" altLang="ko-KR" sz="1200" dirty="0" smtClean="0"/>
+                        <a:rPr lang="en-US" altLang="ko-KR" sz="1200" smtClean="0"/>
                         <a:t>0x1234_1234</a:t>
                       </a:r>
-                      <a:endParaRPr lang="ko-KR" altLang="en-US" sz="1200" dirty="0"/>
+                      <a:endParaRPr lang="ko-KR" altLang="en-US" sz="1200"/>
                     </a:p>
                   </a:txBody>
                   <a:tcPr/>
@@ -4795,29 +4796,29 @@
                     <a:p>
                       <a:pPr latinLnBrk="1"/>
                       <a:r>
-                        <a:rPr lang="en-US" altLang="ko-KR" sz="1200" dirty="0" smtClean="0"/>
+                        <a:rPr lang="en-US" altLang="ko-KR" sz="1200" smtClean="0"/>
                         <a:t>Value</a:t>
                       </a:r>
-                      <a:endParaRPr lang="ko-KR" altLang="en-US" sz="1200" dirty="0"/>
-                    </a:p>
-                  </a:txBody>
-                  <a:tcPr/>
-                </a:tc>
-                <a:tc>
-                  <a:txBody>
-                    <a:bodyPr/>
-                    <a:lstStyle/>
-                    <a:p>
-                      <a:pPr latinLnBrk="1"/>
-                      <a:r>
-                        <a:rPr lang="en-US" altLang="ko-KR" sz="1200" dirty="0" smtClean="0">
+                      <a:endParaRPr lang="ko-KR" altLang="en-US" sz="1200"/>
+                    </a:p>
+                  </a:txBody>
+                  <a:tcPr/>
+                </a:tc>
+                <a:tc>
+                  <a:txBody>
+                    <a:bodyPr/>
+                    <a:lstStyle/>
+                    <a:p>
+                      <a:pPr latinLnBrk="1"/>
+                      <a:r>
+                        <a:rPr lang="en-US" altLang="ko-KR" sz="1200" smtClean="0">
                           <a:solidFill>
                             <a:srgbClr val="FF0000"/>
                           </a:solidFill>
                         </a:rPr>
                         <a:t>0xFFFE_FFFF</a:t>
                       </a:r>
-                      <a:endParaRPr lang="ko-KR" altLang="en-US" sz="1200" dirty="0">
+                      <a:endParaRPr lang="ko-KR" altLang="en-US" sz="1200">
                         <a:solidFill>
                           <a:srgbClr val="FF0000"/>
                         </a:solidFill>
@@ -4867,10 +4868,10 @@
                     <a:p>
                       <a:pPr latinLnBrk="1"/>
                       <a:r>
-                        <a:rPr lang="en-US" altLang="ko-KR" sz="1100" b="1" dirty="0" smtClean="0"/>
+                        <a:rPr lang="en-US" altLang="ko-KR" sz="1100" b="1" smtClean="0"/>
                         <a:t>5. L49, L54</a:t>
                       </a:r>
-                      <a:endParaRPr lang="ko-KR" altLang="en-US" sz="1100" b="1" dirty="0"/>
+                      <a:endParaRPr lang="ko-KR" altLang="en-US" sz="1100" b="1"/>
                     </a:p>
                   </a:txBody>
                   <a:tcPr/>
@@ -4895,10 +4896,10 @@
                     <a:p>
                       <a:pPr latinLnBrk="1"/>
                       <a:r>
-                        <a:rPr lang="en-US" altLang="ko-KR" sz="1100" dirty="0" smtClean="0"/>
+                        <a:rPr lang="en-US" altLang="ko-KR" sz="1100" smtClean="0"/>
                         <a:t>R0</a:t>
                       </a:r>
-                      <a:endParaRPr lang="ko-KR" altLang="en-US" sz="1100" dirty="0"/>
+                      <a:endParaRPr lang="ko-KR" altLang="en-US" sz="1100"/>
                     </a:p>
                   </a:txBody>
                   <a:tcPr/>
@@ -4926,14 +4927,14 @@
                         <a:defRPr/>
                       </a:pPr>
                       <a:r>
-                        <a:rPr lang="en-US" altLang="ko-KR" sz="1100" dirty="0" smtClean="0">
+                        <a:rPr lang="en-US" altLang="ko-KR" sz="1100" smtClean="0">
                           <a:solidFill>
                             <a:srgbClr val="FF0000"/>
                           </a:solidFill>
                         </a:rPr>
                         <a:t>1</a:t>
                       </a:r>
-                      <a:endParaRPr lang="ko-KR" altLang="en-US" sz="1100" dirty="0" smtClean="0">
+                      <a:endParaRPr lang="ko-KR" altLang="en-US" sz="1100" smtClean="0">
                         <a:solidFill>
                           <a:srgbClr val="FF0000"/>
                         </a:solidFill>
@@ -4951,29 +4952,29 @@
                     <a:p>
                       <a:pPr latinLnBrk="1"/>
                       <a:r>
-                        <a:rPr lang="en-US" altLang="ko-KR" sz="1100" dirty="0" smtClean="0"/>
+                        <a:rPr lang="en-US" altLang="ko-KR" sz="1100" smtClean="0"/>
                         <a:t>R1</a:t>
                       </a:r>
-                      <a:endParaRPr lang="ko-KR" altLang="en-US" sz="1100" dirty="0"/>
-                    </a:p>
-                  </a:txBody>
-                  <a:tcPr/>
-                </a:tc>
-                <a:tc>
-                  <a:txBody>
-                    <a:bodyPr/>
-                    <a:lstStyle/>
-                    <a:p>
-                      <a:pPr latinLnBrk="1"/>
-                      <a:r>
-                        <a:rPr lang="en-US" altLang="ko-KR" sz="1100" dirty="0" smtClean="0">
+                      <a:endParaRPr lang="ko-KR" altLang="en-US" sz="1100"/>
+                    </a:p>
+                  </a:txBody>
+                  <a:tcPr/>
+                </a:tc>
+                <a:tc>
+                  <a:txBody>
+                    <a:bodyPr/>
+                    <a:lstStyle/>
+                    <a:p>
+                      <a:pPr latinLnBrk="1"/>
+                      <a:r>
+                        <a:rPr lang="en-US" altLang="ko-KR" sz="1100" smtClean="0">
                           <a:solidFill>
                             <a:srgbClr val="FF0000"/>
                           </a:solidFill>
                         </a:rPr>
                         <a:t>0x1234_1234</a:t>
                       </a:r>
-                      <a:endParaRPr lang="ko-KR" altLang="en-US" sz="1100" dirty="0">
+                      <a:endParaRPr lang="ko-KR" altLang="en-US" sz="1100">
                         <a:solidFill>
                           <a:srgbClr val="FF0000"/>
                         </a:solidFill>
@@ -4991,25 +4992,25 @@
                     <a:p>
                       <a:pPr latinLnBrk="1"/>
                       <a:r>
-                        <a:rPr lang="en-US" altLang="ko-KR" sz="1100" dirty="0" smtClean="0"/>
+                        <a:rPr lang="en-US" altLang="ko-KR" sz="1100" smtClean="0"/>
                         <a:t>R2</a:t>
                       </a:r>
-                      <a:endParaRPr lang="ko-KR" altLang="en-US" sz="1100" dirty="0"/>
-                    </a:p>
-                  </a:txBody>
-                  <a:tcPr/>
-                </a:tc>
-                <a:tc>
-                  <a:txBody>
-                    <a:bodyPr/>
-                    <a:lstStyle/>
-                    <a:p>
-                      <a:pPr latinLnBrk="1"/>
-                      <a:r>
-                        <a:rPr lang="en-US" altLang="ko-KR" sz="1100" dirty="0" smtClean="0"/>
+                      <a:endParaRPr lang="ko-KR" altLang="en-US" sz="1100"/>
+                    </a:p>
+                  </a:txBody>
+                  <a:tcPr/>
+                </a:tc>
+                <a:tc>
+                  <a:txBody>
+                    <a:bodyPr/>
+                    <a:lstStyle/>
+                    <a:p>
+                      <a:pPr latinLnBrk="1"/>
+                      <a:r>
+                        <a:rPr lang="en-US" altLang="ko-KR" sz="1100" smtClean="0"/>
                         <a:t>0xFFFE_FFFF</a:t>
                       </a:r>
-                      <a:endParaRPr lang="ko-KR" altLang="en-US" sz="1100" dirty="0"/>
+                      <a:endParaRPr lang="ko-KR" altLang="en-US" sz="1100"/>
                     </a:p>
                   </a:txBody>
                   <a:tcPr/>
@@ -5023,10 +5024,10 @@
                     <a:p>
                       <a:pPr latinLnBrk="1"/>
                       <a:r>
-                        <a:rPr lang="en-US" altLang="ko-KR" sz="1100" dirty="0" smtClean="0"/>
+                        <a:rPr lang="en-US" altLang="ko-KR" sz="1100" smtClean="0"/>
                         <a:t>R3</a:t>
                       </a:r>
-                      <a:endParaRPr lang="ko-KR" altLang="en-US" sz="1100" dirty="0"/>
+                      <a:endParaRPr lang="ko-KR" altLang="en-US" sz="1100"/>
                     </a:p>
                   </a:txBody>
                   <a:tcPr/>
@@ -5054,10 +5055,10 @@
                         <a:defRPr/>
                       </a:pPr>
                       <a:r>
-                        <a:rPr lang="en-US" altLang="ko-KR" sz="1100" dirty="0" smtClean="0"/>
+                        <a:rPr lang="en-US" altLang="ko-KR" sz="1100" smtClean="0"/>
                         <a:t>0x0001_0000</a:t>
                       </a:r>
-                      <a:endParaRPr lang="ko-KR" altLang="en-US" sz="1100" dirty="0" smtClean="0"/>
+                      <a:endParaRPr lang="ko-KR" altLang="en-US" sz="1100" smtClean="0"/>
                     </a:p>
                   </a:txBody>
                   <a:tcPr/>
@@ -5071,21 +5072,21 @@
                     <a:p>
                       <a:pPr latinLnBrk="1"/>
                       <a:r>
-                        <a:rPr lang="en-US" altLang="ko-KR" sz="1100" dirty="0" smtClean="0"/>
+                        <a:rPr lang="en-US" altLang="ko-KR" sz="1100" smtClean="0"/>
                         <a:t>…</a:t>
                       </a:r>
-                      <a:endParaRPr lang="ko-KR" altLang="en-US" sz="1100" dirty="0"/>
-                    </a:p>
-                  </a:txBody>
-                  <a:tcPr/>
-                </a:tc>
-                <a:tc>
-                  <a:txBody>
-                    <a:bodyPr/>
-                    <a:lstStyle/>
-                    <a:p>
-                      <a:pPr latinLnBrk="1"/>
-                      <a:endParaRPr lang="en-US" altLang="ko-KR" sz="1100" dirty="0" smtClean="0"/>
+                      <a:endParaRPr lang="ko-KR" altLang="en-US" sz="1100"/>
+                    </a:p>
+                  </a:txBody>
+                  <a:tcPr/>
+                </a:tc>
+                <a:tc>
+                  <a:txBody>
+                    <a:bodyPr/>
+                    <a:lstStyle/>
+                    <a:p>
+                      <a:pPr latinLnBrk="1"/>
+                      <a:endParaRPr lang="en-US" altLang="ko-KR" sz="1100" smtClean="0"/>
                     </a:p>
                   </a:txBody>
                   <a:tcPr/>
@@ -5099,30 +5100,30 @@
                     <a:p>
                       <a:pPr latinLnBrk="1"/>
                       <a:r>
-                        <a:rPr lang="en-US" altLang="ko-KR" sz="1100" dirty="0" smtClean="0"/>
+                        <a:rPr lang="en-US" altLang="ko-KR" sz="1100" smtClean="0"/>
                         <a:t>R12(</a:t>
                       </a:r>
                       <a:r>
-                        <a:rPr lang="en-US" altLang="ko-KR" sz="1100" dirty="0" err="1" smtClean="0"/>
+                        <a:rPr lang="en-US" altLang="ko-KR" sz="1100" err="1" smtClean="0"/>
                         <a:t>ip</a:t>
                       </a:r>
                       <a:r>
-                        <a:rPr lang="en-US" altLang="ko-KR" sz="1100" dirty="0" smtClean="0"/>
+                        <a:rPr lang="en-US" altLang="ko-KR" sz="1100" smtClean="0"/>
                         <a:t>)</a:t>
                       </a:r>
-                      <a:endParaRPr lang="ko-KR" altLang="en-US" sz="1100" dirty="0"/>
-                    </a:p>
-                  </a:txBody>
-                  <a:tcPr/>
-                </a:tc>
-                <a:tc>
-                  <a:txBody>
-                    <a:bodyPr/>
-                    <a:lstStyle/>
-                    <a:p>
-                      <a:pPr latinLnBrk="1"/>
-                      <a:r>
-                        <a:rPr lang="en-US" altLang="ko-KR" sz="1100" dirty="0" smtClean="0">
+                      <a:endParaRPr lang="ko-KR" altLang="en-US" sz="1100"/>
+                    </a:p>
+                  </a:txBody>
+                  <a:tcPr/>
+                </a:tc>
+                <a:tc>
+                  <a:txBody>
+                    <a:bodyPr/>
+                    <a:lstStyle/>
+                    <a:p>
+                      <a:pPr latinLnBrk="1"/>
+                      <a:r>
+                        <a:rPr lang="en-US" altLang="ko-KR" sz="1100" smtClean="0">
                           <a:solidFill>
                             <a:srgbClr val="FF0000"/>
                           </a:solidFill>
@@ -5130,7 +5131,7 @@
                         <a:t>0x00(</a:t>
                       </a:r>
                       <a:r>
-                        <a:rPr lang="ko-KR" altLang="en-US" sz="1100" dirty="0" err="1" smtClean="0">
+                        <a:rPr lang="ko-KR" altLang="en-US" sz="1100" err="1" smtClean="0">
                           <a:solidFill>
                             <a:srgbClr val="FF0000"/>
                           </a:solidFill>
@@ -5138,7 +5139,7 @@
                         <a:t>성공시</a:t>
                       </a:r>
                       <a:r>
-                        <a:rPr lang="en-US" altLang="ko-KR" sz="1100" dirty="0" smtClean="0">
+                        <a:rPr lang="en-US" altLang="ko-KR" sz="1100" smtClean="0">
                           <a:solidFill>
                             <a:srgbClr val="FF0000"/>
                           </a:solidFill>
@@ -5177,10 +5178,10 @@
           <a:lstStyle/>
           <a:p>
             <a:r>
-              <a:rPr lang="en-US" altLang="ko-KR" b="1" dirty="0" smtClean="0"/>
+              <a:rPr lang="en-US" altLang="ko-KR" b="1" smtClean="0"/>
               <a:t>Result:</a:t>
             </a:r>
-            <a:endParaRPr lang="ko-KR" altLang="en-US" b="1" dirty="0"/>
+            <a:endParaRPr lang="ko-KR" altLang="en-US" b="1"/>
           </a:p>
         </p:txBody>
       </p:sp>
@@ -5243,105 +5244,105 @@
           <a:lstStyle/>
           <a:p>
             <a:r>
-              <a:rPr lang="en-US" altLang="ko-KR" sz="1400" dirty="0" smtClean="0"/>
+              <a:rPr lang="en-US" altLang="ko-KR" sz="1400" smtClean="0"/>
               <a:t>30         .macro  </a:t>
             </a:r>
             <a:r>
-              <a:rPr lang="en-US" altLang="ko-KR" sz="1400" dirty="0" err="1" smtClean="0"/>
+              <a:rPr lang="en-US" altLang="ko-KR" sz="1400" err="1" smtClean="0"/>
               <a:t>testop</a:t>
             </a:r>
             <a:r>
-              <a:rPr lang="en-US" altLang="ko-KR" sz="1400" dirty="0" smtClean="0"/>
+              <a:rPr lang="en-US" altLang="ko-KR" sz="1400" smtClean="0"/>
               <a:t>, name, </a:t>
             </a:r>
             <a:r>
-              <a:rPr lang="en-US" altLang="ko-KR" sz="1400" dirty="0" err="1" smtClean="0"/>
+              <a:rPr lang="en-US" altLang="ko-KR" sz="1400" err="1" smtClean="0"/>
               <a:t>instr</a:t>
             </a:r>
             <a:r>
-              <a:rPr lang="en-US" altLang="ko-KR" sz="1400" dirty="0" smtClean="0"/>
+              <a:rPr lang="en-US" altLang="ko-KR" sz="1400" smtClean="0"/>
               <a:t>, store</a:t>
             </a:r>
           </a:p>
           <a:p>
             <a:r>
-              <a:rPr lang="en-US" altLang="ko-KR" sz="1400" dirty="0" smtClean="0"/>
+              <a:rPr lang="en-US" altLang="ko-KR" sz="1400" smtClean="0"/>
               <a:t>31 ENTRY(  \name           )</a:t>
             </a:r>
           </a:p>
           <a:p>
             <a:r>
-              <a:rPr lang="en-US" altLang="ko-KR" sz="1400" dirty="0" smtClean="0"/>
+              <a:rPr lang="en-US" altLang="ko-KR" sz="1400" smtClean="0"/>
               <a:t>32 UNWIND( .</a:t>
             </a:r>
             <a:r>
-              <a:rPr lang="en-US" altLang="ko-KR" sz="1400" dirty="0" err="1" smtClean="0"/>
+              <a:rPr lang="en-US" altLang="ko-KR" sz="1400" err="1" smtClean="0"/>
               <a:t>fnstart</a:t>
             </a:r>
             <a:r>
-              <a:rPr lang="en-US" altLang="ko-KR" sz="1400" dirty="0" smtClean="0"/>
+              <a:rPr lang="en-US" altLang="ko-KR" sz="1400" smtClean="0"/>
               <a:t>        )</a:t>
             </a:r>
           </a:p>
           <a:p>
             <a:r>
-              <a:rPr lang="en-US" altLang="ko-KR" sz="1400" dirty="0" smtClean="0"/>
+              <a:rPr lang="en-US" altLang="ko-KR" sz="1400" smtClean="0"/>
               <a:t>33         ands    </a:t>
             </a:r>
             <a:r>
-              <a:rPr lang="en-US" altLang="ko-KR" sz="1400" dirty="0" err="1" smtClean="0"/>
+              <a:rPr lang="en-US" altLang="ko-KR" sz="1400" err="1" smtClean="0"/>
               <a:t>ip</a:t>
             </a:r>
             <a:r>
-              <a:rPr lang="en-US" altLang="ko-KR" sz="1400" dirty="0" smtClean="0"/>
+              <a:rPr lang="en-US" altLang="ko-KR" sz="1400" smtClean="0"/>
               <a:t>, r1, #3</a:t>
             </a:r>
           </a:p>
           <a:p>
             <a:r>
-              <a:rPr lang="en-US" altLang="ko-KR" sz="1400" dirty="0" smtClean="0"/>
+              <a:rPr lang="en-US" altLang="ko-KR" sz="1400" smtClean="0"/>
               <a:t>34         </a:t>
             </a:r>
             <a:r>
-              <a:rPr lang="en-US" altLang="ko-KR" sz="1400" dirty="0" err="1" smtClean="0"/>
+              <a:rPr lang="en-US" altLang="ko-KR" sz="1400" err="1" smtClean="0"/>
               <a:t>strneb</a:t>
             </a:r>
             <a:r>
-              <a:rPr lang="en-US" altLang="ko-KR" sz="1400" dirty="0" smtClean="0"/>
+              <a:rPr lang="en-US" altLang="ko-KR" sz="1400" smtClean="0"/>
               <a:t>  r1, [</a:t>
             </a:r>
             <a:r>
-              <a:rPr lang="en-US" altLang="ko-KR" sz="1400" dirty="0" err="1" smtClean="0"/>
+              <a:rPr lang="en-US" altLang="ko-KR" sz="1400" err="1" smtClean="0"/>
               <a:t>ip</a:t>
             </a:r>
             <a:r>
-              <a:rPr lang="en-US" altLang="ko-KR" sz="1400" dirty="0" smtClean="0"/>
+              <a:rPr lang="en-US" altLang="ko-KR" sz="1400" smtClean="0"/>
               <a:t>]                @ assert word-aligned</a:t>
             </a:r>
           </a:p>
           <a:p>
             <a:r>
-              <a:rPr lang="en-US" altLang="ko-KR" sz="1400" dirty="0" smtClean="0"/>
+              <a:rPr lang="en-US" altLang="ko-KR" sz="1400" smtClean="0"/>
               <a:t>35         </a:t>
             </a:r>
             <a:r>
-              <a:rPr lang="en-US" altLang="ko-KR" sz="1400" dirty="0" err="1" smtClean="0"/>
+              <a:rPr lang="en-US" altLang="ko-KR" sz="1400" err="1" smtClean="0"/>
               <a:t>mov</a:t>
             </a:r>
             <a:r>
-              <a:rPr lang="en-US" altLang="ko-KR" sz="1400" dirty="0" smtClean="0"/>
+              <a:rPr lang="en-US" altLang="ko-KR" sz="1400" smtClean="0"/>
               <a:t>     r2, #1</a:t>
             </a:r>
           </a:p>
           <a:p>
             <a:r>
-              <a:rPr lang="en-US" altLang="ko-KR" sz="1400" dirty="0" smtClean="0"/>
+              <a:rPr lang="en-US" altLang="ko-KR" sz="1400" smtClean="0"/>
               <a:t>36         and     r3, r0, #31             @ Get bit offset</a:t>
             </a:r>
           </a:p>
           <a:p>
             <a:r>
-              <a:rPr lang="en-US" altLang="ko-KR" sz="1400" b="1" dirty="0" smtClean="0">
+              <a:rPr lang="en-US" altLang="ko-KR" sz="1400" b="1" smtClean="0">
                 <a:solidFill>
                   <a:srgbClr val="FF0000"/>
                 </a:solidFill>
@@ -5349,7 +5350,7 @@
               <a:t>37         </a:t>
             </a:r>
             <a:r>
-              <a:rPr lang="en-US" altLang="ko-KR" sz="1400" b="1" dirty="0" err="1" smtClean="0">
+              <a:rPr lang="en-US" altLang="ko-KR" sz="1400" b="1" err="1" smtClean="0">
                 <a:solidFill>
                   <a:srgbClr val="FF0000"/>
                 </a:solidFill>
@@ -5357,7 +5358,7 @@
               <a:t>mov</a:t>
             </a:r>
             <a:r>
-              <a:rPr lang="en-US" altLang="ko-KR" sz="1400" b="1" dirty="0" smtClean="0">
+              <a:rPr lang="en-US" altLang="ko-KR" sz="1400" b="1" smtClean="0">
                 <a:solidFill>
                   <a:srgbClr val="FF0000"/>
                 </a:solidFill>
@@ -5365,7 +5366,7 @@
               <a:t>     r0, r0, </a:t>
             </a:r>
             <a:r>
-              <a:rPr lang="en-US" altLang="ko-KR" sz="1400" b="1" dirty="0" err="1" smtClean="0">
+              <a:rPr lang="en-US" altLang="ko-KR" sz="1400" b="1" err="1" smtClean="0">
                 <a:solidFill>
                   <a:srgbClr val="FF0000"/>
                 </a:solidFill>
@@ -5373,7 +5374,7 @@
               <a:t>lsr</a:t>
             </a:r>
             <a:r>
-              <a:rPr lang="en-US" altLang="ko-KR" sz="1400" b="1" dirty="0" smtClean="0">
+              <a:rPr lang="en-US" altLang="ko-KR" sz="1400" b="1" smtClean="0">
                 <a:solidFill>
                   <a:srgbClr val="FF0000"/>
                 </a:solidFill>
@@ -5383,7 +5384,7 @@
           </a:p>
           <a:p>
             <a:r>
-              <a:rPr lang="en-US" altLang="ko-KR" sz="1400" b="1" dirty="0" smtClean="0">
+              <a:rPr lang="en-US" altLang="ko-KR" sz="1400" b="1" smtClean="0">
                 <a:solidFill>
                   <a:srgbClr val="FF0000"/>
                 </a:solidFill>
@@ -5391,7 +5392,7 @@
               <a:t>38         add     r1, r1, r0, </a:t>
             </a:r>
             <a:r>
-              <a:rPr lang="en-US" altLang="ko-KR" sz="1400" b="1" dirty="0" err="1" smtClean="0">
+              <a:rPr lang="en-US" altLang="ko-KR" sz="1400" b="1" err="1" smtClean="0">
                 <a:solidFill>
                   <a:srgbClr val="FF0000"/>
                 </a:solidFill>
@@ -5399,7 +5400,7 @@
               <a:t>lsl</a:t>
             </a:r>
             <a:r>
-              <a:rPr lang="en-US" altLang="ko-KR" sz="1400" b="1" dirty="0" smtClean="0">
+              <a:rPr lang="en-US" altLang="ko-KR" sz="1400" b="1" smtClean="0">
                 <a:solidFill>
                   <a:srgbClr val="FF0000"/>
                 </a:solidFill>
@@ -5409,154 +5410,154 @@
           </a:p>
           <a:p>
             <a:r>
-              <a:rPr lang="en-US" altLang="ko-KR" sz="1400" dirty="0" smtClean="0"/>
+              <a:rPr lang="en-US" altLang="ko-KR" sz="1400" smtClean="0"/>
               <a:t>39         </a:t>
             </a:r>
             <a:r>
-              <a:rPr lang="en-US" altLang="ko-KR" sz="1400" dirty="0" err="1" smtClean="0"/>
+              <a:rPr lang="en-US" altLang="ko-KR" sz="1400" err="1" smtClean="0"/>
               <a:t>mov</a:t>
             </a:r>
             <a:r>
-              <a:rPr lang="en-US" altLang="ko-KR" sz="1400" dirty="0" smtClean="0"/>
+              <a:rPr lang="en-US" altLang="ko-KR" sz="1400" smtClean="0"/>
               <a:t>     r3, r2, </a:t>
             </a:r>
             <a:r>
-              <a:rPr lang="en-US" altLang="ko-KR" sz="1400" dirty="0" err="1" smtClean="0"/>
+              <a:rPr lang="en-US" altLang="ko-KR" sz="1400" err="1" smtClean="0"/>
               <a:t>lsl</a:t>
             </a:r>
             <a:r>
-              <a:rPr lang="en-US" altLang="ko-KR" sz="1400" dirty="0" smtClean="0"/>
+              <a:rPr lang="en-US" altLang="ko-KR" sz="1400" smtClean="0"/>
               <a:t> r3          @ create mask</a:t>
             </a:r>
           </a:p>
           <a:p>
             <a:r>
-              <a:rPr lang="en-US" altLang="ko-KR" sz="1400" dirty="0" smtClean="0"/>
+              <a:rPr lang="en-US" altLang="ko-KR" sz="1400" smtClean="0"/>
               <a:t>40         </a:t>
             </a:r>
             <a:r>
-              <a:rPr lang="en-US" altLang="ko-KR" sz="1400" dirty="0" err="1" smtClean="0"/>
+              <a:rPr lang="en-US" altLang="ko-KR" sz="1400" err="1" smtClean="0"/>
               <a:t>smp_dmb</a:t>
             </a:r>
-            <a:endParaRPr lang="en-US" altLang="ko-KR" sz="1400" dirty="0" smtClean="0"/>
-          </a:p>
-          <a:p>
-            <a:r>
-              <a:rPr lang="pt-BR" altLang="ko-KR" sz="1400" dirty="0"/>
+            <a:endParaRPr lang="en-US" altLang="ko-KR" sz="1400" smtClean="0"/>
+          </a:p>
+          <a:p>
+            <a:r>
+              <a:rPr lang="pt-BR" altLang="ko-KR" sz="1400"/>
               <a:t>46 1:      ldrex   r2, [r1]</a:t>
             </a:r>
           </a:p>
           <a:p>
             <a:r>
-              <a:rPr lang="en-US" altLang="ko-KR" sz="1400" dirty="0"/>
+              <a:rPr lang="en-US" altLang="ko-KR" sz="1400"/>
               <a:t>47         ands    r0, r2, r3              @ save old value of bit</a:t>
             </a:r>
           </a:p>
           <a:p>
             <a:r>
-              <a:rPr lang="pt-BR" altLang="ko-KR" sz="1400" dirty="0"/>
+              <a:rPr lang="pt-BR" altLang="ko-KR" sz="1400"/>
               <a:t>48         \instr  r2, r2, r3              @ toggle bit</a:t>
             </a:r>
           </a:p>
           <a:p>
             <a:r>
-              <a:rPr lang="pt-BR" altLang="ko-KR" sz="1400" dirty="0"/>
+              <a:rPr lang="pt-BR" altLang="ko-KR" sz="1400"/>
               <a:t>49         strex   ip, r2, [r1]</a:t>
             </a:r>
           </a:p>
           <a:p>
             <a:r>
-              <a:rPr lang="en-US" altLang="ko-KR" sz="1400" dirty="0"/>
+              <a:rPr lang="en-US" altLang="ko-KR" sz="1400"/>
               <a:t>50         </a:t>
             </a:r>
             <a:r>
-              <a:rPr lang="en-US" altLang="ko-KR" sz="1400" dirty="0" err="1"/>
+              <a:rPr lang="en-US" altLang="ko-KR" sz="1400" err="1"/>
               <a:t>cmp</a:t>
             </a:r>
             <a:r>
-              <a:rPr lang="en-US" altLang="ko-KR" sz="1400" dirty="0"/>
+              <a:rPr lang="en-US" altLang="ko-KR" sz="1400"/>
               <a:t>     </a:t>
             </a:r>
             <a:r>
-              <a:rPr lang="en-US" altLang="ko-KR" sz="1400" dirty="0" err="1"/>
+              <a:rPr lang="en-US" altLang="ko-KR" sz="1400" err="1"/>
               <a:t>ip</a:t>
             </a:r>
             <a:r>
-              <a:rPr lang="en-US" altLang="ko-KR" sz="1400" dirty="0"/>
+              <a:rPr lang="en-US" altLang="ko-KR" sz="1400"/>
               <a:t>, #0</a:t>
             </a:r>
           </a:p>
           <a:p>
             <a:r>
-              <a:rPr lang="en-US" altLang="ko-KR" sz="1400" dirty="0"/>
+              <a:rPr lang="en-US" altLang="ko-KR" sz="1400"/>
               <a:t>51         </a:t>
             </a:r>
             <a:r>
-              <a:rPr lang="en-US" altLang="ko-KR" sz="1400" dirty="0" err="1"/>
+              <a:rPr lang="en-US" altLang="ko-KR" sz="1400" err="1"/>
               <a:t>bne</a:t>
             </a:r>
             <a:r>
-              <a:rPr lang="en-US" altLang="ko-KR" sz="1400" dirty="0"/>
+              <a:rPr lang="en-US" altLang="ko-KR" sz="1400"/>
               <a:t>     1b</a:t>
             </a:r>
           </a:p>
           <a:p>
             <a:r>
-              <a:rPr lang="en-US" altLang="ko-KR" sz="1400" dirty="0"/>
+              <a:rPr lang="en-US" altLang="ko-KR" sz="1400"/>
               <a:t>52         </a:t>
             </a:r>
             <a:r>
-              <a:rPr lang="en-US" altLang="ko-KR" sz="1400" dirty="0" err="1"/>
+              <a:rPr lang="en-US" altLang="ko-KR" sz="1400" err="1"/>
               <a:t>smp_dmb</a:t>
             </a:r>
-            <a:endParaRPr lang="en-US" altLang="ko-KR" sz="1400" dirty="0"/>
-          </a:p>
-          <a:p>
-            <a:r>
-              <a:rPr lang="en-US" altLang="ko-KR" sz="1400" dirty="0"/>
+            <a:endParaRPr lang="en-US" altLang="ko-KR" sz="1400"/>
+          </a:p>
+          <a:p>
+            <a:r>
+              <a:rPr lang="en-US" altLang="ko-KR" sz="1400"/>
               <a:t>53         </a:t>
             </a:r>
             <a:r>
-              <a:rPr lang="en-US" altLang="ko-KR" sz="1400" dirty="0" err="1"/>
+              <a:rPr lang="en-US" altLang="ko-KR" sz="1400" err="1"/>
               <a:t>cmp</a:t>
             </a:r>
             <a:r>
-              <a:rPr lang="en-US" altLang="ko-KR" sz="1400" dirty="0"/>
+              <a:rPr lang="en-US" altLang="ko-KR" sz="1400"/>
               <a:t>     r0, #0</a:t>
             </a:r>
           </a:p>
           <a:p>
             <a:r>
-              <a:rPr lang="en-US" altLang="ko-KR" sz="1400" dirty="0"/>
+              <a:rPr lang="en-US" altLang="ko-KR" sz="1400"/>
               <a:t>54         </a:t>
             </a:r>
             <a:r>
-              <a:rPr lang="en-US" altLang="ko-KR" sz="1400" dirty="0" err="1"/>
+              <a:rPr lang="en-US" altLang="ko-KR" sz="1400" err="1"/>
               <a:t>movne</a:t>
             </a:r>
             <a:r>
-              <a:rPr lang="en-US" altLang="ko-KR" sz="1400" dirty="0"/>
+              <a:rPr lang="en-US" altLang="ko-KR" sz="1400"/>
               <a:t>   r0, #1</a:t>
             </a:r>
           </a:p>
           <a:p>
             <a:r>
-              <a:rPr lang="en-US" altLang="ko-KR" sz="1400" dirty="0"/>
+              <a:rPr lang="en-US" altLang="ko-KR" sz="1400"/>
               <a:t>55 2:      </a:t>
             </a:r>
             <a:r>
-              <a:rPr lang="en-US" altLang="ko-KR" sz="1400" dirty="0" err="1"/>
+              <a:rPr lang="en-US" altLang="ko-KR" sz="1400" err="1"/>
               <a:t>bx</a:t>
             </a:r>
             <a:r>
-              <a:rPr lang="en-US" altLang="ko-KR" sz="1400" dirty="0"/>
+              <a:rPr lang="en-US" altLang="ko-KR" sz="1400"/>
               <a:t>      </a:t>
             </a:r>
             <a:r>
-              <a:rPr lang="en-US" altLang="ko-KR" sz="1400" dirty="0" err="1"/>
+              <a:rPr lang="en-US" altLang="ko-KR" sz="1400" err="1"/>
               <a:t>lr</a:t>
             </a:r>
-            <a:endParaRPr lang="en-US" altLang="ko-KR" sz="1400" dirty="0"/>
+            <a:endParaRPr lang="en-US" altLang="ko-KR" sz="1400"/>
           </a:p>
         </p:txBody>
       </p:sp>
@@ -5596,39 +5597,39 @@
           <a:lstStyle/>
           <a:p>
             <a:r>
-              <a:rPr lang="en-US" altLang="ko-KR" sz="1600" b="1" dirty="0" err="1" smtClean="0"/>
+              <a:rPr lang="en-US" altLang="ko-KR" sz="1600" b="1" err="1" smtClean="0"/>
               <a:t>TestCase</a:t>
             </a:r>
             <a:r>
-              <a:rPr lang="en-US" altLang="ko-KR" sz="1600" b="1" dirty="0" smtClean="0"/>
+              <a:rPr lang="en-US" altLang="ko-KR" sz="1600" b="1" smtClean="0"/>
               <a:t>:</a:t>
             </a:r>
           </a:p>
           <a:p>
-            <a:endParaRPr lang="en-US" altLang="ko-KR" sz="1600" dirty="0" smtClean="0"/>
-          </a:p>
-          <a:p>
-            <a:endParaRPr lang="en-US" altLang="ko-KR" sz="1600" dirty="0"/>
-          </a:p>
-          <a:p>
-            <a:endParaRPr lang="en-US" altLang="ko-KR" sz="1600" dirty="0" smtClean="0"/>
-          </a:p>
-          <a:p>
-            <a:endParaRPr lang="en-US" altLang="ko-KR" sz="1600" dirty="0" smtClean="0"/>
-          </a:p>
-          <a:p>
-            <a:endParaRPr lang="en-US" altLang="ko-KR" sz="1600" dirty="0" smtClean="0"/>
-          </a:p>
-          <a:p>
-            <a:r>
-              <a:rPr lang="en-US" altLang="ko-KR" sz="1600" dirty="0" err="1" smtClean="0"/>
+            <a:endParaRPr lang="en-US" altLang="ko-KR" sz="1600" smtClean="0"/>
+          </a:p>
+          <a:p>
+            <a:endParaRPr lang="en-US" altLang="ko-KR" sz="1600"/>
+          </a:p>
+          <a:p>
+            <a:endParaRPr lang="en-US" altLang="ko-KR" sz="1600" smtClean="0"/>
+          </a:p>
+          <a:p>
+            <a:endParaRPr lang="en-US" altLang="ko-KR" sz="1600" smtClean="0"/>
+          </a:p>
+          <a:p>
+            <a:endParaRPr lang="en-US" altLang="ko-KR" sz="1600" smtClean="0"/>
+          </a:p>
+          <a:p>
+            <a:r>
+              <a:rPr lang="en-US" altLang="ko-KR" sz="1600" err="1" smtClean="0"/>
               <a:t>test_and_clear_bit</a:t>
             </a:r>
             <a:r>
-              <a:rPr lang="en-US" altLang="ko-KR" sz="1600" dirty="0" smtClean="0"/>
+              <a:rPr lang="en-US" altLang="ko-KR" sz="1600" smtClean="0"/>
               <a:t>(35, 0x1234_1234)</a:t>
             </a:r>
-            <a:endParaRPr lang="ko-KR" altLang="en-US" sz="1600" dirty="0"/>
+            <a:endParaRPr lang="ko-KR" altLang="en-US" sz="1600"/>
           </a:p>
         </p:txBody>
       </p:sp>
@@ -5668,10 +5669,10 @@
                     <a:p>
                       <a:pPr latinLnBrk="1"/>
                       <a:r>
-                        <a:rPr lang="en-US" altLang="ko-KR" sz="1200" dirty="0" smtClean="0"/>
+                        <a:rPr lang="en-US" altLang="ko-KR" sz="1200" smtClean="0"/>
                         <a:t>Address</a:t>
                       </a:r>
-                      <a:endParaRPr lang="ko-KR" altLang="en-US" sz="1200" dirty="0"/>
+                      <a:endParaRPr lang="ko-KR" altLang="en-US" sz="1200"/>
                     </a:p>
                   </a:txBody>
                   <a:tcPr/>
@@ -5699,10 +5700,10 @@
                         <a:defRPr/>
                       </a:pPr>
                       <a:r>
-                        <a:rPr lang="en-US" altLang="ko-KR" sz="1200" dirty="0" smtClean="0"/>
+                        <a:rPr lang="en-US" altLang="ko-KR" sz="1200" smtClean="0"/>
                         <a:t>0x1234_1234</a:t>
                       </a:r>
-                      <a:endParaRPr lang="ko-KR" altLang="en-US" sz="1200" dirty="0"/>
+                      <a:endParaRPr lang="ko-KR" altLang="en-US" sz="1200"/>
                     </a:p>
                   </a:txBody>
                   <a:tcPr/>
@@ -5716,25 +5717,25 @@
                     <a:p>
                       <a:pPr latinLnBrk="1"/>
                       <a:r>
-                        <a:rPr lang="en-US" altLang="ko-KR" sz="1200" dirty="0" smtClean="0"/>
+                        <a:rPr lang="en-US" altLang="ko-KR" sz="1200" smtClean="0"/>
                         <a:t>Value</a:t>
                       </a:r>
-                      <a:endParaRPr lang="ko-KR" altLang="en-US" sz="1200" dirty="0"/>
-                    </a:p>
-                  </a:txBody>
-                  <a:tcPr/>
-                </a:tc>
-                <a:tc>
-                  <a:txBody>
-                    <a:bodyPr/>
-                    <a:lstStyle/>
-                    <a:p>
-                      <a:pPr latinLnBrk="1"/>
-                      <a:r>
-                        <a:rPr lang="en-US" altLang="ko-KR" sz="1200" dirty="0" smtClean="0"/>
+                      <a:endParaRPr lang="ko-KR" altLang="en-US" sz="1200"/>
+                    </a:p>
+                  </a:txBody>
+                  <a:tcPr/>
+                </a:tc>
+                <a:tc>
+                  <a:txBody>
+                    <a:bodyPr/>
+                    <a:lstStyle/>
+                    <a:p>
+                      <a:pPr latinLnBrk="1"/>
+                      <a:r>
+                        <a:rPr lang="en-US" altLang="ko-KR" sz="1200" smtClean="0"/>
                         <a:t>0xFFFF_FFFF</a:t>
                       </a:r>
-                      <a:endParaRPr lang="ko-KR" altLang="en-US" sz="1200" dirty="0"/>
+                      <a:endParaRPr lang="ko-KR" altLang="en-US" sz="1200"/>
                     </a:p>
                   </a:txBody>
                   <a:tcPr/>
@@ -5748,10 +5749,10 @@
                     <a:p>
                       <a:pPr latinLnBrk="1"/>
                       <a:r>
-                        <a:rPr lang="en-US" altLang="ko-KR" sz="1200" dirty="0" smtClean="0"/>
+                        <a:rPr lang="en-US" altLang="ko-KR" sz="1200" smtClean="0"/>
                         <a:t>Address</a:t>
                       </a:r>
-                      <a:endParaRPr lang="ko-KR" altLang="en-US" sz="1200" dirty="0"/>
+                      <a:endParaRPr lang="ko-KR" altLang="en-US" sz="1200"/>
                     </a:p>
                   </a:txBody>
                   <a:tcPr/>
@@ -5779,10 +5780,10 @@
                         <a:defRPr/>
                       </a:pPr>
                       <a:r>
-                        <a:rPr lang="en-US" altLang="ko-KR" sz="1200" dirty="0" smtClean="0"/>
+                        <a:rPr lang="en-US" altLang="ko-KR" sz="1200" smtClean="0"/>
                         <a:t>0x1234_1238</a:t>
                       </a:r>
-                      <a:endParaRPr lang="ko-KR" altLang="en-US" sz="1200" dirty="0"/>
+                      <a:endParaRPr lang="ko-KR" altLang="en-US" sz="1200"/>
                     </a:p>
                   </a:txBody>
                   <a:tcPr/>
@@ -5796,25 +5797,25 @@
                     <a:p>
                       <a:pPr latinLnBrk="1"/>
                       <a:r>
-                        <a:rPr lang="en-US" altLang="ko-KR" sz="1200" dirty="0" smtClean="0"/>
+                        <a:rPr lang="en-US" altLang="ko-KR" sz="1200" smtClean="0"/>
                         <a:t>Value</a:t>
                       </a:r>
-                      <a:endParaRPr lang="ko-KR" altLang="en-US" sz="1200" dirty="0"/>
-                    </a:p>
-                  </a:txBody>
-                  <a:tcPr/>
-                </a:tc>
-                <a:tc>
-                  <a:txBody>
-                    <a:bodyPr/>
-                    <a:lstStyle/>
-                    <a:p>
-                      <a:pPr latinLnBrk="1"/>
-                      <a:r>
-                        <a:rPr lang="en-US" altLang="ko-KR" sz="1200" dirty="0" smtClean="0"/>
+                      <a:endParaRPr lang="ko-KR" altLang="en-US" sz="1200"/>
+                    </a:p>
+                  </a:txBody>
+                  <a:tcPr/>
+                </a:tc>
+                <a:tc>
+                  <a:txBody>
+                    <a:bodyPr/>
+                    <a:lstStyle/>
+                    <a:p>
+                      <a:pPr latinLnBrk="1"/>
+                      <a:r>
+                        <a:rPr lang="en-US" altLang="ko-KR" sz="1200" smtClean="0"/>
                         <a:t>0x0000_1234</a:t>
                       </a:r>
-                      <a:endParaRPr lang="ko-KR" altLang="en-US" sz="1200" dirty="0"/>
+                      <a:endParaRPr lang="ko-KR" altLang="en-US" sz="1200"/>
                     </a:p>
                   </a:txBody>
                   <a:tcPr/>
@@ -5860,10 +5861,10 @@
                     <a:p>
                       <a:pPr latinLnBrk="1"/>
                       <a:r>
-                        <a:rPr lang="en-US" altLang="ko-KR" sz="1100" b="1" dirty="0" smtClean="0"/>
+                        <a:rPr lang="en-US" altLang="ko-KR" sz="1100" b="1" smtClean="0"/>
                         <a:t>1. L33</a:t>
                       </a:r>
-                      <a:endParaRPr lang="ko-KR" altLang="en-US" sz="1100" b="1" dirty="0"/>
+                      <a:endParaRPr lang="ko-KR" altLang="en-US" sz="1100" b="1"/>
                     </a:p>
                   </a:txBody>
                   <a:tcPr/>
@@ -5888,25 +5889,25 @@
                     <a:p>
                       <a:pPr latinLnBrk="1"/>
                       <a:r>
-                        <a:rPr lang="en-US" altLang="ko-KR" sz="1100" dirty="0" smtClean="0"/>
+                        <a:rPr lang="en-US" altLang="ko-KR" sz="1100" smtClean="0"/>
                         <a:t>R0</a:t>
                       </a:r>
-                      <a:endParaRPr lang="ko-KR" altLang="en-US" sz="1100" dirty="0"/>
-                    </a:p>
-                  </a:txBody>
-                  <a:tcPr/>
-                </a:tc>
-                <a:tc>
-                  <a:txBody>
-                    <a:bodyPr/>
-                    <a:lstStyle/>
-                    <a:p>
-                      <a:pPr latinLnBrk="1"/>
-                      <a:r>
-                        <a:rPr lang="en-US" altLang="ko-KR" sz="1100" dirty="0" smtClean="0"/>
+                      <a:endParaRPr lang="ko-KR" altLang="en-US" sz="1100"/>
+                    </a:p>
+                  </a:txBody>
+                  <a:tcPr/>
+                </a:tc>
+                <a:tc>
+                  <a:txBody>
+                    <a:bodyPr/>
+                    <a:lstStyle/>
+                    <a:p>
+                      <a:pPr latinLnBrk="1"/>
+                      <a:r>
+                        <a:rPr lang="en-US" altLang="ko-KR" sz="1100" smtClean="0"/>
                         <a:t>35(0x23)</a:t>
                       </a:r>
-                      <a:endParaRPr lang="ko-KR" altLang="en-US" sz="1100" dirty="0"/>
+                      <a:endParaRPr lang="ko-KR" altLang="en-US" sz="1100"/>
                     </a:p>
                   </a:txBody>
                   <a:tcPr/>
@@ -5920,25 +5921,25 @@
                     <a:p>
                       <a:pPr latinLnBrk="1"/>
                       <a:r>
-                        <a:rPr lang="en-US" altLang="ko-KR" sz="1100" dirty="0" smtClean="0"/>
+                        <a:rPr lang="en-US" altLang="ko-KR" sz="1100" smtClean="0"/>
                         <a:t>R1</a:t>
                       </a:r>
-                      <a:endParaRPr lang="ko-KR" altLang="en-US" sz="1100" dirty="0"/>
-                    </a:p>
-                  </a:txBody>
-                  <a:tcPr/>
-                </a:tc>
-                <a:tc>
-                  <a:txBody>
-                    <a:bodyPr/>
-                    <a:lstStyle/>
-                    <a:p>
-                      <a:pPr latinLnBrk="1"/>
-                      <a:r>
-                        <a:rPr lang="en-US" altLang="ko-KR" sz="1100" dirty="0" smtClean="0"/>
+                      <a:endParaRPr lang="ko-KR" altLang="en-US" sz="1100"/>
+                    </a:p>
+                  </a:txBody>
+                  <a:tcPr/>
+                </a:tc>
+                <a:tc>
+                  <a:txBody>
+                    <a:bodyPr/>
+                    <a:lstStyle/>
+                    <a:p>
+                      <a:pPr latinLnBrk="1"/>
+                      <a:r>
+                        <a:rPr lang="en-US" altLang="ko-KR" sz="1100" smtClean="0"/>
                         <a:t>0x1234_1234</a:t>
                       </a:r>
-                      <a:endParaRPr lang="ko-KR" altLang="en-US" sz="1100" dirty="0"/>
+                      <a:endParaRPr lang="ko-KR" altLang="en-US" sz="1100"/>
                     </a:p>
                   </a:txBody>
                   <a:tcPr/>
@@ -5952,21 +5953,21 @@
                     <a:p>
                       <a:pPr latinLnBrk="1"/>
                       <a:r>
-                        <a:rPr lang="en-US" altLang="ko-KR" sz="1100" dirty="0" smtClean="0"/>
+                        <a:rPr lang="en-US" altLang="ko-KR" sz="1100" smtClean="0"/>
                         <a:t>R2</a:t>
                       </a:r>
-                      <a:endParaRPr lang="ko-KR" altLang="en-US" sz="1100" dirty="0"/>
-                    </a:p>
-                  </a:txBody>
-                  <a:tcPr/>
-                </a:tc>
-                <a:tc>
-                  <a:txBody>
-                    <a:bodyPr/>
-                    <a:lstStyle/>
-                    <a:p>
-                      <a:pPr latinLnBrk="1"/>
-                      <a:endParaRPr lang="ko-KR" altLang="en-US" sz="1100" dirty="0"/>
+                      <a:endParaRPr lang="ko-KR" altLang="en-US" sz="1100"/>
+                    </a:p>
+                  </a:txBody>
+                  <a:tcPr/>
+                </a:tc>
+                <a:tc>
+                  <a:txBody>
+                    <a:bodyPr/>
+                    <a:lstStyle/>
+                    <a:p>
+                      <a:pPr latinLnBrk="1"/>
+                      <a:endParaRPr lang="ko-KR" altLang="en-US" sz="1100"/>
                     </a:p>
                   </a:txBody>
                   <a:tcPr/>
@@ -5980,21 +5981,21 @@
                     <a:p>
                       <a:pPr latinLnBrk="1"/>
                       <a:r>
-                        <a:rPr lang="en-US" altLang="ko-KR" sz="1100" dirty="0" smtClean="0"/>
+                        <a:rPr lang="en-US" altLang="ko-KR" sz="1100" smtClean="0"/>
                         <a:t>R3</a:t>
                       </a:r>
-                      <a:endParaRPr lang="ko-KR" altLang="en-US" sz="1100" dirty="0"/>
-                    </a:p>
-                  </a:txBody>
-                  <a:tcPr/>
-                </a:tc>
-                <a:tc>
-                  <a:txBody>
-                    <a:bodyPr/>
-                    <a:lstStyle/>
-                    <a:p>
-                      <a:pPr latinLnBrk="1"/>
-                      <a:endParaRPr lang="ko-KR" altLang="en-US" sz="1100" dirty="0"/>
+                      <a:endParaRPr lang="ko-KR" altLang="en-US" sz="1100"/>
+                    </a:p>
+                  </a:txBody>
+                  <a:tcPr/>
+                </a:tc>
+                <a:tc>
+                  <a:txBody>
+                    <a:bodyPr/>
+                    <a:lstStyle/>
+                    <a:p>
+                      <a:pPr latinLnBrk="1"/>
+                      <a:endParaRPr lang="ko-KR" altLang="en-US" sz="1100"/>
                     </a:p>
                   </a:txBody>
                   <a:tcPr/>
@@ -6008,21 +6009,21 @@
                     <a:p>
                       <a:pPr latinLnBrk="1"/>
                       <a:r>
-                        <a:rPr lang="en-US" altLang="ko-KR" sz="1100" dirty="0" smtClean="0"/>
+                        <a:rPr lang="en-US" altLang="ko-KR" sz="1100" smtClean="0"/>
                         <a:t>…</a:t>
                       </a:r>
-                      <a:endParaRPr lang="ko-KR" altLang="en-US" sz="1100" dirty="0"/>
-                    </a:p>
-                  </a:txBody>
-                  <a:tcPr/>
-                </a:tc>
-                <a:tc>
-                  <a:txBody>
-                    <a:bodyPr/>
-                    <a:lstStyle/>
-                    <a:p>
-                      <a:pPr latinLnBrk="1"/>
-                      <a:endParaRPr lang="en-US" altLang="ko-KR" sz="1100" dirty="0" smtClean="0"/>
+                      <a:endParaRPr lang="ko-KR" altLang="en-US" sz="1100"/>
+                    </a:p>
+                  </a:txBody>
+                  <a:tcPr/>
+                </a:tc>
+                <a:tc>
+                  <a:txBody>
+                    <a:bodyPr/>
+                    <a:lstStyle/>
+                    <a:p>
+                      <a:pPr latinLnBrk="1"/>
+                      <a:endParaRPr lang="en-US" altLang="ko-KR" sz="1100" smtClean="0"/>
                     </a:p>
                   </a:txBody>
                   <a:tcPr/>
@@ -6036,30 +6037,30 @@
                     <a:p>
                       <a:pPr latinLnBrk="1"/>
                       <a:r>
-                        <a:rPr lang="en-US" altLang="ko-KR" sz="1100" dirty="0" smtClean="0"/>
+                        <a:rPr lang="en-US" altLang="ko-KR" sz="1100" smtClean="0"/>
                         <a:t>R12(</a:t>
                       </a:r>
                       <a:r>
-                        <a:rPr lang="en-US" altLang="ko-KR" sz="1100" dirty="0" err="1" smtClean="0"/>
+                        <a:rPr lang="en-US" altLang="ko-KR" sz="1100" err="1" smtClean="0"/>
                         <a:t>ip</a:t>
                       </a:r>
                       <a:r>
-                        <a:rPr lang="en-US" altLang="ko-KR" sz="1100" dirty="0" smtClean="0"/>
+                        <a:rPr lang="en-US" altLang="ko-KR" sz="1100" smtClean="0"/>
                         <a:t>)</a:t>
                       </a:r>
-                      <a:endParaRPr lang="ko-KR" altLang="en-US" sz="1100" dirty="0"/>
-                    </a:p>
-                  </a:txBody>
-                  <a:tcPr/>
-                </a:tc>
-                <a:tc>
-                  <a:txBody>
-                    <a:bodyPr/>
-                    <a:lstStyle/>
-                    <a:p>
-                      <a:pPr latinLnBrk="1"/>
-                      <a:r>
-                        <a:rPr lang="en-US" altLang="ko-KR" sz="1100" dirty="0" smtClean="0">
+                      <a:endParaRPr lang="ko-KR" altLang="en-US" sz="1100"/>
+                    </a:p>
+                  </a:txBody>
+                  <a:tcPr/>
+                </a:tc>
+                <a:tc>
+                  <a:txBody>
+                    <a:bodyPr/>
+                    <a:lstStyle/>
+                    <a:p>
+                      <a:pPr latinLnBrk="1"/>
+                      <a:r>
+                        <a:rPr lang="en-US" altLang="ko-KR" sz="1100" smtClean="0">
                           <a:solidFill>
                             <a:srgbClr val="FF0000"/>
                           </a:solidFill>
@@ -6111,10 +6112,10 @@
                     <a:p>
                       <a:pPr latinLnBrk="1"/>
                       <a:r>
-                        <a:rPr lang="en-US" altLang="ko-KR" sz="1100" b="1" dirty="0" smtClean="0"/>
+                        <a:rPr lang="en-US" altLang="ko-KR" sz="1100" b="1" smtClean="0"/>
                         <a:t>2. L35 ~ L37</a:t>
                       </a:r>
-                      <a:endParaRPr lang="ko-KR" altLang="en-US" sz="1100" b="1" dirty="0"/>
+                      <a:endParaRPr lang="ko-KR" altLang="en-US" sz="1100" b="1"/>
                     </a:p>
                   </a:txBody>
                   <a:tcPr/>
@@ -6139,29 +6140,29 @@
                     <a:p>
                       <a:pPr latinLnBrk="1"/>
                       <a:r>
-                        <a:rPr lang="en-US" altLang="ko-KR" sz="1100" dirty="0" smtClean="0"/>
+                        <a:rPr lang="en-US" altLang="ko-KR" sz="1100" smtClean="0"/>
                         <a:t>R0</a:t>
                       </a:r>
-                      <a:endParaRPr lang="ko-KR" altLang="en-US" sz="1100" dirty="0"/>
-                    </a:p>
-                  </a:txBody>
-                  <a:tcPr/>
-                </a:tc>
-                <a:tc>
-                  <a:txBody>
-                    <a:bodyPr/>
-                    <a:lstStyle/>
-                    <a:p>
-                      <a:pPr latinLnBrk="1"/>
-                      <a:r>
-                        <a:rPr lang="en-US" altLang="ko-KR" sz="1100" dirty="0" smtClean="0">
+                      <a:endParaRPr lang="ko-KR" altLang="en-US" sz="1100"/>
+                    </a:p>
+                  </a:txBody>
+                  <a:tcPr/>
+                </a:tc>
+                <a:tc>
+                  <a:txBody>
+                    <a:bodyPr/>
+                    <a:lstStyle/>
+                    <a:p>
+                      <a:pPr latinLnBrk="1"/>
+                      <a:r>
+                        <a:rPr lang="en-US" altLang="ko-KR" sz="1100" smtClean="0">
                           <a:solidFill>
                             <a:srgbClr val="FF0000"/>
                           </a:solidFill>
                         </a:rPr>
                         <a:t>1</a:t>
                       </a:r>
-                      <a:endParaRPr lang="ko-KR" altLang="en-US" sz="1100" dirty="0">
+                      <a:endParaRPr lang="ko-KR" altLang="en-US" sz="1100">
                         <a:solidFill>
                           <a:srgbClr val="FF0000"/>
                         </a:solidFill>
@@ -6179,25 +6180,25 @@
                     <a:p>
                       <a:pPr latinLnBrk="1"/>
                       <a:r>
-                        <a:rPr lang="en-US" altLang="ko-KR" sz="1100" dirty="0" smtClean="0"/>
+                        <a:rPr lang="en-US" altLang="ko-KR" sz="1100" smtClean="0"/>
                         <a:t>R1</a:t>
                       </a:r>
-                      <a:endParaRPr lang="ko-KR" altLang="en-US" sz="1100" dirty="0"/>
-                    </a:p>
-                  </a:txBody>
-                  <a:tcPr/>
-                </a:tc>
-                <a:tc>
-                  <a:txBody>
-                    <a:bodyPr/>
-                    <a:lstStyle/>
-                    <a:p>
-                      <a:pPr latinLnBrk="1"/>
-                      <a:r>
-                        <a:rPr lang="en-US" altLang="ko-KR" sz="1100" dirty="0" smtClean="0"/>
+                      <a:endParaRPr lang="ko-KR" altLang="en-US" sz="1100"/>
+                    </a:p>
+                  </a:txBody>
+                  <a:tcPr/>
+                </a:tc>
+                <a:tc>
+                  <a:txBody>
+                    <a:bodyPr/>
+                    <a:lstStyle/>
+                    <a:p>
+                      <a:pPr latinLnBrk="1"/>
+                      <a:r>
+                        <a:rPr lang="en-US" altLang="ko-KR" sz="1100" smtClean="0"/>
                         <a:t>0x1234_1234</a:t>
                       </a:r>
-                      <a:endParaRPr lang="ko-KR" altLang="en-US" sz="1100" dirty="0"/>
+                      <a:endParaRPr lang="ko-KR" altLang="en-US" sz="1100"/>
                     </a:p>
                   </a:txBody>
                   <a:tcPr/>
@@ -6211,29 +6212,29 @@
                     <a:p>
                       <a:pPr latinLnBrk="1"/>
                       <a:r>
-                        <a:rPr lang="en-US" altLang="ko-KR" sz="1100" dirty="0" smtClean="0"/>
+                        <a:rPr lang="en-US" altLang="ko-KR" sz="1100" smtClean="0"/>
                         <a:t>R2</a:t>
                       </a:r>
-                      <a:endParaRPr lang="ko-KR" altLang="en-US" sz="1100" dirty="0"/>
-                    </a:p>
-                  </a:txBody>
-                  <a:tcPr/>
-                </a:tc>
-                <a:tc>
-                  <a:txBody>
-                    <a:bodyPr/>
-                    <a:lstStyle/>
-                    <a:p>
-                      <a:pPr latinLnBrk="1"/>
-                      <a:r>
-                        <a:rPr lang="en-US" altLang="ko-KR" sz="1100" dirty="0" smtClean="0">
+                      <a:endParaRPr lang="ko-KR" altLang="en-US" sz="1100"/>
+                    </a:p>
+                  </a:txBody>
+                  <a:tcPr/>
+                </a:tc>
+                <a:tc>
+                  <a:txBody>
+                    <a:bodyPr/>
+                    <a:lstStyle/>
+                    <a:p>
+                      <a:pPr latinLnBrk="1"/>
+                      <a:r>
+                        <a:rPr lang="en-US" altLang="ko-KR" sz="1100" smtClean="0">
                           <a:solidFill>
                             <a:srgbClr val="FF0000"/>
                           </a:solidFill>
                         </a:rPr>
                         <a:t>1</a:t>
                       </a:r>
-                      <a:endParaRPr lang="ko-KR" altLang="en-US" sz="1100" dirty="0">
+                      <a:endParaRPr lang="ko-KR" altLang="en-US" sz="1100">
                         <a:solidFill>
                           <a:srgbClr val="FF0000"/>
                         </a:solidFill>
@@ -6251,29 +6252,29 @@
                     <a:p>
                       <a:pPr latinLnBrk="1"/>
                       <a:r>
-                        <a:rPr lang="en-US" altLang="ko-KR" sz="1100" dirty="0" smtClean="0"/>
+                        <a:rPr lang="en-US" altLang="ko-KR" sz="1100" smtClean="0"/>
                         <a:t>R3</a:t>
                       </a:r>
-                      <a:endParaRPr lang="ko-KR" altLang="en-US" sz="1100" dirty="0"/>
-                    </a:p>
-                  </a:txBody>
-                  <a:tcPr/>
-                </a:tc>
-                <a:tc>
-                  <a:txBody>
-                    <a:bodyPr/>
-                    <a:lstStyle/>
-                    <a:p>
-                      <a:pPr latinLnBrk="1"/>
-                      <a:r>
-                        <a:rPr lang="en-US" altLang="ko-KR" sz="1100" dirty="0" smtClean="0">
+                      <a:endParaRPr lang="ko-KR" altLang="en-US" sz="1100"/>
+                    </a:p>
+                  </a:txBody>
+                  <a:tcPr/>
+                </a:tc>
+                <a:tc>
+                  <a:txBody>
+                    <a:bodyPr/>
+                    <a:lstStyle/>
+                    <a:p>
+                      <a:pPr latinLnBrk="1"/>
+                      <a:r>
+                        <a:rPr lang="en-US" altLang="ko-KR" sz="1100" smtClean="0">
                           <a:solidFill>
                             <a:srgbClr val="FF0000"/>
                           </a:solidFill>
                         </a:rPr>
                         <a:t>3</a:t>
                       </a:r>
-                      <a:endParaRPr lang="ko-KR" altLang="en-US" sz="1100" dirty="0">
+                      <a:endParaRPr lang="ko-KR" altLang="en-US" sz="1100">
                         <a:solidFill>
                           <a:srgbClr val="FF0000"/>
                         </a:solidFill>
@@ -6291,21 +6292,21 @@
                     <a:p>
                       <a:pPr latinLnBrk="1"/>
                       <a:r>
-                        <a:rPr lang="en-US" altLang="ko-KR" sz="1100" dirty="0" smtClean="0"/>
+                        <a:rPr lang="en-US" altLang="ko-KR" sz="1100" smtClean="0"/>
                         <a:t>…</a:t>
                       </a:r>
-                      <a:endParaRPr lang="ko-KR" altLang="en-US" sz="1100" dirty="0"/>
-                    </a:p>
-                  </a:txBody>
-                  <a:tcPr/>
-                </a:tc>
-                <a:tc>
-                  <a:txBody>
-                    <a:bodyPr/>
-                    <a:lstStyle/>
-                    <a:p>
-                      <a:pPr latinLnBrk="1"/>
-                      <a:endParaRPr lang="en-US" altLang="ko-KR" sz="1100" dirty="0" smtClean="0"/>
+                      <a:endParaRPr lang="ko-KR" altLang="en-US" sz="1100"/>
+                    </a:p>
+                  </a:txBody>
+                  <a:tcPr/>
+                </a:tc>
+                <a:tc>
+                  <a:txBody>
+                    <a:bodyPr/>
+                    <a:lstStyle/>
+                    <a:p>
+                      <a:pPr latinLnBrk="1"/>
+                      <a:endParaRPr lang="en-US" altLang="ko-KR" sz="1100" smtClean="0"/>
                     </a:p>
                   </a:txBody>
                   <a:tcPr/>
@@ -6319,30 +6320,30 @@
                     <a:p>
                       <a:pPr latinLnBrk="1"/>
                       <a:r>
-                        <a:rPr lang="en-US" altLang="ko-KR" sz="1100" dirty="0" smtClean="0"/>
+                        <a:rPr lang="en-US" altLang="ko-KR" sz="1100" smtClean="0"/>
                         <a:t>R12(</a:t>
                       </a:r>
                       <a:r>
-                        <a:rPr lang="en-US" altLang="ko-KR" sz="1100" dirty="0" err="1" smtClean="0"/>
+                        <a:rPr lang="en-US" altLang="ko-KR" sz="1100" err="1" smtClean="0"/>
                         <a:t>ip</a:t>
                       </a:r>
                       <a:r>
-                        <a:rPr lang="en-US" altLang="ko-KR" sz="1100" dirty="0" smtClean="0"/>
+                        <a:rPr lang="en-US" altLang="ko-KR" sz="1100" smtClean="0"/>
                         <a:t>)</a:t>
                       </a:r>
-                      <a:endParaRPr lang="ko-KR" altLang="en-US" sz="1100" dirty="0"/>
-                    </a:p>
-                  </a:txBody>
-                  <a:tcPr/>
-                </a:tc>
-                <a:tc>
-                  <a:txBody>
-                    <a:bodyPr/>
-                    <a:lstStyle/>
-                    <a:p>
-                      <a:pPr latinLnBrk="1"/>
-                      <a:r>
-                        <a:rPr lang="en-US" altLang="ko-KR" sz="1100" dirty="0" smtClean="0"/>
+                      <a:endParaRPr lang="ko-KR" altLang="en-US" sz="1100"/>
+                    </a:p>
+                  </a:txBody>
+                  <a:tcPr/>
+                </a:tc>
+                <a:tc>
+                  <a:txBody>
+                    <a:bodyPr/>
+                    <a:lstStyle/>
+                    <a:p>
+                      <a:pPr latinLnBrk="1"/>
+                      <a:r>
+                        <a:rPr lang="en-US" altLang="ko-KR" sz="1100" smtClean="0"/>
                         <a:t>0x00</a:t>
                       </a:r>
                     </a:p>
@@ -6390,10 +6391,10 @@
                     <a:p>
                       <a:pPr latinLnBrk="1"/>
                       <a:r>
-                        <a:rPr lang="en-US" altLang="ko-KR" sz="1100" b="1" dirty="0" smtClean="0"/>
+                        <a:rPr lang="en-US" altLang="ko-KR" sz="1100" b="1" smtClean="0"/>
                         <a:t>3. L38, 39, 46</a:t>
                       </a:r>
-                      <a:endParaRPr lang="ko-KR" altLang="en-US" sz="1100" b="1" dirty="0"/>
+                      <a:endParaRPr lang="ko-KR" altLang="en-US" sz="1100" b="1"/>
                     </a:p>
                   </a:txBody>
                   <a:tcPr/>
@@ -6418,25 +6419,25 @@
                     <a:p>
                       <a:pPr latinLnBrk="1"/>
                       <a:r>
-                        <a:rPr lang="en-US" altLang="ko-KR" sz="1100" dirty="0" smtClean="0"/>
+                        <a:rPr lang="en-US" altLang="ko-KR" sz="1100" smtClean="0"/>
                         <a:t>R0</a:t>
                       </a:r>
-                      <a:endParaRPr lang="ko-KR" altLang="en-US" sz="1100" dirty="0"/>
-                    </a:p>
-                  </a:txBody>
-                  <a:tcPr/>
-                </a:tc>
-                <a:tc>
-                  <a:txBody>
-                    <a:bodyPr/>
-                    <a:lstStyle/>
-                    <a:p>
-                      <a:pPr latinLnBrk="1"/>
-                      <a:r>
-                        <a:rPr lang="en-US" altLang="ko-KR" sz="1100" dirty="0" smtClean="0"/>
+                      <a:endParaRPr lang="ko-KR" altLang="en-US" sz="1100"/>
+                    </a:p>
+                  </a:txBody>
+                  <a:tcPr/>
+                </a:tc>
+                <a:tc>
+                  <a:txBody>
+                    <a:bodyPr/>
+                    <a:lstStyle/>
+                    <a:p>
+                      <a:pPr latinLnBrk="1"/>
+                      <a:r>
+                        <a:rPr lang="en-US" altLang="ko-KR" sz="1100" smtClean="0"/>
                         <a:t>0</a:t>
                       </a:r>
-                      <a:endParaRPr lang="ko-KR" altLang="en-US" sz="1100" dirty="0"/>
+                      <a:endParaRPr lang="ko-KR" altLang="en-US" sz="1100"/>
                     </a:p>
                   </a:txBody>
                   <a:tcPr/>
@@ -6450,29 +6451,29 @@
                     <a:p>
                       <a:pPr latinLnBrk="1"/>
                       <a:r>
-                        <a:rPr lang="en-US" altLang="ko-KR" sz="1100" dirty="0" smtClean="0"/>
+                        <a:rPr lang="en-US" altLang="ko-KR" sz="1100" smtClean="0"/>
                         <a:t>R1</a:t>
                       </a:r>
-                      <a:endParaRPr lang="ko-KR" altLang="en-US" sz="1100" dirty="0"/>
-                    </a:p>
-                  </a:txBody>
-                  <a:tcPr/>
-                </a:tc>
-                <a:tc>
-                  <a:txBody>
-                    <a:bodyPr/>
-                    <a:lstStyle/>
-                    <a:p>
-                      <a:pPr latinLnBrk="1"/>
-                      <a:r>
-                        <a:rPr lang="en-US" altLang="ko-KR" sz="1100" b="1" dirty="0" smtClean="0">
+                      <a:endParaRPr lang="ko-KR" altLang="en-US" sz="1100"/>
+                    </a:p>
+                  </a:txBody>
+                  <a:tcPr/>
+                </a:tc>
+                <a:tc>
+                  <a:txBody>
+                    <a:bodyPr/>
+                    <a:lstStyle/>
+                    <a:p>
+                      <a:pPr latinLnBrk="1"/>
+                      <a:r>
+                        <a:rPr lang="en-US" altLang="ko-KR" sz="1100" b="1" smtClean="0">
                           <a:solidFill>
                             <a:srgbClr val="FF0000"/>
                           </a:solidFill>
                         </a:rPr>
                         <a:t>0x1234_1238</a:t>
                       </a:r>
-                      <a:endParaRPr lang="ko-KR" altLang="en-US" sz="1100" b="1" dirty="0">
+                      <a:endParaRPr lang="ko-KR" altLang="en-US" sz="1100" b="1">
                         <a:solidFill>
                           <a:srgbClr val="FF0000"/>
                         </a:solidFill>
@@ -6490,29 +6491,29 @@
                     <a:p>
                       <a:pPr latinLnBrk="1"/>
                       <a:r>
-                        <a:rPr lang="en-US" altLang="ko-KR" sz="1100" dirty="0" smtClean="0"/>
+                        <a:rPr lang="en-US" altLang="ko-KR" sz="1100" smtClean="0"/>
                         <a:t>R2</a:t>
                       </a:r>
-                      <a:endParaRPr lang="ko-KR" altLang="en-US" sz="1100" dirty="0"/>
-                    </a:p>
-                  </a:txBody>
-                  <a:tcPr/>
-                </a:tc>
-                <a:tc>
-                  <a:txBody>
-                    <a:bodyPr/>
-                    <a:lstStyle/>
-                    <a:p>
-                      <a:pPr latinLnBrk="1"/>
-                      <a:r>
-                        <a:rPr lang="en-US" altLang="ko-KR" sz="1100" dirty="0" smtClean="0">
+                      <a:endParaRPr lang="ko-KR" altLang="en-US" sz="1100"/>
+                    </a:p>
+                  </a:txBody>
+                  <a:tcPr/>
+                </a:tc>
+                <a:tc>
+                  <a:txBody>
+                    <a:bodyPr/>
+                    <a:lstStyle/>
+                    <a:p>
+                      <a:pPr latinLnBrk="1"/>
+                      <a:r>
+                        <a:rPr lang="en-US" altLang="ko-KR" sz="1100" smtClean="0">
                           <a:solidFill>
                             <a:srgbClr val="FF0000"/>
                           </a:solidFill>
                         </a:rPr>
                         <a:t>0x0000_1234</a:t>
                       </a:r>
-                      <a:endParaRPr lang="ko-KR" altLang="en-US" sz="1100" dirty="0">
+                      <a:endParaRPr lang="ko-KR" altLang="en-US" sz="1100">
                         <a:solidFill>
                           <a:srgbClr val="FF0000"/>
                         </a:solidFill>
@@ -6530,10 +6531,10 @@
                     <a:p>
                       <a:pPr latinLnBrk="1"/>
                       <a:r>
-                        <a:rPr lang="en-US" altLang="ko-KR" sz="1100" dirty="0" smtClean="0"/>
+                        <a:rPr lang="en-US" altLang="ko-KR" sz="1100" smtClean="0"/>
                         <a:t>R3</a:t>
                       </a:r>
-                      <a:endParaRPr lang="ko-KR" altLang="en-US" sz="1100" dirty="0"/>
+                      <a:endParaRPr lang="ko-KR" altLang="en-US" sz="1100"/>
                     </a:p>
                   </a:txBody>
                   <a:tcPr/>
@@ -6561,14 +6562,14 @@
                         <a:defRPr/>
                       </a:pPr>
                       <a:r>
-                        <a:rPr lang="en-US" altLang="ko-KR" sz="1100" dirty="0" smtClean="0">
+                        <a:rPr lang="en-US" altLang="ko-KR" sz="1100" smtClean="0">
                           <a:solidFill>
                             <a:srgbClr val="FF0000"/>
                           </a:solidFill>
                         </a:rPr>
                         <a:t>8</a:t>
                       </a:r>
-                      <a:endParaRPr lang="ko-KR" altLang="en-US" sz="1100" dirty="0" smtClean="0">
+                      <a:endParaRPr lang="ko-KR" altLang="en-US" sz="1100" smtClean="0">
                         <a:solidFill>
                           <a:srgbClr val="FF0000"/>
                         </a:solidFill>
@@ -6586,21 +6587,21 @@
                     <a:p>
                       <a:pPr latinLnBrk="1"/>
                       <a:r>
-                        <a:rPr lang="en-US" altLang="ko-KR" sz="1100" dirty="0" smtClean="0"/>
+                        <a:rPr lang="en-US" altLang="ko-KR" sz="1100" smtClean="0"/>
                         <a:t>…</a:t>
                       </a:r>
-                      <a:endParaRPr lang="ko-KR" altLang="en-US" sz="1100" dirty="0"/>
-                    </a:p>
-                  </a:txBody>
-                  <a:tcPr/>
-                </a:tc>
-                <a:tc>
-                  <a:txBody>
-                    <a:bodyPr/>
-                    <a:lstStyle/>
-                    <a:p>
-                      <a:pPr latinLnBrk="1"/>
-                      <a:endParaRPr lang="en-US" altLang="ko-KR" sz="1100" dirty="0" smtClean="0"/>
+                      <a:endParaRPr lang="ko-KR" altLang="en-US" sz="1100"/>
+                    </a:p>
+                  </a:txBody>
+                  <a:tcPr/>
+                </a:tc>
+                <a:tc>
+                  <a:txBody>
+                    <a:bodyPr/>
+                    <a:lstStyle/>
+                    <a:p>
+                      <a:pPr latinLnBrk="1"/>
+                      <a:endParaRPr lang="en-US" altLang="ko-KR" sz="1100" smtClean="0"/>
                     </a:p>
                   </a:txBody>
                   <a:tcPr/>
@@ -6614,30 +6615,30 @@
                     <a:p>
                       <a:pPr latinLnBrk="1"/>
                       <a:r>
-                        <a:rPr lang="en-US" altLang="ko-KR" sz="1100" dirty="0" smtClean="0"/>
+                        <a:rPr lang="en-US" altLang="ko-KR" sz="1100" smtClean="0"/>
                         <a:t>R12(</a:t>
                       </a:r>
                       <a:r>
-                        <a:rPr lang="en-US" altLang="ko-KR" sz="1100" dirty="0" err="1" smtClean="0"/>
+                        <a:rPr lang="en-US" altLang="ko-KR" sz="1100" err="1" smtClean="0"/>
                         <a:t>ip</a:t>
                       </a:r>
                       <a:r>
-                        <a:rPr lang="en-US" altLang="ko-KR" sz="1100" dirty="0" smtClean="0"/>
+                        <a:rPr lang="en-US" altLang="ko-KR" sz="1100" smtClean="0"/>
                         <a:t>)</a:t>
                       </a:r>
-                      <a:endParaRPr lang="ko-KR" altLang="en-US" sz="1100" dirty="0"/>
-                    </a:p>
-                  </a:txBody>
-                  <a:tcPr/>
-                </a:tc>
-                <a:tc>
-                  <a:txBody>
-                    <a:bodyPr/>
-                    <a:lstStyle/>
-                    <a:p>
-                      <a:pPr latinLnBrk="1"/>
-                      <a:r>
-                        <a:rPr lang="en-US" altLang="ko-KR" sz="1100" dirty="0" smtClean="0"/>
+                      <a:endParaRPr lang="ko-KR" altLang="en-US" sz="1100"/>
+                    </a:p>
+                  </a:txBody>
+                  <a:tcPr/>
+                </a:tc>
+                <a:tc>
+                  <a:txBody>
+                    <a:bodyPr/>
+                    <a:lstStyle/>
+                    <a:p>
+                      <a:pPr latinLnBrk="1"/>
+                      <a:r>
+                        <a:rPr lang="en-US" altLang="ko-KR" sz="1100" smtClean="0"/>
                         <a:t>0x00</a:t>
                       </a:r>
                     </a:p>
@@ -6685,14 +6686,14 @@
                     <a:p>
                       <a:pPr latinLnBrk="1"/>
                       <a:r>
-                        <a:rPr lang="en-US" altLang="ko-KR" sz="1100" b="1" dirty="0" smtClean="0"/>
+                        <a:rPr lang="en-US" altLang="ko-KR" sz="1100" b="1" smtClean="0"/>
                         <a:t>4. L47,</a:t>
                       </a:r>
                       <a:r>
-                        <a:rPr lang="en-US" altLang="ko-KR" sz="1100" b="1" baseline="0" dirty="0" smtClean="0"/>
+                        <a:rPr lang="en-US" altLang="ko-KR" sz="1100" b="1" baseline="0" smtClean="0"/>
                         <a:t> L48</a:t>
                       </a:r>
-                      <a:endParaRPr lang="ko-KR" altLang="en-US" sz="1100" b="1" dirty="0"/>
+                      <a:endParaRPr lang="ko-KR" altLang="en-US" sz="1100" b="1"/>
                     </a:p>
                   </a:txBody>
                   <a:tcPr/>
@@ -6717,10 +6718,10 @@
                     <a:p>
                       <a:pPr latinLnBrk="1"/>
                       <a:r>
-                        <a:rPr lang="en-US" altLang="ko-KR" sz="1100" dirty="0" smtClean="0"/>
+                        <a:rPr lang="en-US" altLang="ko-KR" sz="1100" smtClean="0"/>
                         <a:t>R0</a:t>
                       </a:r>
-                      <a:endParaRPr lang="ko-KR" altLang="en-US" sz="1100" dirty="0"/>
+                      <a:endParaRPr lang="ko-KR" altLang="en-US" sz="1100"/>
                     </a:p>
                   </a:txBody>
                   <a:tcPr/>
@@ -6748,14 +6749,14 @@
                         <a:defRPr/>
                       </a:pPr>
                       <a:r>
-                        <a:rPr lang="en-US" altLang="ko-KR" sz="1100" dirty="0" smtClean="0">
+                        <a:rPr lang="en-US" altLang="ko-KR" sz="1100" smtClean="0">
                           <a:solidFill>
                             <a:srgbClr val="FF0000"/>
                           </a:solidFill>
                         </a:rPr>
                         <a:t>0</a:t>
                       </a:r>
-                      <a:endParaRPr lang="ko-KR" altLang="en-US" sz="1100" dirty="0" smtClean="0">
+                      <a:endParaRPr lang="ko-KR" altLang="en-US" sz="1100" smtClean="0">
                         <a:solidFill>
                           <a:srgbClr val="FF0000"/>
                         </a:solidFill>
@@ -6773,25 +6774,25 @@
                     <a:p>
                       <a:pPr latinLnBrk="1"/>
                       <a:r>
-                        <a:rPr lang="en-US" altLang="ko-KR" sz="1100" dirty="0" smtClean="0"/>
+                        <a:rPr lang="en-US" altLang="ko-KR" sz="1100" smtClean="0"/>
                         <a:t>R1</a:t>
                       </a:r>
-                      <a:endParaRPr lang="ko-KR" altLang="en-US" sz="1100" dirty="0"/>
-                    </a:p>
-                  </a:txBody>
-                  <a:tcPr/>
-                </a:tc>
-                <a:tc>
-                  <a:txBody>
-                    <a:bodyPr/>
-                    <a:lstStyle/>
-                    <a:p>
-                      <a:pPr latinLnBrk="1"/>
-                      <a:r>
-                        <a:rPr lang="en-US" altLang="ko-KR" sz="1100" dirty="0" smtClean="0"/>
+                      <a:endParaRPr lang="ko-KR" altLang="en-US" sz="1100"/>
+                    </a:p>
+                  </a:txBody>
+                  <a:tcPr/>
+                </a:tc>
+                <a:tc>
+                  <a:txBody>
+                    <a:bodyPr/>
+                    <a:lstStyle/>
+                    <a:p>
+                      <a:pPr latinLnBrk="1"/>
+                      <a:r>
+                        <a:rPr lang="en-US" altLang="ko-KR" sz="1100" smtClean="0"/>
                         <a:t>0x1234_1238</a:t>
                       </a:r>
-                      <a:endParaRPr lang="ko-KR" altLang="en-US" sz="1100" dirty="0"/>
+                      <a:endParaRPr lang="ko-KR" altLang="en-US" sz="1100"/>
                     </a:p>
                   </a:txBody>
                   <a:tcPr/>
@@ -6805,29 +6806,29 @@
                     <a:p>
                       <a:pPr latinLnBrk="1"/>
                       <a:r>
-                        <a:rPr lang="en-US" altLang="ko-KR" sz="1100" dirty="0" smtClean="0"/>
+                        <a:rPr lang="en-US" altLang="ko-KR" sz="1100" smtClean="0"/>
                         <a:t>R2</a:t>
                       </a:r>
-                      <a:endParaRPr lang="ko-KR" altLang="en-US" sz="1100" dirty="0"/>
-                    </a:p>
-                  </a:txBody>
-                  <a:tcPr/>
-                </a:tc>
-                <a:tc>
-                  <a:txBody>
-                    <a:bodyPr/>
-                    <a:lstStyle/>
-                    <a:p>
-                      <a:pPr latinLnBrk="1"/>
-                      <a:r>
-                        <a:rPr lang="en-US" altLang="ko-KR" sz="1100" dirty="0" smtClean="0">
+                      <a:endParaRPr lang="ko-KR" altLang="en-US" sz="1100"/>
+                    </a:p>
+                  </a:txBody>
+                  <a:tcPr/>
+                </a:tc>
+                <a:tc>
+                  <a:txBody>
+                    <a:bodyPr/>
+                    <a:lstStyle/>
+                    <a:p>
+                      <a:pPr latinLnBrk="1"/>
+                      <a:r>
+                        <a:rPr lang="en-US" altLang="ko-KR" sz="1100" smtClean="0">
                           <a:solidFill>
                             <a:srgbClr val="FF0000"/>
                           </a:solidFill>
                         </a:rPr>
                         <a:t>0x0000_1234</a:t>
                       </a:r>
-                      <a:endParaRPr lang="ko-KR" altLang="en-US" sz="1100" dirty="0">
+                      <a:endParaRPr lang="ko-KR" altLang="en-US" sz="1100">
                         <a:solidFill>
                           <a:srgbClr val="FF0000"/>
                         </a:solidFill>
@@ -6845,10 +6846,10 @@
                     <a:p>
                       <a:pPr latinLnBrk="1"/>
                       <a:r>
-                        <a:rPr lang="en-US" altLang="ko-KR" sz="1100" dirty="0" smtClean="0"/>
+                        <a:rPr lang="en-US" altLang="ko-KR" sz="1100" smtClean="0"/>
                         <a:t>R3</a:t>
                       </a:r>
-                      <a:endParaRPr lang="ko-KR" altLang="en-US" sz="1100" dirty="0"/>
+                      <a:endParaRPr lang="ko-KR" altLang="en-US" sz="1100"/>
                     </a:p>
                   </a:txBody>
                   <a:tcPr/>
@@ -6876,10 +6877,10 @@
                         <a:defRPr/>
                       </a:pPr>
                       <a:r>
-                        <a:rPr lang="en-US" altLang="ko-KR" sz="1100" dirty="0" smtClean="0"/>
+                        <a:rPr lang="en-US" altLang="ko-KR" sz="1100" smtClean="0"/>
                         <a:t>8</a:t>
                       </a:r>
-                      <a:endParaRPr lang="ko-KR" altLang="en-US" sz="1100" dirty="0" smtClean="0"/>
+                      <a:endParaRPr lang="ko-KR" altLang="en-US" sz="1100" smtClean="0"/>
                     </a:p>
                   </a:txBody>
                   <a:tcPr/>
@@ -6893,21 +6894,21 @@
                     <a:p>
                       <a:pPr latinLnBrk="1"/>
                       <a:r>
-                        <a:rPr lang="en-US" altLang="ko-KR" sz="1100" dirty="0" smtClean="0"/>
+                        <a:rPr lang="en-US" altLang="ko-KR" sz="1100" smtClean="0"/>
                         <a:t>…</a:t>
                       </a:r>
-                      <a:endParaRPr lang="ko-KR" altLang="en-US" sz="1100" dirty="0"/>
-                    </a:p>
-                  </a:txBody>
-                  <a:tcPr/>
-                </a:tc>
-                <a:tc>
-                  <a:txBody>
-                    <a:bodyPr/>
-                    <a:lstStyle/>
-                    <a:p>
-                      <a:pPr latinLnBrk="1"/>
-                      <a:endParaRPr lang="en-US" altLang="ko-KR" sz="1100" dirty="0" smtClean="0"/>
+                      <a:endParaRPr lang="ko-KR" altLang="en-US" sz="1100"/>
+                    </a:p>
+                  </a:txBody>
+                  <a:tcPr/>
+                </a:tc>
+                <a:tc>
+                  <a:txBody>
+                    <a:bodyPr/>
+                    <a:lstStyle/>
+                    <a:p>
+                      <a:pPr latinLnBrk="1"/>
+                      <a:endParaRPr lang="en-US" altLang="ko-KR" sz="1100" smtClean="0"/>
                     </a:p>
                   </a:txBody>
                   <a:tcPr/>
@@ -6921,30 +6922,30 @@
                     <a:p>
                       <a:pPr latinLnBrk="1"/>
                       <a:r>
-                        <a:rPr lang="en-US" altLang="ko-KR" sz="1100" dirty="0" smtClean="0"/>
+                        <a:rPr lang="en-US" altLang="ko-KR" sz="1100" smtClean="0"/>
                         <a:t>R12(</a:t>
                       </a:r>
                       <a:r>
-                        <a:rPr lang="en-US" altLang="ko-KR" sz="1100" dirty="0" err="1" smtClean="0"/>
+                        <a:rPr lang="en-US" altLang="ko-KR" sz="1100" err="1" smtClean="0"/>
                         <a:t>ip</a:t>
                       </a:r>
                       <a:r>
-                        <a:rPr lang="en-US" altLang="ko-KR" sz="1100" dirty="0" smtClean="0"/>
+                        <a:rPr lang="en-US" altLang="ko-KR" sz="1100" smtClean="0"/>
                         <a:t>)</a:t>
                       </a:r>
-                      <a:endParaRPr lang="ko-KR" altLang="en-US" sz="1100" dirty="0"/>
-                    </a:p>
-                  </a:txBody>
-                  <a:tcPr/>
-                </a:tc>
-                <a:tc>
-                  <a:txBody>
-                    <a:bodyPr/>
-                    <a:lstStyle/>
-                    <a:p>
-                      <a:pPr latinLnBrk="1"/>
-                      <a:r>
-                        <a:rPr lang="en-US" altLang="ko-KR" sz="1100" dirty="0" smtClean="0"/>
+                      <a:endParaRPr lang="ko-KR" altLang="en-US" sz="1100"/>
+                    </a:p>
+                  </a:txBody>
+                  <a:tcPr/>
+                </a:tc>
+                <a:tc>
+                  <a:txBody>
+                    <a:bodyPr/>
+                    <a:lstStyle/>
+                    <a:p>
+                      <a:pPr latinLnBrk="1"/>
+                      <a:r>
+                        <a:rPr lang="en-US" altLang="ko-KR" sz="1100" smtClean="0"/>
                         <a:t>0x00</a:t>
                       </a:r>
                     </a:p>
@@ -6992,10 +6993,10 @@
                     <a:p>
                       <a:pPr latinLnBrk="1"/>
                       <a:r>
-                        <a:rPr lang="en-US" altLang="ko-KR" sz="1200" dirty="0" smtClean="0"/>
+                        <a:rPr lang="en-US" altLang="ko-KR" sz="1200" smtClean="0"/>
                         <a:t>Address</a:t>
                       </a:r>
-                      <a:endParaRPr lang="ko-KR" altLang="en-US" sz="1200" dirty="0"/>
+                      <a:endParaRPr lang="ko-KR" altLang="en-US" sz="1200"/>
                     </a:p>
                   </a:txBody>
                   <a:tcPr/>
@@ -7023,14 +7024,14 @@
                         <a:defRPr/>
                       </a:pPr>
                       <a:r>
-                        <a:rPr lang="en-US" altLang="ko-KR" sz="1200" b="1" dirty="0" smtClean="0">
+                        <a:rPr lang="en-US" altLang="ko-KR" sz="1200" b="1" smtClean="0">
                           <a:solidFill>
                             <a:srgbClr val="FF0000"/>
                           </a:solidFill>
                         </a:rPr>
                         <a:t>0x1234_1238</a:t>
                       </a:r>
-                      <a:endParaRPr lang="ko-KR" altLang="en-US" sz="1200" b="1" dirty="0" smtClean="0">
+                      <a:endParaRPr lang="ko-KR" altLang="en-US" sz="1200" b="1" smtClean="0">
                         <a:solidFill>
                           <a:srgbClr val="FF0000"/>
                         </a:solidFill>
@@ -7048,10 +7049,10 @@
                     <a:p>
                       <a:pPr latinLnBrk="1"/>
                       <a:r>
-                        <a:rPr lang="en-US" altLang="ko-KR" sz="1200" dirty="0" smtClean="0"/>
+                        <a:rPr lang="en-US" altLang="ko-KR" sz="1200" smtClean="0"/>
                         <a:t>Value</a:t>
                       </a:r>
-                      <a:endParaRPr lang="ko-KR" altLang="en-US" sz="1200" dirty="0"/>
+                      <a:endParaRPr lang="ko-KR" altLang="en-US" sz="1200"/>
                     </a:p>
                   </a:txBody>
                   <a:tcPr/>
@@ -7079,14 +7080,14 @@
                         <a:defRPr/>
                       </a:pPr>
                       <a:r>
-                        <a:rPr lang="en-US" altLang="ko-KR" sz="1200" dirty="0" smtClean="0">
+                        <a:rPr lang="en-US" altLang="ko-KR" sz="1200" smtClean="0">
                           <a:solidFill>
                             <a:srgbClr val="FF0000"/>
                           </a:solidFill>
                         </a:rPr>
                         <a:t>0x0000_1234</a:t>
                       </a:r>
-                      <a:endParaRPr lang="ko-KR" altLang="en-US" sz="1200" dirty="0" smtClean="0">
+                      <a:endParaRPr lang="ko-KR" altLang="en-US" sz="1200" smtClean="0">
                         <a:solidFill>
                           <a:srgbClr val="FF0000"/>
                         </a:solidFill>
@@ -7136,10 +7137,10 @@
                     <a:p>
                       <a:pPr latinLnBrk="1"/>
                       <a:r>
-                        <a:rPr lang="en-US" altLang="ko-KR" sz="1100" b="1" dirty="0" smtClean="0"/>
+                        <a:rPr lang="en-US" altLang="ko-KR" sz="1100" b="1" smtClean="0"/>
                         <a:t>5. L49~L54</a:t>
                       </a:r>
-                      <a:endParaRPr lang="ko-KR" altLang="en-US" sz="1100" b="1" dirty="0"/>
+                      <a:endParaRPr lang="ko-KR" altLang="en-US" sz="1100" b="1"/>
                     </a:p>
                   </a:txBody>
                   <a:tcPr/>
@@ -7164,10 +7165,10 @@
                     <a:p>
                       <a:pPr latinLnBrk="1"/>
                       <a:r>
-                        <a:rPr lang="en-US" altLang="ko-KR" sz="1100" dirty="0" smtClean="0"/>
+                        <a:rPr lang="en-US" altLang="ko-KR" sz="1100" smtClean="0"/>
                         <a:t>R0</a:t>
                       </a:r>
-                      <a:endParaRPr lang="ko-KR" altLang="en-US" sz="1100" dirty="0"/>
+                      <a:endParaRPr lang="ko-KR" altLang="en-US" sz="1100"/>
                     </a:p>
                   </a:txBody>
                   <a:tcPr/>
@@ -7195,14 +7196,14 @@
                         <a:defRPr/>
                       </a:pPr>
                       <a:r>
-                        <a:rPr lang="en-US" altLang="ko-KR" sz="1100" dirty="0" smtClean="0">
+                        <a:rPr lang="en-US" altLang="ko-KR" sz="1100" smtClean="0">
                           <a:solidFill>
                             <a:srgbClr val="FF0000"/>
                           </a:solidFill>
                         </a:rPr>
                         <a:t>0</a:t>
                       </a:r>
-                      <a:endParaRPr lang="ko-KR" altLang="en-US" sz="1100" dirty="0" smtClean="0">
+                      <a:endParaRPr lang="ko-KR" altLang="en-US" sz="1100" smtClean="0">
                         <a:solidFill>
                           <a:srgbClr val="FF0000"/>
                         </a:solidFill>
@@ -7220,29 +7221,29 @@
                     <a:p>
                       <a:pPr latinLnBrk="1"/>
                       <a:r>
-                        <a:rPr lang="en-US" altLang="ko-KR" sz="1100" dirty="0" smtClean="0"/>
+                        <a:rPr lang="en-US" altLang="ko-KR" sz="1100" smtClean="0"/>
                         <a:t>R1</a:t>
                       </a:r>
-                      <a:endParaRPr lang="ko-KR" altLang="en-US" sz="1100" dirty="0"/>
-                    </a:p>
-                  </a:txBody>
-                  <a:tcPr/>
-                </a:tc>
-                <a:tc>
-                  <a:txBody>
-                    <a:bodyPr/>
-                    <a:lstStyle/>
-                    <a:p>
-                      <a:pPr latinLnBrk="1"/>
-                      <a:r>
-                        <a:rPr lang="en-US" altLang="ko-KR" sz="1100" dirty="0" smtClean="0">
+                      <a:endParaRPr lang="ko-KR" altLang="en-US" sz="1100"/>
+                    </a:p>
+                  </a:txBody>
+                  <a:tcPr/>
+                </a:tc>
+                <a:tc>
+                  <a:txBody>
+                    <a:bodyPr/>
+                    <a:lstStyle/>
+                    <a:p>
+                      <a:pPr latinLnBrk="1"/>
+                      <a:r>
+                        <a:rPr lang="en-US" altLang="ko-KR" sz="1100" smtClean="0">
                           <a:solidFill>
                             <a:srgbClr val="FF0000"/>
                           </a:solidFill>
                         </a:rPr>
                         <a:t>0x1234_1238</a:t>
                       </a:r>
-                      <a:endParaRPr lang="ko-KR" altLang="en-US" sz="1100" dirty="0">
+                      <a:endParaRPr lang="ko-KR" altLang="en-US" sz="1100">
                         <a:solidFill>
                           <a:srgbClr val="FF0000"/>
                         </a:solidFill>
@@ -7260,29 +7261,29 @@
                     <a:p>
                       <a:pPr latinLnBrk="1"/>
                       <a:r>
-                        <a:rPr lang="en-US" altLang="ko-KR" sz="1100" dirty="0" smtClean="0"/>
+                        <a:rPr lang="en-US" altLang="ko-KR" sz="1100" smtClean="0"/>
                         <a:t>R2</a:t>
                       </a:r>
-                      <a:endParaRPr lang="ko-KR" altLang="en-US" sz="1100" dirty="0"/>
-                    </a:p>
-                  </a:txBody>
-                  <a:tcPr/>
-                </a:tc>
-                <a:tc>
-                  <a:txBody>
-                    <a:bodyPr/>
-                    <a:lstStyle/>
-                    <a:p>
-                      <a:pPr latinLnBrk="1"/>
-                      <a:r>
-                        <a:rPr lang="en-US" altLang="ko-KR" sz="1100" dirty="0" smtClean="0">
+                      <a:endParaRPr lang="ko-KR" altLang="en-US" sz="1100"/>
+                    </a:p>
+                  </a:txBody>
+                  <a:tcPr/>
+                </a:tc>
+                <a:tc>
+                  <a:txBody>
+                    <a:bodyPr/>
+                    <a:lstStyle/>
+                    <a:p>
+                      <a:pPr latinLnBrk="1"/>
+                      <a:r>
+                        <a:rPr lang="en-US" altLang="ko-KR" sz="1100" smtClean="0">
                           <a:solidFill>
                             <a:schemeClr val="tx1"/>
                           </a:solidFill>
                         </a:rPr>
                         <a:t>0x0000_1234</a:t>
                       </a:r>
-                      <a:endParaRPr lang="ko-KR" altLang="en-US" sz="1100" dirty="0">
+                      <a:endParaRPr lang="ko-KR" altLang="en-US" sz="1100">
                         <a:solidFill>
                           <a:schemeClr val="tx1"/>
                         </a:solidFill>
@@ -7300,10 +7301,10 @@
                     <a:p>
                       <a:pPr latinLnBrk="1"/>
                       <a:r>
-                        <a:rPr lang="en-US" altLang="ko-KR" sz="1100" dirty="0" smtClean="0"/>
+                        <a:rPr lang="en-US" altLang="ko-KR" sz="1100" smtClean="0"/>
                         <a:t>R3</a:t>
                       </a:r>
-                      <a:endParaRPr lang="ko-KR" altLang="en-US" sz="1100" dirty="0"/>
+                      <a:endParaRPr lang="ko-KR" altLang="en-US" sz="1100"/>
                     </a:p>
                   </a:txBody>
                   <a:tcPr/>
@@ -7331,10 +7332,10 @@
                         <a:defRPr/>
                       </a:pPr>
                       <a:r>
-                        <a:rPr lang="en-US" altLang="ko-KR" sz="1100" dirty="0" smtClean="0"/>
+                        <a:rPr lang="en-US" altLang="ko-KR" sz="1100" smtClean="0"/>
                         <a:t>8</a:t>
                       </a:r>
-                      <a:endParaRPr lang="ko-KR" altLang="en-US" sz="1100" dirty="0" smtClean="0"/>
+                      <a:endParaRPr lang="ko-KR" altLang="en-US" sz="1100" smtClean="0"/>
                     </a:p>
                   </a:txBody>
                   <a:tcPr/>
@@ -7348,21 +7349,21 @@
                     <a:p>
                       <a:pPr latinLnBrk="1"/>
                       <a:r>
-                        <a:rPr lang="en-US" altLang="ko-KR" sz="1100" dirty="0" smtClean="0"/>
+                        <a:rPr lang="en-US" altLang="ko-KR" sz="1100" smtClean="0"/>
                         <a:t>…</a:t>
                       </a:r>
-                      <a:endParaRPr lang="ko-KR" altLang="en-US" sz="1100" dirty="0"/>
-                    </a:p>
-                  </a:txBody>
-                  <a:tcPr/>
-                </a:tc>
-                <a:tc>
-                  <a:txBody>
-                    <a:bodyPr/>
-                    <a:lstStyle/>
-                    <a:p>
-                      <a:pPr latinLnBrk="1"/>
-                      <a:endParaRPr lang="en-US" altLang="ko-KR" sz="1100" dirty="0" smtClean="0"/>
+                      <a:endParaRPr lang="ko-KR" altLang="en-US" sz="1100"/>
+                    </a:p>
+                  </a:txBody>
+                  <a:tcPr/>
+                </a:tc>
+                <a:tc>
+                  <a:txBody>
+                    <a:bodyPr/>
+                    <a:lstStyle/>
+                    <a:p>
+                      <a:pPr latinLnBrk="1"/>
+                      <a:endParaRPr lang="en-US" altLang="ko-KR" sz="1100" smtClean="0"/>
                     </a:p>
                   </a:txBody>
                   <a:tcPr/>
@@ -7376,30 +7377,30 @@
                     <a:p>
                       <a:pPr latinLnBrk="1"/>
                       <a:r>
-                        <a:rPr lang="en-US" altLang="ko-KR" sz="1100" dirty="0" smtClean="0"/>
+                        <a:rPr lang="en-US" altLang="ko-KR" sz="1100" smtClean="0"/>
                         <a:t>R12(</a:t>
                       </a:r>
                       <a:r>
-                        <a:rPr lang="en-US" altLang="ko-KR" sz="1100" dirty="0" err="1" smtClean="0"/>
+                        <a:rPr lang="en-US" altLang="ko-KR" sz="1100" err="1" smtClean="0"/>
                         <a:t>ip</a:t>
                       </a:r>
                       <a:r>
-                        <a:rPr lang="en-US" altLang="ko-KR" sz="1100" dirty="0" smtClean="0"/>
+                        <a:rPr lang="en-US" altLang="ko-KR" sz="1100" smtClean="0"/>
                         <a:t>)</a:t>
                       </a:r>
-                      <a:endParaRPr lang="ko-KR" altLang="en-US" sz="1100" dirty="0"/>
-                    </a:p>
-                  </a:txBody>
-                  <a:tcPr/>
-                </a:tc>
-                <a:tc>
-                  <a:txBody>
-                    <a:bodyPr/>
-                    <a:lstStyle/>
-                    <a:p>
-                      <a:pPr latinLnBrk="1"/>
-                      <a:r>
-                        <a:rPr lang="en-US" altLang="ko-KR" sz="1100" dirty="0" smtClean="0">
+                      <a:endParaRPr lang="ko-KR" altLang="en-US" sz="1100"/>
+                    </a:p>
+                  </a:txBody>
+                  <a:tcPr/>
+                </a:tc>
+                <a:tc>
+                  <a:txBody>
+                    <a:bodyPr/>
+                    <a:lstStyle/>
+                    <a:p>
+                      <a:pPr latinLnBrk="1"/>
+                      <a:r>
+                        <a:rPr lang="en-US" altLang="ko-KR" sz="1100" smtClean="0">
                           <a:solidFill>
                             <a:srgbClr val="FF0000"/>
                           </a:solidFill>
@@ -7407,7 +7408,7 @@
                         <a:t>0x00(</a:t>
                       </a:r>
                       <a:r>
-                        <a:rPr lang="ko-KR" altLang="en-US" sz="1100" dirty="0" err="1" smtClean="0">
+                        <a:rPr lang="ko-KR" altLang="en-US" sz="1100" err="1" smtClean="0">
                           <a:solidFill>
                             <a:srgbClr val="FF0000"/>
                           </a:solidFill>
@@ -7415,7 +7416,7 @@
                         <a:t>성공시</a:t>
                       </a:r>
                       <a:r>
-                        <a:rPr lang="en-US" altLang="ko-KR" sz="1100" dirty="0" smtClean="0">
+                        <a:rPr lang="en-US" altLang="ko-KR" sz="1100" smtClean="0">
                           <a:solidFill>
                             <a:srgbClr val="FF0000"/>
                           </a:solidFill>
@@ -7454,10 +7455,10 @@
           <a:lstStyle/>
           <a:p>
             <a:r>
-              <a:rPr lang="en-US" altLang="ko-KR" b="1" dirty="0" smtClean="0"/>
+              <a:rPr lang="en-US" altLang="ko-KR" b="1" smtClean="0"/>
               <a:t>Result:</a:t>
             </a:r>
-            <a:endParaRPr lang="ko-KR" altLang="en-US" b="1" dirty="0"/>
+            <a:endParaRPr lang="ko-KR" altLang="en-US" b="1"/>
           </a:p>
         </p:txBody>
       </p:sp>
@@ -7521,30 +7522,30 @@
           <a:lstStyle/>
           <a:p>
             <a:r>
-              <a:rPr lang="en-US" altLang="ko-KR" b="1" dirty="0" err="1" smtClean="0"/>
+              <a:rPr lang="en-US" altLang="ko-KR" b="1" err="1" smtClean="0"/>
               <a:t>List_add</a:t>
             </a:r>
             <a:r>
-              <a:rPr lang="en-US" altLang="ko-KR" b="1" dirty="0" smtClean="0"/>
+              <a:rPr lang="en-US" altLang="ko-KR" b="1" smtClean="0"/>
               <a:t>()</a:t>
             </a:r>
             <a:r>
-              <a:rPr lang="ko-KR" altLang="en-US" b="1" dirty="0" smtClean="0"/>
+              <a:rPr lang="ko-KR" altLang="en-US" b="1" smtClean="0"/>
               <a:t>와 </a:t>
             </a:r>
             <a:r>
-              <a:rPr lang="en-US" altLang="ko-KR" b="1" dirty="0" err="1" smtClean="0"/>
+              <a:rPr lang="en-US" altLang="ko-KR" b="1" err="1" smtClean="0"/>
               <a:t>List_add_tail</a:t>
             </a:r>
             <a:r>
-              <a:rPr lang="en-US" altLang="ko-KR" b="1" dirty="0" smtClean="0"/>
+              <a:rPr lang="en-US" altLang="ko-KR" b="1" smtClean="0"/>
               <a:t>()</a:t>
             </a:r>
             <a:r>
-              <a:rPr lang="ko-KR" altLang="en-US" b="1" dirty="0" smtClean="0"/>
+              <a:rPr lang="ko-KR" altLang="en-US" b="1" smtClean="0"/>
               <a:t>의 차이점</a:t>
             </a:r>
-            <a:endParaRPr lang="en-US" altLang="ko-KR" b="1" dirty="0" smtClean="0"/>
+            <a:endParaRPr lang="en-US" altLang="ko-KR" b="1" smtClean="0"/>
           </a:p>
         </p:txBody>
       </p:sp>
@@ -7597,10 +7598,10 @@
             <a:p>
               <a:pPr algn="ctr"/>
               <a:r>
-                <a:rPr lang="en-US" altLang="ko-KR" dirty="0" smtClean="0"/>
+                <a:rPr lang="en-US" altLang="ko-KR" smtClean="0"/>
                 <a:t>head</a:t>
               </a:r>
-              <a:endParaRPr lang="ko-KR" altLang="en-US" dirty="0"/>
+              <a:endParaRPr lang="ko-KR" altLang="en-US"/>
             </a:p>
           </p:txBody>
         </p:sp>
@@ -7730,10 +7731,10 @@
             <a:p>
               <a:pPr algn="ctr"/>
               <a:r>
-                <a:rPr lang="en-US" altLang="ko-KR" dirty="0" smtClean="0"/>
+                <a:rPr lang="en-US" altLang="ko-KR" smtClean="0"/>
                 <a:t>0</a:t>
               </a:r>
-              <a:endParaRPr lang="ko-KR" altLang="en-US" dirty="0"/>
+              <a:endParaRPr lang="ko-KR" altLang="en-US"/>
             </a:p>
           </p:txBody>
         </p:sp>
@@ -7837,14 +7838,14 @@
           <a:lstStyle/>
           <a:p>
             <a:r>
-              <a:rPr lang="en-US" altLang="ko-KR" b="1" dirty="0" err="1" smtClean="0"/>
+              <a:rPr lang="en-US" altLang="ko-KR" b="1" err="1" smtClean="0"/>
               <a:t>List_add</a:t>
             </a:r>
             <a:r>
-              <a:rPr lang="en-US" altLang="ko-KR" b="1" dirty="0" smtClean="0"/>
+              <a:rPr lang="en-US" altLang="ko-KR" b="1" smtClean="0"/>
               <a:t>()</a:t>
             </a:r>
-            <a:endParaRPr lang="ko-KR" altLang="en-US" b="1" dirty="0"/>
+            <a:endParaRPr lang="ko-KR" altLang="en-US" b="1"/>
           </a:p>
         </p:txBody>
       </p:sp>
@@ -8049,10 +8050,10 @@
             <a:p>
               <a:pPr algn="ctr"/>
               <a:r>
-                <a:rPr lang="en-US" altLang="ko-KR" dirty="0" smtClean="0"/>
+                <a:rPr lang="en-US" altLang="ko-KR" smtClean="0"/>
                 <a:t>head</a:t>
               </a:r>
-              <a:endParaRPr lang="ko-KR" altLang="en-US" dirty="0"/>
+              <a:endParaRPr lang="ko-KR" altLang="en-US"/>
             </a:p>
           </p:txBody>
         </p:sp>
@@ -8182,10 +8183,10 @@
             <a:p>
               <a:pPr algn="ctr"/>
               <a:r>
-                <a:rPr lang="en-US" altLang="ko-KR" dirty="0" smtClean="0"/>
+                <a:rPr lang="en-US" altLang="ko-KR" smtClean="0"/>
                 <a:t>1</a:t>
               </a:r>
-              <a:endParaRPr lang="ko-KR" altLang="en-US" dirty="0"/>
+              <a:endParaRPr lang="ko-KR" altLang="en-US"/>
             </a:p>
           </p:txBody>
         </p:sp>
@@ -8467,10 +8468,10 @@
             <a:p>
               <a:pPr algn="ctr"/>
               <a:r>
-                <a:rPr lang="en-US" altLang="ko-KR" dirty="0" smtClean="0"/>
+                <a:rPr lang="en-US" altLang="ko-KR" smtClean="0"/>
                 <a:t>0</a:t>
               </a:r>
-              <a:endParaRPr lang="ko-KR" altLang="en-US" dirty="0"/>
+              <a:endParaRPr lang="ko-KR" altLang="en-US"/>
             </a:p>
           </p:txBody>
         </p:sp>
@@ -8650,14 +8651,14 @@
           <a:lstStyle/>
           <a:p>
             <a:r>
-              <a:rPr lang="en-US" altLang="ko-KR" b="1" dirty="0" err="1" smtClean="0"/>
+              <a:rPr lang="en-US" altLang="ko-KR" b="1" err="1" smtClean="0"/>
               <a:t>List_add_tail</a:t>
             </a:r>
             <a:r>
-              <a:rPr lang="en-US" altLang="ko-KR" b="1" dirty="0" smtClean="0"/>
+              <a:rPr lang="en-US" altLang="ko-KR" b="1" smtClean="0"/>
               <a:t>()</a:t>
             </a:r>
-            <a:endParaRPr lang="ko-KR" altLang="en-US" b="1" dirty="0"/>
+            <a:endParaRPr lang="ko-KR" altLang="en-US" b="1"/>
           </a:p>
         </p:txBody>
       </p:sp>
@@ -8710,10 +8711,10 @@
             <a:p>
               <a:pPr algn="ctr"/>
               <a:r>
-                <a:rPr lang="en-US" altLang="ko-KR" dirty="0"/>
+                <a:rPr lang="en-US" altLang="ko-KR"/>
                 <a:t>0</a:t>
               </a:r>
-              <a:endParaRPr lang="ko-KR" altLang="en-US" dirty="0"/>
+              <a:endParaRPr lang="ko-KR" altLang="en-US"/>
             </a:p>
           </p:txBody>
         </p:sp>
@@ -8843,10 +8844,10 @@
             <a:p>
               <a:pPr algn="ctr"/>
               <a:r>
-                <a:rPr lang="en-US" altLang="ko-KR" dirty="0" smtClean="0"/>
+                <a:rPr lang="en-US" altLang="ko-KR" smtClean="0"/>
                 <a:t>head</a:t>
               </a:r>
-              <a:endParaRPr lang="ko-KR" altLang="en-US" dirty="0"/>
+              <a:endParaRPr lang="ko-KR" altLang="en-US"/>
             </a:p>
           </p:txBody>
         </p:sp>
@@ -9128,10 +9129,10 @@
             <a:p>
               <a:pPr algn="ctr"/>
               <a:r>
-                <a:rPr lang="en-US" altLang="ko-KR" dirty="0" smtClean="0"/>
-                <a:t>1</a:t>
+                <a:rPr lang="en-US" altLang="ko-KR" smtClean="0"/>
+                <a:t>0</a:t>
               </a:r>
-              <a:endParaRPr lang="ko-KR" altLang="en-US" dirty="0"/>
+              <a:endParaRPr lang="ko-KR" altLang="en-US"/>
             </a:p>
           </p:txBody>
         </p:sp>
@@ -9261,10 +9262,10 @@
             <a:p>
               <a:pPr algn="ctr"/>
               <a:r>
-                <a:rPr lang="en-US" altLang="ko-KR" dirty="0" smtClean="0"/>
-                <a:t>0</a:t>
+                <a:rPr lang="en-US" altLang="ko-KR" smtClean="0"/>
+                <a:t>1</a:t>
               </a:r>
-              <a:endParaRPr lang="ko-KR" altLang="en-US" dirty="0"/>
+              <a:endParaRPr lang="ko-KR" altLang="en-US"/>
             </a:p>
           </p:txBody>
         </p:sp>
@@ -9546,10 +9547,10 @@
             <a:p>
               <a:pPr algn="ctr"/>
               <a:r>
-                <a:rPr lang="en-US" altLang="ko-KR" dirty="0" smtClean="0"/>
+                <a:rPr lang="en-US" altLang="ko-KR" smtClean="0"/>
                 <a:t>head</a:t>
               </a:r>
-              <a:endParaRPr lang="ko-KR" altLang="en-US" dirty="0"/>
+              <a:endParaRPr lang="ko-KR" altLang="en-US"/>
             </a:p>
           </p:txBody>
         </p:sp>
@@ -9728,71 +9729,71 @@
           <a:lstStyle/>
           <a:p>
             <a:r>
-              <a:rPr lang="en-US" altLang="ko-KR" sz="1100" dirty="0" smtClean="0"/>
+              <a:rPr lang="en-US" altLang="ko-KR" sz="1100" smtClean="0"/>
               <a:t>static inline void </a:t>
             </a:r>
             <a:r>
-              <a:rPr lang="en-US" altLang="ko-KR" sz="1100" dirty="0" err="1" smtClean="0"/>
+              <a:rPr lang="en-US" altLang="ko-KR" sz="1100" err="1" smtClean="0"/>
               <a:t>list_add</a:t>
             </a:r>
             <a:r>
-              <a:rPr lang="en-US" altLang="ko-KR" sz="1100" dirty="0" smtClean="0"/>
+              <a:rPr lang="en-US" altLang="ko-KR" sz="1100" smtClean="0"/>
               <a:t>(</a:t>
             </a:r>
             <a:r>
-              <a:rPr lang="en-US" altLang="ko-KR" sz="1100" dirty="0" err="1" smtClean="0"/>
+              <a:rPr lang="en-US" altLang="ko-KR" sz="1100" err="1" smtClean="0"/>
               <a:t>struct</a:t>
             </a:r>
             <a:r>
-              <a:rPr lang="en-US" altLang="ko-KR" sz="1100" dirty="0" smtClean="0"/>
+              <a:rPr lang="en-US" altLang="ko-KR" sz="1100" smtClean="0"/>
               <a:t> </a:t>
             </a:r>
             <a:r>
-              <a:rPr lang="en-US" altLang="ko-KR" sz="1100" dirty="0" err="1" smtClean="0"/>
+              <a:rPr lang="en-US" altLang="ko-KR" sz="1100" err="1" smtClean="0"/>
               <a:t>list_head</a:t>
             </a:r>
             <a:r>
-              <a:rPr lang="en-US" altLang="ko-KR" sz="1100" dirty="0" smtClean="0"/>
+              <a:rPr lang="en-US" altLang="ko-KR" sz="1100" smtClean="0"/>
               <a:t> *new, </a:t>
             </a:r>
             <a:r>
-              <a:rPr lang="en-US" altLang="ko-KR" sz="1100" dirty="0" err="1" smtClean="0"/>
+              <a:rPr lang="en-US" altLang="ko-KR" sz="1100" err="1" smtClean="0"/>
               <a:t>struct</a:t>
             </a:r>
             <a:r>
-              <a:rPr lang="en-US" altLang="ko-KR" sz="1100" dirty="0" smtClean="0"/>
+              <a:rPr lang="en-US" altLang="ko-KR" sz="1100" smtClean="0"/>
               <a:t> </a:t>
             </a:r>
             <a:r>
-              <a:rPr lang="en-US" altLang="ko-KR" sz="1100" dirty="0" err="1" smtClean="0"/>
+              <a:rPr lang="en-US" altLang="ko-KR" sz="1100" err="1" smtClean="0"/>
               <a:t>list_head</a:t>
             </a:r>
             <a:r>
-              <a:rPr lang="en-US" altLang="ko-KR" sz="1100" dirty="0" smtClean="0"/>
+              <a:rPr lang="en-US" altLang="ko-KR" sz="1100" smtClean="0"/>
               <a:t> *head)</a:t>
             </a:r>
           </a:p>
           <a:p>
             <a:r>
-              <a:rPr lang="en-US" altLang="ko-KR" sz="1100" dirty="0" smtClean="0"/>
+              <a:rPr lang="en-US" altLang="ko-KR" sz="1100" smtClean="0"/>
               <a:t>{</a:t>
             </a:r>
           </a:p>
           <a:p>
             <a:r>
-              <a:rPr lang="en-US" altLang="ko-KR" sz="1100" dirty="0" smtClean="0"/>
+              <a:rPr lang="en-US" altLang="ko-KR" sz="1100" smtClean="0"/>
               <a:t>    __</a:t>
             </a:r>
             <a:r>
-              <a:rPr lang="en-US" altLang="ko-KR" sz="1100" dirty="0" err="1" smtClean="0"/>
+              <a:rPr lang="en-US" altLang="ko-KR" sz="1100" err="1" smtClean="0"/>
               <a:t>list_add</a:t>
             </a:r>
             <a:r>
-              <a:rPr lang="en-US" altLang="ko-KR" sz="1100" dirty="0" smtClean="0"/>
+              <a:rPr lang="en-US" altLang="ko-KR" sz="1100" smtClean="0"/>
               <a:t>(new</a:t>
             </a:r>
             <a:r>
-              <a:rPr lang="en-US" altLang="ko-KR" sz="1100" b="1" dirty="0" smtClean="0">
+              <a:rPr lang="en-US" altLang="ko-KR" sz="1100" b="1" smtClean="0">
                 <a:solidFill>
                   <a:srgbClr val="FF0000"/>
                 </a:solidFill>
@@ -9800,16 +9801,16 @@
               <a:t>, head, head-&gt;next</a:t>
             </a:r>
             <a:r>
-              <a:rPr lang="en-US" altLang="ko-KR" sz="1100" dirty="0" smtClean="0"/>
+              <a:rPr lang="en-US" altLang="ko-KR" sz="1100" smtClean="0"/>
               <a:t>);</a:t>
             </a:r>
           </a:p>
           <a:p>
             <a:r>
-              <a:rPr lang="en-US" altLang="ko-KR" sz="1100" dirty="0" smtClean="0"/>
+              <a:rPr lang="en-US" altLang="ko-KR" sz="1100" smtClean="0"/>
               <a:t>}</a:t>
             </a:r>
-            <a:endParaRPr lang="ko-KR" altLang="en-US" sz="1100" dirty="0"/>
+            <a:endParaRPr lang="ko-KR" altLang="en-US" sz="1100"/>
           </a:p>
         </p:txBody>
       </p:sp>
@@ -9835,71 +9836,71 @@
           <a:lstStyle/>
           <a:p>
             <a:r>
-              <a:rPr lang="en-US" altLang="ko-KR" sz="1100" dirty="0" smtClean="0"/>
+              <a:rPr lang="en-US" altLang="ko-KR" sz="1100" smtClean="0"/>
               <a:t>static inline void </a:t>
             </a:r>
             <a:r>
-              <a:rPr lang="en-US" altLang="ko-KR" sz="1100" dirty="0" err="1" smtClean="0"/>
+              <a:rPr lang="en-US" altLang="ko-KR" sz="1100" err="1" smtClean="0"/>
               <a:t>list_add_tail</a:t>
             </a:r>
             <a:r>
-              <a:rPr lang="en-US" altLang="ko-KR" sz="1100" dirty="0" smtClean="0"/>
+              <a:rPr lang="en-US" altLang="ko-KR" sz="1100" smtClean="0"/>
               <a:t>(</a:t>
             </a:r>
             <a:r>
-              <a:rPr lang="en-US" altLang="ko-KR" sz="1100" dirty="0" err="1" smtClean="0"/>
+              <a:rPr lang="en-US" altLang="ko-KR" sz="1100" err="1" smtClean="0"/>
               <a:t>struct</a:t>
             </a:r>
             <a:r>
-              <a:rPr lang="en-US" altLang="ko-KR" sz="1100" dirty="0" smtClean="0"/>
+              <a:rPr lang="en-US" altLang="ko-KR" sz="1100" smtClean="0"/>
               <a:t> </a:t>
             </a:r>
             <a:r>
-              <a:rPr lang="en-US" altLang="ko-KR" sz="1100" dirty="0" err="1" smtClean="0"/>
+              <a:rPr lang="en-US" altLang="ko-KR" sz="1100" err="1" smtClean="0"/>
               <a:t>list_head</a:t>
             </a:r>
             <a:r>
-              <a:rPr lang="en-US" altLang="ko-KR" sz="1100" dirty="0" smtClean="0"/>
+              <a:rPr lang="en-US" altLang="ko-KR" sz="1100" smtClean="0"/>
               <a:t> *new, </a:t>
             </a:r>
             <a:r>
-              <a:rPr lang="en-US" altLang="ko-KR" sz="1100" dirty="0" err="1" smtClean="0"/>
+              <a:rPr lang="en-US" altLang="ko-KR" sz="1100" err="1" smtClean="0"/>
               <a:t>struct</a:t>
             </a:r>
             <a:r>
-              <a:rPr lang="en-US" altLang="ko-KR" sz="1100" dirty="0" smtClean="0"/>
+              <a:rPr lang="en-US" altLang="ko-KR" sz="1100" smtClean="0"/>
               <a:t> </a:t>
             </a:r>
             <a:r>
-              <a:rPr lang="en-US" altLang="ko-KR" sz="1100" dirty="0" err="1" smtClean="0"/>
+              <a:rPr lang="en-US" altLang="ko-KR" sz="1100" err="1" smtClean="0"/>
               <a:t>list_head</a:t>
             </a:r>
             <a:r>
-              <a:rPr lang="en-US" altLang="ko-KR" sz="1100" dirty="0" smtClean="0"/>
+              <a:rPr lang="en-US" altLang="ko-KR" sz="1100" smtClean="0"/>
               <a:t> *head)</a:t>
             </a:r>
           </a:p>
           <a:p>
             <a:r>
-              <a:rPr lang="en-US" altLang="ko-KR" sz="1100" dirty="0" smtClean="0"/>
+              <a:rPr lang="en-US" altLang="ko-KR" sz="1100" smtClean="0"/>
               <a:t>{</a:t>
             </a:r>
           </a:p>
           <a:p>
             <a:r>
-              <a:rPr lang="en-US" altLang="ko-KR" sz="1100" dirty="0" smtClean="0"/>
+              <a:rPr lang="en-US" altLang="ko-KR" sz="1100" smtClean="0"/>
               <a:t>    __</a:t>
             </a:r>
             <a:r>
-              <a:rPr lang="en-US" altLang="ko-KR" sz="1100" dirty="0" err="1" smtClean="0"/>
+              <a:rPr lang="en-US" altLang="ko-KR" sz="1100" err="1" smtClean="0"/>
               <a:t>list_add</a:t>
             </a:r>
             <a:r>
-              <a:rPr lang="en-US" altLang="ko-KR" sz="1100" dirty="0" smtClean="0"/>
+              <a:rPr lang="en-US" altLang="ko-KR" sz="1100" smtClean="0"/>
               <a:t>(new, </a:t>
             </a:r>
             <a:r>
-              <a:rPr lang="en-US" altLang="ko-KR" sz="1100" b="1" dirty="0" smtClean="0">
+              <a:rPr lang="en-US" altLang="ko-KR" sz="1100" b="1" smtClean="0">
                 <a:solidFill>
                   <a:srgbClr val="FF0000"/>
                 </a:solidFill>
@@ -9907,7 +9908,7 @@
               <a:t>head-&gt;</a:t>
             </a:r>
             <a:r>
-              <a:rPr lang="en-US" altLang="ko-KR" sz="1100" b="1" dirty="0" err="1" smtClean="0">
+              <a:rPr lang="en-US" altLang="ko-KR" sz="1100" b="1" err="1" smtClean="0">
                 <a:solidFill>
                   <a:srgbClr val="FF0000"/>
                 </a:solidFill>
@@ -9915,7 +9916,7 @@
               <a:t>prev</a:t>
             </a:r>
             <a:r>
-              <a:rPr lang="en-US" altLang="ko-KR" sz="1100" b="1" dirty="0" smtClean="0">
+              <a:rPr lang="en-US" altLang="ko-KR" sz="1100" b="1" smtClean="0">
                 <a:solidFill>
                   <a:srgbClr val="FF0000"/>
                 </a:solidFill>
@@ -9923,16 +9924,16 @@
               <a:t>, head</a:t>
             </a:r>
             <a:r>
-              <a:rPr lang="en-US" altLang="ko-KR" sz="1100" dirty="0" smtClean="0"/>
+              <a:rPr lang="en-US" altLang="ko-KR" sz="1100" smtClean="0"/>
               <a:t>);</a:t>
             </a:r>
           </a:p>
           <a:p>
             <a:r>
-              <a:rPr lang="en-US" altLang="ko-KR" sz="1100" dirty="0" smtClean="0"/>
+              <a:rPr lang="en-US" altLang="ko-KR" sz="1100" smtClean="0"/>
               <a:t>}</a:t>
             </a:r>
-            <a:endParaRPr lang="ko-KR" altLang="en-US" sz="1100" dirty="0"/>
+            <a:endParaRPr lang="ko-KR" altLang="en-US" sz="1100"/>
           </a:p>
         </p:txBody>
       </p:sp>
@@ -9958,41 +9959,41 @@
           <a:lstStyle/>
           <a:p>
             <a:r>
-              <a:rPr lang="en-US" altLang="ko-KR" sz="1100" dirty="0" smtClean="0"/>
+              <a:rPr lang="en-US" altLang="ko-KR" sz="1100" smtClean="0"/>
               <a:t>static inline void __</a:t>
             </a:r>
             <a:r>
-              <a:rPr lang="en-US" altLang="ko-KR" sz="1100" dirty="0" err="1" smtClean="0"/>
+              <a:rPr lang="en-US" altLang="ko-KR" sz="1100" err="1" smtClean="0"/>
               <a:t>list_add</a:t>
             </a:r>
             <a:r>
-              <a:rPr lang="en-US" altLang="ko-KR" sz="1100" dirty="0" smtClean="0"/>
+              <a:rPr lang="en-US" altLang="ko-KR" sz="1100" smtClean="0"/>
               <a:t>(</a:t>
             </a:r>
             <a:r>
-              <a:rPr lang="en-US" altLang="ko-KR" sz="1100" dirty="0" err="1" smtClean="0"/>
+              <a:rPr lang="en-US" altLang="ko-KR" sz="1100" err="1" smtClean="0"/>
               <a:t>struct</a:t>
             </a:r>
             <a:r>
-              <a:rPr lang="en-US" altLang="ko-KR" sz="1100" dirty="0" smtClean="0"/>
+              <a:rPr lang="en-US" altLang="ko-KR" sz="1100" smtClean="0"/>
               <a:t> </a:t>
             </a:r>
             <a:r>
-              <a:rPr lang="en-US" altLang="ko-KR" sz="1100" dirty="0" err="1" smtClean="0"/>
+              <a:rPr lang="en-US" altLang="ko-KR" sz="1100" err="1" smtClean="0"/>
               <a:t>list_head</a:t>
             </a:r>
             <a:r>
-              <a:rPr lang="en-US" altLang="ko-KR" sz="1100" dirty="0" smtClean="0"/>
+              <a:rPr lang="en-US" altLang="ko-KR" sz="1100" smtClean="0"/>
               <a:t> *new,</a:t>
             </a:r>
           </a:p>
           <a:p>
             <a:r>
-              <a:rPr lang="en-US" altLang="ko-KR" sz="1100" dirty="0" smtClean="0"/>
+              <a:rPr lang="en-US" altLang="ko-KR" sz="1100" smtClean="0"/>
               <a:t>                  </a:t>
             </a:r>
             <a:r>
-              <a:rPr lang="en-US" altLang="ko-KR" sz="1100" b="1" dirty="0" err="1" smtClean="0">
+              <a:rPr lang="en-US" altLang="ko-KR" sz="1100" b="1" err="1" smtClean="0">
                 <a:solidFill>
                   <a:srgbClr val="FF0000"/>
                 </a:solidFill>
@@ -10000,7 +10001,7 @@
               <a:t>struct</a:t>
             </a:r>
             <a:r>
-              <a:rPr lang="en-US" altLang="ko-KR" sz="1100" b="1" dirty="0" smtClean="0">
+              <a:rPr lang="en-US" altLang="ko-KR" sz="1100" b="1" smtClean="0">
                 <a:solidFill>
                   <a:srgbClr val="FF0000"/>
                 </a:solidFill>
@@ -10008,7 +10009,7 @@
               <a:t> </a:t>
             </a:r>
             <a:r>
-              <a:rPr lang="en-US" altLang="ko-KR" sz="1100" b="1" dirty="0" err="1" smtClean="0">
+              <a:rPr lang="en-US" altLang="ko-KR" sz="1100" b="1" err="1" smtClean="0">
                 <a:solidFill>
                   <a:srgbClr val="FF0000"/>
                 </a:solidFill>
@@ -10016,7 +10017,7 @@
               <a:t>list_head</a:t>
             </a:r>
             <a:r>
-              <a:rPr lang="en-US" altLang="ko-KR" sz="1100" b="1" dirty="0" smtClean="0">
+              <a:rPr lang="en-US" altLang="ko-KR" sz="1100" b="1" smtClean="0">
                 <a:solidFill>
                   <a:srgbClr val="FF0000"/>
                 </a:solidFill>
@@ -10024,7 +10025,7 @@
               <a:t> *</a:t>
             </a:r>
             <a:r>
-              <a:rPr lang="en-US" altLang="ko-KR" sz="1100" b="1" dirty="0" err="1" smtClean="0">
+              <a:rPr lang="en-US" altLang="ko-KR" sz="1100" b="1" err="1" smtClean="0">
                 <a:solidFill>
                   <a:srgbClr val="FF0000"/>
                 </a:solidFill>
@@ -10032,17 +10033,17 @@
               <a:t>prev</a:t>
             </a:r>
             <a:r>
-              <a:rPr lang="en-US" altLang="ko-KR" sz="1100" b="1" dirty="0" smtClean="0"/>
+              <a:rPr lang="en-US" altLang="ko-KR" sz="1100" b="1" smtClean="0"/>
               <a:t>,</a:t>
             </a:r>
           </a:p>
           <a:p>
             <a:r>
-              <a:rPr lang="en-US" altLang="ko-KR" sz="1100" dirty="0" smtClean="0"/>
+              <a:rPr lang="en-US" altLang="ko-KR" sz="1100" smtClean="0"/>
               <a:t>                  </a:t>
             </a:r>
             <a:r>
-              <a:rPr lang="en-US" altLang="ko-KR" sz="1100" b="1" dirty="0" err="1" smtClean="0">
+              <a:rPr lang="en-US" altLang="ko-KR" sz="1100" b="1" err="1" smtClean="0">
                 <a:solidFill>
                   <a:srgbClr val="FF0000"/>
                 </a:solidFill>
@@ -10050,7 +10051,7 @@
               <a:t>struct</a:t>
             </a:r>
             <a:r>
-              <a:rPr lang="en-US" altLang="ko-KR" sz="1100" b="1" dirty="0" smtClean="0">
+              <a:rPr lang="en-US" altLang="ko-KR" sz="1100" b="1" smtClean="0">
                 <a:solidFill>
                   <a:srgbClr val="FF0000"/>
                 </a:solidFill>
@@ -10058,7 +10059,7 @@
               <a:t> </a:t>
             </a:r>
             <a:r>
-              <a:rPr lang="en-US" altLang="ko-KR" sz="1100" b="1" dirty="0" err="1" smtClean="0">
+              <a:rPr lang="en-US" altLang="ko-KR" sz="1100" b="1" err="1" smtClean="0">
                 <a:solidFill>
                   <a:srgbClr val="FF0000"/>
                 </a:solidFill>
@@ -10066,7 +10067,7 @@
               <a:t>list_head</a:t>
             </a:r>
             <a:r>
-              <a:rPr lang="en-US" altLang="ko-KR" sz="1100" b="1" dirty="0" smtClean="0">
+              <a:rPr lang="en-US" altLang="ko-KR" sz="1100" b="1" smtClean="0">
                 <a:solidFill>
                   <a:srgbClr val="FF0000"/>
                 </a:solidFill>
@@ -10074,78 +10075,78 @@
               <a:t> *next</a:t>
             </a:r>
             <a:r>
-              <a:rPr lang="en-US" altLang="ko-KR" sz="1100" dirty="0" smtClean="0"/>
+              <a:rPr lang="en-US" altLang="ko-KR" sz="1100" smtClean="0"/>
               <a:t>)</a:t>
             </a:r>
           </a:p>
           <a:p>
             <a:r>
-              <a:rPr lang="en-US" altLang="ko-KR" sz="1100" dirty="0" smtClean="0"/>
+              <a:rPr lang="en-US" altLang="ko-KR" sz="1100" smtClean="0"/>
               <a:t>{</a:t>
             </a:r>
           </a:p>
           <a:p>
             <a:r>
-              <a:rPr lang="en-US" altLang="ko-KR" sz="1100" dirty="0" smtClean="0"/>
+              <a:rPr lang="en-US" altLang="ko-KR" sz="1100" smtClean="0"/>
               <a:t>    next-&gt;</a:t>
             </a:r>
             <a:r>
-              <a:rPr lang="en-US" altLang="ko-KR" sz="1100" dirty="0" err="1" smtClean="0"/>
+              <a:rPr lang="en-US" altLang="ko-KR" sz="1100" err="1" smtClean="0"/>
               <a:t>prev</a:t>
             </a:r>
             <a:r>
-              <a:rPr lang="en-US" altLang="ko-KR" sz="1100" dirty="0" smtClean="0"/>
+              <a:rPr lang="en-US" altLang="ko-KR" sz="1100" smtClean="0"/>
               <a:t> = new;</a:t>
             </a:r>
           </a:p>
           <a:p>
             <a:r>
-              <a:rPr lang="en-US" altLang="ko-KR" sz="1100" dirty="0" smtClean="0"/>
+              <a:rPr lang="en-US" altLang="ko-KR" sz="1100" smtClean="0"/>
               <a:t>    new-&gt;next = next;</a:t>
             </a:r>
           </a:p>
           <a:p>
             <a:r>
-              <a:rPr lang="en-US" altLang="ko-KR" sz="1100" dirty="0" smtClean="0"/>
+              <a:rPr lang="en-US" altLang="ko-KR" sz="1100" smtClean="0"/>
               <a:t>    new-&gt;</a:t>
             </a:r>
             <a:r>
-              <a:rPr lang="en-US" altLang="ko-KR" sz="1100" dirty="0" err="1" smtClean="0"/>
+              <a:rPr lang="en-US" altLang="ko-KR" sz="1100" err="1" smtClean="0"/>
               <a:t>prev</a:t>
             </a:r>
             <a:r>
-              <a:rPr lang="en-US" altLang="ko-KR" sz="1100" dirty="0" smtClean="0"/>
+              <a:rPr lang="en-US" altLang="ko-KR" sz="1100" smtClean="0"/>
               <a:t> = </a:t>
             </a:r>
             <a:r>
-              <a:rPr lang="en-US" altLang="ko-KR" sz="1100" dirty="0" err="1" smtClean="0"/>
+              <a:rPr lang="en-US" altLang="ko-KR" sz="1100" err="1" smtClean="0"/>
               <a:t>prev</a:t>
             </a:r>
             <a:r>
-              <a:rPr lang="en-US" altLang="ko-KR" sz="1100" dirty="0" smtClean="0"/>
+              <a:rPr lang="en-US" altLang="ko-KR" sz="1100" smtClean="0"/>
               <a:t>;</a:t>
             </a:r>
           </a:p>
           <a:p>
             <a:r>
-              <a:rPr lang="en-US" altLang="ko-KR" sz="1100" dirty="0" smtClean="0"/>
+              <a:rPr lang="en-US" altLang="ko-KR" sz="1100" smtClean="0"/>
               <a:t>    </a:t>
             </a:r>
             <a:r>
-              <a:rPr lang="en-US" altLang="ko-KR" sz="1100" dirty="0" err="1" smtClean="0"/>
+              <a:rPr lang="en-US" altLang="ko-KR" sz="1100" err="1" smtClean="0"/>
               <a:t>prev</a:t>
             </a:r>
             <a:r>
-              <a:rPr lang="en-US" altLang="ko-KR" sz="1100" dirty="0" smtClean="0"/>
+              <a:rPr lang="en-US" altLang="ko-KR" sz="1100" smtClean="0"/>
               <a:t>-&gt;next = new;</a:t>
             </a:r>
           </a:p>
           <a:p>
             <a:r>
-              <a:rPr lang="en-US" altLang="ko-KR" sz="1100" dirty="0" smtClean="0"/>
+              <a:rPr lang="en-US" altLang="ko-KR" sz="1100" smtClean="0"/>
               <a:t>}</a:t>
             </a:r>
-            <a:endParaRPr lang="ko-KR" altLang="en-US" sz="1100" dirty="0"/>
+            <a:endParaRPr lang="ko-KR" altLang="en-US" sz="1100"/>
           </a:p>
         </p:txBody>
       </p:sp>
@@ -10159,6 +10160,1469 @@
   <p:clrMapOvr>
     <a:masterClrMapping/>
   </p:clrMapOvr>
+  <p:timing>
+    <p:tnLst>
+      <p:par>
+        <p:cTn id="1" dur="indefinite" restart="never" nodeType="tmRoot"/>
+      </p:par>
+    </p:tnLst>
+  </p:timing>
+</p:sld>
+</file>
+
+<file path=ppt/slides/slide4.xml><?xml version="1.0" encoding="utf-8"?>
+<p:sld xmlns:a="http://schemas.openxmlformats.org/drawingml/2006/main" xmlns:r="http://schemas.openxmlformats.org/officeDocument/2006/relationships" xmlns:p="http://schemas.openxmlformats.org/presentationml/2006/main">
+  <p:cSld>
+    <p:spTree>
+      <p:nvGrpSpPr>
+        <p:cNvPr id="1" name=""/>
+        <p:cNvGrpSpPr/>
+        <p:nvPr/>
+      </p:nvGrpSpPr>
+      <p:grpSpPr>
+        <a:xfrm>
+          <a:off x="0" y="0"/>
+          <a:ext cx="0" cy="0"/>
+          <a:chOff x="0" y="0"/>
+          <a:chExt cx="0" cy="0"/>
+        </a:xfrm>
+      </p:grpSpPr>
+      <p:sp>
+        <p:nvSpPr>
+          <p:cNvPr id="2" name="모서리가 둥근 직사각형 1"/>
+          <p:cNvSpPr/>
+          <p:nvPr/>
+        </p:nvSpPr>
+        <p:spPr>
+          <a:xfrm>
+            <a:off x="251520" y="306408"/>
+            <a:ext cx="1080120" cy="288032"/>
+          </a:xfrm>
+          <a:prstGeom prst="roundRect">
+            <a:avLst/>
+          </a:prstGeom>
+        </p:spPr>
+        <p:style>
+          <a:lnRef idx="2">
+            <a:schemeClr val="dk1"/>
+          </a:lnRef>
+          <a:fillRef idx="1">
+            <a:schemeClr val="lt1"/>
+          </a:fillRef>
+          <a:effectRef idx="0">
+            <a:schemeClr val="dk1"/>
+          </a:effectRef>
+          <a:fontRef idx="minor">
+            <a:schemeClr val="dk1"/>
+          </a:fontRef>
+        </p:style>
+        <p:txBody>
+          <a:bodyPr rtlCol="0" anchor="ctr"/>
+          <a:lstStyle/>
+          <a:p>
+            <a:pPr algn="ctr"/>
+            <a:r>
+              <a:rPr lang="en-US" altLang="ko-KR" sz="1000" err="1"/>
+              <a:t>p</a:t>
+            </a:r>
+            <a:r>
+              <a:rPr lang="en-US" altLang="ko-KR" sz="1000" smtClean="0"/>
+              <a:t>aging_init()</a:t>
+            </a:r>
+            <a:endParaRPr lang="ko-KR" altLang="en-US" sz="1000"/>
+          </a:p>
+        </p:txBody>
+      </p:sp>
+      <p:sp>
+        <p:nvSpPr>
+          <p:cNvPr id="6" name="모서리가 둥근 직사각형 5"/>
+          <p:cNvSpPr/>
+          <p:nvPr/>
+        </p:nvSpPr>
+        <p:spPr>
+          <a:xfrm>
+            <a:off x="1043608" y="736747"/>
+            <a:ext cx="1656184" cy="288032"/>
+          </a:xfrm>
+          <a:prstGeom prst="roundRect">
+            <a:avLst/>
+          </a:prstGeom>
+        </p:spPr>
+        <p:style>
+          <a:lnRef idx="2">
+            <a:schemeClr val="dk1"/>
+          </a:lnRef>
+          <a:fillRef idx="1">
+            <a:schemeClr val="lt1"/>
+          </a:fillRef>
+          <a:effectRef idx="0">
+            <a:schemeClr val="dk1"/>
+          </a:effectRef>
+          <a:fontRef idx="minor">
+            <a:schemeClr val="dk1"/>
+          </a:fontRef>
+        </p:style>
+        <p:txBody>
+          <a:bodyPr rtlCol="0" anchor="ctr"/>
+          <a:lstStyle/>
+          <a:p>
+            <a:pPr algn="ctr"/>
+            <a:r>
+              <a:rPr lang="en-US" altLang="ko-KR" sz="1000" smtClean="0"/>
+              <a:t>build_mem_type_table()</a:t>
+            </a:r>
+            <a:endParaRPr lang="ko-KR" altLang="en-US" sz="1000"/>
+          </a:p>
+        </p:txBody>
+      </p:sp>
+      <p:sp>
+        <p:nvSpPr>
+          <p:cNvPr id="8" name="모서리가 둥근 직사각형 7"/>
+          <p:cNvSpPr/>
+          <p:nvPr/>
+        </p:nvSpPr>
+        <p:spPr>
+          <a:xfrm>
+            <a:off x="1043608" y="1190820"/>
+            <a:ext cx="1656184" cy="288032"/>
+          </a:xfrm>
+          <a:prstGeom prst="roundRect">
+            <a:avLst/>
+          </a:prstGeom>
+        </p:spPr>
+        <p:style>
+          <a:lnRef idx="2">
+            <a:schemeClr val="dk1"/>
+          </a:lnRef>
+          <a:fillRef idx="1">
+            <a:schemeClr val="lt1"/>
+          </a:fillRef>
+          <a:effectRef idx="0">
+            <a:schemeClr val="dk1"/>
+          </a:effectRef>
+          <a:fontRef idx="minor">
+            <a:schemeClr val="dk1"/>
+          </a:fontRef>
+        </p:style>
+        <p:txBody>
+          <a:bodyPr rtlCol="0" anchor="ctr"/>
+          <a:lstStyle/>
+          <a:p>
+            <a:pPr algn="ctr"/>
+            <a:r>
+              <a:rPr lang="en-US" altLang="ko-KR" sz="1000" smtClean="0"/>
+              <a:t>prepare_pae_table()</a:t>
+            </a:r>
+            <a:endParaRPr lang="ko-KR" altLang="en-US" sz="1000"/>
+          </a:p>
+        </p:txBody>
+      </p:sp>
+      <p:sp>
+        <p:nvSpPr>
+          <p:cNvPr id="10" name="모서리가 둥근 직사각형 9"/>
+          <p:cNvSpPr/>
+          <p:nvPr/>
+        </p:nvSpPr>
+        <p:spPr>
+          <a:xfrm>
+            <a:off x="1043608" y="3461185"/>
+            <a:ext cx="1080120" cy="288032"/>
+          </a:xfrm>
+          <a:prstGeom prst="roundRect">
+            <a:avLst/>
+          </a:prstGeom>
+        </p:spPr>
+        <p:style>
+          <a:lnRef idx="2">
+            <a:schemeClr val="dk1"/>
+          </a:lnRef>
+          <a:fillRef idx="1">
+            <a:schemeClr val="lt1"/>
+          </a:fillRef>
+          <a:effectRef idx="0">
+            <a:schemeClr val="dk1"/>
+          </a:effectRef>
+          <a:fontRef idx="minor">
+            <a:schemeClr val="dk1"/>
+          </a:fontRef>
+        </p:style>
+        <p:txBody>
+          <a:bodyPr rtlCol="0" anchor="ctr"/>
+          <a:lstStyle/>
+          <a:p>
+            <a:pPr algn="ctr"/>
+            <a:r>
+              <a:rPr lang="en-US" altLang="ko-KR" sz="1000" smtClean="0"/>
+              <a:t>tcm_init()</a:t>
+            </a:r>
+            <a:endParaRPr lang="ko-KR" altLang="en-US" sz="1000"/>
+          </a:p>
+        </p:txBody>
+      </p:sp>
+      <p:sp>
+        <p:nvSpPr>
+          <p:cNvPr id="11" name="모서리가 둥근 직사각형 10"/>
+          <p:cNvSpPr/>
+          <p:nvPr/>
+        </p:nvSpPr>
+        <p:spPr>
+          <a:xfrm>
+            <a:off x="1043608" y="3007112"/>
+            <a:ext cx="1080120" cy="288032"/>
+          </a:xfrm>
+          <a:prstGeom prst="roundRect">
+            <a:avLst/>
+          </a:prstGeom>
+        </p:spPr>
+        <p:style>
+          <a:lnRef idx="2">
+            <a:schemeClr val="dk1"/>
+          </a:lnRef>
+          <a:fillRef idx="1">
+            <a:schemeClr val="lt1"/>
+          </a:fillRef>
+          <a:effectRef idx="0">
+            <a:schemeClr val="dk1"/>
+          </a:effectRef>
+          <a:fontRef idx="minor">
+            <a:schemeClr val="dk1"/>
+          </a:fontRef>
+        </p:style>
+        <p:txBody>
+          <a:bodyPr rtlCol="0" anchor="ctr"/>
+          <a:lstStyle/>
+          <a:p>
+            <a:pPr algn="ctr"/>
+            <a:r>
+              <a:rPr lang="en-US" altLang="ko-KR" sz="1000" smtClean="0"/>
+              <a:t>kmap_init()</a:t>
+            </a:r>
+            <a:endParaRPr lang="ko-KR" altLang="en-US" sz="1000"/>
+          </a:p>
+        </p:txBody>
+      </p:sp>
+      <p:sp>
+        <p:nvSpPr>
+          <p:cNvPr id="12" name="모서리가 둥근 직사각형 11"/>
+          <p:cNvSpPr/>
+          <p:nvPr/>
+        </p:nvSpPr>
+        <p:spPr>
+          <a:xfrm>
+            <a:off x="1043608" y="2553039"/>
+            <a:ext cx="1656184" cy="288032"/>
+          </a:xfrm>
+          <a:prstGeom prst="roundRect">
+            <a:avLst/>
+          </a:prstGeom>
+        </p:spPr>
+        <p:style>
+          <a:lnRef idx="2">
+            <a:schemeClr val="dk1"/>
+          </a:lnRef>
+          <a:fillRef idx="1">
+            <a:schemeClr val="lt1"/>
+          </a:fillRef>
+          <a:effectRef idx="0">
+            <a:schemeClr val="dk1"/>
+          </a:effectRef>
+          <a:fontRef idx="minor">
+            <a:schemeClr val="dk1"/>
+          </a:fontRef>
+        </p:style>
+        <p:txBody>
+          <a:bodyPr rtlCol="0" anchor="ctr"/>
+          <a:lstStyle/>
+          <a:p>
+            <a:pPr algn="ctr"/>
+            <a:r>
+              <a:rPr lang="en-US" altLang="ko-KR" sz="1000" smtClean="0"/>
+              <a:t>devicemaps_init()</a:t>
+            </a:r>
+            <a:endParaRPr lang="ko-KR" altLang="en-US" sz="1000"/>
+          </a:p>
+        </p:txBody>
+      </p:sp>
+      <p:sp>
+        <p:nvSpPr>
+          <p:cNvPr id="13" name="모서리가 둥근 직사각형 12"/>
+          <p:cNvSpPr/>
+          <p:nvPr/>
+        </p:nvSpPr>
+        <p:spPr>
+          <a:xfrm>
+            <a:off x="1043608" y="2098966"/>
+            <a:ext cx="1656184" cy="288032"/>
+          </a:xfrm>
+          <a:prstGeom prst="roundRect">
+            <a:avLst/>
+          </a:prstGeom>
+        </p:spPr>
+        <p:style>
+          <a:lnRef idx="2">
+            <a:schemeClr val="dk1"/>
+          </a:lnRef>
+          <a:fillRef idx="1">
+            <a:schemeClr val="lt1"/>
+          </a:fillRef>
+          <a:effectRef idx="0">
+            <a:schemeClr val="dk1"/>
+          </a:effectRef>
+          <a:fontRef idx="minor">
+            <a:schemeClr val="dk1"/>
+          </a:fontRef>
+        </p:style>
+        <p:txBody>
+          <a:bodyPr rtlCol="0" anchor="ctr"/>
+          <a:lstStyle/>
+          <a:p>
+            <a:pPr algn="ctr"/>
+            <a:r>
+              <a:rPr lang="en-US" altLang="ko-KR" sz="1000"/>
+              <a:t>dma_contiguous_remap()</a:t>
+            </a:r>
+            <a:endParaRPr lang="ko-KR" altLang="en-US" sz="1000"/>
+          </a:p>
+        </p:txBody>
+      </p:sp>
+      <p:sp>
+        <p:nvSpPr>
+          <p:cNvPr id="14" name="모서리가 둥근 직사각형 13"/>
+          <p:cNvSpPr/>
+          <p:nvPr/>
+        </p:nvSpPr>
+        <p:spPr>
+          <a:xfrm>
+            <a:off x="1043608" y="1644893"/>
+            <a:ext cx="1080120" cy="288032"/>
+          </a:xfrm>
+          <a:prstGeom prst="roundRect">
+            <a:avLst/>
+          </a:prstGeom>
+        </p:spPr>
+        <p:style>
+          <a:lnRef idx="2">
+            <a:schemeClr val="dk1"/>
+          </a:lnRef>
+          <a:fillRef idx="1">
+            <a:schemeClr val="lt1"/>
+          </a:fillRef>
+          <a:effectRef idx="0">
+            <a:schemeClr val="dk1"/>
+          </a:effectRef>
+          <a:fontRef idx="minor">
+            <a:schemeClr val="dk1"/>
+          </a:fontRef>
+        </p:style>
+        <p:txBody>
+          <a:bodyPr rtlCol="0" anchor="ctr"/>
+          <a:lstStyle/>
+          <a:p>
+            <a:pPr algn="ctr"/>
+            <a:r>
+              <a:rPr lang="en-US" altLang="ko-KR" sz="1000" smtClean="0"/>
+              <a:t>map_lowmem()</a:t>
+            </a:r>
+            <a:endParaRPr lang="ko-KR" altLang="en-US" sz="1000"/>
+          </a:p>
+        </p:txBody>
+      </p:sp>
+      <p:sp>
+        <p:nvSpPr>
+          <p:cNvPr id="19" name="모서리가 둥근 직사각형 18"/>
+          <p:cNvSpPr/>
+          <p:nvPr/>
+        </p:nvSpPr>
+        <p:spPr>
+          <a:xfrm>
+            <a:off x="1043608" y="4823401"/>
+            <a:ext cx="1656184" cy="288032"/>
+          </a:xfrm>
+          <a:prstGeom prst="roundRect">
+            <a:avLst/>
+          </a:prstGeom>
+        </p:spPr>
+        <p:style>
+          <a:lnRef idx="2">
+            <a:schemeClr val="dk1"/>
+          </a:lnRef>
+          <a:fillRef idx="1">
+            <a:schemeClr val="lt1"/>
+          </a:fillRef>
+          <a:effectRef idx="0">
+            <a:schemeClr val="dk1"/>
+          </a:effectRef>
+          <a:fontRef idx="minor">
+            <a:schemeClr val="dk1"/>
+          </a:fontRef>
+        </p:style>
+        <p:txBody>
+          <a:bodyPr rtlCol="0" anchor="ctr"/>
+          <a:lstStyle/>
+          <a:p>
+            <a:pPr algn="ctr"/>
+            <a:r>
+              <a:rPr lang="en-US" altLang="ko-KR" sz="1000" smtClean="0"/>
+              <a:t>__flush_dcache_page()</a:t>
+            </a:r>
+            <a:endParaRPr lang="ko-KR" altLang="en-US" sz="1000"/>
+          </a:p>
+        </p:txBody>
+      </p:sp>
+      <p:sp>
+        <p:nvSpPr>
+          <p:cNvPr id="20" name="모서리가 둥근 직사각형 19"/>
+          <p:cNvSpPr/>
+          <p:nvPr/>
+        </p:nvSpPr>
+        <p:spPr>
+          <a:xfrm>
+            <a:off x="1043608" y="4369331"/>
+            <a:ext cx="1080120" cy="288032"/>
+          </a:xfrm>
+          <a:prstGeom prst="roundRect">
+            <a:avLst/>
+          </a:prstGeom>
+        </p:spPr>
+        <p:style>
+          <a:lnRef idx="2">
+            <a:schemeClr val="dk1"/>
+          </a:lnRef>
+          <a:fillRef idx="1">
+            <a:schemeClr val="lt1"/>
+          </a:fillRef>
+          <a:effectRef idx="0">
+            <a:schemeClr val="dk1"/>
+          </a:effectRef>
+          <a:fontRef idx="minor">
+            <a:schemeClr val="dk1"/>
+          </a:fontRef>
+        </p:style>
+        <p:txBody>
+          <a:bodyPr rtlCol="0" anchor="ctr"/>
+          <a:lstStyle/>
+          <a:p>
+            <a:pPr algn="ctr"/>
+            <a:r>
+              <a:rPr lang="en-US" altLang="ko-KR" sz="1000" smtClean="0"/>
+              <a:t>bootmem_init()</a:t>
+            </a:r>
+            <a:endParaRPr lang="ko-KR" altLang="en-US" sz="1000"/>
+          </a:p>
+        </p:txBody>
+      </p:sp>
+      <p:sp>
+        <p:nvSpPr>
+          <p:cNvPr id="21" name="모서리가 둥근 직사각형 20"/>
+          <p:cNvSpPr/>
+          <p:nvPr/>
+        </p:nvSpPr>
+        <p:spPr>
+          <a:xfrm>
+            <a:off x="1043608" y="3915258"/>
+            <a:ext cx="1080120" cy="288032"/>
+          </a:xfrm>
+          <a:prstGeom prst="roundRect">
+            <a:avLst/>
+          </a:prstGeom>
+        </p:spPr>
+        <p:style>
+          <a:lnRef idx="2">
+            <a:schemeClr val="dk1"/>
+          </a:lnRef>
+          <a:fillRef idx="1">
+            <a:schemeClr val="lt1"/>
+          </a:fillRef>
+          <a:effectRef idx="0">
+            <a:schemeClr val="dk1"/>
+          </a:effectRef>
+          <a:fontRef idx="minor">
+            <a:schemeClr val="dk1"/>
+          </a:fontRef>
+        </p:style>
+        <p:txBody>
+          <a:bodyPr rtlCol="0" anchor="ctr"/>
+          <a:lstStyle/>
+          <a:p>
+            <a:pPr algn="ctr"/>
+            <a:r>
+              <a:rPr lang="en-US" altLang="ko-KR" sz="1000" smtClean="0"/>
+              <a:t>early_alloc()</a:t>
+            </a:r>
+            <a:endParaRPr lang="ko-KR" altLang="en-US" sz="1000"/>
+          </a:p>
+        </p:txBody>
+      </p:sp>
+      <p:cxnSp>
+        <p:nvCxnSpPr>
+          <p:cNvPr id="23" name="꺾인 연결선 22"/>
+          <p:cNvCxnSpPr>
+            <a:stCxn id="2" idx="2"/>
+            <a:endCxn id="6" idx="1"/>
+          </p:cNvCxnSpPr>
+          <p:nvPr/>
+        </p:nvCxnSpPr>
+        <p:spPr>
+          <a:xfrm rot="16200000" flipH="1">
+            <a:off x="774433" y="611587"/>
+            <a:ext cx="286323" cy="252028"/>
+          </a:xfrm>
+          <a:prstGeom prst="bentConnector2">
+            <a:avLst/>
+          </a:prstGeom>
+          <a:ln>
+            <a:tailEnd type="arrow"/>
+          </a:ln>
+        </p:spPr>
+        <p:style>
+          <a:lnRef idx="1">
+            <a:schemeClr val="dk1"/>
+          </a:lnRef>
+          <a:fillRef idx="0">
+            <a:schemeClr val="dk1"/>
+          </a:fillRef>
+          <a:effectRef idx="0">
+            <a:schemeClr val="dk1"/>
+          </a:effectRef>
+          <a:fontRef idx="minor">
+            <a:schemeClr val="tx1"/>
+          </a:fontRef>
+        </p:style>
+      </p:cxnSp>
+      <p:cxnSp>
+        <p:nvCxnSpPr>
+          <p:cNvPr id="25" name="꺾인 연결선 24"/>
+          <p:cNvCxnSpPr>
+            <a:stCxn id="2" idx="2"/>
+            <a:endCxn id="8" idx="1"/>
+          </p:cNvCxnSpPr>
+          <p:nvPr/>
+        </p:nvCxnSpPr>
+        <p:spPr>
+          <a:xfrm rot="16200000" flipH="1">
+            <a:off x="547396" y="838624"/>
+            <a:ext cx="740396" cy="252028"/>
+          </a:xfrm>
+          <a:prstGeom prst="bentConnector2">
+            <a:avLst/>
+          </a:prstGeom>
+          <a:ln>
+            <a:tailEnd type="arrow"/>
+          </a:ln>
+        </p:spPr>
+        <p:style>
+          <a:lnRef idx="1">
+            <a:schemeClr val="dk1"/>
+          </a:lnRef>
+          <a:fillRef idx="0">
+            <a:schemeClr val="dk1"/>
+          </a:fillRef>
+          <a:effectRef idx="0">
+            <a:schemeClr val="dk1"/>
+          </a:effectRef>
+          <a:fontRef idx="minor">
+            <a:schemeClr val="tx1"/>
+          </a:fontRef>
+        </p:style>
+      </p:cxnSp>
+      <p:cxnSp>
+        <p:nvCxnSpPr>
+          <p:cNvPr id="27" name="꺾인 연결선 26"/>
+          <p:cNvCxnSpPr>
+            <a:stCxn id="2" idx="2"/>
+            <a:endCxn id="14" idx="1"/>
+          </p:cNvCxnSpPr>
+          <p:nvPr/>
+        </p:nvCxnSpPr>
+        <p:spPr>
+          <a:xfrm rot="16200000" flipH="1">
+            <a:off x="320360" y="1065660"/>
+            <a:ext cx="1194469" cy="252028"/>
+          </a:xfrm>
+          <a:prstGeom prst="bentConnector2">
+            <a:avLst/>
+          </a:prstGeom>
+          <a:ln>
+            <a:tailEnd type="arrow"/>
+          </a:ln>
+        </p:spPr>
+        <p:style>
+          <a:lnRef idx="1">
+            <a:schemeClr val="dk1"/>
+          </a:lnRef>
+          <a:fillRef idx="0">
+            <a:schemeClr val="dk1"/>
+          </a:fillRef>
+          <a:effectRef idx="0">
+            <a:schemeClr val="dk1"/>
+          </a:effectRef>
+          <a:fontRef idx="minor">
+            <a:schemeClr val="tx1"/>
+          </a:fontRef>
+        </p:style>
+      </p:cxnSp>
+      <p:cxnSp>
+        <p:nvCxnSpPr>
+          <p:cNvPr id="29" name="꺾인 연결선 28"/>
+          <p:cNvCxnSpPr>
+            <a:stCxn id="2" idx="2"/>
+            <a:endCxn id="13" idx="1"/>
+          </p:cNvCxnSpPr>
+          <p:nvPr/>
+        </p:nvCxnSpPr>
+        <p:spPr>
+          <a:xfrm rot="16200000" flipH="1">
+            <a:off x="93323" y="1292697"/>
+            <a:ext cx="1648542" cy="252028"/>
+          </a:xfrm>
+          <a:prstGeom prst="bentConnector2">
+            <a:avLst/>
+          </a:prstGeom>
+          <a:ln>
+            <a:tailEnd type="arrow"/>
+          </a:ln>
+        </p:spPr>
+        <p:style>
+          <a:lnRef idx="1">
+            <a:schemeClr val="dk1"/>
+          </a:lnRef>
+          <a:fillRef idx="0">
+            <a:schemeClr val="dk1"/>
+          </a:fillRef>
+          <a:effectRef idx="0">
+            <a:schemeClr val="dk1"/>
+          </a:effectRef>
+          <a:fontRef idx="minor">
+            <a:schemeClr val="tx1"/>
+          </a:fontRef>
+        </p:style>
+      </p:cxnSp>
+      <p:cxnSp>
+        <p:nvCxnSpPr>
+          <p:cNvPr id="31" name="꺾인 연결선 30"/>
+          <p:cNvCxnSpPr>
+            <a:stCxn id="2" idx="2"/>
+            <a:endCxn id="12" idx="1"/>
+          </p:cNvCxnSpPr>
+          <p:nvPr/>
+        </p:nvCxnSpPr>
+        <p:spPr>
+          <a:xfrm rot="16200000" flipH="1">
+            <a:off x="-133713" y="1519733"/>
+            <a:ext cx="2102615" cy="252028"/>
+          </a:xfrm>
+          <a:prstGeom prst="bentConnector2">
+            <a:avLst/>
+          </a:prstGeom>
+          <a:ln>
+            <a:tailEnd type="arrow"/>
+          </a:ln>
+        </p:spPr>
+        <p:style>
+          <a:lnRef idx="1">
+            <a:schemeClr val="dk1"/>
+          </a:lnRef>
+          <a:fillRef idx="0">
+            <a:schemeClr val="dk1"/>
+          </a:fillRef>
+          <a:effectRef idx="0">
+            <a:schemeClr val="dk1"/>
+          </a:effectRef>
+          <a:fontRef idx="minor">
+            <a:schemeClr val="tx1"/>
+          </a:fontRef>
+        </p:style>
+      </p:cxnSp>
+      <p:cxnSp>
+        <p:nvCxnSpPr>
+          <p:cNvPr id="33" name="꺾인 연결선 32"/>
+          <p:cNvCxnSpPr>
+            <a:stCxn id="2" idx="2"/>
+            <a:endCxn id="11" idx="1"/>
+          </p:cNvCxnSpPr>
+          <p:nvPr/>
+        </p:nvCxnSpPr>
+        <p:spPr>
+          <a:xfrm rot="16200000" flipH="1">
+            <a:off x="-360750" y="1746770"/>
+            <a:ext cx="2556688" cy="252028"/>
+          </a:xfrm>
+          <a:prstGeom prst="bentConnector2">
+            <a:avLst/>
+          </a:prstGeom>
+          <a:ln>
+            <a:tailEnd type="arrow"/>
+          </a:ln>
+        </p:spPr>
+        <p:style>
+          <a:lnRef idx="1">
+            <a:schemeClr val="dk1"/>
+          </a:lnRef>
+          <a:fillRef idx="0">
+            <a:schemeClr val="dk1"/>
+          </a:fillRef>
+          <a:effectRef idx="0">
+            <a:schemeClr val="dk1"/>
+          </a:effectRef>
+          <a:fontRef idx="minor">
+            <a:schemeClr val="tx1"/>
+          </a:fontRef>
+        </p:style>
+      </p:cxnSp>
+      <p:cxnSp>
+        <p:nvCxnSpPr>
+          <p:cNvPr id="35" name="꺾인 연결선 34"/>
+          <p:cNvCxnSpPr>
+            <a:stCxn id="2" idx="2"/>
+            <a:endCxn id="10" idx="1"/>
+          </p:cNvCxnSpPr>
+          <p:nvPr/>
+        </p:nvCxnSpPr>
+        <p:spPr>
+          <a:xfrm rot="16200000" flipH="1">
+            <a:off x="-587786" y="1973806"/>
+            <a:ext cx="3010761" cy="252028"/>
+          </a:xfrm>
+          <a:prstGeom prst="bentConnector2">
+            <a:avLst/>
+          </a:prstGeom>
+          <a:ln>
+            <a:tailEnd type="arrow"/>
+          </a:ln>
+        </p:spPr>
+        <p:style>
+          <a:lnRef idx="1">
+            <a:schemeClr val="dk1"/>
+          </a:lnRef>
+          <a:fillRef idx="0">
+            <a:schemeClr val="dk1"/>
+          </a:fillRef>
+          <a:effectRef idx="0">
+            <a:schemeClr val="dk1"/>
+          </a:effectRef>
+          <a:fontRef idx="minor">
+            <a:schemeClr val="tx1"/>
+          </a:fontRef>
+        </p:style>
+      </p:cxnSp>
+      <p:cxnSp>
+        <p:nvCxnSpPr>
+          <p:cNvPr id="37" name="꺾인 연결선 36"/>
+          <p:cNvCxnSpPr>
+            <a:stCxn id="2" idx="2"/>
+            <a:endCxn id="21" idx="1"/>
+          </p:cNvCxnSpPr>
+          <p:nvPr/>
+        </p:nvCxnSpPr>
+        <p:spPr>
+          <a:xfrm rot="16200000" flipH="1">
+            <a:off x="-814823" y="2200843"/>
+            <a:ext cx="3464834" cy="252028"/>
+          </a:xfrm>
+          <a:prstGeom prst="bentConnector2">
+            <a:avLst/>
+          </a:prstGeom>
+          <a:ln>
+            <a:tailEnd type="arrow"/>
+          </a:ln>
+        </p:spPr>
+        <p:style>
+          <a:lnRef idx="1">
+            <a:schemeClr val="dk1"/>
+          </a:lnRef>
+          <a:fillRef idx="0">
+            <a:schemeClr val="dk1"/>
+          </a:fillRef>
+          <a:effectRef idx="0">
+            <a:schemeClr val="dk1"/>
+          </a:effectRef>
+          <a:fontRef idx="minor">
+            <a:schemeClr val="tx1"/>
+          </a:fontRef>
+        </p:style>
+      </p:cxnSp>
+      <p:cxnSp>
+        <p:nvCxnSpPr>
+          <p:cNvPr id="39" name="꺾인 연결선 38"/>
+          <p:cNvCxnSpPr>
+            <a:stCxn id="2" idx="2"/>
+            <a:endCxn id="20" idx="1"/>
+          </p:cNvCxnSpPr>
+          <p:nvPr/>
+        </p:nvCxnSpPr>
+        <p:spPr>
+          <a:xfrm rot="16200000" flipH="1">
+            <a:off x="-1041859" y="2427879"/>
+            <a:ext cx="3918907" cy="252028"/>
+          </a:xfrm>
+          <a:prstGeom prst="bentConnector2">
+            <a:avLst/>
+          </a:prstGeom>
+          <a:ln>
+            <a:tailEnd type="arrow"/>
+          </a:ln>
+        </p:spPr>
+        <p:style>
+          <a:lnRef idx="1">
+            <a:schemeClr val="dk1"/>
+          </a:lnRef>
+          <a:fillRef idx="0">
+            <a:schemeClr val="dk1"/>
+          </a:fillRef>
+          <a:effectRef idx="0">
+            <a:schemeClr val="dk1"/>
+          </a:effectRef>
+          <a:fontRef idx="minor">
+            <a:schemeClr val="tx1"/>
+          </a:fontRef>
+        </p:style>
+      </p:cxnSp>
+      <p:cxnSp>
+        <p:nvCxnSpPr>
+          <p:cNvPr id="41" name="꺾인 연결선 40"/>
+          <p:cNvCxnSpPr>
+            <a:stCxn id="2" idx="2"/>
+            <a:endCxn id="19" idx="1"/>
+          </p:cNvCxnSpPr>
+          <p:nvPr/>
+        </p:nvCxnSpPr>
+        <p:spPr>
+          <a:xfrm rot="16200000" flipH="1">
+            <a:off x="-1268894" y="2654914"/>
+            <a:ext cx="4372977" cy="252028"/>
+          </a:xfrm>
+          <a:prstGeom prst="bentConnector2">
+            <a:avLst/>
+          </a:prstGeom>
+          <a:ln>
+            <a:tailEnd type="arrow"/>
+          </a:ln>
+        </p:spPr>
+        <p:style>
+          <a:lnRef idx="1">
+            <a:schemeClr val="dk1"/>
+          </a:lnRef>
+          <a:fillRef idx="0">
+            <a:schemeClr val="dk1"/>
+          </a:fillRef>
+          <a:effectRef idx="0">
+            <a:schemeClr val="dk1"/>
+          </a:effectRef>
+          <a:fontRef idx="minor">
+            <a:schemeClr val="tx1"/>
+          </a:fontRef>
+        </p:style>
+      </p:cxnSp>
+      <p:grpSp>
+        <p:nvGrpSpPr>
+          <p:cNvPr id="77" name="그룹 76"/>
+          <p:cNvGrpSpPr/>
+          <p:nvPr/>
+        </p:nvGrpSpPr>
+        <p:grpSpPr>
+          <a:xfrm>
+            <a:off x="3212172" y="654577"/>
+            <a:ext cx="5608300" cy="2126351"/>
+            <a:chOff x="3212172" y="654577"/>
+            <a:chExt cx="5608300" cy="2126351"/>
+          </a:xfrm>
+        </p:grpSpPr>
+        <p:sp>
+          <p:nvSpPr>
+            <p:cNvPr id="52" name="직사각형 51"/>
+            <p:cNvSpPr/>
+            <p:nvPr/>
+          </p:nvSpPr>
+          <p:spPr>
+            <a:xfrm>
+              <a:off x="3736030" y="1275546"/>
+              <a:ext cx="2016224" cy="453219"/>
+            </a:xfrm>
+            <a:prstGeom prst="rect">
+              <a:avLst/>
+            </a:prstGeom>
+          </p:spPr>
+          <p:style>
+            <a:lnRef idx="1">
+              <a:schemeClr val="dk1"/>
+            </a:lnRef>
+            <a:fillRef idx="2">
+              <a:schemeClr val="dk1"/>
+            </a:fillRef>
+            <a:effectRef idx="1">
+              <a:schemeClr val="dk1"/>
+            </a:effectRef>
+            <a:fontRef idx="minor">
+              <a:schemeClr val="dk1"/>
+            </a:fontRef>
+          </p:style>
+          <p:txBody>
+            <a:bodyPr rtlCol="0" anchor="ctr"/>
+            <a:lstStyle/>
+            <a:p>
+              <a:pPr algn="ctr"/>
+              <a:endParaRPr lang="ko-KR" altLang="en-US" sz="1000"/>
+            </a:p>
+          </p:txBody>
+        </p:sp>
+        <p:sp>
+          <p:nvSpPr>
+            <p:cNvPr id="53" name="TextBox 52"/>
+            <p:cNvSpPr txBox="1"/>
+            <p:nvPr/>
+          </p:nvSpPr>
+          <p:spPr>
+            <a:xfrm>
+              <a:off x="5068270" y="654577"/>
+              <a:ext cx="1368152" cy="246221"/>
+            </a:xfrm>
+            <a:prstGeom prst="rect">
+              <a:avLst/>
+            </a:prstGeom>
+            <a:noFill/>
+          </p:spPr>
+          <p:txBody>
+            <a:bodyPr wrap="square" rtlCol="0">
+              <a:spAutoFit/>
+            </a:bodyPr>
+            <a:lstStyle/>
+            <a:p>
+              <a:pPr algn="ctr"/>
+              <a:r>
+                <a:rPr lang="en-US" altLang="ko-KR" sz="1000" smtClean="0"/>
+                <a:t>MODULES_VADDR</a:t>
+              </a:r>
+              <a:endParaRPr lang="ko-KR" altLang="en-US" sz="1000"/>
+            </a:p>
+          </p:txBody>
+        </p:sp>
+        <p:sp>
+          <p:nvSpPr>
+            <p:cNvPr id="54" name="TextBox 53"/>
+            <p:cNvSpPr txBox="1"/>
+            <p:nvPr/>
+          </p:nvSpPr>
+          <p:spPr>
+            <a:xfrm>
+              <a:off x="5958377" y="817024"/>
+              <a:ext cx="1027914" cy="261610"/>
+            </a:xfrm>
+            <a:prstGeom prst="rect">
+              <a:avLst/>
+            </a:prstGeom>
+            <a:noFill/>
+          </p:spPr>
+          <p:txBody>
+            <a:bodyPr wrap="square" rtlCol="0">
+              <a:spAutoFit/>
+            </a:bodyPr>
+            <a:lstStyle/>
+            <a:p>
+              <a:pPr algn="ctr"/>
+              <a:r>
+                <a:rPr lang="en-US" altLang="ko-KR" sz="1050" smtClean="0"/>
+                <a:t>PAGE_OFFSET</a:t>
+              </a:r>
+              <a:endParaRPr lang="ko-KR" altLang="en-US" sz="1050"/>
+            </a:p>
+          </p:txBody>
+        </p:sp>
+        <p:sp>
+          <p:nvSpPr>
+            <p:cNvPr id="55" name="TextBox 54"/>
+            <p:cNvSpPr txBox="1"/>
+            <p:nvPr/>
+          </p:nvSpPr>
+          <p:spPr>
+            <a:xfrm>
+              <a:off x="7576696" y="798593"/>
+              <a:ext cx="1243776" cy="261610"/>
+            </a:xfrm>
+            <a:prstGeom prst="rect">
+              <a:avLst/>
+            </a:prstGeom>
+            <a:noFill/>
+          </p:spPr>
+          <p:txBody>
+            <a:bodyPr wrap="square" rtlCol="0">
+              <a:spAutoFit/>
+            </a:bodyPr>
+            <a:lstStyle/>
+            <a:p>
+              <a:pPr algn="ctr"/>
+              <a:r>
+                <a:rPr lang="en-US" altLang="ko-KR" sz="1050" smtClean="0"/>
+                <a:t>VMALLOC_START</a:t>
+              </a:r>
+              <a:endParaRPr lang="ko-KR" altLang="en-US" sz="1050"/>
+            </a:p>
+          </p:txBody>
+        </p:sp>
+        <p:sp>
+          <p:nvSpPr>
+            <p:cNvPr id="58" name="TextBox 57"/>
+            <p:cNvSpPr txBox="1"/>
+            <p:nvPr/>
+          </p:nvSpPr>
+          <p:spPr>
+            <a:xfrm>
+              <a:off x="7696470" y="2094737"/>
+              <a:ext cx="1027914" cy="261610"/>
+            </a:xfrm>
+            <a:prstGeom prst="rect">
+              <a:avLst/>
+            </a:prstGeom>
+            <a:noFill/>
+          </p:spPr>
+          <p:txBody>
+            <a:bodyPr wrap="square" rtlCol="0">
+              <a:spAutoFit/>
+            </a:bodyPr>
+            <a:lstStyle/>
+            <a:p>
+              <a:pPr algn="ctr"/>
+              <a:r>
+                <a:rPr lang="en-US" altLang="ko-KR" sz="1050" smtClean="0"/>
+                <a:t>0xd980_0000</a:t>
+              </a:r>
+              <a:endParaRPr lang="ko-KR" altLang="en-US" sz="1050"/>
+            </a:p>
+          </p:txBody>
+        </p:sp>
+        <p:sp>
+          <p:nvSpPr>
+            <p:cNvPr id="59" name="TextBox 58"/>
+            <p:cNvSpPr txBox="1"/>
+            <p:nvPr/>
+          </p:nvSpPr>
+          <p:spPr>
+            <a:xfrm>
+              <a:off x="6961408" y="1878713"/>
+              <a:ext cx="1027914" cy="261610"/>
+            </a:xfrm>
+            <a:prstGeom prst="rect">
+              <a:avLst/>
+            </a:prstGeom>
+            <a:noFill/>
+          </p:spPr>
+          <p:txBody>
+            <a:bodyPr wrap="square" rtlCol="0">
+              <a:spAutoFit/>
+            </a:bodyPr>
+            <a:lstStyle/>
+            <a:p>
+              <a:pPr algn="ctr"/>
+              <a:r>
+                <a:rPr lang="en-US" altLang="ko-KR" sz="1050" smtClean="0"/>
+                <a:t>0xd900_0000</a:t>
+              </a:r>
+              <a:endParaRPr lang="ko-KR" altLang="en-US" sz="1050"/>
+            </a:p>
+          </p:txBody>
+        </p:sp>
+        <p:sp>
+          <p:nvSpPr>
+            <p:cNvPr id="60" name="TextBox 59"/>
+            <p:cNvSpPr txBox="1"/>
+            <p:nvPr/>
+          </p:nvSpPr>
+          <p:spPr>
+            <a:xfrm>
+              <a:off x="5968278" y="2076130"/>
+              <a:ext cx="1027914" cy="261610"/>
+            </a:xfrm>
+            <a:prstGeom prst="rect">
+              <a:avLst/>
+            </a:prstGeom>
+            <a:noFill/>
+          </p:spPr>
+          <p:txBody>
+            <a:bodyPr wrap="square" rtlCol="0">
+              <a:spAutoFit/>
+            </a:bodyPr>
+            <a:lstStyle/>
+            <a:p>
+              <a:pPr algn="ctr"/>
+              <a:r>
+                <a:rPr lang="en-US" altLang="ko-KR" sz="1050" smtClean="0"/>
+                <a:t>0xc000_0000</a:t>
+              </a:r>
+              <a:endParaRPr lang="ko-KR" altLang="en-US" sz="1050"/>
+            </a:p>
+          </p:txBody>
+        </p:sp>
+        <p:sp>
+          <p:nvSpPr>
+            <p:cNvPr id="61" name="TextBox 60"/>
+            <p:cNvSpPr txBox="1"/>
+            <p:nvPr/>
+          </p:nvSpPr>
+          <p:spPr>
+            <a:xfrm>
+              <a:off x="5248198" y="1871019"/>
+              <a:ext cx="1027914" cy="261610"/>
+            </a:xfrm>
+            <a:prstGeom prst="rect">
+              <a:avLst/>
+            </a:prstGeom>
+            <a:noFill/>
+          </p:spPr>
+          <p:txBody>
+            <a:bodyPr wrap="square" rtlCol="0">
+              <a:spAutoFit/>
+            </a:bodyPr>
+            <a:lstStyle/>
+            <a:p>
+              <a:pPr algn="ctr"/>
+              <a:r>
+                <a:rPr lang="en-US" altLang="ko-KR" sz="1050" smtClean="0"/>
+                <a:t>0xbf00_0000</a:t>
+              </a:r>
+              <a:endParaRPr lang="ko-KR" altLang="en-US" sz="1050"/>
+            </a:p>
+          </p:txBody>
+        </p:sp>
+        <p:sp>
+          <p:nvSpPr>
+            <p:cNvPr id="62" name="TextBox 61"/>
+            <p:cNvSpPr txBox="1"/>
+            <p:nvPr/>
+          </p:nvSpPr>
+          <p:spPr>
+            <a:xfrm>
+              <a:off x="3212172" y="1878713"/>
+              <a:ext cx="1027914" cy="253916"/>
+            </a:xfrm>
+            <a:prstGeom prst="rect">
+              <a:avLst/>
+            </a:prstGeom>
+            <a:noFill/>
+          </p:spPr>
+          <p:txBody>
+            <a:bodyPr wrap="square" rtlCol="0">
+              <a:spAutoFit/>
+            </a:bodyPr>
+            <a:lstStyle/>
+            <a:p>
+              <a:pPr algn="ctr"/>
+              <a:r>
+                <a:rPr lang="en-US" altLang="ko-KR" sz="1050" smtClean="0"/>
+                <a:t>0x0000_0000</a:t>
+              </a:r>
+              <a:endParaRPr lang="ko-KR" altLang="en-US" sz="1050"/>
+            </a:p>
+          </p:txBody>
+        </p:sp>
+        <p:sp>
+          <p:nvSpPr>
+            <p:cNvPr id="63" name="직사각형 62"/>
+            <p:cNvSpPr/>
+            <p:nvPr/>
+          </p:nvSpPr>
+          <p:spPr>
+            <a:xfrm>
+              <a:off x="5752254" y="1276400"/>
+              <a:ext cx="720080" cy="453219"/>
+            </a:xfrm>
+            <a:prstGeom prst="rect">
+              <a:avLst/>
+            </a:prstGeom>
+          </p:spPr>
+          <p:style>
+            <a:lnRef idx="1">
+              <a:schemeClr val="dk1"/>
+            </a:lnRef>
+            <a:fillRef idx="2">
+              <a:schemeClr val="dk1"/>
+            </a:fillRef>
+            <a:effectRef idx="1">
+              <a:schemeClr val="dk1"/>
+            </a:effectRef>
+            <a:fontRef idx="minor">
+              <a:schemeClr val="dk1"/>
+            </a:fontRef>
+          </p:style>
+          <p:txBody>
+            <a:bodyPr rtlCol="0" anchor="ctr"/>
+            <a:lstStyle/>
+            <a:p>
+              <a:pPr algn="ctr"/>
+              <a:endParaRPr lang="ko-KR" altLang="en-US" sz="1000"/>
+            </a:p>
+          </p:txBody>
+        </p:sp>
+        <p:sp>
+          <p:nvSpPr>
+            <p:cNvPr id="64" name="직사각형 63"/>
+            <p:cNvSpPr/>
+            <p:nvPr/>
+          </p:nvSpPr>
+          <p:spPr>
+            <a:xfrm>
+              <a:off x="6467253" y="1274692"/>
+              <a:ext cx="1008112" cy="453219"/>
+            </a:xfrm>
+            <a:prstGeom prst="rect">
+              <a:avLst/>
+            </a:prstGeom>
+          </p:spPr>
+          <p:style>
+            <a:lnRef idx="2">
+              <a:schemeClr val="dk1"/>
+            </a:lnRef>
+            <a:fillRef idx="1">
+              <a:schemeClr val="lt1"/>
+            </a:fillRef>
+            <a:effectRef idx="0">
+              <a:schemeClr val="dk1"/>
+            </a:effectRef>
+            <a:fontRef idx="minor">
+              <a:schemeClr val="dk1"/>
+            </a:fontRef>
+          </p:style>
+          <p:txBody>
+            <a:bodyPr rtlCol="0" anchor="ctr"/>
+            <a:lstStyle/>
+            <a:p>
+              <a:pPr algn="ctr"/>
+              <a:r>
+                <a:rPr lang="en-US" altLang="ko-KR" sz="1000" smtClean="0"/>
+                <a:t>Low Mem</a:t>
+              </a:r>
+              <a:endParaRPr lang="ko-KR" altLang="en-US" sz="1000"/>
+            </a:p>
+          </p:txBody>
+        </p:sp>
+        <p:sp>
+          <p:nvSpPr>
+            <p:cNvPr id="66" name="직사각형 65"/>
+            <p:cNvSpPr/>
+            <p:nvPr/>
+          </p:nvSpPr>
+          <p:spPr>
+            <a:xfrm>
+              <a:off x="7475365" y="1274691"/>
+              <a:ext cx="720080" cy="453219"/>
+            </a:xfrm>
+            <a:prstGeom prst="rect">
+              <a:avLst/>
+            </a:prstGeom>
+          </p:spPr>
+          <p:style>
+            <a:lnRef idx="1">
+              <a:schemeClr val="dk1"/>
+            </a:lnRef>
+            <a:fillRef idx="2">
+              <a:schemeClr val="dk1"/>
+            </a:fillRef>
+            <a:effectRef idx="1">
+              <a:schemeClr val="dk1"/>
+            </a:effectRef>
+            <a:fontRef idx="minor">
+              <a:schemeClr val="dk1"/>
+            </a:fontRef>
+          </p:style>
+          <p:txBody>
+            <a:bodyPr rtlCol="0" anchor="ctr"/>
+            <a:lstStyle/>
+            <a:p>
+              <a:pPr algn="ctr"/>
+              <a:endParaRPr lang="ko-KR" altLang="en-US" sz="1000"/>
+            </a:p>
+          </p:txBody>
+        </p:sp>
+        <p:cxnSp>
+          <p:nvCxnSpPr>
+            <p:cNvPr id="68" name="직선 화살표 연결선 67"/>
+            <p:cNvCxnSpPr>
+              <a:stCxn id="53" idx="2"/>
+            </p:cNvCxnSpPr>
+            <p:nvPr/>
+          </p:nvCxnSpPr>
+          <p:spPr>
+            <a:xfrm>
+              <a:off x="5752346" y="900798"/>
+              <a:ext cx="0" cy="375602"/>
+            </a:xfrm>
+            <a:prstGeom prst="straightConnector1">
+              <a:avLst/>
+            </a:prstGeom>
+            <a:ln>
+              <a:tailEnd type="arrow"/>
+            </a:ln>
+          </p:spPr>
+          <p:style>
+            <a:lnRef idx="1">
+              <a:schemeClr val="dk1"/>
+            </a:lnRef>
+            <a:fillRef idx="0">
+              <a:schemeClr val="dk1"/>
+            </a:fillRef>
+            <a:effectRef idx="0">
+              <a:schemeClr val="dk1"/>
+            </a:effectRef>
+            <a:fontRef idx="minor">
+              <a:schemeClr val="tx1"/>
+            </a:fontRef>
+          </p:style>
+        </p:cxnSp>
+        <p:cxnSp>
+          <p:nvCxnSpPr>
+            <p:cNvPr id="70" name="직선 화살표 연결선 69"/>
+            <p:cNvCxnSpPr>
+              <a:stCxn id="54" idx="2"/>
+            </p:cNvCxnSpPr>
+            <p:nvPr/>
+          </p:nvCxnSpPr>
+          <p:spPr>
+            <a:xfrm>
+              <a:off x="6472334" y="1078634"/>
+              <a:ext cx="0" cy="196057"/>
+            </a:xfrm>
+            <a:prstGeom prst="straightConnector1">
+              <a:avLst/>
+            </a:prstGeom>
+            <a:ln>
+              <a:tailEnd type="arrow"/>
+            </a:ln>
+          </p:spPr>
+          <p:style>
+            <a:lnRef idx="1">
+              <a:schemeClr val="dk1"/>
+            </a:lnRef>
+            <a:fillRef idx="0">
+              <a:schemeClr val="dk1"/>
+            </a:fillRef>
+            <a:effectRef idx="0">
+              <a:schemeClr val="dk1"/>
+            </a:effectRef>
+            <a:fontRef idx="minor">
+              <a:schemeClr val="tx1"/>
+            </a:fontRef>
+          </p:style>
+        </p:cxnSp>
+        <p:cxnSp>
+          <p:nvCxnSpPr>
+            <p:cNvPr id="72" name="직선 화살표 연결선 71"/>
+            <p:cNvCxnSpPr>
+              <a:stCxn id="55" idx="2"/>
+            </p:cNvCxnSpPr>
+            <p:nvPr/>
+          </p:nvCxnSpPr>
+          <p:spPr>
+            <a:xfrm>
+              <a:off x="8198584" y="1060203"/>
+              <a:ext cx="0" cy="214488"/>
+            </a:xfrm>
+            <a:prstGeom prst="straightConnector1">
+              <a:avLst/>
+            </a:prstGeom>
+            <a:ln>
+              <a:tailEnd type="arrow"/>
+            </a:ln>
+          </p:spPr>
+          <p:style>
+            <a:lnRef idx="1">
+              <a:schemeClr val="dk1"/>
+            </a:lnRef>
+            <a:fillRef idx="0">
+              <a:schemeClr val="dk1"/>
+            </a:fillRef>
+            <a:effectRef idx="0">
+              <a:schemeClr val="dk1"/>
+            </a:effectRef>
+            <a:fontRef idx="minor">
+              <a:schemeClr val="tx1"/>
+            </a:fontRef>
+          </p:style>
+        </p:cxnSp>
+        <p:sp>
+          <p:nvSpPr>
+            <p:cNvPr id="75" name="직사각형 74"/>
+            <p:cNvSpPr/>
+            <p:nvPr/>
+          </p:nvSpPr>
+          <p:spPr>
+            <a:xfrm>
+              <a:off x="3770809" y="2410302"/>
+              <a:ext cx="541285" cy="370626"/>
+            </a:xfrm>
+            <a:prstGeom prst="rect">
+              <a:avLst/>
+            </a:prstGeom>
+          </p:spPr>
+          <p:style>
+            <a:lnRef idx="1">
+              <a:schemeClr val="dk1"/>
+            </a:lnRef>
+            <a:fillRef idx="2">
+              <a:schemeClr val="dk1"/>
+            </a:fillRef>
+            <a:effectRef idx="1">
+              <a:schemeClr val="dk1"/>
+            </a:effectRef>
+            <a:fontRef idx="minor">
+              <a:schemeClr val="dk1"/>
+            </a:fontRef>
+          </p:style>
+          <p:txBody>
+            <a:bodyPr rtlCol="0" anchor="ctr"/>
+            <a:lstStyle/>
+            <a:p>
+              <a:pPr algn="ctr"/>
+              <a:endParaRPr lang="ko-KR" altLang="en-US" sz="1000"/>
+            </a:p>
+          </p:txBody>
+        </p:sp>
+        <p:sp>
+          <p:nvSpPr>
+            <p:cNvPr id="76" name="TextBox 75"/>
+            <p:cNvSpPr txBox="1"/>
+            <p:nvPr/>
+          </p:nvSpPr>
+          <p:spPr>
+            <a:xfrm>
+              <a:off x="4292292" y="2488893"/>
+              <a:ext cx="1027914" cy="253916"/>
+            </a:xfrm>
+            <a:prstGeom prst="rect">
+              <a:avLst/>
+            </a:prstGeom>
+            <a:noFill/>
+          </p:spPr>
+          <p:txBody>
+            <a:bodyPr wrap="square" rtlCol="0">
+              <a:spAutoFit/>
+            </a:bodyPr>
+            <a:lstStyle/>
+            <a:p>
+              <a:pPr algn="ctr"/>
+              <a:r>
+                <a:rPr lang="en-US" altLang="ko-KR" sz="1050" smtClean="0"/>
+                <a:t>pmd_clear</a:t>
+              </a:r>
+              <a:endParaRPr lang="ko-KR" altLang="en-US" sz="1050"/>
+            </a:p>
+          </p:txBody>
+        </p:sp>
+      </p:grpSp>
+    </p:spTree>
+    <p:extLst>
+      <p:ext uri="{BB962C8B-B14F-4D97-AF65-F5344CB8AC3E}">
+        <p14:creationId xmlns:p14="http://schemas.microsoft.com/office/powerpoint/2010/main" val="4127657256"/>
+      </p:ext>
+    </p:extLst>
+  </p:cSld>
+  <p:clrMapOvr>
+    <a:masterClrMapping/>
+  </p:clrMapOvr>
+  <p:timing>
+    <p:tnLst>
+      <p:par>
+        <p:cTn id="1" dur="indefinite" restart="never" nodeType="tmRoot"/>
+      </p:par>
+    </p:tnLst>
+  </p:timing>
 </p:sld>
 </file>
 

--- a/00-iamroot11c/users/blomdhal/temp/temp.pptx
+++ b/00-iamroot11c/users/blomdhal/temp/temp.pptx
@@ -9,6 +9,7 @@
     <p:sldId id="257" r:id="rId3"/>
     <p:sldId id="258" r:id="rId4"/>
     <p:sldId id="259" r:id="rId5"/>
+    <p:sldId id="260" r:id="rId6"/>
   </p:sldIdLst>
   <p:sldSz cx="9144000" cy="6858000" type="screen4x3"/>
   <p:notesSz cx="6858000" cy="9144000"/>
@@ -291,7 +292,7 @@
           <a:p>
             <a:fld id="{45806C50-3C04-4827-BE75-29D46D82EADB}" type="datetimeFigureOut">
               <a:rPr lang="ko-KR" altLang="en-US" smtClean="0"/>
-              <a:t>2014-12-24</a:t>
+              <a:t>2014-12-31</a:t>
             </a:fld>
             <a:endParaRPr lang="ko-KR" altLang="en-US"/>
           </a:p>
@@ -461,7 +462,7 @@
           <a:p>
             <a:fld id="{45806C50-3C04-4827-BE75-29D46D82EADB}" type="datetimeFigureOut">
               <a:rPr lang="ko-KR" altLang="en-US" smtClean="0"/>
-              <a:t>2014-12-24</a:t>
+              <a:t>2014-12-31</a:t>
             </a:fld>
             <a:endParaRPr lang="ko-KR" altLang="en-US"/>
           </a:p>
@@ -641,7 +642,7 @@
           <a:p>
             <a:fld id="{45806C50-3C04-4827-BE75-29D46D82EADB}" type="datetimeFigureOut">
               <a:rPr lang="ko-KR" altLang="en-US" smtClean="0"/>
-              <a:t>2014-12-24</a:t>
+              <a:t>2014-12-31</a:t>
             </a:fld>
             <a:endParaRPr lang="ko-KR" altLang="en-US"/>
           </a:p>
@@ -811,7 +812,7 @@
           <a:p>
             <a:fld id="{45806C50-3C04-4827-BE75-29D46D82EADB}" type="datetimeFigureOut">
               <a:rPr lang="ko-KR" altLang="en-US" smtClean="0"/>
-              <a:t>2014-12-24</a:t>
+              <a:t>2014-12-31</a:t>
             </a:fld>
             <a:endParaRPr lang="ko-KR" altLang="en-US"/>
           </a:p>
@@ -1057,7 +1058,7 @@
           <a:p>
             <a:fld id="{45806C50-3C04-4827-BE75-29D46D82EADB}" type="datetimeFigureOut">
               <a:rPr lang="ko-KR" altLang="en-US" smtClean="0"/>
-              <a:t>2014-12-24</a:t>
+              <a:t>2014-12-31</a:t>
             </a:fld>
             <a:endParaRPr lang="ko-KR" altLang="en-US"/>
           </a:p>
@@ -1345,7 +1346,7 @@
           <a:p>
             <a:fld id="{45806C50-3C04-4827-BE75-29D46D82EADB}" type="datetimeFigureOut">
               <a:rPr lang="ko-KR" altLang="en-US" smtClean="0"/>
-              <a:t>2014-12-24</a:t>
+              <a:t>2014-12-31</a:t>
             </a:fld>
             <a:endParaRPr lang="ko-KR" altLang="en-US"/>
           </a:p>
@@ -1767,7 +1768,7 @@
           <a:p>
             <a:fld id="{45806C50-3C04-4827-BE75-29D46D82EADB}" type="datetimeFigureOut">
               <a:rPr lang="ko-KR" altLang="en-US" smtClean="0"/>
-              <a:t>2014-12-24</a:t>
+              <a:t>2014-12-31</a:t>
             </a:fld>
             <a:endParaRPr lang="ko-KR" altLang="en-US"/>
           </a:p>
@@ -1885,7 +1886,7 @@
           <a:p>
             <a:fld id="{45806C50-3C04-4827-BE75-29D46D82EADB}" type="datetimeFigureOut">
               <a:rPr lang="ko-KR" altLang="en-US" smtClean="0"/>
-              <a:t>2014-12-24</a:t>
+              <a:t>2014-12-31</a:t>
             </a:fld>
             <a:endParaRPr lang="ko-KR" altLang="en-US"/>
           </a:p>
@@ -1980,7 +1981,7 @@
           <a:p>
             <a:fld id="{45806C50-3C04-4827-BE75-29D46D82EADB}" type="datetimeFigureOut">
               <a:rPr lang="ko-KR" altLang="en-US" smtClean="0"/>
-              <a:t>2014-12-24</a:t>
+              <a:t>2014-12-31</a:t>
             </a:fld>
             <a:endParaRPr lang="ko-KR" altLang="en-US"/>
           </a:p>
@@ -2257,7 +2258,7 @@
           <a:p>
             <a:fld id="{45806C50-3C04-4827-BE75-29D46D82EADB}" type="datetimeFigureOut">
               <a:rPr lang="ko-KR" altLang="en-US" smtClean="0"/>
-              <a:t>2014-12-24</a:t>
+              <a:t>2014-12-31</a:t>
             </a:fld>
             <a:endParaRPr lang="ko-KR" altLang="en-US"/>
           </a:p>
@@ -2510,7 +2511,7 @@
           <a:p>
             <a:fld id="{45806C50-3C04-4827-BE75-29D46D82EADB}" type="datetimeFigureOut">
               <a:rPr lang="ko-KR" altLang="en-US" smtClean="0"/>
-              <a:t>2014-12-24</a:t>
+              <a:t>2014-12-31</a:t>
             </a:fld>
             <a:endParaRPr lang="ko-KR" altLang="en-US"/>
           </a:p>
@@ -2723,7 +2724,7 @@
           <a:p>
             <a:fld id="{45806C50-3C04-4827-BE75-29D46D82EADB}" type="datetimeFigureOut">
               <a:rPr lang="ko-KR" altLang="en-US" smtClean="0"/>
-              <a:t>2014-12-24</a:t>
+              <a:t>2014-12-31</a:t>
             </a:fld>
             <a:endParaRPr lang="ko-KR" altLang="en-US"/>
           </a:p>
@@ -11626,6 +11627,887 @@
 </p:sld>
 </file>
 
+<file path=ppt/slides/slide5.xml><?xml version="1.0" encoding="utf-8"?>
+<p:sld xmlns:a="http://schemas.openxmlformats.org/drawingml/2006/main" xmlns:r="http://schemas.openxmlformats.org/officeDocument/2006/relationships" xmlns:p="http://schemas.openxmlformats.org/presentationml/2006/main">
+  <p:cSld>
+    <p:spTree>
+      <p:nvGrpSpPr>
+        <p:cNvPr id="1" name=""/>
+        <p:cNvGrpSpPr/>
+        <p:nvPr/>
+      </p:nvGrpSpPr>
+      <p:grpSpPr>
+        <a:xfrm>
+          <a:off x="0" y="0"/>
+          <a:ext cx="0" cy="0"/>
+          <a:chOff x="0" y="0"/>
+          <a:chExt cx="0" cy="0"/>
+        </a:xfrm>
+      </p:grpSpPr>
+      <p:sp>
+        <p:nvSpPr>
+          <p:cNvPr id="2" name="직사각형 1"/>
+          <p:cNvSpPr/>
+          <p:nvPr/>
+        </p:nvSpPr>
+        <p:spPr>
+          <a:xfrm>
+            <a:off x="467544" y="1628800"/>
+            <a:ext cx="4680520" cy="432048"/>
+          </a:xfrm>
+          <a:prstGeom prst="rect">
+            <a:avLst/>
+          </a:prstGeom>
+        </p:spPr>
+        <p:style>
+          <a:lnRef idx="2">
+            <a:schemeClr val="dk1"/>
+          </a:lnRef>
+          <a:fillRef idx="1">
+            <a:schemeClr val="lt1"/>
+          </a:fillRef>
+          <a:effectRef idx="0">
+            <a:schemeClr val="dk1"/>
+          </a:effectRef>
+          <a:fontRef idx="minor">
+            <a:schemeClr val="dk1"/>
+          </a:fontRef>
+        </p:style>
+        <p:txBody>
+          <a:bodyPr rtlCol="0" anchor="ctr"/>
+          <a:lstStyle/>
+          <a:p>
+            <a:pPr algn="ctr"/>
+            <a:r>
+              <a:rPr lang="en-US" altLang="ko-KR" smtClean="0"/>
+              <a:t>PHYS</a:t>
+            </a:r>
+            <a:endParaRPr lang="ko-KR" altLang="en-US"/>
+          </a:p>
+        </p:txBody>
+      </p:sp>
+      <p:sp>
+        <p:nvSpPr>
+          <p:cNvPr id="3" name="TextBox 2"/>
+          <p:cNvSpPr txBox="1"/>
+          <p:nvPr/>
+        </p:nvSpPr>
+        <p:spPr>
+          <a:xfrm>
+            <a:off x="5022050" y="1349813"/>
+            <a:ext cx="252028" cy="261610"/>
+          </a:xfrm>
+          <a:prstGeom prst="rect">
+            <a:avLst/>
+          </a:prstGeom>
+          <a:noFill/>
+        </p:spPr>
+        <p:txBody>
+          <a:bodyPr wrap="square" rtlCol="0">
+            <a:spAutoFit/>
+          </a:bodyPr>
+          <a:lstStyle/>
+          <a:p>
+            <a:pPr algn="ctr"/>
+            <a:r>
+              <a:rPr lang="en-US" altLang="ko-KR" sz="1100" smtClean="0"/>
+              <a:t>0</a:t>
+            </a:r>
+            <a:endParaRPr lang="ko-KR" altLang="en-US" sz="1100"/>
+          </a:p>
+        </p:txBody>
+      </p:sp>
+      <p:sp>
+        <p:nvSpPr>
+          <p:cNvPr id="4" name="TextBox 3"/>
+          <p:cNvSpPr txBox="1"/>
+          <p:nvPr/>
+        </p:nvSpPr>
+        <p:spPr>
+          <a:xfrm>
+            <a:off x="179512" y="1339967"/>
+            <a:ext cx="486054" cy="261610"/>
+          </a:xfrm>
+          <a:prstGeom prst="rect">
+            <a:avLst/>
+          </a:prstGeom>
+          <a:noFill/>
+        </p:spPr>
+        <p:txBody>
+          <a:bodyPr wrap="square" rtlCol="0">
+            <a:spAutoFit/>
+          </a:bodyPr>
+          <a:lstStyle/>
+          <a:p>
+            <a:pPr algn="ctr"/>
+            <a:r>
+              <a:rPr lang="en-US" altLang="ko-KR" sz="1100" smtClean="0"/>
+              <a:t>31</a:t>
+            </a:r>
+            <a:endParaRPr lang="ko-KR" altLang="en-US" sz="1100"/>
+          </a:p>
+        </p:txBody>
+      </p:sp>
+      <p:sp>
+        <p:nvSpPr>
+          <p:cNvPr id="5" name="TextBox 4"/>
+          <p:cNvSpPr txBox="1"/>
+          <p:nvPr/>
+        </p:nvSpPr>
+        <p:spPr>
+          <a:xfrm>
+            <a:off x="989602" y="1339967"/>
+            <a:ext cx="486054" cy="261610"/>
+          </a:xfrm>
+          <a:prstGeom prst="rect">
+            <a:avLst/>
+          </a:prstGeom>
+          <a:noFill/>
+        </p:spPr>
+        <p:txBody>
+          <a:bodyPr wrap="square" rtlCol="0">
+            <a:spAutoFit/>
+          </a:bodyPr>
+          <a:lstStyle/>
+          <a:p>
+            <a:pPr algn="ctr"/>
+            <a:r>
+              <a:rPr lang="en-US" altLang="ko-KR" sz="1100" smtClean="0"/>
+              <a:t>28</a:t>
+            </a:r>
+            <a:endParaRPr lang="ko-KR" altLang="en-US" sz="1100"/>
+          </a:p>
+        </p:txBody>
+      </p:sp>
+      <p:sp>
+        <p:nvSpPr>
+          <p:cNvPr id="6" name="TextBox 5"/>
+          <p:cNvSpPr txBox="1"/>
+          <p:nvPr/>
+        </p:nvSpPr>
+        <p:spPr>
+          <a:xfrm>
+            <a:off x="3491880" y="1349813"/>
+            <a:ext cx="486054" cy="261610"/>
+          </a:xfrm>
+          <a:prstGeom prst="rect">
+            <a:avLst/>
+          </a:prstGeom>
+          <a:noFill/>
+        </p:spPr>
+        <p:txBody>
+          <a:bodyPr wrap="square" rtlCol="0">
+            <a:spAutoFit/>
+          </a:bodyPr>
+          <a:lstStyle/>
+          <a:p>
+            <a:pPr algn="ctr"/>
+            <a:r>
+              <a:rPr lang="en-US" altLang="ko-KR" sz="1100" smtClean="0"/>
+              <a:t>12</a:t>
+            </a:r>
+            <a:endParaRPr lang="ko-KR" altLang="en-US" sz="1100"/>
+          </a:p>
+        </p:txBody>
+      </p:sp>
+      <p:sp>
+        <p:nvSpPr>
+          <p:cNvPr id="7" name="TextBox 6"/>
+          <p:cNvSpPr txBox="1"/>
+          <p:nvPr/>
+        </p:nvSpPr>
+        <p:spPr>
+          <a:xfrm>
+            <a:off x="422539" y="2490281"/>
+            <a:ext cx="2385265" cy="938719"/>
+          </a:xfrm>
+          <a:prstGeom prst="rect">
+            <a:avLst/>
+          </a:prstGeom>
+          <a:noFill/>
+        </p:spPr>
+        <p:txBody>
+          <a:bodyPr wrap="square" rtlCol="0">
+            <a:spAutoFit/>
+          </a:bodyPr>
+          <a:lstStyle/>
+          <a:p>
+            <a:r>
+              <a:rPr lang="en-US" altLang="ko-KR" sz="1100" b="1" smtClean="0"/>
+              <a:t>section nr</a:t>
+            </a:r>
+            <a:r>
+              <a:rPr lang="en-US" altLang="ko-KR" sz="1100" smtClean="0"/>
+              <a:t/>
+            </a:r>
+            <a:br>
+              <a:rPr lang="en-US" altLang="ko-KR" sz="1100" smtClean="0"/>
+            </a:br>
+            <a:r>
+              <a:rPr lang="en-US" altLang="ko-KR" sz="1100" smtClean="0"/>
+              <a:t>size: 4 bit</a:t>
+            </a:r>
+            <a:br>
+              <a:rPr lang="en-US" altLang="ko-KR" sz="1100" smtClean="0"/>
+            </a:br>
+            <a:r>
+              <a:rPr lang="en-US" altLang="ko-KR" sz="1100" smtClean="0"/>
+              <a:t>total section count: 2^4 = 16</a:t>
+            </a:r>
+            <a:r>
+              <a:rPr lang="ko-KR" altLang="en-US" sz="1100" smtClean="0"/>
+              <a:t>개</a:t>
+            </a:r>
+            <a:endParaRPr lang="en-US" altLang="ko-KR" sz="1100" smtClean="0"/>
+          </a:p>
+          <a:p>
+            <a:r>
+              <a:rPr lang="en-US" altLang="ko-KR" sz="1100" smtClean="0"/>
+              <a:t>section nr = pfn / 64K(0x1_0000)</a:t>
+            </a:r>
+            <a:br>
+              <a:rPr lang="en-US" altLang="ko-KR" sz="1100" smtClean="0"/>
+            </a:br>
+            <a:endParaRPr lang="ko-KR" altLang="en-US" sz="1100"/>
+          </a:p>
+        </p:txBody>
+      </p:sp>
+      <p:cxnSp>
+        <p:nvCxnSpPr>
+          <p:cNvPr id="9" name="직선 연결선 8"/>
+          <p:cNvCxnSpPr/>
+          <p:nvPr/>
+        </p:nvCxnSpPr>
+        <p:spPr>
+          <a:xfrm>
+            <a:off x="1232629" y="1628800"/>
+            <a:ext cx="0" cy="432048"/>
+          </a:xfrm>
+          <a:prstGeom prst="line">
+            <a:avLst/>
+          </a:prstGeom>
+        </p:spPr>
+        <p:style>
+          <a:lnRef idx="1">
+            <a:schemeClr val="dk1"/>
+          </a:lnRef>
+          <a:fillRef idx="0">
+            <a:schemeClr val="dk1"/>
+          </a:fillRef>
+          <a:effectRef idx="0">
+            <a:schemeClr val="dk1"/>
+          </a:effectRef>
+          <a:fontRef idx="minor">
+            <a:schemeClr val="tx1"/>
+          </a:fontRef>
+        </p:style>
+      </p:cxnSp>
+      <p:cxnSp>
+        <p:nvCxnSpPr>
+          <p:cNvPr id="15" name="직선 화살표 연결선 14"/>
+          <p:cNvCxnSpPr/>
+          <p:nvPr/>
+        </p:nvCxnSpPr>
+        <p:spPr>
+          <a:xfrm>
+            <a:off x="467544" y="2280102"/>
+            <a:ext cx="765085" cy="0"/>
+          </a:xfrm>
+          <a:prstGeom prst="straightConnector1">
+            <a:avLst/>
+          </a:prstGeom>
+          <a:ln>
+            <a:headEnd type="triangle"/>
+            <a:tailEnd type="triangle"/>
+          </a:ln>
+        </p:spPr>
+        <p:style>
+          <a:lnRef idx="1">
+            <a:schemeClr val="dk1"/>
+          </a:lnRef>
+          <a:fillRef idx="0">
+            <a:schemeClr val="dk1"/>
+          </a:fillRef>
+          <a:effectRef idx="0">
+            <a:schemeClr val="dk1"/>
+          </a:effectRef>
+          <a:fontRef idx="minor">
+            <a:schemeClr val="tx1"/>
+          </a:fontRef>
+        </p:style>
+      </p:cxnSp>
+      <p:cxnSp>
+        <p:nvCxnSpPr>
+          <p:cNvPr id="16" name="직선 연결선 15"/>
+          <p:cNvCxnSpPr/>
+          <p:nvPr/>
+        </p:nvCxnSpPr>
+        <p:spPr>
+          <a:xfrm>
+            <a:off x="1232629" y="1052736"/>
+            <a:ext cx="0" cy="287231"/>
+          </a:xfrm>
+          <a:prstGeom prst="line">
+            <a:avLst/>
+          </a:prstGeom>
+        </p:spPr>
+        <p:style>
+          <a:lnRef idx="1">
+            <a:schemeClr val="dk1"/>
+          </a:lnRef>
+          <a:fillRef idx="0">
+            <a:schemeClr val="dk1"/>
+          </a:fillRef>
+          <a:effectRef idx="0">
+            <a:schemeClr val="dk1"/>
+          </a:effectRef>
+          <a:fontRef idx="minor">
+            <a:schemeClr val="tx1"/>
+          </a:fontRef>
+        </p:style>
+      </p:cxnSp>
+      <p:cxnSp>
+        <p:nvCxnSpPr>
+          <p:cNvPr id="17" name="직선 연결선 16"/>
+          <p:cNvCxnSpPr/>
+          <p:nvPr/>
+        </p:nvCxnSpPr>
+        <p:spPr>
+          <a:xfrm>
+            <a:off x="3734907" y="1052736"/>
+            <a:ext cx="0" cy="287231"/>
+          </a:xfrm>
+          <a:prstGeom prst="line">
+            <a:avLst/>
+          </a:prstGeom>
+        </p:spPr>
+        <p:style>
+          <a:lnRef idx="1">
+            <a:schemeClr val="dk1"/>
+          </a:lnRef>
+          <a:fillRef idx="0">
+            <a:schemeClr val="dk1"/>
+          </a:fillRef>
+          <a:effectRef idx="0">
+            <a:schemeClr val="dk1"/>
+          </a:effectRef>
+          <a:fontRef idx="minor">
+            <a:schemeClr val="tx1"/>
+          </a:fontRef>
+        </p:style>
+      </p:cxnSp>
+      <p:cxnSp>
+        <p:nvCxnSpPr>
+          <p:cNvPr id="18" name="직선 화살표 연결선 17"/>
+          <p:cNvCxnSpPr/>
+          <p:nvPr/>
+        </p:nvCxnSpPr>
+        <p:spPr>
+          <a:xfrm>
+            <a:off x="1232629" y="1196752"/>
+            <a:ext cx="2502278" cy="0"/>
+          </a:xfrm>
+          <a:prstGeom prst="straightConnector1">
+            <a:avLst/>
+          </a:prstGeom>
+          <a:ln>
+            <a:headEnd type="triangle"/>
+            <a:tailEnd type="triangle"/>
+          </a:ln>
+        </p:spPr>
+        <p:style>
+          <a:lnRef idx="1">
+            <a:schemeClr val="dk1"/>
+          </a:lnRef>
+          <a:fillRef idx="0">
+            <a:schemeClr val="dk1"/>
+          </a:fillRef>
+          <a:effectRef idx="0">
+            <a:schemeClr val="dk1"/>
+          </a:effectRef>
+          <a:fontRef idx="minor">
+            <a:schemeClr val="tx1"/>
+          </a:fontRef>
+        </p:style>
+      </p:cxnSp>
+      <p:sp>
+        <p:nvSpPr>
+          <p:cNvPr id="22" name="TextBox 21"/>
+          <p:cNvSpPr txBox="1"/>
+          <p:nvPr/>
+        </p:nvSpPr>
+        <p:spPr>
+          <a:xfrm>
+            <a:off x="1300867" y="765865"/>
+            <a:ext cx="2385265" cy="430887"/>
+          </a:xfrm>
+          <a:prstGeom prst="rect">
+            <a:avLst/>
+          </a:prstGeom>
+          <a:noFill/>
+        </p:spPr>
+        <p:txBody>
+          <a:bodyPr wrap="square" rtlCol="0">
+            <a:spAutoFit/>
+          </a:bodyPr>
+          <a:lstStyle/>
+          <a:p>
+            <a:pPr algn="ctr"/>
+            <a:r>
+              <a:rPr lang="en-US" altLang="ko-KR" sz="1100" b="1" smtClean="0"/>
+              <a:t>page_per_section</a:t>
+            </a:r>
+            <a:r>
+              <a:rPr lang="en-US" altLang="ko-KR" sz="1100" smtClean="0"/>
+              <a:t/>
+            </a:r>
+            <a:br>
+              <a:rPr lang="en-US" altLang="ko-KR" sz="1100" smtClean="0"/>
+            </a:br>
+            <a:r>
+              <a:rPr lang="en-US" altLang="ko-KR" sz="1100" smtClean="0"/>
+              <a:t>size: 16 bit</a:t>
+            </a:r>
+            <a:endParaRPr lang="ko-KR" altLang="en-US" sz="1100"/>
+          </a:p>
+        </p:txBody>
+      </p:sp>
+      <p:cxnSp>
+        <p:nvCxnSpPr>
+          <p:cNvPr id="23" name="직선 연결선 22"/>
+          <p:cNvCxnSpPr/>
+          <p:nvPr/>
+        </p:nvCxnSpPr>
+        <p:spPr>
+          <a:xfrm>
+            <a:off x="467544" y="621489"/>
+            <a:ext cx="0" cy="287231"/>
+          </a:xfrm>
+          <a:prstGeom prst="line">
+            <a:avLst/>
+          </a:prstGeom>
+        </p:spPr>
+        <p:style>
+          <a:lnRef idx="1">
+            <a:schemeClr val="dk1"/>
+          </a:lnRef>
+          <a:fillRef idx="0">
+            <a:schemeClr val="dk1"/>
+          </a:fillRef>
+          <a:effectRef idx="0">
+            <a:schemeClr val="dk1"/>
+          </a:effectRef>
+          <a:fontRef idx="minor">
+            <a:schemeClr val="tx1"/>
+          </a:fontRef>
+        </p:style>
+      </p:cxnSp>
+      <p:cxnSp>
+        <p:nvCxnSpPr>
+          <p:cNvPr id="24" name="직선 연결선 23"/>
+          <p:cNvCxnSpPr/>
+          <p:nvPr/>
+        </p:nvCxnSpPr>
+        <p:spPr>
+          <a:xfrm>
+            <a:off x="3734907" y="621488"/>
+            <a:ext cx="0" cy="287231"/>
+          </a:xfrm>
+          <a:prstGeom prst="line">
+            <a:avLst/>
+          </a:prstGeom>
+        </p:spPr>
+        <p:style>
+          <a:lnRef idx="1">
+            <a:schemeClr val="dk1"/>
+          </a:lnRef>
+          <a:fillRef idx="0">
+            <a:schemeClr val="dk1"/>
+          </a:fillRef>
+          <a:effectRef idx="0">
+            <a:schemeClr val="dk1"/>
+          </a:effectRef>
+          <a:fontRef idx="minor">
+            <a:schemeClr val="tx1"/>
+          </a:fontRef>
+        </p:style>
+      </p:cxnSp>
+      <p:cxnSp>
+        <p:nvCxnSpPr>
+          <p:cNvPr id="25" name="직선 화살표 연결선 24"/>
+          <p:cNvCxnSpPr/>
+          <p:nvPr/>
+        </p:nvCxnSpPr>
+        <p:spPr>
+          <a:xfrm flipV="1">
+            <a:off x="467544" y="765505"/>
+            <a:ext cx="3267363" cy="360"/>
+          </a:xfrm>
+          <a:prstGeom prst="straightConnector1">
+            <a:avLst/>
+          </a:prstGeom>
+          <a:ln>
+            <a:headEnd type="triangle"/>
+            <a:tailEnd type="triangle"/>
+          </a:ln>
+        </p:spPr>
+        <p:style>
+          <a:lnRef idx="1">
+            <a:schemeClr val="dk1"/>
+          </a:lnRef>
+          <a:fillRef idx="0">
+            <a:schemeClr val="dk1"/>
+          </a:fillRef>
+          <a:effectRef idx="0">
+            <a:schemeClr val="dk1"/>
+          </a:effectRef>
+          <a:fontRef idx="minor">
+            <a:schemeClr val="tx1"/>
+          </a:fontRef>
+        </p:style>
+      </p:cxnSp>
+      <p:sp>
+        <p:nvSpPr>
+          <p:cNvPr id="26" name="TextBox 25"/>
+          <p:cNvSpPr txBox="1"/>
+          <p:nvPr/>
+        </p:nvSpPr>
+        <p:spPr>
+          <a:xfrm>
+            <a:off x="3577389" y="2447232"/>
+            <a:ext cx="1728191" cy="430887"/>
+          </a:xfrm>
+          <a:prstGeom prst="rect">
+            <a:avLst/>
+          </a:prstGeom>
+          <a:noFill/>
+        </p:spPr>
+        <p:txBody>
+          <a:bodyPr wrap="square" rtlCol="0">
+            <a:spAutoFit/>
+          </a:bodyPr>
+          <a:lstStyle/>
+          <a:p>
+            <a:pPr algn="ctr"/>
+            <a:r>
+              <a:rPr lang="en-US" altLang="ko-KR" sz="1100" b="1" smtClean="0"/>
+              <a:t>page</a:t>
+            </a:r>
+            <a:r>
+              <a:rPr lang="en-US" altLang="ko-KR" sz="1100" smtClean="0"/>
+              <a:t>: phys / 4096(4K)</a:t>
+            </a:r>
+            <a:br>
+              <a:rPr lang="en-US" altLang="ko-KR" sz="1100" smtClean="0"/>
+            </a:br>
+            <a:r>
+              <a:rPr lang="en-US" altLang="ko-KR" sz="1100" smtClean="0"/>
+              <a:t>size: 12 bit</a:t>
+            </a:r>
+            <a:endParaRPr lang="ko-KR" altLang="en-US" sz="1100"/>
+          </a:p>
+        </p:txBody>
+      </p:sp>
+      <p:cxnSp>
+        <p:nvCxnSpPr>
+          <p:cNvPr id="28" name="직선 연결선 27"/>
+          <p:cNvCxnSpPr/>
+          <p:nvPr/>
+        </p:nvCxnSpPr>
+        <p:spPr>
+          <a:xfrm>
+            <a:off x="3734907" y="2132856"/>
+            <a:ext cx="0" cy="287231"/>
+          </a:xfrm>
+          <a:prstGeom prst="line">
+            <a:avLst/>
+          </a:prstGeom>
+        </p:spPr>
+        <p:style>
+          <a:lnRef idx="1">
+            <a:schemeClr val="dk1"/>
+          </a:lnRef>
+          <a:fillRef idx="0">
+            <a:schemeClr val="dk1"/>
+          </a:fillRef>
+          <a:effectRef idx="0">
+            <a:schemeClr val="dk1"/>
+          </a:effectRef>
+          <a:fontRef idx="minor">
+            <a:schemeClr val="tx1"/>
+          </a:fontRef>
+        </p:style>
+      </p:cxnSp>
+      <p:cxnSp>
+        <p:nvCxnSpPr>
+          <p:cNvPr id="29" name="직선 연결선 28"/>
+          <p:cNvCxnSpPr/>
+          <p:nvPr/>
+        </p:nvCxnSpPr>
+        <p:spPr>
+          <a:xfrm>
+            <a:off x="5148064" y="2132856"/>
+            <a:ext cx="0" cy="287231"/>
+          </a:xfrm>
+          <a:prstGeom prst="line">
+            <a:avLst/>
+          </a:prstGeom>
+        </p:spPr>
+        <p:style>
+          <a:lnRef idx="1">
+            <a:schemeClr val="dk1"/>
+          </a:lnRef>
+          <a:fillRef idx="0">
+            <a:schemeClr val="dk1"/>
+          </a:fillRef>
+          <a:effectRef idx="0">
+            <a:schemeClr val="dk1"/>
+          </a:effectRef>
+          <a:fontRef idx="minor">
+            <a:schemeClr val="tx1"/>
+          </a:fontRef>
+        </p:style>
+      </p:cxnSp>
+      <p:cxnSp>
+        <p:nvCxnSpPr>
+          <p:cNvPr id="30" name="직선 화살표 연결선 29"/>
+          <p:cNvCxnSpPr/>
+          <p:nvPr/>
+        </p:nvCxnSpPr>
+        <p:spPr>
+          <a:xfrm>
+            <a:off x="3734907" y="2266369"/>
+            <a:ext cx="1413157" cy="0"/>
+          </a:xfrm>
+          <a:prstGeom prst="straightConnector1">
+            <a:avLst/>
+          </a:prstGeom>
+          <a:ln>
+            <a:headEnd type="triangle"/>
+            <a:tailEnd type="triangle"/>
+          </a:ln>
+        </p:spPr>
+        <p:style>
+          <a:lnRef idx="1">
+            <a:schemeClr val="dk1"/>
+          </a:lnRef>
+          <a:fillRef idx="0">
+            <a:schemeClr val="dk1"/>
+          </a:fillRef>
+          <a:effectRef idx="0">
+            <a:schemeClr val="dk1"/>
+          </a:effectRef>
+          <a:fontRef idx="minor">
+            <a:schemeClr val="tx1"/>
+          </a:fontRef>
+        </p:style>
+      </p:cxnSp>
+      <p:sp>
+        <p:nvSpPr>
+          <p:cNvPr id="31" name="TextBox 30"/>
+          <p:cNvSpPr txBox="1"/>
+          <p:nvPr/>
+        </p:nvSpPr>
+        <p:spPr>
+          <a:xfrm>
+            <a:off x="755576" y="333817"/>
+            <a:ext cx="2385265" cy="430887"/>
+          </a:xfrm>
+          <a:prstGeom prst="rect">
+            <a:avLst/>
+          </a:prstGeom>
+          <a:noFill/>
+        </p:spPr>
+        <p:txBody>
+          <a:bodyPr wrap="square" rtlCol="0">
+            <a:spAutoFit/>
+          </a:bodyPr>
+          <a:lstStyle/>
+          <a:p>
+            <a:pPr algn="ctr"/>
+            <a:r>
+              <a:rPr lang="en-US" altLang="ko-KR" sz="1100" b="1" smtClean="0"/>
+              <a:t>pfn</a:t>
+            </a:r>
+            <a:r>
+              <a:rPr lang="en-US" altLang="ko-KR" sz="1100" smtClean="0"/>
+              <a:t>: phys / 4096</a:t>
+            </a:r>
+            <a:br>
+              <a:rPr lang="en-US" altLang="ko-KR" sz="1100" smtClean="0"/>
+            </a:br>
+            <a:r>
+              <a:rPr lang="en-US" altLang="ko-KR" sz="1100" smtClean="0"/>
+              <a:t>size: 20 bit</a:t>
+            </a:r>
+            <a:endParaRPr lang="ko-KR" altLang="en-US" sz="1100"/>
+          </a:p>
+        </p:txBody>
+      </p:sp>
+      <p:sp>
+        <p:nvSpPr>
+          <p:cNvPr id="35" name="직사각형 34"/>
+          <p:cNvSpPr/>
+          <p:nvPr/>
+        </p:nvSpPr>
+        <p:spPr>
+          <a:xfrm>
+            <a:off x="3738288" y="1627440"/>
+            <a:ext cx="1409776" cy="432048"/>
+          </a:xfrm>
+          <a:prstGeom prst="rect">
+            <a:avLst/>
+          </a:prstGeom>
+        </p:spPr>
+        <p:style>
+          <a:lnRef idx="1">
+            <a:schemeClr val="dk1"/>
+          </a:lnRef>
+          <a:fillRef idx="2">
+            <a:schemeClr val="dk1"/>
+          </a:fillRef>
+          <a:effectRef idx="1">
+            <a:schemeClr val="dk1"/>
+          </a:effectRef>
+          <a:fontRef idx="minor">
+            <a:schemeClr val="dk1"/>
+          </a:fontRef>
+        </p:style>
+        <p:txBody>
+          <a:bodyPr rtlCol="0" anchor="ctr"/>
+          <a:lstStyle/>
+          <a:p>
+            <a:pPr algn="ctr"/>
+            <a:r>
+              <a:rPr lang="en-US" altLang="ko-KR" sz="1000" b="1" smtClean="0"/>
+              <a:t>page</a:t>
+            </a:r>
+            <a:endParaRPr lang="ko-KR" altLang="en-US" sz="1000" b="1"/>
+          </a:p>
+        </p:txBody>
+      </p:sp>
+      <p:sp>
+        <p:nvSpPr>
+          <p:cNvPr id="36" name="직사각형 35"/>
+          <p:cNvSpPr/>
+          <p:nvPr/>
+        </p:nvSpPr>
+        <p:spPr>
+          <a:xfrm>
+            <a:off x="471743" y="1636079"/>
+            <a:ext cx="764543" cy="418145"/>
+          </a:xfrm>
+          <a:prstGeom prst="rect">
+            <a:avLst/>
+          </a:prstGeom>
+        </p:spPr>
+        <p:style>
+          <a:lnRef idx="1">
+            <a:schemeClr val="dk1"/>
+          </a:lnRef>
+          <a:fillRef idx="2">
+            <a:schemeClr val="dk1"/>
+          </a:fillRef>
+          <a:effectRef idx="1">
+            <a:schemeClr val="dk1"/>
+          </a:effectRef>
+          <a:fontRef idx="minor">
+            <a:schemeClr val="dk1"/>
+          </a:fontRef>
+        </p:style>
+        <p:txBody>
+          <a:bodyPr rtlCol="0" anchor="ctr"/>
+          <a:lstStyle/>
+          <a:p>
+            <a:pPr algn="ctr"/>
+            <a:r>
+              <a:rPr lang="en-US" altLang="ko-KR" sz="1000" b="1" smtClean="0"/>
+              <a:t>section</a:t>
+            </a:r>
+            <a:endParaRPr lang="ko-KR" altLang="en-US" sz="1000" b="1"/>
+          </a:p>
+        </p:txBody>
+      </p:sp>
+      <p:cxnSp>
+        <p:nvCxnSpPr>
+          <p:cNvPr id="38" name="직선 연결선 37"/>
+          <p:cNvCxnSpPr/>
+          <p:nvPr/>
+        </p:nvCxnSpPr>
+        <p:spPr>
+          <a:xfrm>
+            <a:off x="462218" y="2132857"/>
+            <a:ext cx="0" cy="287231"/>
+          </a:xfrm>
+          <a:prstGeom prst="line">
+            <a:avLst/>
+          </a:prstGeom>
+        </p:spPr>
+        <p:style>
+          <a:lnRef idx="1">
+            <a:schemeClr val="dk1"/>
+          </a:lnRef>
+          <a:fillRef idx="0">
+            <a:schemeClr val="dk1"/>
+          </a:fillRef>
+          <a:effectRef idx="0">
+            <a:schemeClr val="dk1"/>
+          </a:effectRef>
+          <a:fontRef idx="minor">
+            <a:schemeClr val="tx1"/>
+          </a:fontRef>
+        </p:style>
+      </p:cxnSp>
+      <p:cxnSp>
+        <p:nvCxnSpPr>
+          <p:cNvPr id="39" name="직선 연결선 38"/>
+          <p:cNvCxnSpPr/>
+          <p:nvPr/>
+        </p:nvCxnSpPr>
+        <p:spPr>
+          <a:xfrm>
+            <a:off x="1232630" y="2132856"/>
+            <a:ext cx="0" cy="287231"/>
+          </a:xfrm>
+          <a:prstGeom prst="line">
+            <a:avLst/>
+          </a:prstGeom>
+        </p:spPr>
+        <p:style>
+          <a:lnRef idx="1">
+            <a:schemeClr val="dk1"/>
+          </a:lnRef>
+          <a:fillRef idx="0">
+            <a:schemeClr val="dk1"/>
+          </a:fillRef>
+          <a:effectRef idx="0">
+            <a:schemeClr val="dk1"/>
+          </a:effectRef>
+          <a:fontRef idx="minor">
+            <a:schemeClr val="tx1"/>
+          </a:fontRef>
+        </p:style>
+      </p:cxnSp>
+    </p:spTree>
+    <p:extLst>
+      <p:ext uri="{BB962C8B-B14F-4D97-AF65-F5344CB8AC3E}">
+        <p14:creationId xmlns:p14="http://schemas.microsoft.com/office/powerpoint/2010/main" val="3006248203"/>
+      </p:ext>
+    </p:extLst>
+  </p:cSld>
+  <p:clrMapOvr>
+    <a:masterClrMapping/>
+  </p:clrMapOvr>
+  <p:timing>
+    <p:tnLst>
+      <p:par>
+        <p:cTn id="1" dur="indefinite" restart="never" nodeType="tmRoot"/>
+      </p:par>
+    </p:tnLst>
+  </p:timing>
+</p:sld>
+</file>
+
 <file path=ppt/theme/theme1.xml><?xml version="1.0" encoding="utf-8"?>
 <a:theme xmlns:a="http://schemas.openxmlformats.org/drawingml/2006/main" name="Office 테마">
   <a:themeElements>

--- a/00-iamroot11c/users/blomdhal/temp/temp.pptx
+++ b/00-iamroot11c/users/blomdhal/temp/temp.pptx
@@ -10,6 +10,7 @@
     <p:sldId id="258" r:id="rId4"/>
     <p:sldId id="259" r:id="rId5"/>
     <p:sldId id="260" r:id="rId6"/>
+    <p:sldId id="261" r:id="rId7"/>
   </p:sldIdLst>
   <p:sldSz cx="9144000" cy="6858000" type="screen4x3"/>
   <p:notesSz cx="6858000" cy="9144000"/>
@@ -292,7 +293,7 @@
           <a:p>
             <a:fld id="{45806C50-3C04-4827-BE75-29D46D82EADB}" type="datetimeFigureOut">
               <a:rPr lang="ko-KR" altLang="en-US" smtClean="0"/>
-              <a:t>2014-12-31</a:t>
+              <a:t>2015-02-03</a:t>
             </a:fld>
             <a:endParaRPr lang="ko-KR" altLang="en-US"/>
           </a:p>
@@ -462,7 +463,7 @@
           <a:p>
             <a:fld id="{45806C50-3C04-4827-BE75-29D46D82EADB}" type="datetimeFigureOut">
               <a:rPr lang="ko-KR" altLang="en-US" smtClean="0"/>
-              <a:t>2014-12-31</a:t>
+              <a:t>2015-02-03</a:t>
             </a:fld>
             <a:endParaRPr lang="ko-KR" altLang="en-US"/>
           </a:p>
@@ -642,7 +643,7 @@
           <a:p>
             <a:fld id="{45806C50-3C04-4827-BE75-29D46D82EADB}" type="datetimeFigureOut">
               <a:rPr lang="ko-KR" altLang="en-US" smtClean="0"/>
-              <a:t>2014-12-31</a:t>
+              <a:t>2015-02-03</a:t>
             </a:fld>
             <a:endParaRPr lang="ko-KR" altLang="en-US"/>
           </a:p>
@@ -812,7 +813,7 @@
           <a:p>
             <a:fld id="{45806C50-3C04-4827-BE75-29D46D82EADB}" type="datetimeFigureOut">
               <a:rPr lang="ko-KR" altLang="en-US" smtClean="0"/>
-              <a:t>2014-12-31</a:t>
+              <a:t>2015-02-03</a:t>
             </a:fld>
             <a:endParaRPr lang="ko-KR" altLang="en-US"/>
           </a:p>
@@ -1058,7 +1059,7 @@
           <a:p>
             <a:fld id="{45806C50-3C04-4827-BE75-29D46D82EADB}" type="datetimeFigureOut">
               <a:rPr lang="ko-KR" altLang="en-US" smtClean="0"/>
-              <a:t>2014-12-31</a:t>
+              <a:t>2015-02-03</a:t>
             </a:fld>
             <a:endParaRPr lang="ko-KR" altLang="en-US"/>
           </a:p>
@@ -1346,7 +1347,7 @@
           <a:p>
             <a:fld id="{45806C50-3C04-4827-BE75-29D46D82EADB}" type="datetimeFigureOut">
               <a:rPr lang="ko-KR" altLang="en-US" smtClean="0"/>
-              <a:t>2014-12-31</a:t>
+              <a:t>2015-02-03</a:t>
             </a:fld>
             <a:endParaRPr lang="ko-KR" altLang="en-US"/>
           </a:p>
@@ -1768,7 +1769,7 @@
           <a:p>
             <a:fld id="{45806C50-3C04-4827-BE75-29D46D82EADB}" type="datetimeFigureOut">
               <a:rPr lang="ko-KR" altLang="en-US" smtClean="0"/>
-              <a:t>2014-12-31</a:t>
+              <a:t>2015-02-03</a:t>
             </a:fld>
             <a:endParaRPr lang="ko-KR" altLang="en-US"/>
           </a:p>
@@ -1886,7 +1887,7 @@
           <a:p>
             <a:fld id="{45806C50-3C04-4827-BE75-29D46D82EADB}" type="datetimeFigureOut">
               <a:rPr lang="ko-KR" altLang="en-US" smtClean="0"/>
-              <a:t>2014-12-31</a:t>
+              <a:t>2015-02-03</a:t>
             </a:fld>
             <a:endParaRPr lang="ko-KR" altLang="en-US"/>
           </a:p>
@@ -1981,7 +1982,7 @@
           <a:p>
             <a:fld id="{45806C50-3C04-4827-BE75-29D46D82EADB}" type="datetimeFigureOut">
               <a:rPr lang="ko-KR" altLang="en-US" smtClean="0"/>
-              <a:t>2014-12-31</a:t>
+              <a:t>2015-02-03</a:t>
             </a:fld>
             <a:endParaRPr lang="ko-KR" altLang="en-US"/>
           </a:p>
@@ -2258,7 +2259,7 @@
           <a:p>
             <a:fld id="{45806C50-3C04-4827-BE75-29D46D82EADB}" type="datetimeFigureOut">
               <a:rPr lang="ko-KR" altLang="en-US" smtClean="0"/>
-              <a:t>2014-12-31</a:t>
+              <a:t>2015-02-03</a:t>
             </a:fld>
             <a:endParaRPr lang="ko-KR" altLang="en-US"/>
           </a:p>
@@ -2511,7 +2512,7 @@
           <a:p>
             <a:fld id="{45806C50-3C04-4827-BE75-29D46D82EADB}" type="datetimeFigureOut">
               <a:rPr lang="ko-KR" altLang="en-US" smtClean="0"/>
-              <a:t>2014-12-31</a:t>
+              <a:t>2015-02-03</a:t>
             </a:fld>
             <a:endParaRPr lang="ko-KR" altLang="en-US"/>
           </a:p>
@@ -2724,7 +2725,7 @@
           <a:p>
             <a:fld id="{45806C50-3C04-4827-BE75-29D46D82EADB}" type="datetimeFigureOut">
               <a:rPr lang="ko-KR" altLang="en-US" smtClean="0"/>
-              <a:t>2014-12-31</a:t>
+              <a:t>2015-02-03</a:t>
             </a:fld>
             <a:endParaRPr lang="ko-KR" altLang="en-US"/>
           </a:p>
@@ -12508,6 +12509,43 @@
 </p:sld>
 </file>
 
+<file path=ppt/slides/slide6.xml><?xml version="1.0" encoding="utf-8"?>
+<p:sld xmlns:a="http://schemas.openxmlformats.org/drawingml/2006/main" xmlns:r="http://schemas.openxmlformats.org/officeDocument/2006/relationships" xmlns:p="http://schemas.openxmlformats.org/presentationml/2006/main">
+  <p:cSld>
+    <p:spTree>
+      <p:nvGrpSpPr>
+        <p:cNvPr id="1" name=""/>
+        <p:cNvGrpSpPr/>
+        <p:nvPr/>
+      </p:nvGrpSpPr>
+      <p:grpSpPr>
+        <a:xfrm>
+          <a:off x="0" y="0"/>
+          <a:ext cx="0" cy="0"/>
+          <a:chOff x="0" y="0"/>
+          <a:chExt cx="0" cy="0"/>
+        </a:xfrm>
+      </p:grpSpPr>
+    </p:spTree>
+    <p:extLst>
+      <p:ext uri="{BB962C8B-B14F-4D97-AF65-F5344CB8AC3E}">
+        <p14:creationId xmlns:p14="http://schemas.microsoft.com/office/powerpoint/2010/main" val="3388505143"/>
+      </p:ext>
+    </p:extLst>
+  </p:cSld>
+  <p:clrMapOvr>
+    <a:masterClrMapping/>
+  </p:clrMapOvr>
+  <p:timing>
+    <p:tnLst>
+      <p:par>
+        <p:cTn id="1" dur="indefinite" restart="never" nodeType="tmRoot"/>
+      </p:par>
+    </p:tnLst>
+  </p:timing>
+</p:sld>
+</file>
+
 <file path=ppt/theme/theme1.xml><?xml version="1.0" encoding="utf-8"?>
 <a:theme xmlns:a="http://schemas.openxmlformats.org/drawingml/2006/main" name="Office 테마">
   <a:themeElements>
